--- a/Personas und Szenarien/Personas_Redsign_RZ.pptx
+++ b/Personas und Szenarien/Personas_Redsign_RZ.pptx
@@ -437,7 +437,7 @@
             <a:fld id="{9423E4B3-2C73-4EB6-894D-4ED28E44A2E3}" type="datetimeFigureOut">
               <a:rPr lang="de-DE" smtClean="0"/>
               <a:pPr/>
-              <a:t>02.09.2015</a:t>
+              <a:t>03.09.2015</a:t>
             </a:fld>
             <a:endParaRPr lang="de-DE"/>
           </a:p>
@@ -630,7 +630,7 @@
             <a:fld id="{9423E4B3-2C73-4EB6-894D-4ED28E44A2E3}" type="datetimeFigureOut">
               <a:rPr lang="de-DE" smtClean="0"/>
               <a:pPr/>
-              <a:t>02.09.2015</a:t>
+              <a:t>03.09.2015</a:t>
             </a:fld>
             <a:endParaRPr lang="de-DE"/>
           </a:p>
@@ -817,7 +817,7 @@
             <a:fld id="{9423E4B3-2C73-4EB6-894D-4ED28E44A2E3}" type="datetimeFigureOut">
               <a:rPr lang="de-DE" smtClean="0"/>
               <a:pPr/>
-              <a:t>02.09.2015</a:t>
+              <a:t>03.09.2015</a:t>
             </a:fld>
             <a:endParaRPr lang="de-DE"/>
           </a:p>
@@ -1082,7 +1082,7 @@
             <a:fld id="{9423E4B3-2C73-4EB6-894D-4ED28E44A2E3}" type="datetimeFigureOut">
               <a:rPr lang="de-DE" smtClean="0"/>
               <a:pPr/>
-              <a:t>02.09.2015</a:t>
+              <a:t>03.09.2015</a:t>
             </a:fld>
             <a:endParaRPr lang="de-DE"/>
           </a:p>
@@ -1500,7 +1500,7 @@
             <a:fld id="{9423E4B3-2C73-4EB6-894D-4ED28E44A2E3}" type="datetimeFigureOut">
               <a:rPr lang="de-DE" smtClean="0"/>
               <a:pPr/>
-              <a:t>02.09.2015</a:t>
+              <a:t>03.09.2015</a:t>
             </a:fld>
             <a:endParaRPr lang="de-DE"/>
           </a:p>
@@ -1744,7 +1744,7 @@
             <a:fld id="{9423E4B3-2C73-4EB6-894D-4ED28E44A2E3}" type="datetimeFigureOut">
               <a:rPr lang="de-DE" smtClean="0"/>
               <a:pPr/>
-              <a:t>02.09.2015</a:t>
+              <a:t>03.09.2015</a:t>
             </a:fld>
             <a:endParaRPr lang="de-DE"/>
           </a:p>
@@ -1982,7 +1982,7 @@
             <a:fld id="{9423E4B3-2C73-4EB6-894D-4ED28E44A2E3}" type="datetimeFigureOut">
               <a:rPr lang="de-DE" smtClean="0"/>
               <a:pPr/>
-              <a:t>02.09.2015</a:t>
+              <a:t>03.09.2015</a:t>
             </a:fld>
             <a:endParaRPr lang="de-DE"/>
           </a:p>
@@ -2179,7 +2179,7 @@
             <a:fld id="{9423E4B3-2C73-4EB6-894D-4ED28E44A2E3}" type="datetimeFigureOut">
               <a:rPr lang="de-DE" smtClean="0"/>
               <a:pPr/>
-              <a:t>02.09.2015</a:t>
+              <a:t>03.09.2015</a:t>
             </a:fld>
             <a:endParaRPr lang="de-DE"/>
           </a:p>
@@ -2279,7 +2279,7 @@
             <a:fld id="{9423E4B3-2C73-4EB6-894D-4ED28E44A2E3}" type="datetimeFigureOut">
               <a:rPr lang="de-DE" smtClean="0"/>
               <a:pPr/>
-              <a:t>02.09.2015</a:t>
+              <a:t>03.09.2015</a:t>
             </a:fld>
             <a:endParaRPr lang="de-DE"/>
           </a:p>
@@ -2417,7 +2417,7 @@
             <a:fld id="{9423E4B3-2C73-4EB6-894D-4ED28E44A2E3}" type="datetimeFigureOut">
               <a:rPr lang="de-DE" smtClean="0"/>
               <a:pPr/>
-              <a:t>02.09.2015</a:t>
+              <a:t>03.09.2015</a:t>
             </a:fld>
             <a:endParaRPr lang="de-DE"/>
           </a:p>
@@ -2937,7 +2937,7 @@
             <a:fld id="{9423E4B3-2C73-4EB6-894D-4ED28E44A2E3}" type="datetimeFigureOut">
               <a:rPr lang="de-DE" smtClean="0"/>
               <a:pPr/>
-              <a:t>02.09.2015</a:t>
+              <a:t>03.09.2015</a:t>
             </a:fld>
             <a:endParaRPr lang="de-DE"/>
           </a:p>
@@ -3200,7 +3200,7 @@
             <a:fld id="{9423E4B3-2C73-4EB6-894D-4ED28E44A2E3}" type="datetimeFigureOut">
               <a:rPr lang="de-DE" smtClean="0"/>
               <a:pPr/>
-              <a:t>02.09.2015</a:t>
+              <a:t>03.09.2015</a:t>
             </a:fld>
             <a:endParaRPr lang="de-DE"/>
           </a:p>
@@ -3756,7 +3756,7 @@
           <a:lstStyle/>
           <a:p>
             <a:r>
-              <a:rPr lang="de-DE" err="1" smtClean="0"/>
+              <a:rPr lang="de-DE" dirty="0" err="1" smtClean="0"/>
               <a:t>Personas</a:t>
             </a:r>
             <a:r>
@@ -4721,7 +4721,7 @@
           <p:nvPr>
             <p:extLst>
               <p:ext uri="{D42A27DB-BD31-4B8C-83A1-F6EECF244321}">
-                <p14:modId xmlns:p14="http://schemas.microsoft.com/office/powerpoint/2010/main" val="303696450"/>
+                <p14:modId xmlns:p14="http://schemas.microsoft.com/office/powerpoint/2010/main" val="2838990688"/>
               </p:ext>
             </p:extLst>
           </p:nvPr>
@@ -4763,7 +4763,7 @@
                         <a:tabLst/>
                       </a:pPr>
                       <a:r>
-                        <a:rPr kumimoji="0" lang="en-US" sz="1000" b="1" i="0" u="none" strike="noStrike" cap="none" normalizeH="0" baseline="0" smtClean="0">
+                        <a:rPr kumimoji="0" lang="en-US" sz="1000" b="1" i="0" u="none" strike="noStrike" cap="none" normalizeH="0" baseline="0" dirty="0" smtClean="0">
                           <a:ln>
                             <a:noFill/>
                           </a:ln>
@@ -4829,18 +4829,28 @@
                         <a:tabLst/>
                       </a:pPr>
                       <a:r>
-                        <a:rPr kumimoji="0" lang="en-US" sz="1000" b="0" i="0" u="none" strike="noStrike" cap="none" normalizeH="0" baseline="0" smtClean="0">
-                          <a:ln>
-                            <a:noFill/>
-                          </a:ln>
-                          <a:solidFill>
-                            <a:schemeClr val="tx1"/>
-                          </a:solidFill>
-                          <a:effectLst/>
-                          <a:latin typeface="Arial" charset="0"/>
-                        </a:rPr>
-                        <a:t>…</a:t>
-                      </a:r>
+                        <a:rPr kumimoji="0" lang="en-US" sz="1000" b="0" i="0" u="none" strike="noStrike" cap="none" normalizeH="0" baseline="0" dirty="0" smtClean="0">
+                          <a:ln>
+                            <a:noFill/>
+                          </a:ln>
+                          <a:solidFill>
+                            <a:schemeClr val="tx1"/>
+                          </a:solidFill>
+                          <a:effectLst/>
+                          <a:latin typeface="Arial" charset="0"/>
+                        </a:rPr>
+                        <a:t>48</a:t>
+                      </a:r>
+                      <a:endParaRPr kumimoji="0" lang="en-US" sz="1000" b="0" i="0" u="none" strike="noStrike" cap="none" normalizeH="0" baseline="0" dirty="0" smtClean="0">
+                        <a:ln>
+                          <a:noFill/>
+                        </a:ln>
+                        <a:solidFill>
+                          <a:schemeClr val="tx1"/>
+                        </a:solidFill>
+                        <a:effectLst/>
+                        <a:latin typeface="Arial" charset="0"/>
+                      </a:endParaRPr>
                     </a:p>
                   </a:txBody>
                   <a:tcPr marL="90488" marR="90488" marT="44450" marB="44450" horzOverflow="overflow">
@@ -4979,19 +4989,45 @@
                         <a:tabLst/>
                       </a:pPr>
                       <a:r>
-                        <a:rPr kumimoji="0" lang="en-US" sz="1000" b="0" i="0" u="none" strike="noStrike" cap="none" normalizeH="0" baseline="0" err="1" smtClean="0">
-                          <a:ln>
-                            <a:noFill/>
-                          </a:ln>
-                          <a:solidFill>
-                            <a:schemeClr val="tx1"/>
-                          </a:solidFill>
-                          <a:effectLst/>
-                          <a:latin typeface="Arial" charset="0"/>
-                        </a:rPr>
-                        <a:t>Dozent</a:t>
-                      </a:r>
-                      <a:endParaRPr kumimoji="0" lang="en-US" sz="1000" b="0" i="0" u="none" strike="noStrike" cap="none" normalizeH="0" baseline="0" smtClean="0">
+                        <a:rPr kumimoji="0" lang="en-US" sz="1000" b="0" i="0" u="none" strike="noStrike" cap="none" normalizeH="0" baseline="0" dirty="0" smtClean="0">
+                          <a:ln>
+                            <a:noFill/>
+                          </a:ln>
+                          <a:solidFill>
+                            <a:schemeClr val="tx1"/>
+                          </a:solidFill>
+                          <a:effectLst/>
+                          <a:latin typeface="Arial" charset="0"/>
+                        </a:rPr>
+                        <a:t>Professor der </a:t>
+                      </a:r>
+                      <a:r>
+                        <a:rPr kumimoji="0" lang="de-DE" sz="1000" b="0" i="0" u="none" strike="noStrike" cap="none" normalizeH="0" baseline="0" noProof="0" dirty="0" smtClean="0">
+                          <a:ln>
+                            <a:noFill/>
+                          </a:ln>
+                          <a:solidFill>
+                            <a:schemeClr val="tx1"/>
+                          </a:solidFill>
+                          <a:effectLst/>
+                          <a:latin typeface="Arial" charset="0"/>
+                        </a:rPr>
+                        <a:t>Literaturwissenschaft</a:t>
+                      </a:r>
+                      <a:r>
+                        <a:rPr kumimoji="0" lang="en-US" sz="1000" b="0" i="0" u="none" strike="noStrike" cap="none" normalizeH="0" baseline="0" dirty="0" smtClean="0">
+                          <a:ln>
+                            <a:noFill/>
+                          </a:ln>
+                          <a:solidFill>
+                            <a:schemeClr val="tx1"/>
+                          </a:solidFill>
+                          <a:effectLst/>
+                          <a:latin typeface="Arial" charset="0"/>
+                        </a:rPr>
+                        <a:t> </a:t>
+                      </a:r>
+                      <a:endParaRPr kumimoji="0" lang="en-US" sz="1000" b="0" i="0" u="none" strike="noStrike" cap="none" normalizeH="0" baseline="0" dirty="0" smtClean="0">
                         <a:ln>
                           <a:noFill/>
                         </a:ln>
@@ -5063,7 +5099,7 @@
                         <a:tabLst/>
                       </a:pPr>
                       <a:r>
-                        <a:rPr kumimoji="0" lang="en-US" sz="1000" b="1" i="0" u="none" strike="noStrike" cap="none" normalizeH="0" baseline="0" err="1" smtClean="0">
+                        <a:rPr kumimoji="0" lang="en-US" sz="1000" b="1" i="0" u="none" strike="noStrike" cap="none" normalizeH="0" baseline="0" dirty="0" err="1" smtClean="0">
                           <a:ln>
                             <a:noFill/>
                           </a:ln>
@@ -5075,7 +5111,7 @@
                         </a:rPr>
                         <a:t>Schlüsselaktivitäten</a:t>
                       </a:r>
-                      <a:endParaRPr kumimoji="0" lang="en-US" sz="1000" b="1" i="0" u="none" strike="noStrike" cap="none" normalizeH="0" baseline="0" smtClean="0">
+                      <a:endParaRPr kumimoji="0" lang="en-US" sz="1000" b="1" i="0" u="none" strike="noStrike" cap="none" normalizeH="0" baseline="0" dirty="0" smtClean="0">
                         <a:ln>
                           <a:noFill/>
                         </a:ln>
@@ -5145,19 +5181,16 @@
                         <a:tabLst/>
                         <a:defRPr/>
                       </a:pPr>
-                      <a:r>
-                        <a:rPr kumimoji="0" lang="en-US" sz="1000" b="0" i="0" u="none" strike="noStrike" cap="none" normalizeH="0" baseline="0" smtClean="0">
-                          <a:ln>
-                            <a:noFill/>
-                          </a:ln>
-                          <a:solidFill>
-                            <a:schemeClr val="tx1"/>
-                          </a:solidFill>
-                          <a:effectLst/>
-                          <a:latin typeface="Arial" charset="0"/>
-                        </a:rPr>
-                        <a:t>…</a:t>
-                      </a:r>
+                      <a:endParaRPr kumimoji="0" lang="en-US" sz="1000" b="0" i="0" u="none" strike="noStrike" cap="none" normalizeH="0" baseline="0" dirty="0" smtClean="0">
+                        <a:ln>
+                          <a:noFill/>
+                        </a:ln>
+                        <a:solidFill>
+                          <a:schemeClr val="tx1"/>
+                        </a:solidFill>
+                        <a:effectLst/>
+                        <a:latin typeface="Arial" charset="0"/>
+                      </a:endParaRPr>
                     </a:p>
                   </a:txBody>
                   <a:tcPr marL="90488" marR="90488" marT="44450" marB="44450" horzOverflow="overflow">
@@ -6059,7 +6092,7 @@
           <p:nvPr>
             <p:extLst>
               <p:ext uri="{D42A27DB-BD31-4B8C-83A1-F6EECF244321}">
-                <p14:modId xmlns:p14="http://schemas.microsoft.com/office/powerpoint/2010/main" val="951104472"/>
+                <p14:modId xmlns:p14="http://schemas.microsoft.com/office/powerpoint/2010/main" val="129454792"/>
               </p:ext>
             </p:extLst>
           </p:nvPr>
@@ -6101,7 +6134,7 @@
                         <a:tabLst/>
                       </a:pPr>
                       <a:r>
-                        <a:rPr kumimoji="0" lang="en-US" sz="1000" b="1" i="0" u="none" strike="noStrike" cap="none" normalizeH="0" baseline="0" smtClean="0">
+                        <a:rPr kumimoji="0" lang="en-US" sz="1000" b="1" i="0" u="none" strike="noStrike" cap="none" normalizeH="0" baseline="0" dirty="0" smtClean="0">
                           <a:ln>
                             <a:noFill/>
                           </a:ln>
@@ -6167,18 +6200,28 @@
                         <a:tabLst/>
                       </a:pPr>
                       <a:r>
-                        <a:rPr kumimoji="0" lang="en-US" sz="1000" b="0" i="0" u="none" strike="noStrike" cap="none" normalizeH="0" baseline="0" smtClean="0">
-                          <a:ln>
-                            <a:noFill/>
-                          </a:ln>
-                          <a:solidFill>
-                            <a:schemeClr val="tx1"/>
-                          </a:solidFill>
-                          <a:effectLst/>
-                          <a:latin typeface="Arial" charset="0"/>
-                        </a:rPr>
-                        <a:t>…</a:t>
-                      </a:r>
+                        <a:rPr kumimoji="0" lang="en-US" sz="1000" b="0" i="0" u="none" strike="noStrike" cap="none" normalizeH="0" baseline="0" dirty="0" smtClean="0">
+                          <a:ln>
+                            <a:noFill/>
+                          </a:ln>
+                          <a:solidFill>
+                            <a:schemeClr val="tx1"/>
+                          </a:solidFill>
+                          <a:effectLst/>
+                          <a:latin typeface="Arial" charset="0"/>
+                        </a:rPr>
+                        <a:t>42</a:t>
+                      </a:r>
+                      <a:endParaRPr kumimoji="0" lang="en-US" sz="1000" b="0" i="0" u="none" strike="noStrike" cap="none" normalizeH="0" baseline="0" dirty="0" smtClean="0">
+                        <a:ln>
+                          <a:noFill/>
+                        </a:ln>
+                        <a:solidFill>
+                          <a:schemeClr val="tx1"/>
+                        </a:solidFill>
+                        <a:effectLst/>
+                        <a:latin typeface="Arial" charset="0"/>
+                      </a:endParaRPr>
                     </a:p>
                   </a:txBody>
                   <a:tcPr marL="90488" marR="90488" marT="44450" marB="44450" horzOverflow="overflow">
@@ -6235,7 +6278,7 @@
                         <a:tabLst/>
                       </a:pPr>
                       <a:r>
-                        <a:rPr kumimoji="0" lang="en-US" sz="1000" b="1" i="0" u="none" strike="noStrike" cap="none" normalizeH="0" baseline="0" err="1" smtClean="0">
+                        <a:rPr kumimoji="0" lang="en-US" sz="1000" b="1" i="0" u="none" strike="noStrike" cap="none" normalizeH="0" baseline="0" dirty="0" err="1" smtClean="0">
                           <a:ln>
                             <a:noFill/>
                           </a:ln>
@@ -6247,7 +6290,7 @@
                         </a:rPr>
                         <a:t>Bezeichnung</a:t>
                       </a:r>
-                      <a:endParaRPr kumimoji="0" lang="en-US" sz="1000" b="1" i="0" u="none" strike="noStrike" cap="none" normalizeH="0" baseline="0" smtClean="0">
+                      <a:endParaRPr kumimoji="0" lang="en-US" sz="1000" b="1" i="0" u="none" strike="noStrike" cap="none" normalizeH="0" baseline="0" dirty="0" smtClean="0">
                         <a:ln>
                           <a:noFill/>
                         </a:ln>
@@ -6317,19 +6360,45 @@
                         <a:tabLst/>
                       </a:pPr>
                       <a:r>
-                        <a:rPr kumimoji="0" lang="en-US" sz="1000" b="0" i="0" u="none" strike="noStrike" cap="none" normalizeH="0" baseline="0" err="1" smtClean="0">
-                          <a:ln>
-                            <a:noFill/>
-                          </a:ln>
-                          <a:solidFill>
-                            <a:schemeClr val="tx1"/>
-                          </a:solidFill>
-                          <a:effectLst/>
-                          <a:latin typeface="Arial" charset="0"/>
-                        </a:rPr>
-                        <a:t>Dozent</a:t>
-                      </a:r>
-                      <a:endParaRPr kumimoji="0" lang="en-US" sz="1000" b="0" i="0" u="none" strike="noStrike" cap="none" normalizeH="0" baseline="0" smtClean="0">
+                        <a:rPr kumimoji="0" lang="en-US" sz="1000" b="0" i="0" u="none" strike="noStrike" cap="none" normalizeH="0" baseline="0" dirty="0" err="1" smtClean="0">
+                          <a:ln>
+                            <a:noFill/>
+                          </a:ln>
+                          <a:solidFill>
+                            <a:schemeClr val="tx1"/>
+                          </a:solidFill>
+                          <a:effectLst/>
+                          <a:latin typeface="Arial" charset="0"/>
+                        </a:rPr>
+                        <a:t>Dozentin</a:t>
+                      </a:r>
+                      <a:r>
+                        <a:rPr kumimoji="0" lang="en-US" sz="1000" b="0" i="0" u="none" strike="noStrike" cap="none" normalizeH="0" baseline="0" dirty="0" smtClean="0">
+                          <a:ln>
+                            <a:noFill/>
+                          </a:ln>
+                          <a:solidFill>
+                            <a:schemeClr val="tx1"/>
+                          </a:solidFill>
+                          <a:effectLst/>
+                          <a:latin typeface="Arial" charset="0"/>
+                        </a:rPr>
+                        <a:t> der </a:t>
+                      </a:r>
+                      <a:r>
+                        <a:rPr kumimoji="0" lang="en-US" sz="1000" b="0" i="0" u="none" strike="noStrike" cap="none" normalizeH="0" baseline="0" dirty="0" err="1" smtClean="0">
+                          <a:ln>
+                            <a:noFill/>
+                          </a:ln>
+                          <a:solidFill>
+                            <a:schemeClr val="tx1"/>
+                          </a:solidFill>
+                          <a:effectLst/>
+                          <a:latin typeface="Arial" charset="0"/>
+                        </a:rPr>
+                        <a:t>Rechtswissenschaft</a:t>
+                      </a:r>
+                      <a:endParaRPr kumimoji="0" lang="en-US" sz="1000" b="0" i="0" u="none" strike="noStrike" cap="none" normalizeH="0" baseline="0" dirty="0" smtClean="0">
                         <a:ln>
                           <a:noFill/>
                         </a:ln>
@@ -6484,7 +6553,7 @@
                         <a:defRPr/>
                       </a:pPr>
                       <a:r>
-                        <a:rPr kumimoji="0" lang="en-US" sz="1000" b="0" i="0" u="none" strike="noStrike" cap="none" normalizeH="0" baseline="0" smtClean="0">
+                        <a:rPr kumimoji="0" lang="en-US" sz="1000" b="0" i="0" u="none" strike="noStrike" cap="none" normalizeH="0" baseline="0" dirty="0" smtClean="0">
                           <a:ln>
                             <a:noFill/>
                           </a:ln>
@@ -6858,7 +6927,7 @@
                         <a:tabLst/>
                       </a:pPr>
                       <a:r>
-                        <a:rPr kumimoji="0" lang="en-US" sz="1000" b="0" i="0" u="none" strike="noStrike" cap="none" normalizeH="0" baseline="0" smtClean="0">
+                        <a:rPr kumimoji="0" lang="en-US" sz="1000" b="0" i="0" u="none" strike="noStrike" cap="none" normalizeH="0" baseline="0" dirty="0" smtClean="0">
                           <a:ln>
                             <a:noFill/>
                           </a:ln>
@@ -6905,50 +6974,47 @@
           </a:graphicData>
         </a:graphic>
       </p:graphicFrame>
-      <p:sp>
-        <p:nvSpPr>
-          <p:cNvPr id="5" name="Rectangle 4"/>
-          <p:cNvSpPr/>
+      <p:pic>
+        <p:nvPicPr>
+          <p:cNvPr id="6" name="Picture 2" descr="Felder Franziska"/>
+          <p:cNvPicPr>
+            <a:picLocks noChangeAspect="1" noChangeArrowheads="1"/>
+          </p:cNvPicPr>
           <p:nvPr/>
-        </p:nvSpPr>
-        <p:spPr>
+        </p:nvPicPr>
+        <p:blipFill>
+          <a:blip r:embed="rId2" cstate="print">
+            <a:extLst>
+              <a:ext uri="{28A0092B-C50C-407E-A947-70E740481C1C}">
+                <a14:useLocalDpi xmlns:a14="http://schemas.microsoft.com/office/drawing/2010/main" val="0"/>
+              </a:ext>
+            </a:extLst>
+          </a:blip>
+          <a:srcRect/>
+          <a:stretch>
+            <a:fillRect/>
+          </a:stretch>
+        </p:blipFill>
+        <p:spPr bwMode="auto">
           <a:xfrm>
-            <a:off x="683568" y="1844824"/>
-            <a:ext cx="1512168" cy="1440160"/>
+            <a:off x="587537" y="1628800"/>
+            <a:ext cx="912102" cy="1368152"/>
           </a:xfrm>
           <a:prstGeom prst="rect">
             <a:avLst/>
           </a:prstGeom>
+          <a:noFill/>
+          <a:extLst>
+            <a:ext uri="{909E8E84-426E-40DD-AFC4-6F175D3DCCD1}">
+              <a14:hiddenFill xmlns:a14="http://schemas.microsoft.com/office/drawing/2010/main">
+                <a:solidFill>
+                  <a:srgbClr val="FFFFFF"/>
+                </a:solidFill>
+              </a14:hiddenFill>
+            </a:ext>
+          </a:extLst>
         </p:spPr>
-        <p:style>
-          <a:lnRef idx="2">
-            <a:schemeClr val="accent1">
-              <a:shade val="50000"/>
-            </a:schemeClr>
-          </a:lnRef>
-          <a:fillRef idx="1">
-            <a:schemeClr val="accent1"/>
-          </a:fillRef>
-          <a:effectRef idx="0">
-            <a:schemeClr val="accent1"/>
-          </a:effectRef>
-          <a:fontRef idx="minor">
-            <a:schemeClr val="lt1"/>
-          </a:fontRef>
-        </p:style>
-        <p:txBody>
-          <a:bodyPr rtlCol="0" anchor="ctr"/>
-          <a:lstStyle/>
-          <a:p>
-            <a:pPr algn="ctr"/>
-            <a:r>
-              <a:rPr lang="de-DE" smtClean="0"/>
-              <a:t>Bild</a:t>
-            </a:r>
-            <a:endParaRPr lang="de-DE"/>
-          </a:p>
-        </p:txBody>
-      </p:sp>
+      </p:pic>
     </p:spTree>
     <p:extLst>
       <p:ext uri="{BB962C8B-B14F-4D97-AF65-F5344CB8AC3E}">
@@ -7048,6 +7114,47 @@
           </a:p>
         </p:txBody>
       </p:sp>
+      <p:pic>
+        <p:nvPicPr>
+          <p:cNvPr id="4" name="Picture 2" descr="Felder Franziska"/>
+          <p:cNvPicPr>
+            <a:picLocks noChangeAspect="1" noChangeArrowheads="1"/>
+          </p:cNvPicPr>
+          <p:nvPr/>
+        </p:nvPicPr>
+        <p:blipFill>
+          <a:blip r:embed="rId2" cstate="print">
+            <a:extLst>
+              <a:ext uri="{28A0092B-C50C-407E-A947-70E740481C1C}">
+                <a14:useLocalDpi xmlns:a14="http://schemas.microsoft.com/office/drawing/2010/main" val="0"/>
+              </a:ext>
+            </a:extLst>
+          </a:blip>
+          <a:srcRect/>
+          <a:stretch>
+            <a:fillRect/>
+          </a:stretch>
+        </p:blipFill>
+        <p:spPr bwMode="auto">
+          <a:xfrm>
+            <a:off x="8100392" y="228600"/>
+            <a:ext cx="665656" cy="998483"/>
+          </a:xfrm>
+          <a:prstGeom prst="rect">
+            <a:avLst/>
+          </a:prstGeom>
+          <a:noFill/>
+          <a:extLst>
+            <a:ext uri="{909E8E84-426E-40DD-AFC4-6F175D3DCCD1}">
+              <a14:hiddenFill xmlns:a14="http://schemas.microsoft.com/office/drawing/2010/main">
+                <a:solidFill>
+                  <a:srgbClr val="FFFFFF"/>
+                </a:solidFill>
+              </a14:hiddenFill>
+            </a:ext>
+          </a:extLst>
+        </p:spPr>
+      </p:pic>
     </p:spTree>
     <p:extLst>
       <p:ext uri="{BB962C8B-B14F-4D97-AF65-F5344CB8AC3E}">
@@ -7247,6 +7354,47 @@
           </a:p>
         </p:txBody>
       </p:sp>
+      <p:pic>
+        <p:nvPicPr>
+          <p:cNvPr id="4" name="Picture 2" descr="Felder Franziska"/>
+          <p:cNvPicPr>
+            <a:picLocks noChangeAspect="1" noChangeArrowheads="1"/>
+          </p:cNvPicPr>
+          <p:nvPr/>
+        </p:nvPicPr>
+        <p:blipFill>
+          <a:blip r:embed="rId2" cstate="print">
+            <a:extLst>
+              <a:ext uri="{28A0092B-C50C-407E-A947-70E740481C1C}">
+                <a14:useLocalDpi xmlns:a14="http://schemas.microsoft.com/office/drawing/2010/main" val="0"/>
+              </a:ext>
+            </a:extLst>
+          </a:blip>
+          <a:srcRect/>
+          <a:stretch>
+            <a:fillRect/>
+          </a:stretch>
+        </p:blipFill>
+        <p:spPr bwMode="auto">
+          <a:xfrm>
+            <a:off x="8100392" y="228600"/>
+            <a:ext cx="665656" cy="998483"/>
+          </a:xfrm>
+          <a:prstGeom prst="rect">
+            <a:avLst/>
+          </a:prstGeom>
+          <a:noFill/>
+          <a:extLst>
+            <a:ext uri="{909E8E84-426E-40DD-AFC4-6F175D3DCCD1}">
+              <a14:hiddenFill xmlns:a14="http://schemas.microsoft.com/office/drawing/2010/main">
+                <a:solidFill>
+                  <a:srgbClr val="FFFFFF"/>
+                </a:solidFill>
+              </a14:hiddenFill>
+            </a:ext>
+          </a:extLst>
+        </p:spPr>
+      </p:pic>
     </p:spTree>
     <p:extLst>
       <p:ext uri="{BB962C8B-B14F-4D97-AF65-F5344CB8AC3E}">
@@ -7318,14 +7466,14 @@
           <p:nvPr>
             <p:extLst>
               <p:ext uri="{D42A27DB-BD31-4B8C-83A1-F6EECF244321}">
-                <p14:modId xmlns:p14="http://schemas.microsoft.com/office/powerpoint/2010/main" val="3689158429"/>
+                <p14:modId xmlns:p14="http://schemas.microsoft.com/office/powerpoint/2010/main" val="1169249791"/>
               </p:ext>
             </p:extLst>
           </p:nvPr>
         </p:nvGraphicFramePr>
         <p:xfrm>
           <a:off x="3203848" y="1772816"/>
-          <a:ext cx="5472608" cy="3940399"/>
+          <a:ext cx="5472608" cy="4237896"/>
         </p:xfrm>
         <a:graphic>
           <a:graphicData uri="http://schemas.openxmlformats.org/drawingml/2006/table">
@@ -7360,7 +7508,7 @@
                         <a:tabLst/>
                       </a:pPr>
                       <a:r>
-                        <a:rPr kumimoji="0" lang="en-US" sz="1000" b="1" i="0" u="none" strike="noStrike" cap="none" normalizeH="0" baseline="0" smtClean="0">
+                        <a:rPr kumimoji="0" lang="en-US" sz="1000" b="1" i="0" u="none" strike="noStrike" cap="none" normalizeH="0" baseline="0" dirty="0" smtClean="0">
                           <a:ln>
                             <a:noFill/>
                           </a:ln>
@@ -7426,18 +7574,28 @@
                         <a:tabLst/>
                       </a:pPr>
                       <a:r>
-                        <a:rPr kumimoji="0" lang="en-US" sz="1000" b="0" i="0" u="none" strike="noStrike" cap="none" normalizeH="0" baseline="0" smtClean="0">
-                          <a:ln>
-                            <a:noFill/>
-                          </a:ln>
-                          <a:solidFill>
-                            <a:schemeClr val="tx1"/>
-                          </a:solidFill>
-                          <a:effectLst/>
-                          <a:latin typeface="Arial" charset="0"/>
-                        </a:rPr>
-                        <a:t>…</a:t>
-                      </a:r>
+                        <a:rPr kumimoji="0" lang="en-US" sz="1000" b="0" i="0" u="none" strike="noStrike" cap="none" normalizeH="0" baseline="0" dirty="0" smtClean="0">
+                          <a:ln>
+                            <a:noFill/>
+                          </a:ln>
+                          <a:solidFill>
+                            <a:schemeClr val="tx1"/>
+                          </a:solidFill>
+                          <a:effectLst/>
+                          <a:latin typeface="Arial" charset="0"/>
+                        </a:rPr>
+                        <a:t>56</a:t>
+                      </a:r>
+                      <a:endParaRPr kumimoji="0" lang="en-US" sz="1000" b="0" i="0" u="none" strike="noStrike" cap="none" normalizeH="0" baseline="0" dirty="0" smtClean="0">
+                        <a:ln>
+                          <a:noFill/>
+                        </a:ln>
+                        <a:solidFill>
+                          <a:schemeClr val="tx1"/>
+                        </a:solidFill>
+                        <a:effectLst/>
+                        <a:latin typeface="Arial" charset="0"/>
+                      </a:endParaRPr>
                     </a:p>
                   </a:txBody>
                   <a:tcPr marL="90488" marR="90488" marT="44450" marB="44450" horzOverflow="overflow">
@@ -7576,19 +7734,71 @@
                         <a:tabLst/>
                       </a:pPr>
                       <a:r>
-                        <a:rPr kumimoji="0" lang="en-US" sz="1000" b="0" i="0" u="none" strike="noStrike" cap="none" normalizeH="0" baseline="0" err="1" smtClean="0">
-                          <a:ln>
-                            <a:noFill/>
-                          </a:ln>
-                          <a:solidFill>
-                            <a:schemeClr val="tx1"/>
-                          </a:solidFill>
-                          <a:effectLst/>
-                          <a:latin typeface="Arial" charset="0"/>
-                        </a:rPr>
-                        <a:t>Bediensteter</a:t>
-                      </a:r>
-                      <a:endParaRPr kumimoji="0" lang="en-US" sz="1000" b="0" i="0" u="none" strike="noStrike" cap="none" normalizeH="0" baseline="0" smtClean="0">
+                        <a:rPr kumimoji="0" lang="en-US" sz="1000" b="0" i="0" u="none" strike="noStrike" cap="none" normalizeH="0" baseline="0" dirty="0" err="1" smtClean="0">
+                          <a:ln>
+                            <a:noFill/>
+                          </a:ln>
+                          <a:solidFill>
+                            <a:schemeClr val="tx1"/>
+                          </a:solidFill>
+                          <a:effectLst/>
+                          <a:latin typeface="Arial" charset="0"/>
+                        </a:rPr>
+                        <a:t>Abteilungsleiter</a:t>
+                      </a:r>
+                      <a:r>
+                        <a:rPr kumimoji="0" lang="en-US" sz="1000" b="0" i="0" u="none" strike="noStrike" cap="none" normalizeH="0" baseline="0" dirty="0" smtClean="0">
+                          <a:ln>
+                            <a:noFill/>
+                          </a:ln>
+                          <a:solidFill>
+                            <a:schemeClr val="tx1"/>
+                          </a:solidFill>
+                          <a:effectLst/>
+                          <a:latin typeface="Arial" charset="0"/>
+                        </a:rPr>
+                        <a:t> </a:t>
+                      </a:r>
+                      <a:r>
+                        <a:rPr kumimoji="0" lang="en-US" sz="1000" b="0" i="0" u="none" strike="noStrike" cap="none" normalizeH="0" baseline="0" dirty="0" err="1" smtClean="0">
+                          <a:ln>
+                            <a:noFill/>
+                          </a:ln>
+                          <a:solidFill>
+                            <a:schemeClr val="tx1"/>
+                          </a:solidFill>
+                          <a:effectLst/>
+                          <a:latin typeface="Arial" charset="0"/>
+                        </a:rPr>
+                        <a:t>für</a:t>
+                      </a:r>
+                      <a:r>
+                        <a:rPr kumimoji="0" lang="en-US" sz="1000" b="0" i="0" u="none" strike="noStrike" cap="none" normalizeH="0" baseline="0" dirty="0" smtClean="0">
+                          <a:ln>
+                            <a:noFill/>
+                          </a:ln>
+                          <a:solidFill>
+                            <a:schemeClr val="tx1"/>
+                          </a:solidFill>
+                          <a:effectLst/>
+                          <a:latin typeface="Arial" charset="0"/>
+                        </a:rPr>
+                        <a:t> </a:t>
+                      </a:r>
+                      <a:r>
+                        <a:rPr kumimoji="0" lang="en-US" sz="1000" b="0" i="0" u="none" strike="noStrike" cap="none" normalizeH="0" baseline="0" dirty="0" err="1" smtClean="0">
+                          <a:ln>
+                            <a:noFill/>
+                          </a:ln>
+                          <a:solidFill>
+                            <a:schemeClr val="tx1"/>
+                          </a:solidFill>
+                          <a:effectLst/>
+                          <a:latin typeface="Arial" charset="0"/>
+                        </a:rPr>
+                        <a:t>Personalangelegenheiten</a:t>
+                      </a:r>
+                      <a:endParaRPr kumimoji="0" lang="en-US" sz="1000" b="0" i="0" u="none" strike="noStrike" cap="none" normalizeH="0" baseline="0" dirty="0" smtClean="0">
                         <a:ln>
                           <a:noFill/>
                         </a:ln>
@@ -7660,7 +7870,7 @@
                         <a:tabLst/>
                       </a:pPr>
                       <a:r>
-                        <a:rPr kumimoji="0" lang="en-US" sz="1000" b="1" i="0" u="none" strike="noStrike" cap="none" normalizeH="0" baseline="0" err="1" smtClean="0">
+                        <a:rPr kumimoji="0" lang="en-US" sz="1000" b="1" i="0" u="none" strike="noStrike" cap="none" normalizeH="0" baseline="0" dirty="0" err="1" smtClean="0">
                           <a:ln>
                             <a:noFill/>
                           </a:ln>
@@ -7672,7 +7882,7 @@
                         </a:rPr>
                         <a:t>Schlüsselaktivitäten</a:t>
                       </a:r>
-                      <a:endParaRPr kumimoji="0" lang="en-US" sz="1000" b="1" i="0" u="none" strike="noStrike" cap="none" normalizeH="0" baseline="0" smtClean="0">
+                      <a:endParaRPr kumimoji="0" lang="en-US" sz="1000" b="1" i="0" u="none" strike="noStrike" cap="none" normalizeH="0" baseline="0" dirty="0" smtClean="0">
                         <a:ln>
                           <a:noFill/>
                         </a:ln>
@@ -7743,18 +7953,693 @@
                         <a:defRPr/>
                       </a:pPr>
                       <a:r>
-                        <a:rPr kumimoji="0" lang="en-US" sz="1000" b="0" i="0" u="none" strike="noStrike" cap="none" normalizeH="0" baseline="0" smtClean="0">
-                          <a:ln>
-                            <a:noFill/>
-                          </a:ln>
-                          <a:solidFill>
-                            <a:schemeClr val="tx1"/>
-                          </a:solidFill>
-                          <a:effectLst/>
-                          <a:latin typeface="Arial" charset="0"/>
-                        </a:rPr>
-                        <a:t>…</a:t>
-                      </a:r>
+                        <a:rPr kumimoji="0" lang="en-US" sz="1000" b="0" i="0" u="none" strike="noStrike" cap="none" normalizeH="0" baseline="0" dirty="0" smtClean="0">
+                          <a:ln>
+                            <a:noFill/>
+                          </a:ln>
+                          <a:solidFill>
+                            <a:schemeClr val="tx1"/>
+                          </a:solidFill>
+                          <a:effectLst/>
+                          <a:latin typeface="Arial" charset="0"/>
+                        </a:rPr>
+                        <a:t> </a:t>
+                      </a:r>
+                      <a:r>
+                        <a:rPr kumimoji="0" lang="en-US" sz="1000" b="0" i="0" u="none" strike="noStrike" cap="none" normalizeH="0" baseline="0" dirty="0" err="1" smtClean="0">
+                          <a:ln>
+                            <a:noFill/>
+                          </a:ln>
+                          <a:solidFill>
+                            <a:schemeClr val="tx1"/>
+                          </a:solidFill>
+                          <a:effectLst/>
+                          <a:latin typeface="Arial" charset="0"/>
+                        </a:rPr>
+                        <a:t>Benutzt</a:t>
+                      </a:r>
+                      <a:r>
+                        <a:rPr kumimoji="0" lang="en-US" sz="1000" b="0" i="0" u="none" strike="noStrike" cap="none" normalizeH="0" baseline="0" dirty="0" smtClean="0">
+                          <a:ln>
+                            <a:noFill/>
+                          </a:ln>
+                          <a:solidFill>
+                            <a:schemeClr val="tx1"/>
+                          </a:solidFill>
+                          <a:effectLst/>
+                          <a:latin typeface="Arial" charset="0"/>
+                        </a:rPr>
+                        <a:t> die RZ </a:t>
+                      </a:r>
+                      <a:r>
+                        <a:rPr kumimoji="0" lang="en-US" sz="1000" b="0" i="0" u="none" strike="noStrike" cap="none" normalizeH="0" baseline="0" dirty="0" err="1" smtClean="0">
+                          <a:ln>
+                            <a:noFill/>
+                          </a:ln>
+                          <a:solidFill>
+                            <a:schemeClr val="tx1"/>
+                          </a:solidFill>
+                          <a:effectLst/>
+                          <a:latin typeface="Arial" charset="0"/>
+                        </a:rPr>
+                        <a:t>Seite</a:t>
+                      </a:r>
+                      <a:r>
+                        <a:rPr kumimoji="0" lang="en-US" sz="1000" b="0" i="0" u="none" strike="noStrike" cap="none" normalizeH="0" baseline="0" dirty="0" smtClean="0">
+                          <a:ln>
+                            <a:noFill/>
+                          </a:ln>
+                          <a:solidFill>
+                            <a:schemeClr val="tx1"/>
+                          </a:solidFill>
+                          <a:effectLst/>
+                          <a:latin typeface="Arial" charset="0"/>
+                        </a:rPr>
+                        <a:t> </a:t>
+                      </a:r>
+                      <a:r>
+                        <a:rPr kumimoji="0" lang="en-US" sz="1000" b="0" i="0" u="none" strike="noStrike" cap="none" normalizeH="0" baseline="0" dirty="0" err="1" smtClean="0">
+                          <a:ln>
+                            <a:noFill/>
+                          </a:ln>
+                          <a:solidFill>
+                            <a:schemeClr val="tx1"/>
+                          </a:solidFill>
+                          <a:effectLst/>
+                          <a:latin typeface="Arial" charset="0"/>
+                        </a:rPr>
+                        <a:t>gelegentlich</a:t>
+                      </a:r>
+                      <a:endParaRPr kumimoji="0" lang="en-US" sz="1000" b="0" i="0" u="none" strike="noStrike" cap="none" normalizeH="0" baseline="0" dirty="0" smtClean="0">
+                        <a:ln>
+                          <a:noFill/>
+                        </a:ln>
+                        <a:solidFill>
+                          <a:schemeClr val="tx1"/>
+                        </a:solidFill>
+                        <a:effectLst/>
+                        <a:latin typeface="Arial" charset="0"/>
+                      </a:endParaRPr>
+                    </a:p>
+                    <a:p>
+                      <a:pPr marL="0" marR="0" lvl="0" indent="0" algn="l" defTabSz="914400" rtl="0" eaLnBrk="1" fontAlgn="base" latinLnBrk="0" hangingPunct="1">
+                        <a:lnSpc>
+                          <a:spcPct val="100000"/>
+                        </a:lnSpc>
+                        <a:spcBef>
+                          <a:spcPct val="20000"/>
+                        </a:spcBef>
+                        <a:spcAft>
+                          <a:spcPct val="0"/>
+                        </a:spcAft>
+                        <a:buClr>
+                          <a:schemeClr val="accent2"/>
+                        </a:buClr>
+                        <a:buSzPct val="100000"/>
+                        <a:buFont typeface="Wingdings" pitchFamily="2" charset="2"/>
+                        <a:buChar char="§"/>
+                        <a:tabLst/>
+                        <a:defRPr/>
+                      </a:pPr>
+                      <a:r>
+                        <a:rPr kumimoji="0" lang="en-US" sz="1000" b="0" i="0" u="none" strike="noStrike" cap="none" normalizeH="0" baseline="0" dirty="0" smtClean="0">
+                          <a:ln>
+                            <a:noFill/>
+                          </a:ln>
+                          <a:solidFill>
+                            <a:schemeClr val="tx1"/>
+                          </a:solidFill>
+                          <a:effectLst/>
+                          <a:latin typeface="Arial" charset="0"/>
+                        </a:rPr>
+                        <a:t> </a:t>
+                      </a:r>
+                      <a:r>
+                        <a:rPr kumimoji="0" lang="en-US" sz="1000" b="0" i="0" u="none" strike="noStrike" cap="none" normalizeH="0" baseline="0" dirty="0" err="1" smtClean="0">
+                          <a:ln>
+                            <a:noFill/>
+                          </a:ln>
+                          <a:solidFill>
+                            <a:schemeClr val="tx1"/>
+                          </a:solidFill>
+                          <a:effectLst/>
+                          <a:latin typeface="Arial" charset="0"/>
+                        </a:rPr>
+                        <a:t>Kümmert</a:t>
+                      </a:r>
+                      <a:r>
+                        <a:rPr kumimoji="0" lang="en-US" sz="1000" b="0" i="0" u="none" strike="noStrike" cap="none" normalizeH="0" baseline="0" dirty="0" smtClean="0">
+                          <a:ln>
+                            <a:noFill/>
+                          </a:ln>
+                          <a:solidFill>
+                            <a:schemeClr val="tx1"/>
+                          </a:solidFill>
+                          <a:effectLst/>
+                          <a:latin typeface="Arial" charset="0"/>
+                        </a:rPr>
+                        <a:t> </a:t>
+                      </a:r>
+                      <a:r>
+                        <a:rPr kumimoji="0" lang="en-US" sz="1000" b="0" i="0" u="none" strike="noStrike" cap="none" normalizeH="0" baseline="0" dirty="0" err="1" smtClean="0">
+                          <a:ln>
+                            <a:noFill/>
+                          </a:ln>
+                          <a:solidFill>
+                            <a:schemeClr val="tx1"/>
+                          </a:solidFill>
+                          <a:effectLst/>
+                          <a:latin typeface="Arial" charset="0"/>
+                        </a:rPr>
+                        <a:t>sich</a:t>
+                      </a:r>
+                      <a:r>
+                        <a:rPr kumimoji="0" lang="en-US" sz="1000" b="0" i="0" u="none" strike="noStrike" cap="none" normalizeH="0" baseline="0" dirty="0" smtClean="0">
+                          <a:ln>
+                            <a:noFill/>
+                          </a:ln>
+                          <a:solidFill>
+                            <a:schemeClr val="tx1"/>
+                          </a:solidFill>
+                          <a:effectLst/>
+                          <a:latin typeface="Arial" charset="0"/>
+                        </a:rPr>
+                        <a:t> um </a:t>
+                      </a:r>
+                      <a:r>
+                        <a:rPr kumimoji="0" lang="en-US" sz="1000" b="0" i="0" u="none" strike="noStrike" cap="none" normalizeH="0" baseline="0" dirty="0" err="1" smtClean="0">
+                          <a:ln>
+                            <a:noFill/>
+                          </a:ln>
+                          <a:solidFill>
+                            <a:schemeClr val="tx1"/>
+                          </a:solidFill>
+                          <a:effectLst/>
+                          <a:latin typeface="Arial" charset="0"/>
+                        </a:rPr>
+                        <a:t>Personalengelgenheiten</a:t>
+                      </a:r>
+                      <a:endParaRPr kumimoji="0" lang="en-US" sz="1000" b="0" i="0" u="none" strike="noStrike" cap="none" normalizeH="0" baseline="0" dirty="0" smtClean="0">
+                        <a:ln>
+                          <a:noFill/>
+                        </a:ln>
+                        <a:solidFill>
+                          <a:schemeClr val="tx1"/>
+                        </a:solidFill>
+                        <a:effectLst/>
+                        <a:latin typeface="Arial" charset="0"/>
+                      </a:endParaRPr>
+                    </a:p>
+                    <a:p>
+                      <a:pPr marL="0" marR="0" lvl="0" indent="0" algn="l" defTabSz="914400" rtl="0" eaLnBrk="1" fontAlgn="base" latinLnBrk="0" hangingPunct="1">
+                        <a:lnSpc>
+                          <a:spcPct val="100000"/>
+                        </a:lnSpc>
+                        <a:spcBef>
+                          <a:spcPct val="20000"/>
+                        </a:spcBef>
+                        <a:spcAft>
+                          <a:spcPct val="0"/>
+                        </a:spcAft>
+                        <a:buClr>
+                          <a:schemeClr val="accent2"/>
+                        </a:buClr>
+                        <a:buSzPct val="100000"/>
+                        <a:buFont typeface="Wingdings" pitchFamily="2" charset="2"/>
+                        <a:buChar char="§"/>
+                        <a:tabLst/>
+                        <a:defRPr/>
+                      </a:pPr>
+                      <a:r>
+                        <a:rPr kumimoji="0" lang="en-US" sz="1000" b="0" i="0" u="none" strike="noStrike" cap="none" normalizeH="0" baseline="0" dirty="0" smtClean="0">
+                          <a:ln>
+                            <a:noFill/>
+                          </a:ln>
+                          <a:solidFill>
+                            <a:schemeClr val="tx1"/>
+                          </a:solidFill>
+                          <a:effectLst/>
+                          <a:latin typeface="Arial" charset="0"/>
+                        </a:rPr>
+                        <a:t> </a:t>
+                      </a:r>
+                      <a:r>
+                        <a:rPr kumimoji="0" lang="en-US" sz="1000" b="0" i="0" u="none" strike="noStrike" cap="none" normalizeH="0" baseline="0" dirty="0" err="1" smtClean="0">
+                          <a:ln>
+                            <a:noFill/>
+                          </a:ln>
+                          <a:solidFill>
+                            <a:schemeClr val="tx1"/>
+                          </a:solidFill>
+                          <a:effectLst/>
+                          <a:latin typeface="Arial" charset="0"/>
+                        </a:rPr>
+                        <a:t>Benutzt</a:t>
+                      </a:r>
+                      <a:r>
+                        <a:rPr kumimoji="0" lang="en-US" sz="1000" b="0" i="0" u="none" strike="noStrike" cap="none" normalizeH="0" baseline="0" dirty="0" smtClean="0">
+                          <a:ln>
+                            <a:noFill/>
+                          </a:ln>
+                          <a:solidFill>
+                            <a:schemeClr val="tx1"/>
+                          </a:solidFill>
+                          <a:effectLst/>
+                          <a:latin typeface="Arial" charset="0"/>
+                        </a:rPr>
+                        <a:t> </a:t>
+                      </a:r>
+                      <a:r>
+                        <a:rPr kumimoji="0" lang="en-US" sz="1000" b="0" i="0" u="none" strike="noStrike" cap="none" normalizeH="0" baseline="0" dirty="0" err="1" smtClean="0">
+                          <a:ln>
+                            <a:noFill/>
+                          </a:ln>
+                          <a:solidFill>
+                            <a:schemeClr val="tx1"/>
+                          </a:solidFill>
+                          <a:effectLst/>
+                          <a:latin typeface="Arial" charset="0"/>
+                        </a:rPr>
+                        <a:t>seit</a:t>
+                      </a:r>
+                      <a:r>
+                        <a:rPr kumimoji="0" lang="en-US" sz="1000" b="0" i="0" u="none" strike="noStrike" cap="none" normalizeH="0" baseline="0" dirty="0" smtClean="0">
+                          <a:ln>
+                            <a:noFill/>
+                          </a:ln>
+                          <a:solidFill>
+                            <a:schemeClr val="tx1"/>
+                          </a:solidFill>
+                          <a:effectLst/>
+                          <a:latin typeface="Arial" charset="0"/>
+                        </a:rPr>
+                        <a:t> </a:t>
+                      </a:r>
+                      <a:r>
+                        <a:rPr kumimoji="0" lang="en-US" sz="1000" b="0" i="0" u="none" strike="noStrike" cap="none" normalizeH="0" baseline="0" dirty="0" err="1" smtClean="0">
+                          <a:ln>
+                            <a:noFill/>
+                          </a:ln>
+                          <a:solidFill>
+                            <a:schemeClr val="tx1"/>
+                          </a:solidFill>
+                          <a:effectLst/>
+                          <a:latin typeface="Arial" charset="0"/>
+                        </a:rPr>
+                        <a:t>Jahren</a:t>
+                      </a:r>
+                      <a:r>
+                        <a:rPr kumimoji="0" lang="en-US" sz="1000" b="0" i="0" u="none" strike="noStrike" cap="none" normalizeH="0" baseline="0" dirty="0" smtClean="0">
+                          <a:ln>
+                            <a:noFill/>
+                          </a:ln>
+                          <a:solidFill>
+                            <a:schemeClr val="tx1"/>
+                          </a:solidFill>
+                          <a:effectLst/>
+                          <a:latin typeface="Arial" charset="0"/>
+                        </a:rPr>
+                        <a:t> das Office </a:t>
+                      </a:r>
+                      <a:r>
+                        <a:rPr kumimoji="0" lang="en-US" sz="1000" b="0" i="0" u="none" strike="noStrike" cap="none" normalizeH="0" baseline="0" dirty="0" err="1" smtClean="0">
+                          <a:ln>
+                            <a:noFill/>
+                          </a:ln>
+                          <a:solidFill>
+                            <a:schemeClr val="tx1"/>
+                          </a:solidFill>
+                          <a:effectLst/>
+                          <a:latin typeface="Arial" charset="0"/>
+                        </a:rPr>
+                        <a:t>Paket</a:t>
+                      </a:r>
+                      <a:r>
+                        <a:rPr kumimoji="0" lang="en-US" sz="1000" b="0" i="0" u="none" strike="noStrike" cap="none" normalizeH="0" baseline="0" dirty="0" smtClean="0">
+                          <a:ln>
+                            <a:noFill/>
+                          </a:ln>
+                          <a:solidFill>
+                            <a:schemeClr val="tx1"/>
+                          </a:solidFill>
+                          <a:effectLst/>
+                          <a:latin typeface="Arial" charset="0"/>
+                        </a:rPr>
+                        <a:t> und </a:t>
+                      </a:r>
+                      <a:r>
+                        <a:rPr kumimoji="0" lang="en-US" sz="1000" b="0" i="0" u="none" strike="noStrike" cap="none" normalizeH="0" baseline="0" dirty="0" err="1" smtClean="0">
+                          <a:ln>
+                            <a:noFill/>
+                          </a:ln>
+                          <a:solidFill>
+                            <a:schemeClr val="tx1"/>
+                          </a:solidFill>
+                          <a:effectLst/>
+                          <a:latin typeface="Arial" charset="0"/>
+                        </a:rPr>
+                        <a:t>kennt</a:t>
+                      </a:r>
+                      <a:r>
+                        <a:rPr kumimoji="0" lang="en-US" sz="1000" b="0" i="0" u="none" strike="noStrike" cap="none" normalizeH="0" baseline="0" dirty="0" smtClean="0">
+                          <a:ln>
+                            <a:noFill/>
+                          </a:ln>
+                          <a:solidFill>
+                            <a:schemeClr val="tx1"/>
+                          </a:solidFill>
+                          <a:effectLst/>
+                          <a:latin typeface="Arial" charset="0"/>
+                        </a:rPr>
+                        <a:t> </a:t>
+                      </a:r>
+                      <a:r>
+                        <a:rPr kumimoji="0" lang="en-US" sz="1000" b="0" i="0" u="none" strike="noStrike" cap="none" normalizeH="0" baseline="0" dirty="0" err="1" smtClean="0">
+                          <a:ln>
+                            <a:noFill/>
+                          </a:ln>
+                          <a:solidFill>
+                            <a:schemeClr val="tx1"/>
+                          </a:solidFill>
+                          <a:effectLst/>
+                          <a:latin typeface="Arial" charset="0"/>
+                        </a:rPr>
+                        <a:t>sich</a:t>
+                      </a:r>
+                      <a:r>
+                        <a:rPr kumimoji="0" lang="en-US" sz="1000" b="0" i="0" u="none" strike="noStrike" cap="none" normalizeH="0" baseline="0" dirty="0" smtClean="0">
+                          <a:ln>
+                            <a:noFill/>
+                          </a:ln>
+                          <a:solidFill>
+                            <a:schemeClr val="tx1"/>
+                          </a:solidFill>
+                          <a:effectLst/>
+                          <a:latin typeface="Arial" charset="0"/>
+                        </a:rPr>
+                        <a:t> </a:t>
+                      </a:r>
+                      <a:r>
+                        <a:rPr kumimoji="0" lang="en-US" sz="1000" b="0" i="0" u="none" strike="noStrike" cap="none" normalizeH="0" baseline="0" dirty="0" err="1" smtClean="0">
+                          <a:ln>
+                            <a:noFill/>
+                          </a:ln>
+                          <a:solidFill>
+                            <a:schemeClr val="tx1"/>
+                          </a:solidFill>
+                          <a:effectLst/>
+                          <a:latin typeface="Arial" charset="0"/>
+                        </a:rPr>
+                        <a:t>hiermit</a:t>
+                      </a:r>
+                      <a:r>
+                        <a:rPr kumimoji="0" lang="en-US" sz="1000" b="0" i="0" u="none" strike="noStrike" cap="none" normalizeH="0" baseline="0" dirty="0" smtClean="0">
+                          <a:ln>
+                            <a:noFill/>
+                          </a:ln>
+                          <a:solidFill>
+                            <a:schemeClr val="tx1"/>
+                          </a:solidFill>
+                          <a:effectLst/>
+                          <a:latin typeface="Arial" charset="0"/>
+                        </a:rPr>
+                        <a:t> </a:t>
+                      </a:r>
+                      <a:r>
+                        <a:rPr kumimoji="0" lang="en-US" sz="1000" b="0" i="0" u="none" strike="noStrike" cap="none" normalizeH="0" baseline="0" dirty="0" err="1" smtClean="0">
+                          <a:ln>
+                            <a:noFill/>
+                          </a:ln>
+                          <a:solidFill>
+                            <a:schemeClr val="tx1"/>
+                          </a:solidFill>
+                          <a:effectLst/>
+                          <a:latin typeface="Arial" charset="0"/>
+                        </a:rPr>
+                        <a:t>sehr</a:t>
+                      </a:r>
+                      <a:r>
+                        <a:rPr kumimoji="0" lang="en-US" sz="1000" b="0" i="0" u="none" strike="noStrike" cap="none" normalizeH="0" baseline="0" dirty="0" smtClean="0">
+                          <a:ln>
+                            <a:noFill/>
+                          </a:ln>
+                          <a:solidFill>
+                            <a:schemeClr val="tx1"/>
+                          </a:solidFill>
+                          <a:effectLst/>
+                          <a:latin typeface="Arial" charset="0"/>
+                        </a:rPr>
+                        <a:t> gut </a:t>
+                      </a:r>
+                      <a:r>
+                        <a:rPr kumimoji="0" lang="en-US" sz="1000" b="0" i="0" u="none" strike="noStrike" cap="none" normalizeH="0" baseline="0" dirty="0" err="1" smtClean="0">
+                          <a:ln>
+                            <a:noFill/>
+                          </a:ln>
+                          <a:solidFill>
+                            <a:schemeClr val="tx1"/>
+                          </a:solidFill>
+                          <a:effectLst/>
+                          <a:latin typeface="Arial" charset="0"/>
+                        </a:rPr>
+                        <a:t>aus</a:t>
+                      </a:r>
+                      <a:endParaRPr kumimoji="0" lang="en-US" sz="1000" b="0" i="0" u="none" strike="noStrike" cap="none" normalizeH="0" baseline="0" dirty="0" smtClean="0">
+                        <a:ln>
+                          <a:noFill/>
+                        </a:ln>
+                        <a:solidFill>
+                          <a:schemeClr val="tx1"/>
+                        </a:solidFill>
+                        <a:effectLst/>
+                        <a:latin typeface="Arial" charset="0"/>
+                      </a:endParaRPr>
+                    </a:p>
+                    <a:p>
+                      <a:pPr marL="0" marR="0" lvl="0" indent="0" algn="l" defTabSz="914400" rtl="0" eaLnBrk="1" fontAlgn="base" latinLnBrk="0" hangingPunct="1">
+                        <a:lnSpc>
+                          <a:spcPct val="100000"/>
+                        </a:lnSpc>
+                        <a:spcBef>
+                          <a:spcPct val="20000"/>
+                        </a:spcBef>
+                        <a:spcAft>
+                          <a:spcPct val="0"/>
+                        </a:spcAft>
+                        <a:buClr>
+                          <a:schemeClr val="accent2"/>
+                        </a:buClr>
+                        <a:buSzPct val="100000"/>
+                        <a:buFont typeface="Wingdings" pitchFamily="2" charset="2"/>
+                        <a:buChar char="§"/>
+                        <a:tabLst/>
+                        <a:defRPr/>
+                      </a:pPr>
+                      <a:r>
+                        <a:rPr kumimoji="0" lang="en-US" sz="1000" b="0" i="0" u="none" strike="noStrike" cap="none" normalizeH="0" baseline="0" dirty="0" smtClean="0">
+                          <a:ln>
+                            <a:noFill/>
+                          </a:ln>
+                          <a:solidFill>
+                            <a:schemeClr val="tx1"/>
+                          </a:solidFill>
+                          <a:effectLst/>
+                          <a:latin typeface="Arial" charset="0"/>
+                        </a:rPr>
+                        <a:t> </a:t>
+                      </a:r>
+                      <a:r>
+                        <a:rPr kumimoji="0" lang="en-US" sz="1000" b="0" i="0" u="none" strike="noStrike" cap="none" normalizeH="0" baseline="0" dirty="0" err="1" smtClean="0">
+                          <a:ln>
+                            <a:noFill/>
+                          </a:ln>
+                          <a:solidFill>
+                            <a:schemeClr val="tx1"/>
+                          </a:solidFill>
+                          <a:effectLst/>
+                          <a:latin typeface="Arial" charset="0"/>
+                        </a:rPr>
+                        <a:t>Benötigt</a:t>
+                      </a:r>
+                      <a:r>
+                        <a:rPr kumimoji="0" lang="en-US" sz="1000" b="0" i="0" u="none" strike="noStrike" cap="none" normalizeH="0" baseline="0" dirty="0" smtClean="0">
+                          <a:ln>
+                            <a:noFill/>
+                          </a:ln>
+                          <a:solidFill>
+                            <a:schemeClr val="tx1"/>
+                          </a:solidFill>
+                          <a:effectLst/>
+                          <a:latin typeface="Arial" charset="0"/>
+                        </a:rPr>
+                        <a:t> </a:t>
+                      </a:r>
+                      <a:r>
+                        <a:rPr kumimoji="0" lang="en-US" sz="1000" b="0" i="0" u="none" strike="noStrike" cap="none" normalizeH="0" baseline="0" dirty="0" err="1" smtClean="0">
+                          <a:ln>
+                            <a:noFill/>
+                          </a:ln>
+                          <a:solidFill>
+                            <a:schemeClr val="tx1"/>
+                          </a:solidFill>
+                          <a:effectLst/>
+                          <a:latin typeface="Arial" charset="0"/>
+                        </a:rPr>
+                        <a:t>meist</a:t>
+                      </a:r>
+                      <a:r>
+                        <a:rPr kumimoji="0" lang="en-US" sz="1000" b="0" i="0" u="none" strike="noStrike" cap="none" normalizeH="0" baseline="0" dirty="0" smtClean="0">
+                          <a:ln>
+                            <a:noFill/>
+                          </a:ln>
+                          <a:solidFill>
+                            <a:schemeClr val="tx1"/>
+                          </a:solidFill>
+                          <a:effectLst/>
+                          <a:latin typeface="Arial" charset="0"/>
+                        </a:rPr>
+                        <a:t> </a:t>
+                      </a:r>
+                      <a:r>
+                        <a:rPr kumimoji="0" lang="en-US" sz="1000" b="0" i="0" u="none" strike="noStrike" cap="none" normalizeH="0" baseline="0" dirty="0" err="1" smtClean="0">
+                          <a:ln>
+                            <a:noFill/>
+                          </a:ln>
+                          <a:solidFill>
+                            <a:schemeClr val="tx1"/>
+                          </a:solidFill>
+                          <a:effectLst/>
+                          <a:latin typeface="Arial" charset="0"/>
+                        </a:rPr>
+                        <a:t>keine</a:t>
+                      </a:r>
+                      <a:r>
+                        <a:rPr kumimoji="0" lang="en-US" sz="1000" b="0" i="0" u="none" strike="noStrike" cap="none" normalizeH="0" baseline="0" dirty="0" smtClean="0">
+                          <a:ln>
+                            <a:noFill/>
+                          </a:ln>
+                          <a:solidFill>
+                            <a:schemeClr val="tx1"/>
+                          </a:solidFill>
+                          <a:effectLst/>
+                          <a:latin typeface="Arial" charset="0"/>
+                        </a:rPr>
+                        <a:t> </a:t>
+                      </a:r>
+                      <a:r>
+                        <a:rPr kumimoji="0" lang="en-US" sz="1000" b="0" i="0" u="none" strike="noStrike" cap="none" normalizeH="0" baseline="0" dirty="0" err="1" smtClean="0">
+                          <a:ln>
+                            <a:noFill/>
+                          </a:ln>
+                          <a:solidFill>
+                            <a:schemeClr val="tx1"/>
+                          </a:solidFill>
+                          <a:effectLst/>
+                          <a:latin typeface="Arial" charset="0"/>
+                        </a:rPr>
+                        <a:t>Hilfe</a:t>
+                      </a:r>
+                      <a:r>
+                        <a:rPr kumimoji="0" lang="en-US" sz="1000" b="0" i="0" u="none" strike="noStrike" cap="none" normalizeH="0" baseline="0" dirty="0" smtClean="0">
+                          <a:ln>
+                            <a:noFill/>
+                          </a:ln>
+                          <a:solidFill>
+                            <a:schemeClr val="tx1"/>
+                          </a:solidFill>
+                          <a:effectLst/>
+                          <a:latin typeface="Arial" charset="0"/>
+                        </a:rPr>
+                        <a:t> </a:t>
+                      </a:r>
+                      <a:r>
+                        <a:rPr kumimoji="0" lang="en-US" sz="1000" b="0" i="0" u="none" strike="noStrike" cap="none" normalizeH="0" baseline="0" dirty="0" err="1" smtClean="0">
+                          <a:ln>
+                            <a:noFill/>
+                          </a:ln>
+                          <a:solidFill>
+                            <a:schemeClr val="tx1"/>
+                          </a:solidFill>
+                          <a:effectLst/>
+                          <a:latin typeface="Arial" charset="0"/>
+                        </a:rPr>
+                        <a:t>bei</a:t>
+                      </a:r>
+                      <a:r>
+                        <a:rPr kumimoji="0" lang="en-US" sz="1000" b="0" i="0" u="none" strike="noStrike" cap="none" normalizeH="0" baseline="0" dirty="0" smtClean="0">
+                          <a:ln>
+                            <a:noFill/>
+                          </a:ln>
+                          <a:solidFill>
+                            <a:schemeClr val="tx1"/>
+                          </a:solidFill>
+                          <a:effectLst/>
+                          <a:latin typeface="Arial" charset="0"/>
+                        </a:rPr>
+                        <a:t> </a:t>
+                      </a:r>
+                      <a:r>
+                        <a:rPr kumimoji="0" lang="en-US" sz="1000" b="0" i="0" u="none" strike="noStrike" cap="none" normalizeH="0" baseline="0" dirty="0" err="1" smtClean="0">
+                          <a:ln>
+                            <a:noFill/>
+                          </a:ln>
+                          <a:solidFill>
+                            <a:schemeClr val="tx1"/>
+                          </a:solidFill>
+                          <a:effectLst/>
+                          <a:latin typeface="Arial" charset="0"/>
+                        </a:rPr>
+                        <a:t>technischen</a:t>
+                      </a:r>
+                      <a:r>
+                        <a:rPr kumimoji="0" lang="en-US" sz="1000" b="0" i="0" u="none" strike="noStrike" cap="none" normalizeH="0" baseline="0" dirty="0" smtClean="0">
+                          <a:ln>
+                            <a:noFill/>
+                          </a:ln>
+                          <a:solidFill>
+                            <a:schemeClr val="tx1"/>
+                          </a:solidFill>
+                          <a:effectLst/>
+                          <a:latin typeface="Arial" charset="0"/>
+                        </a:rPr>
+                        <a:t> </a:t>
+                      </a:r>
+                      <a:r>
+                        <a:rPr kumimoji="0" lang="en-US" sz="1000" b="0" i="0" u="none" strike="noStrike" cap="none" normalizeH="0" baseline="0" dirty="0" err="1" smtClean="0">
+                          <a:ln>
+                            <a:noFill/>
+                          </a:ln>
+                          <a:solidFill>
+                            <a:schemeClr val="tx1"/>
+                          </a:solidFill>
+                          <a:effectLst/>
+                          <a:latin typeface="Arial" charset="0"/>
+                        </a:rPr>
+                        <a:t>Sachen</a:t>
+                      </a:r>
+                      <a:r>
+                        <a:rPr kumimoji="0" lang="en-US" sz="1000" b="0" i="0" u="none" strike="noStrike" cap="none" normalizeH="0" baseline="0" dirty="0" smtClean="0">
+                          <a:ln>
+                            <a:noFill/>
+                          </a:ln>
+                          <a:solidFill>
+                            <a:schemeClr val="tx1"/>
+                          </a:solidFill>
+                          <a:effectLst/>
+                          <a:latin typeface="Arial" charset="0"/>
+                        </a:rPr>
+                        <a:t> </a:t>
+                      </a:r>
+                      <a:endParaRPr kumimoji="0" lang="en-US" sz="1000" b="0" i="0" u="none" strike="noStrike" cap="none" normalizeH="0" baseline="0" dirty="0" smtClean="0">
+                        <a:ln>
+                          <a:noFill/>
+                        </a:ln>
+                        <a:solidFill>
+                          <a:schemeClr val="tx1"/>
+                        </a:solidFill>
+                        <a:effectLst/>
+                        <a:latin typeface="Arial" charset="0"/>
+                      </a:endParaRPr>
                     </a:p>
                   </a:txBody>
                   <a:tcPr marL="90488" marR="90488" marT="44450" marB="44450" horzOverflow="overflow">
@@ -7977,18 +8862,595 @@
                         <a:tabLst/>
                       </a:pPr>
                       <a:r>
-                        <a:rPr kumimoji="0" lang="en-US" sz="1000" b="0" i="0" u="none" strike="noStrike" cap="none" normalizeH="0" baseline="0" smtClean="0">
-                          <a:ln>
-                            <a:noFill/>
-                          </a:ln>
-                          <a:solidFill>
-                            <a:schemeClr val="tx1"/>
-                          </a:solidFill>
-                          <a:effectLst/>
-                          <a:latin typeface="Arial" charset="0"/>
-                        </a:rPr>
-                        <a:t> …</a:t>
-                      </a:r>
+                        <a:rPr kumimoji="0" lang="en-US" sz="1000" b="0" i="0" u="none" strike="noStrike" cap="none" normalizeH="0" baseline="0" dirty="0" smtClean="0">
+                          <a:ln>
+                            <a:noFill/>
+                          </a:ln>
+                          <a:solidFill>
+                            <a:schemeClr val="tx1"/>
+                          </a:solidFill>
+                          <a:effectLst/>
+                          <a:latin typeface="Arial" charset="0"/>
+                        </a:rPr>
+                        <a:t> </a:t>
+                      </a:r>
+                      <a:r>
+                        <a:rPr kumimoji="0" lang="en-US" sz="1000" b="0" i="0" u="none" strike="noStrike" cap="none" normalizeH="0" baseline="0" dirty="0" err="1" smtClean="0">
+                          <a:ln>
+                            <a:noFill/>
+                          </a:ln>
+                          <a:solidFill>
+                            <a:schemeClr val="tx1"/>
+                          </a:solidFill>
+                          <a:effectLst/>
+                          <a:latin typeface="Arial" charset="0"/>
+                        </a:rPr>
+                        <a:t>hofft</a:t>
+                      </a:r>
+                      <a:r>
+                        <a:rPr kumimoji="0" lang="en-US" sz="1000" b="0" i="0" u="none" strike="noStrike" cap="none" normalizeH="0" baseline="0" dirty="0" smtClean="0">
+                          <a:ln>
+                            <a:noFill/>
+                          </a:ln>
+                          <a:solidFill>
+                            <a:schemeClr val="tx1"/>
+                          </a:solidFill>
+                          <a:effectLst/>
+                          <a:latin typeface="Arial" charset="0"/>
+                        </a:rPr>
+                        <a:t> nun </a:t>
+                      </a:r>
+                      <a:r>
+                        <a:rPr kumimoji="0" lang="en-US" sz="1000" b="0" i="0" u="none" strike="noStrike" cap="none" normalizeH="0" baseline="0" dirty="0" err="1" smtClean="0">
+                          <a:ln>
+                            <a:noFill/>
+                          </a:ln>
+                          <a:solidFill>
+                            <a:schemeClr val="tx1"/>
+                          </a:solidFill>
+                          <a:effectLst/>
+                          <a:latin typeface="Arial" charset="0"/>
+                        </a:rPr>
+                        <a:t>auch</a:t>
+                      </a:r>
+                      <a:r>
+                        <a:rPr kumimoji="0" lang="en-US" sz="1000" b="0" i="0" u="none" strike="noStrike" cap="none" normalizeH="0" baseline="0" dirty="0" smtClean="0">
+                          <a:ln>
+                            <a:noFill/>
+                          </a:ln>
+                          <a:solidFill>
+                            <a:schemeClr val="tx1"/>
+                          </a:solidFill>
+                          <a:effectLst/>
+                          <a:latin typeface="Arial" charset="0"/>
+                        </a:rPr>
+                        <a:t> </a:t>
+                      </a:r>
+                      <a:r>
+                        <a:rPr kumimoji="0" lang="en-US" sz="1000" b="0" i="0" u="none" strike="noStrike" cap="none" normalizeH="0" baseline="0" dirty="0" err="1" smtClean="0">
+                          <a:ln>
+                            <a:noFill/>
+                          </a:ln>
+                          <a:solidFill>
+                            <a:schemeClr val="tx1"/>
+                          </a:solidFill>
+                          <a:effectLst/>
+                          <a:latin typeface="Arial" charset="0"/>
+                        </a:rPr>
+                        <a:t>Sachen</a:t>
+                      </a:r>
+                      <a:r>
+                        <a:rPr kumimoji="0" lang="en-US" sz="1000" b="0" i="0" u="none" strike="noStrike" cap="none" normalizeH="0" baseline="0" dirty="0" smtClean="0">
+                          <a:ln>
+                            <a:noFill/>
+                          </a:ln>
+                          <a:solidFill>
+                            <a:schemeClr val="tx1"/>
+                          </a:solidFill>
+                          <a:effectLst/>
+                          <a:latin typeface="Arial" charset="0"/>
+                        </a:rPr>
+                        <a:t> </a:t>
+                      </a:r>
+                      <a:r>
+                        <a:rPr kumimoji="0" lang="en-US" sz="1000" b="0" i="0" u="none" strike="noStrike" cap="none" normalizeH="0" baseline="0" dirty="0" err="1" smtClean="0">
+                          <a:ln>
+                            <a:noFill/>
+                          </a:ln>
+                          <a:solidFill>
+                            <a:schemeClr val="tx1"/>
+                          </a:solidFill>
+                          <a:effectLst/>
+                          <a:latin typeface="Arial" charset="0"/>
+                        </a:rPr>
+                        <a:t>ohne</a:t>
+                      </a:r>
+                      <a:r>
+                        <a:rPr kumimoji="0" lang="en-US" sz="1000" b="0" i="0" u="none" strike="noStrike" cap="none" normalizeH="0" baseline="0" dirty="0" smtClean="0">
+                          <a:ln>
+                            <a:noFill/>
+                          </a:ln>
+                          <a:solidFill>
+                            <a:schemeClr val="tx1"/>
+                          </a:solidFill>
+                          <a:effectLst/>
+                          <a:latin typeface="Arial" charset="0"/>
+                        </a:rPr>
+                        <a:t> Google </a:t>
+                      </a:r>
+                      <a:r>
+                        <a:rPr kumimoji="0" lang="en-US" sz="1000" b="0" i="0" u="none" strike="noStrike" cap="none" normalizeH="0" baseline="0" dirty="0" err="1" smtClean="0">
+                          <a:ln>
+                            <a:noFill/>
+                          </a:ln>
+                          <a:solidFill>
+                            <a:schemeClr val="tx1"/>
+                          </a:solidFill>
+                          <a:effectLst/>
+                          <a:latin typeface="Arial" charset="0"/>
+                        </a:rPr>
+                        <a:t>zu</a:t>
+                      </a:r>
+                      <a:r>
+                        <a:rPr kumimoji="0" lang="en-US" sz="1000" b="0" i="0" u="none" strike="noStrike" cap="none" normalizeH="0" baseline="0" dirty="0" smtClean="0">
+                          <a:ln>
+                            <a:noFill/>
+                          </a:ln>
+                          <a:solidFill>
+                            <a:schemeClr val="tx1"/>
+                          </a:solidFill>
+                          <a:effectLst/>
+                          <a:latin typeface="Arial" charset="0"/>
+                        </a:rPr>
+                        <a:t> </a:t>
+                      </a:r>
+                      <a:r>
+                        <a:rPr kumimoji="0" lang="en-US" sz="1000" b="0" i="0" u="none" strike="noStrike" cap="none" normalizeH="0" baseline="0" dirty="0" err="1" smtClean="0">
+                          <a:ln>
+                            <a:noFill/>
+                          </a:ln>
+                          <a:solidFill>
+                            <a:schemeClr val="tx1"/>
+                          </a:solidFill>
+                          <a:effectLst/>
+                          <a:latin typeface="Arial" charset="0"/>
+                        </a:rPr>
+                        <a:t>finden</a:t>
+                      </a:r>
+                      <a:endParaRPr kumimoji="0" lang="en-US" sz="1000" b="0" i="0" u="none" strike="noStrike" cap="none" normalizeH="0" baseline="0" dirty="0" smtClean="0">
+                        <a:ln>
+                          <a:noFill/>
+                        </a:ln>
+                        <a:solidFill>
+                          <a:schemeClr val="tx1"/>
+                        </a:solidFill>
+                        <a:effectLst/>
+                        <a:latin typeface="Arial" charset="0"/>
+                      </a:endParaRPr>
+                    </a:p>
+                    <a:p>
+                      <a:pPr marL="0" marR="0" lvl="0" indent="0" algn="l" defTabSz="914400" rtl="0" eaLnBrk="1" fontAlgn="base" latinLnBrk="0" hangingPunct="1">
+                        <a:lnSpc>
+                          <a:spcPct val="100000"/>
+                        </a:lnSpc>
+                        <a:spcBef>
+                          <a:spcPct val="20000"/>
+                        </a:spcBef>
+                        <a:spcAft>
+                          <a:spcPct val="0"/>
+                        </a:spcAft>
+                        <a:buClr>
+                          <a:schemeClr val="accent2"/>
+                        </a:buClr>
+                        <a:buSzPct val="100000"/>
+                        <a:buFont typeface="Wingdings" pitchFamily="2" charset="2"/>
+                        <a:buChar char="§"/>
+                        <a:tabLst/>
+                      </a:pPr>
+                      <a:r>
+                        <a:rPr kumimoji="0" lang="en-US" sz="1000" b="0" i="0" u="none" strike="noStrike" cap="none" normalizeH="0" baseline="0" dirty="0" err="1" smtClean="0">
+                          <a:ln>
+                            <a:noFill/>
+                          </a:ln>
+                          <a:solidFill>
+                            <a:schemeClr val="tx1"/>
+                          </a:solidFill>
+                          <a:effectLst/>
+                          <a:latin typeface="Arial" charset="0"/>
+                        </a:rPr>
+                        <a:t>Hofft</a:t>
+                      </a:r>
+                      <a:r>
+                        <a:rPr kumimoji="0" lang="en-US" sz="1000" b="0" i="0" u="none" strike="noStrike" cap="none" normalizeH="0" baseline="0" dirty="0" smtClean="0">
+                          <a:ln>
+                            <a:noFill/>
+                          </a:ln>
+                          <a:solidFill>
+                            <a:schemeClr val="tx1"/>
+                          </a:solidFill>
+                          <a:effectLst/>
+                          <a:latin typeface="Arial" charset="0"/>
+                        </a:rPr>
+                        <a:t>, </a:t>
+                      </a:r>
+                      <a:r>
+                        <a:rPr kumimoji="0" lang="en-US" sz="1000" b="0" i="0" u="none" strike="noStrike" cap="none" normalizeH="0" baseline="0" dirty="0" err="1" smtClean="0">
+                          <a:ln>
+                            <a:noFill/>
+                          </a:ln>
+                          <a:solidFill>
+                            <a:schemeClr val="tx1"/>
+                          </a:solidFill>
+                          <a:effectLst/>
+                          <a:latin typeface="Arial" charset="0"/>
+                        </a:rPr>
+                        <a:t>dass</a:t>
+                      </a:r>
+                      <a:r>
+                        <a:rPr kumimoji="0" lang="en-US" sz="1000" b="0" i="0" u="none" strike="noStrike" cap="none" normalizeH="0" baseline="0" dirty="0" smtClean="0">
+                          <a:ln>
+                            <a:noFill/>
+                          </a:ln>
+                          <a:solidFill>
+                            <a:schemeClr val="tx1"/>
+                          </a:solidFill>
+                          <a:effectLst/>
+                          <a:latin typeface="Arial" charset="0"/>
+                        </a:rPr>
+                        <a:t> </a:t>
+                      </a:r>
+                      <a:r>
+                        <a:rPr kumimoji="0" lang="en-US" sz="1000" b="0" i="0" u="none" strike="noStrike" cap="none" normalizeH="0" baseline="0" dirty="0" err="1" smtClean="0">
+                          <a:ln>
+                            <a:noFill/>
+                          </a:ln>
+                          <a:solidFill>
+                            <a:schemeClr val="tx1"/>
+                          </a:solidFill>
+                          <a:effectLst/>
+                          <a:latin typeface="Arial" charset="0"/>
+                        </a:rPr>
+                        <a:t>verwendete</a:t>
+                      </a:r>
+                      <a:r>
+                        <a:rPr kumimoji="0" lang="en-US" sz="1000" b="0" i="0" u="none" strike="noStrike" cap="none" normalizeH="0" baseline="0" dirty="0" smtClean="0">
+                          <a:ln>
+                            <a:noFill/>
+                          </a:ln>
+                          <a:solidFill>
+                            <a:schemeClr val="tx1"/>
+                          </a:solidFill>
+                          <a:effectLst/>
+                          <a:latin typeface="Arial" charset="0"/>
+                        </a:rPr>
+                        <a:t> </a:t>
+                      </a:r>
+                      <a:r>
+                        <a:rPr kumimoji="0" lang="en-US" sz="1000" b="0" i="0" u="none" strike="noStrike" cap="none" normalizeH="0" baseline="0" dirty="0" err="1" smtClean="0">
+                          <a:ln>
+                            <a:noFill/>
+                          </a:ln>
+                          <a:solidFill>
+                            <a:schemeClr val="tx1"/>
+                          </a:solidFill>
+                          <a:effectLst/>
+                          <a:latin typeface="Arial" charset="0"/>
+                        </a:rPr>
+                        <a:t>Funktionen</a:t>
+                      </a:r>
+                      <a:r>
+                        <a:rPr kumimoji="0" lang="en-US" sz="1000" b="0" i="0" u="none" strike="noStrike" cap="none" normalizeH="0" baseline="0" dirty="0" smtClean="0">
+                          <a:ln>
+                            <a:noFill/>
+                          </a:ln>
+                          <a:solidFill>
+                            <a:schemeClr val="tx1"/>
+                          </a:solidFill>
+                          <a:effectLst/>
+                          <a:latin typeface="Arial" charset="0"/>
+                        </a:rPr>
+                        <a:t> </a:t>
+                      </a:r>
+                      <a:r>
+                        <a:rPr kumimoji="0" lang="en-US" sz="1000" b="0" i="0" u="none" strike="noStrike" cap="none" normalizeH="0" baseline="0" dirty="0" err="1" smtClean="0">
+                          <a:ln>
+                            <a:noFill/>
+                          </a:ln>
+                          <a:solidFill>
+                            <a:schemeClr val="tx1"/>
+                          </a:solidFill>
+                          <a:effectLst/>
+                          <a:latin typeface="Arial" charset="0"/>
+                        </a:rPr>
+                        <a:t>weiterhin</a:t>
+                      </a:r>
+                      <a:r>
+                        <a:rPr kumimoji="0" lang="en-US" sz="1000" b="0" i="0" u="none" strike="noStrike" cap="none" normalizeH="0" baseline="0" dirty="0" smtClean="0">
+                          <a:ln>
+                            <a:noFill/>
+                          </a:ln>
+                          <a:solidFill>
+                            <a:schemeClr val="tx1"/>
+                          </a:solidFill>
+                          <a:effectLst/>
+                          <a:latin typeface="Arial" charset="0"/>
+                        </a:rPr>
+                        <a:t> am </a:t>
+                      </a:r>
+                      <a:r>
+                        <a:rPr kumimoji="0" lang="en-US" sz="1000" b="0" i="0" u="none" strike="noStrike" cap="none" normalizeH="0" baseline="0" dirty="0" err="1" smtClean="0">
+                          <a:ln>
+                            <a:noFill/>
+                          </a:ln>
+                          <a:solidFill>
+                            <a:schemeClr val="tx1"/>
+                          </a:solidFill>
+                          <a:effectLst/>
+                          <a:latin typeface="Arial" charset="0"/>
+                        </a:rPr>
+                        <a:t>selben</a:t>
+                      </a:r>
+                      <a:r>
+                        <a:rPr kumimoji="0" lang="en-US" sz="1000" b="0" i="0" u="none" strike="noStrike" cap="none" normalizeH="0" baseline="0" dirty="0" smtClean="0">
+                          <a:ln>
+                            <a:noFill/>
+                          </a:ln>
+                          <a:solidFill>
+                            <a:schemeClr val="tx1"/>
+                          </a:solidFill>
+                          <a:effectLst/>
+                          <a:latin typeface="Arial" charset="0"/>
+                        </a:rPr>
+                        <a:t> </a:t>
+                      </a:r>
+                      <a:r>
+                        <a:rPr kumimoji="0" lang="en-US" sz="1000" b="0" i="0" u="none" strike="noStrike" cap="none" normalizeH="0" baseline="0" dirty="0" err="1" smtClean="0">
+                          <a:ln>
+                            <a:noFill/>
+                          </a:ln>
+                          <a:solidFill>
+                            <a:schemeClr val="tx1"/>
+                          </a:solidFill>
+                          <a:effectLst/>
+                          <a:latin typeface="Arial" charset="0"/>
+                        </a:rPr>
+                        <a:t>Platz</a:t>
+                      </a:r>
+                      <a:r>
+                        <a:rPr kumimoji="0" lang="en-US" sz="1000" b="0" i="0" u="none" strike="noStrike" cap="none" normalizeH="0" baseline="0" dirty="0" smtClean="0">
+                          <a:ln>
+                            <a:noFill/>
+                          </a:ln>
+                          <a:solidFill>
+                            <a:schemeClr val="tx1"/>
+                          </a:solidFill>
+                          <a:effectLst/>
+                          <a:latin typeface="Arial" charset="0"/>
+                        </a:rPr>
+                        <a:t> </a:t>
+                      </a:r>
+                      <a:r>
+                        <a:rPr kumimoji="0" lang="en-US" sz="1000" b="0" i="0" u="none" strike="noStrike" cap="none" normalizeH="0" baseline="0" dirty="0" err="1" smtClean="0">
+                          <a:ln>
+                            <a:noFill/>
+                          </a:ln>
+                          <a:solidFill>
+                            <a:schemeClr val="tx1"/>
+                          </a:solidFill>
+                          <a:effectLst/>
+                          <a:latin typeface="Arial" charset="0"/>
+                        </a:rPr>
+                        <a:t>sind</a:t>
+                      </a:r>
+                      <a:endParaRPr kumimoji="0" lang="en-US" sz="1000" b="0" i="0" u="none" strike="noStrike" cap="none" normalizeH="0" baseline="0" dirty="0" smtClean="0">
+                        <a:ln>
+                          <a:noFill/>
+                        </a:ln>
+                        <a:solidFill>
+                          <a:schemeClr val="tx1"/>
+                        </a:solidFill>
+                        <a:effectLst/>
+                        <a:latin typeface="Arial" charset="0"/>
+                      </a:endParaRPr>
+                    </a:p>
+                    <a:p>
+                      <a:pPr marL="0" marR="0" lvl="0" indent="0" algn="l" defTabSz="914400" rtl="0" eaLnBrk="1" fontAlgn="base" latinLnBrk="0" hangingPunct="1">
+                        <a:lnSpc>
+                          <a:spcPct val="100000"/>
+                        </a:lnSpc>
+                        <a:spcBef>
+                          <a:spcPct val="20000"/>
+                        </a:spcBef>
+                        <a:spcAft>
+                          <a:spcPct val="0"/>
+                        </a:spcAft>
+                        <a:buClr>
+                          <a:schemeClr val="accent2"/>
+                        </a:buClr>
+                        <a:buSzPct val="100000"/>
+                        <a:buFont typeface="Wingdings" pitchFamily="2" charset="2"/>
+                        <a:buChar char="§"/>
+                        <a:tabLst/>
+                      </a:pPr>
+                      <a:r>
+                        <a:rPr kumimoji="0" lang="en-US" sz="1000" b="0" i="0" u="none" strike="noStrike" cap="none" normalizeH="0" baseline="0" dirty="0" smtClean="0">
+                          <a:ln>
+                            <a:noFill/>
+                          </a:ln>
+                          <a:solidFill>
+                            <a:schemeClr val="tx1"/>
+                          </a:solidFill>
+                          <a:effectLst/>
+                          <a:latin typeface="Arial" charset="0"/>
+                        </a:rPr>
+                        <a:t> </a:t>
+                      </a:r>
+                      <a:r>
+                        <a:rPr kumimoji="0" lang="en-US" sz="1000" b="0" i="0" u="none" strike="noStrike" cap="none" normalizeH="0" baseline="0" dirty="0" err="1" smtClean="0">
+                          <a:ln>
+                            <a:noFill/>
+                          </a:ln>
+                          <a:solidFill>
+                            <a:schemeClr val="tx1"/>
+                          </a:solidFill>
+                          <a:effectLst/>
+                          <a:latin typeface="Arial" charset="0"/>
+                        </a:rPr>
+                        <a:t>Füchtet</a:t>
+                      </a:r>
+                      <a:r>
+                        <a:rPr kumimoji="0" lang="en-US" sz="1000" b="0" i="0" u="none" strike="noStrike" cap="none" normalizeH="0" baseline="0" dirty="0" smtClean="0">
+                          <a:ln>
+                            <a:noFill/>
+                          </a:ln>
+                          <a:solidFill>
+                            <a:schemeClr val="tx1"/>
+                          </a:solidFill>
+                          <a:effectLst/>
+                          <a:latin typeface="Arial" charset="0"/>
+                        </a:rPr>
+                        <a:t>, </a:t>
+                      </a:r>
+                      <a:r>
+                        <a:rPr kumimoji="0" lang="en-US" sz="1000" b="0" i="0" u="none" strike="noStrike" cap="none" normalizeH="0" baseline="0" dirty="0" err="1" smtClean="0">
+                          <a:ln>
+                            <a:noFill/>
+                          </a:ln>
+                          <a:solidFill>
+                            <a:schemeClr val="tx1"/>
+                          </a:solidFill>
+                          <a:effectLst/>
+                          <a:latin typeface="Arial" charset="0"/>
+                        </a:rPr>
+                        <a:t>dass</a:t>
+                      </a:r>
+                      <a:r>
+                        <a:rPr kumimoji="0" lang="en-US" sz="1000" b="0" i="0" u="none" strike="noStrike" cap="none" normalizeH="0" baseline="0" dirty="0" smtClean="0">
+                          <a:ln>
+                            <a:noFill/>
+                          </a:ln>
+                          <a:solidFill>
+                            <a:schemeClr val="tx1"/>
+                          </a:solidFill>
+                          <a:effectLst/>
+                          <a:latin typeface="Arial" charset="0"/>
+                        </a:rPr>
+                        <a:t> </a:t>
+                      </a:r>
+                      <a:r>
+                        <a:rPr kumimoji="0" lang="en-US" sz="1000" b="0" i="0" u="none" strike="noStrike" cap="none" normalizeH="0" baseline="0" dirty="0" err="1" smtClean="0">
+                          <a:ln>
+                            <a:noFill/>
+                          </a:ln>
+                          <a:solidFill>
+                            <a:schemeClr val="tx1"/>
+                          </a:solidFill>
+                          <a:effectLst/>
+                          <a:latin typeface="Arial" charset="0"/>
+                        </a:rPr>
+                        <a:t>er</a:t>
+                      </a:r>
+                      <a:r>
+                        <a:rPr kumimoji="0" lang="en-US" sz="1000" b="0" i="0" u="none" strike="noStrike" cap="none" normalizeH="0" baseline="0" dirty="0" smtClean="0">
+                          <a:ln>
+                            <a:noFill/>
+                          </a:ln>
+                          <a:solidFill>
+                            <a:schemeClr val="tx1"/>
+                          </a:solidFill>
+                          <a:effectLst/>
+                          <a:latin typeface="Arial" charset="0"/>
+                        </a:rPr>
+                        <a:t> </a:t>
+                      </a:r>
+                      <a:r>
+                        <a:rPr kumimoji="0" lang="en-US" sz="1000" b="0" i="0" u="none" strike="noStrike" cap="none" normalizeH="0" baseline="0" dirty="0" err="1" smtClean="0">
+                          <a:ln>
+                            <a:noFill/>
+                          </a:ln>
+                          <a:solidFill>
+                            <a:schemeClr val="tx1"/>
+                          </a:solidFill>
+                          <a:effectLst/>
+                          <a:latin typeface="Arial" charset="0"/>
+                        </a:rPr>
+                        <a:t>alle</a:t>
+                      </a:r>
+                      <a:r>
+                        <a:rPr kumimoji="0" lang="en-US" sz="1000" b="0" i="0" u="none" strike="noStrike" cap="none" normalizeH="0" baseline="0" dirty="0" smtClean="0">
+                          <a:ln>
+                            <a:noFill/>
+                          </a:ln>
+                          <a:solidFill>
+                            <a:schemeClr val="tx1"/>
+                          </a:solidFill>
+                          <a:effectLst/>
+                          <a:latin typeface="Arial" charset="0"/>
+                        </a:rPr>
+                        <a:t> seine Bookmarks </a:t>
+                      </a:r>
+                      <a:r>
+                        <a:rPr kumimoji="0" lang="en-US" sz="1000" b="0" i="0" u="none" strike="noStrike" cap="none" normalizeH="0" baseline="0" dirty="0" err="1" smtClean="0">
+                          <a:ln>
+                            <a:noFill/>
+                          </a:ln>
+                          <a:solidFill>
+                            <a:schemeClr val="tx1"/>
+                          </a:solidFill>
+                          <a:effectLst/>
+                          <a:latin typeface="Arial" charset="0"/>
+                        </a:rPr>
+                        <a:t>neu</a:t>
+                      </a:r>
+                      <a:r>
+                        <a:rPr kumimoji="0" lang="en-US" sz="1000" b="0" i="0" u="none" strike="noStrike" cap="none" normalizeH="0" baseline="0" dirty="0" smtClean="0">
+                          <a:ln>
+                            <a:noFill/>
+                          </a:ln>
+                          <a:solidFill>
+                            <a:schemeClr val="tx1"/>
+                          </a:solidFill>
+                          <a:effectLst/>
+                          <a:latin typeface="Arial" charset="0"/>
+                        </a:rPr>
+                        <a:t> </a:t>
+                      </a:r>
+                      <a:r>
+                        <a:rPr kumimoji="0" lang="en-US" sz="1000" b="0" i="0" u="none" strike="noStrike" cap="none" normalizeH="0" baseline="0" dirty="0" err="1" smtClean="0">
+                          <a:ln>
+                            <a:noFill/>
+                          </a:ln>
+                          <a:solidFill>
+                            <a:schemeClr val="tx1"/>
+                          </a:solidFill>
+                          <a:effectLst/>
+                          <a:latin typeface="Arial" charset="0"/>
+                        </a:rPr>
+                        <a:t>speichern</a:t>
+                      </a:r>
+                      <a:r>
+                        <a:rPr kumimoji="0" lang="en-US" sz="1000" b="0" i="0" u="none" strike="noStrike" cap="none" normalizeH="0" baseline="0" dirty="0" smtClean="0">
+                          <a:ln>
+                            <a:noFill/>
+                          </a:ln>
+                          <a:solidFill>
+                            <a:schemeClr val="tx1"/>
+                          </a:solidFill>
+                          <a:effectLst/>
+                          <a:latin typeface="Arial" charset="0"/>
+                        </a:rPr>
+                        <a:t> muss</a:t>
+                      </a:r>
+                      <a:endParaRPr kumimoji="0" lang="en-US" sz="1000" b="0" i="0" u="none" strike="noStrike" cap="none" normalizeH="0" baseline="0" dirty="0" smtClean="0">
+                        <a:ln>
+                          <a:noFill/>
+                        </a:ln>
+                        <a:solidFill>
+                          <a:schemeClr val="tx1"/>
+                        </a:solidFill>
+                        <a:effectLst/>
+                        <a:latin typeface="Arial" charset="0"/>
+                      </a:endParaRPr>
                     </a:p>
                   </a:txBody>
                   <a:tcPr marL="90488" marR="90488" marT="44450" marB="44450" horzOverflow="overflow">
@@ -8117,18 +9579,340 @@
                         <a:tabLst/>
                       </a:pPr>
                       <a:r>
-                        <a:rPr kumimoji="0" lang="en-US" sz="1000" b="0" i="0" u="none" strike="noStrike" cap="none" normalizeH="0" baseline="0" smtClean="0">
-                          <a:ln>
-                            <a:noFill/>
-                          </a:ln>
-                          <a:solidFill>
-                            <a:schemeClr val="tx1"/>
-                          </a:solidFill>
-                          <a:effectLst/>
-                          <a:latin typeface="Arial" charset="0"/>
-                        </a:rPr>
-                        <a:t> …</a:t>
-                      </a:r>
+                        <a:rPr kumimoji="0" lang="en-US" sz="1000" b="0" i="0" u="none" strike="noStrike" cap="none" normalizeH="0" baseline="0" dirty="0" smtClean="0">
+                          <a:ln>
+                            <a:noFill/>
+                          </a:ln>
+                          <a:solidFill>
+                            <a:schemeClr val="tx1"/>
+                          </a:solidFill>
+                          <a:effectLst/>
+                          <a:latin typeface="Arial" charset="0"/>
+                        </a:rPr>
+                        <a:t> </a:t>
+                      </a:r>
+                      <a:r>
+                        <a:rPr kumimoji="0" lang="en-US" sz="1000" b="0" i="0" u="none" strike="noStrike" cap="none" normalizeH="0" baseline="0" dirty="0" err="1" smtClean="0">
+                          <a:ln>
+                            <a:noFill/>
+                          </a:ln>
+                          <a:solidFill>
+                            <a:schemeClr val="tx1"/>
+                          </a:solidFill>
+                          <a:effectLst/>
+                          <a:latin typeface="Arial" charset="0"/>
+                        </a:rPr>
+                        <a:t>Findet</a:t>
+                      </a:r>
+                      <a:r>
+                        <a:rPr kumimoji="0" lang="en-US" sz="1000" b="0" i="0" u="none" strike="noStrike" cap="none" normalizeH="0" baseline="0" dirty="0" smtClean="0">
+                          <a:ln>
+                            <a:noFill/>
+                          </a:ln>
+                          <a:solidFill>
+                            <a:schemeClr val="tx1"/>
+                          </a:solidFill>
+                          <a:effectLst/>
+                          <a:latin typeface="Arial" charset="0"/>
+                        </a:rPr>
+                        <a:t> das System </a:t>
+                      </a:r>
+                      <a:r>
+                        <a:rPr kumimoji="0" lang="en-US" sz="1000" b="0" i="0" u="none" strike="noStrike" cap="none" normalizeH="0" baseline="0" dirty="0" err="1" smtClean="0">
+                          <a:ln>
+                            <a:noFill/>
+                          </a:ln>
+                          <a:solidFill>
+                            <a:schemeClr val="tx1"/>
+                          </a:solidFill>
+                          <a:effectLst/>
+                          <a:latin typeface="Arial" charset="0"/>
+                        </a:rPr>
+                        <a:t>schon</a:t>
+                      </a:r>
+                      <a:r>
+                        <a:rPr kumimoji="0" lang="en-US" sz="1000" b="0" i="0" u="none" strike="noStrike" cap="none" normalizeH="0" baseline="0" dirty="0" smtClean="0">
+                          <a:ln>
+                            <a:noFill/>
+                          </a:ln>
+                          <a:solidFill>
+                            <a:schemeClr val="tx1"/>
+                          </a:solidFill>
+                          <a:effectLst/>
+                          <a:latin typeface="Arial" charset="0"/>
+                        </a:rPr>
+                        <a:t> </a:t>
+                      </a:r>
+                      <a:r>
+                        <a:rPr kumimoji="0" lang="en-US" sz="1000" b="0" i="0" u="none" strike="noStrike" cap="none" normalizeH="0" baseline="0" dirty="0" err="1" smtClean="0">
+                          <a:ln>
+                            <a:noFill/>
+                          </a:ln>
+                          <a:solidFill>
+                            <a:schemeClr val="tx1"/>
+                          </a:solidFill>
+                          <a:effectLst/>
+                          <a:latin typeface="Arial" charset="0"/>
+                        </a:rPr>
+                        <a:t>seit</a:t>
+                      </a:r>
+                      <a:r>
+                        <a:rPr kumimoji="0" lang="en-US" sz="1000" b="0" i="0" u="none" strike="noStrike" cap="none" normalizeH="0" baseline="0" dirty="0" smtClean="0">
+                          <a:ln>
+                            <a:noFill/>
+                          </a:ln>
+                          <a:solidFill>
+                            <a:schemeClr val="tx1"/>
+                          </a:solidFill>
+                          <a:effectLst/>
+                          <a:latin typeface="Arial" charset="0"/>
+                        </a:rPr>
+                        <a:t> der </a:t>
+                      </a:r>
+                      <a:r>
+                        <a:rPr kumimoji="0" lang="en-US" sz="1000" b="0" i="0" u="none" strike="noStrike" cap="none" normalizeH="0" baseline="0" dirty="0" err="1" smtClean="0">
+                          <a:ln>
+                            <a:noFill/>
+                          </a:ln>
+                          <a:solidFill>
+                            <a:schemeClr val="tx1"/>
+                          </a:solidFill>
+                          <a:effectLst/>
+                          <a:latin typeface="Arial" charset="0"/>
+                        </a:rPr>
+                        <a:t>Umgestlatung</a:t>
+                      </a:r>
+                      <a:r>
+                        <a:rPr kumimoji="0" lang="en-US" sz="1000" b="0" i="0" u="none" strike="noStrike" cap="none" normalizeH="0" baseline="0" dirty="0" smtClean="0">
+                          <a:ln>
+                            <a:noFill/>
+                          </a:ln>
+                          <a:solidFill>
+                            <a:schemeClr val="tx1"/>
+                          </a:solidFill>
+                          <a:effectLst/>
+                          <a:latin typeface="Arial" charset="0"/>
+                        </a:rPr>
+                        <a:t> </a:t>
+                      </a:r>
+                      <a:r>
+                        <a:rPr kumimoji="0" lang="en-US" sz="1000" b="0" i="0" u="none" strike="noStrike" cap="none" normalizeH="0" baseline="0" dirty="0" err="1" smtClean="0">
+                          <a:ln>
+                            <a:noFill/>
+                          </a:ln>
+                          <a:solidFill>
+                            <a:schemeClr val="tx1"/>
+                          </a:solidFill>
+                          <a:effectLst/>
+                          <a:latin typeface="Arial" charset="0"/>
+                        </a:rPr>
+                        <a:t>sehr</a:t>
+                      </a:r>
+                      <a:r>
+                        <a:rPr kumimoji="0" lang="en-US" sz="1000" b="0" i="0" u="none" strike="noStrike" cap="none" normalizeH="0" baseline="0" dirty="0" smtClean="0">
+                          <a:ln>
+                            <a:noFill/>
+                          </a:ln>
+                          <a:solidFill>
+                            <a:schemeClr val="tx1"/>
+                          </a:solidFill>
+                          <a:effectLst/>
+                          <a:latin typeface="Arial" charset="0"/>
+                        </a:rPr>
+                        <a:t> </a:t>
+                      </a:r>
+                      <a:r>
+                        <a:rPr kumimoji="0" lang="en-US" sz="1000" b="0" i="0" u="none" strike="noStrike" cap="none" normalizeH="0" baseline="0" dirty="0" err="1" smtClean="0">
+                          <a:ln>
+                            <a:noFill/>
+                          </a:ln>
+                          <a:solidFill>
+                            <a:schemeClr val="tx1"/>
+                          </a:solidFill>
+                          <a:effectLst/>
+                          <a:latin typeface="Arial" charset="0"/>
+                        </a:rPr>
+                        <a:t>viel</a:t>
+                      </a:r>
+                      <a:r>
+                        <a:rPr kumimoji="0" lang="en-US" sz="1000" b="0" i="0" u="none" strike="noStrike" cap="none" normalizeH="0" baseline="0" dirty="0" smtClean="0">
+                          <a:ln>
+                            <a:noFill/>
+                          </a:ln>
+                          <a:solidFill>
+                            <a:schemeClr val="tx1"/>
+                          </a:solidFill>
+                          <a:effectLst/>
+                          <a:latin typeface="Arial" charset="0"/>
+                        </a:rPr>
+                        <a:t> </a:t>
+                      </a:r>
+                      <a:r>
+                        <a:rPr kumimoji="0" lang="en-US" sz="1000" b="0" i="0" u="none" strike="noStrike" cap="none" normalizeH="0" baseline="0" dirty="0" err="1" smtClean="0">
+                          <a:ln>
+                            <a:noFill/>
+                          </a:ln>
+                          <a:solidFill>
+                            <a:schemeClr val="tx1"/>
+                          </a:solidFill>
+                          <a:effectLst/>
+                          <a:latin typeface="Arial" charset="0"/>
+                        </a:rPr>
+                        <a:t>besser</a:t>
+                      </a:r>
+                      <a:r>
+                        <a:rPr kumimoji="0" lang="en-US" sz="1000" b="0" i="0" u="none" strike="noStrike" cap="none" normalizeH="0" baseline="0" dirty="0" smtClean="0">
+                          <a:ln>
+                            <a:noFill/>
+                          </a:ln>
+                          <a:solidFill>
+                            <a:schemeClr val="tx1"/>
+                          </a:solidFill>
+                          <a:effectLst/>
+                          <a:latin typeface="Arial" charset="0"/>
+                        </a:rPr>
+                        <a:t> und </a:t>
+                      </a:r>
+                      <a:r>
+                        <a:rPr kumimoji="0" lang="en-US" sz="1000" b="0" i="0" u="none" strike="noStrike" cap="none" normalizeH="0" baseline="0" dirty="0" err="1" smtClean="0">
+                          <a:ln>
+                            <a:noFill/>
+                          </a:ln>
+                          <a:solidFill>
+                            <a:schemeClr val="tx1"/>
+                          </a:solidFill>
+                          <a:effectLst/>
+                          <a:latin typeface="Arial" charset="0"/>
+                        </a:rPr>
+                        <a:t>findet</a:t>
+                      </a:r>
+                      <a:r>
+                        <a:rPr kumimoji="0" lang="en-US" sz="1000" b="0" i="0" u="none" strike="noStrike" cap="none" normalizeH="0" baseline="0" dirty="0" smtClean="0">
+                          <a:ln>
+                            <a:noFill/>
+                          </a:ln>
+                          <a:solidFill>
+                            <a:schemeClr val="tx1"/>
+                          </a:solidFill>
+                          <a:effectLst/>
+                          <a:latin typeface="Arial" charset="0"/>
+                        </a:rPr>
+                        <a:t> </a:t>
+                      </a:r>
+                      <a:r>
+                        <a:rPr kumimoji="0" lang="en-US" sz="1000" b="0" i="0" u="none" strike="noStrike" cap="none" normalizeH="0" baseline="0" dirty="0" err="1" smtClean="0">
+                          <a:ln>
+                            <a:noFill/>
+                          </a:ln>
+                          <a:solidFill>
+                            <a:schemeClr val="tx1"/>
+                          </a:solidFill>
+                          <a:effectLst/>
+                          <a:latin typeface="Arial" charset="0"/>
+                        </a:rPr>
+                        <a:t>jede</a:t>
+                      </a:r>
+                      <a:r>
+                        <a:rPr kumimoji="0" lang="en-US" sz="1000" b="0" i="0" u="none" strike="noStrike" cap="none" normalizeH="0" baseline="0" dirty="0" smtClean="0">
+                          <a:ln>
+                            <a:noFill/>
+                          </a:ln>
+                          <a:solidFill>
+                            <a:schemeClr val="tx1"/>
+                          </a:solidFill>
+                          <a:effectLst/>
+                          <a:latin typeface="Arial" charset="0"/>
+                        </a:rPr>
+                        <a:t> </a:t>
+                      </a:r>
+                      <a:r>
+                        <a:rPr kumimoji="0" lang="en-US" sz="1000" b="0" i="0" u="none" strike="noStrike" cap="none" normalizeH="0" baseline="0" dirty="0" err="1" smtClean="0">
+                          <a:ln>
+                            <a:noFill/>
+                          </a:ln>
+                          <a:solidFill>
+                            <a:schemeClr val="tx1"/>
+                          </a:solidFill>
+                          <a:effectLst/>
+                          <a:latin typeface="Arial" charset="0"/>
+                        </a:rPr>
+                        <a:t>Veränderung</a:t>
+                      </a:r>
+                      <a:r>
+                        <a:rPr kumimoji="0" lang="en-US" sz="1000" b="0" i="0" u="none" strike="noStrike" cap="none" normalizeH="0" baseline="0" dirty="0" smtClean="0">
+                          <a:ln>
+                            <a:noFill/>
+                          </a:ln>
+                          <a:solidFill>
+                            <a:schemeClr val="tx1"/>
+                          </a:solidFill>
+                          <a:effectLst/>
+                          <a:latin typeface="Arial" charset="0"/>
+                        </a:rPr>
+                        <a:t> </a:t>
+                      </a:r>
+                      <a:r>
+                        <a:rPr kumimoji="0" lang="en-US" sz="1000" b="0" i="0" u="none" strike="noStrike" cap="none" normalizeH="0" baseline="0" dirty="0" err="1" smtClean="0">
+                          <a:ln>
+                            <a:noFill/>
+                          </a:ln>
+                          <a:solidFill>
+                            <a:schemeClr val="tx1"/>
+                          </a:solidFill>
+                          <a:effectLst/>
+                          <a:latin typeface="Arial" charset="0"/>
+                        </a:rPr>
+                        <a:t>zunächst</a:t>
+                      </a:r>
+                      <a:r>
+                        <a:rPr kumimoji="0" lang="en-US" sz="1000" b="0" i="0" u="none" strike="noStrike" cap="none" normalizeH="0" baseline="0" dirty="0" smtClean="0">
+                          <a:ln>
+                            <a:noFill/>
+                          </a:ln>
+                          <a:solidFill>
+                            <a:schemeClr val="tx1"/>
+                          </a:solidFill>
+                          <a:effectLst/>
+                          <a:latin typeface="Arial" charset="0"/>
+                        </a:rPr>
+                        <a:t> </a:t>
+                      </a:r>
+                      <a:r>
+                        <a:rPr kumimoji="0" lang="en-US" sz="1000" b="0" i="0" u="none" strike="noStrike" cap="none" normalizeH="0" baseline="0" dirty="0" err="1" smtClean="0">
+                          <a:ln>
+                            <a:noFill/>
+                          </a:ln>
+                          <a:solidFill>
+                            <a:schemeClr val="tx1"/>
+                          </a:solidFill>
+                          <a:effectLst/>
+                          <a:latin typeface="Arial" charset="0"/>
+                        </a:rPr>
+                        <a:t>immer</a:t>
+                      </a:r>
+                      <a:r>
+                        <a:rPr kumimoji="0" lang="en-US" sz="1000" b="0" i="0" u="none" strike="noStrike" cap="none" normalizeH="0" baseline="0" dirty="0" smtClean="0">
+                          <a:ln>
+                            <a:noFill/>
+                          </a:ln>
+                          <a:solidFill>
+                            <a:schemeClr val="tx1"/>
+                          </a:solidFill>
+                          <a:effectLst/>
+                          <a:latin typeface="Arial" charset="0"/>
+                        </a:rPr>
+                        <a:t> gut</a:t>
+                      </a:r>
+                      <a:endParaRPr kumimoji="0" lang="en-US" sz="1000" b="0" i="0" u="none" strike="noStrike" cap="none" normalizeH="0" baseline="0" dirty="0" smtClean="0">
+                        <a:ln>
+                          <a:noFill/>
+                        </a:ln>
+                        <a:solidFill>
+                          <a:schemeClr val="tx1"/>
+                        </a:solidFill>
+                        <a:effectLst/>
+                        <a:latin typeface="Arial" charset="0"/>
+                      </a:endParaRPr>
                     </a:p>
                   </a:txBody>
                   <a:tcPr marL="90488" marR="90488" marT="44450" marB="44450" horzOverflow="overflow">
@@ -8164,50 +9948,47 @@
           </a:graphicData>
         </a:graphic>
       </p:graphicFrame>
-      <p:sp>
-        <p:nvSpPr>
-          <p:cNvPr id="5" name="Rectangle 4"/>
-          <p:cNvSpPr/>
+      <p:pic>
+        <p:nvPicPr>
+          <p:cNvPr id="2050" name="Picture 2" descr="Donald Leopold"/>
+          <p:cNvPicPr>
+            <a:picLocks noChangeAspect="1" noChangeArrowheads="1"/>
+          </p:cNvPicPr>
           <p:nvPr/>
-        </p:nvSpPr>
-        <p:spPr>
+        </p:nvPicPr>
+        <p:blipFill>
+          <a:blip r:embed="rId2" cstate="print">
+            <a:extLst>
+              <a:ext uri="{28A0092B-C50C-407E-A947-70E740481C1C}">
+                <a14:useLocalDpi xmlns:a14="http://schemas.microsoft.com/office/drawing/2010/main" val="0"/>
+              </a:ext>
+            </a:extLst>
+          </a:blip>
+          <a:srcRect/>
+          <a:stretch>
+            <a:fillRect/>
+          </a:stretch>
+        </p:blipFill>
+        <p:spPr bwMode="auto">
           <a:xfrm>
-            <a:off x="683568" y="1844824"/>
-            <a:ext cx="1512168" cy="1440160"/>
+            <a:off x="612648" y="1772816"/>
+            <a:ext cx="1091611" cy="1368152"/>
           </a:xfrm>
           <a:prstGeom prst="rect">
             <a:avLst/>
           </a:prstGeom>
+          <a:noFill/>
+          <a:extLst>
+            <a:ext uri="{909E8E84-426E-40DD-AFC4-6F175D3DCCD1}">
+              <a14:hiddenFill xmlns:a14="http://schemas.microsoft.com/office/drawing/2010/main">
+                <a:solidFill>
+                  <a:srgbClr val="FFFFFF"/>
+                </a:solidFill>
+              </a14:hiddenFill>
+            </a:ext>
+          </a:extLst>
         </p:spPr>
-        <p:style>
-          <a:lnRef idx="2">
-            <a:schemeClr val="accent1">
-              <a:shade val="50000"/>
-            </a:schemeClr>
-          </a:lnRef>
-          <a:fillRef idx="1">
-            <a:schemeClr val="accent1"/>
-          </a:fillRef>
-          <a:effectRef idx="0">
-            <a:schemeClr val="accent1"/>
-          </a:effectRef>
-          <a:fontRef idx="minor">
-            <a:schemeClr val="lt1"/>
-          </a:fontRef>
-        </p:style>
-        <p:txBody>
-          <a:bodyPr rtlCol="0" anchor="ctr"/>
-          <a:lstStyle/>
-          <a:p>
-            <a:pPr algn="ctr"/>
-            <a:r>
-              <a:rPr lang="de-DE" smtClean="0"/>
-              <a:t>Bild</a:t>
-            </a:r>
-            <a:endParaRPr lang="de-DE"/>
-          </a:p>
-        </p:txBody>
-      </p:sp>
+      </p:pic>
     </p:spTree>
     <p:extLst>
       <p:ext uri="{BB962C8B-B14F-4D97-AF65-F5344CB8AC3E}">
@@ -8284,29 +10065,178 @@
           <a:lstStyle/>
           <a:p>
             <a:r>
-              <a:rPr lang="en-US" sz="1800" smtClean="0"/>
-              <a:t> Christina </a:t>
-            </a:r>
-            <a:r>
-              <a:rPr lang="de-DE" sz="1800" smtClean="0"/>
-              <a:t>ist 25 Jahre alt und schreibt gerade ihre Doktorarbeit in Physik. Hierfür benötigt sie einige kostenpflichtige Programme, welche sie jedoch über das Rechenzentrum umsonst bekommt.</a:t>
-            </a:r>
-          </a:p>
-          <a:p>
-            <a:r>
-              <a:rPr lang="de-DE" sz="1800" smtClean="0"/>
-              <a:t>Das ändern des Passworts macht Christina immer so spät wie möglich, damit Sie ihr aktuelles Passwort so lange wie möglich behalten kann, weshalb Sie ihr Passwort immer direkt über die RZ Seite ändert und nicht über den direktlink in der E-Mail</a:t>
-            </a:r>
-          </a:p>
-          <a:p>
-            <a:r>
-              <a:rPr lang="de-DE" sz="1800" smtClean="0"/>
-              <a:t>Da Christina ihre Ergebnisse lieber auf Papier ausgedruckt auswertet, muss sie regelmäßig ihr Guthaben aufladen</a:t>
-            </a:r>
-            <a:endParaRPr lang="en-US" sz="1400"/>
+              <a:rPr lang="en-US" sz="1800" dirty="0" smtClean="0"/>
+              <a:t> </a:t>
+            </a:r>
+            <a:r>
+              <a:rPr lang="en-US" sz="1800" dirty="0" smtClean="0"/>
+              <a:t>Leopold </a:t>
+            </a:r>
+            <a:r>
+              <a:rPr lang="en-US" sz="1800" dirty="0" err="1" smtClean="0"/>
+              <a:t>arbeitet</a:t>
+            </a:r>
+            <a:r>
+              <a:rPr lang="en-US" sz="1800" dirty="0" smtClean="0"/>
+              <a:t> </a:t>
+            </a:r>
+            <a:r>
+              <a:rPr lang="en-US" sz="1800" dirty="0" err="1" smtClean="0"/>
+              <a:t>bereits</a:t>
+            </a:r>
+            <a:r>
+              <a:rPr lang="en-US" sz="1800" dirty="0" smtClean="0"/>
+              <a:t> </a:t>
+            </a:r>
+            <a:r>
+              <a:rPr lang="en-US" sz="1800" dirty="0" err="1" smtClean="0"/>
+              <a:t>seit</a:t>
+            </a:r>
+            <a:r>
+              <a:rPr lang="en-US" sz="1800" dirty="0" smtClean="0"/>
+              <a:t> 30 </a:t>
+            </a:r>
+            <a:r>
+              <a:rPr lang="en-US" sz="1800" dirty="0" err="1" smtClean="0"/>
+              <a:t>Jahren</a:t>
+            </a:r>
+            <a:r>
+              <a:rPr lang="en-US" sz="1800" dirty="0" smtClean="0"/>
+              <a:t> </a:t>
+            </a:r>
+            <a:r>
+              <a:rPr lang="en-US" sz="1800" dirty="0" err="1" smtClean="0"/>
+              <a:t>als</a:t>
+            </a:r>
+            <a:r>
+              <a:rPr lang="en-US" sz="1800" dirty="0" smtClean="0"/>
+              <a:t> </a:t>
+            </a:r>
+            <a:r>
+              <a:rPr lang="en-US" sz="1800" dirty="0" err="1" smtClean="0"/>
+              <a:t>Personaler</a:t>
+            </a:r>
+            <a:r>
+              <a:rPr lang="en-US" sz="1800" dirty="0" smtClean="0"/>
+              <a:t>, </a:t>
+            </a:r>
+            <a:r>
+              <a:rPr lang="en-US" sz="1800" dirty="0" err="1" smtClean="0"/>
+              <a:t>jedoch</a:t>
+            </a:r>
+            <a:r>
+              <a:rPr lang="en-US" sz="1800" dirty="0" smtClean="0"/>
+              <a:t> </a:t>
+            </a:r>
+            <a:r>
+              <a:rPr lang="en-US" sz="1800" dirty="0" err="1" smtClean="0"/>
+              <a:t>erst</a:t>
+            </a:r>
+            <a:r>
+              <a:rPr lang="en-US" sz="1800" dirty="0" smtClean="0"/>
+              <a:t> </a:t>
+            </a:r>
+            <a:r>
+              <a:rPr lang="en-US" sz="1800" dirty="0" err="1" smtClean="0"/>
+              <a:t>seit</a:t>
+            </a:r>
+            <a:r>
+              <a:rPr lang="en-US" sz="1800" dirty="0" smtClean="0"/>
+              <a:t> 5 </a:t>
+            </a:r>
+            <a:r>
+              <a:rPr lang="en-US" sz="1800" dirty="0" err="1" smtClean="0"/>
+              <a:t>Jahren</a:t>
+            </a:r>
+            <a:r>
+              <a:rPr lang="en-US" sz="1800" dirty="0" smtClean="0"/>
+              <a:t> an der </a:t>
+            </a:r>
+            <a:r>
+              <a:rPr lang="de-DE" sz="1800" dirty="0" smtClean="0"/>
+              <a:t>Universität</a:t>
+            </a:r>
+            <a:r>
+              <a:rPr lang="en-US" sz="1800" dirty="0" smtClean="0"/>
+              <a:t>. In </a:t>
+            </a:r>
+            <a:r>
+              <a:rPr lang="de-DE" sz="1800" dirty="0" smtClean="0"/>
+              <a:t>seinen Zuständigkeitsbereich fallen alle Personalangelegenheiten der Beschäftigen an der Universität als auch deren Rechts- und Grundsatzfragen.</a:t>
+            </a:r>
+          </a:p>
+          <a:p>
+            <a:r>
+              <a:rPr lang="de-DE" sz="1800" dirty="0" smtClean="0"/>
+              <a:t>Interesse hat Leopold vor allem an den Seiten welche Mitarbeiter betreffen, als auch rechtliche Seiten.</a:t>
+            </a:r>
+          </a:p>
+          <a:p>
+            <a:r>
+              <a:rPr lang="de-DE" sz="1800" dirty="0" smtClean="0"/>
+              <a:t>Da Leopold sehr Technikaffin ist und auch selbst einige Erfahrung mit der Programmierung von Webseiten hat, weiß er sich meist zu helfen wenn er Fragen hat. </a:t>
+            </a:r>
+            <a:endParaRPr lang="de-DE" sz="1800" dirty="0"/>
+          </a:p>
+          <a:p>
+            <a:r>
+              <a:rPr lang="de-DE" sz="1800" dirty="0" smtClean="0"/>
+              <a:t>Häufig benutzte Seiten hat sich Leopold gebookmarkt um diese nicht immer wieder erneut Suchen zu müssen.</a:t>
+            </a:r>
+          </a:p>
+          <a:p>
+            <a:r>
+              <a:rPr lang="de-DE" sz="1800" dirty="0" smtClean="0"/>
+              <a:t>Leopold benutzt Google, wenn er nach kurzer Zeit nicht findet nach was er sucht.</a:t>
+            </a:r>
+            <a:endParaRPr lang="de-DE" sz="1800" dirty="0" smtClean="0"/>
+          </a:p>
+          <a:p>
+            <a:endParaRPr lang="de-DE" sz="1400" dirty="0"/>
           </a:p>
         </p:txBody>
       </p:sp>
+      <p:pic>
+        <p:nvPicPr>
+          <p:cNvPr id="4" name="Picture 2" descr="Donald Leopold"/>
+          <p:cNvPicPr>
+            <a:picLocks noChangeAspect="1" noChangeArrowheads="1"/>
+          </p:cNvPicPr>
+          <p:nvPr/>
+        </p:nvPicPr>
+        <p:blipFill>
+          <a:blip r:embed="rId2" cstate="print">
+            <a:extLst>
+              <a:ext uri="{28A0092B-C50C-407E-A947-70E740481C1C}">
+                <a14:useLocalDpi xmlns:a14="http://schemas.microsoft.com/office/drawing/2010/main" val="0"/>
+              </a:ext>
+            </a:extLst>
+          </a:blip>
+          <a:srcRect/>
+          <a:stretch>
+            <a:fillRect/>
+          </a:stretch>
+        </p:blipFill>
+        <p:spPr bwMode="auto">
+          <a:xfrm>
+            <a:off x="8028384" y="228600"/>
+            <a:ext cx="737664" cy="924539"/>
+          </a:xfrm>
+          <a:prstGeom prst="rect">
+            <a:avLst/>
+          </a:prstGeom>
+          <a:noFill/>
+          <a:extLst>
+            <a:ext uri="{909E8E84-426E-40DD-AFC4-6F175D3DCCD1}">
+              <a14:hiddenFill xmlns:a14="http://schemas.microsoft.com/office/drawing/2010/main">
+                <a:solidFill>
+                  <a:srgbClr val="FFFFFF"/>
+                </a:solidFill>
+              </a14:hiddenFill>
+            </a:ext>
+          </a:extLst>
+        </p:spPr>
+      </p:pic>
     </p:spTree>
     <p:extLst>
       <p:ext uri="{BB962C8B-B14F-4D97-AF65-F5344CB8AC3E}">
@@ -8379,37 +10309,15 @@
           <a:p>
             <a:r>
               <a:rPr lang="de-DE" sz="1800" smtClean="0"/>
-              <a:t>Ziel dieses Dokuments ist die Beschreibung der typischen Nutzer der </a:t>
-            </a:r>
-            <a:r>
-              <a:rPr lang="de-DE" sz="1800" smtClean="0"/>
-              <a:t>Rechenzentrumsseite der Universität Regensburg</a:t>
-            </a:r>
-            <a:endParaRPr lang="de-DE" sz="1800" smtClean="0"/>
+              <a:t>Ziel dieses Dokuments ist die Beschreibung der typischen Nutzer der Rechenzentrumsseite der Universität Regensburg</a:t>
+            </a:r>
           </a:p>
           <a:p>
             <a:pPr lvl="1"/>
             <a:r>
               <a:rPr lang="de-DE" sz="1600" smtClean="0"/>
-              <a:t>Die beschriebenen Persona dienen der verbesserten Kommunikation innerhalb des Entwicklungsteams und ermöglicht Rückbezug, wenn </a:t>
-            </a:r>
-            <a:r>
-              <a:rPr lang="de-DE" sz="1600" smtClean="0"/>
-              <a:t>fragen zu Informationsarchitektur zu </a:t>
-            </a:r>
-            <a:r>
-              <a:rPr lang="de-DE" sz="1600" smtClean="0"/>
-              <a:t>treffen sind („Braucht dieser Nutzer wirklich diese </a:t>
-            </a:r>
-            <a:r>
-              <a:rPr lang="de-DE" sz="1600" smtClean="0"/>
-              <a:t>Information</a:t>
-            </a:r>
-            <a:r>
-              <a:rPr lang="de-DE" sz="1600" smtClean="0"/>
-              <a:t>?“)</a:t>
-            </a:r>
-            <a:endParaRPr lang="de-DE" sz="1600" smtClean="0"/>
+              <a:t>Die beschriebenen Persona dienen der verbesserten Kommunikation innerhalb des Entwicklungsteams und ermöglicht Rückbezug, wenn fragen zu Informationsarchitektur zu treffen sind („Braucht dieser Nutzer wirklich diese Information?“)</a:t>
+            </a:r>
           </a:p>
           <a:p>
             <a:pPr lvl="1"/>
@@ -8438,7 +10346,6 @@
               <a:rPr lang="de-DE" sz="1300" smtClean="0"/>
               <a:t>Fokusgruppen</a:t>
             </a:r>
-            <a:endParaRPr lang="de-DE" sz="1300" smtClean="0"/>
           </a:p>
           <a:p>
             <a:pPr lvl="2"/>
@@ -8713,139 +10620,175 @@
         <p:spPr/>
         <p:txBody>
           <a:bodyPr>
-            <a:normAutofit/>
+            <a:normAutofit lnSpcReduction="10000"/>
           </a:bodyPr>
           <a:lstStyle/>
           <a:p>
             <a:r>
-              <a:rPr lang="de-DE" sz="1800"/>
+              <a:rPr lang="de-DE" sz="1800" dirty="0"/>
               <a:t>Szenario 1:</a:t>
             </a:r>
           </a:p>
           <a:p>
             <a:pPr lvl="1"/>
             <a:r>
-              <a:rPr lang="de-DE" sz="1500" smtClean="0"/>
-              <a:t>Christina </a:t>
-            </a:r>
-            <a:r>
-              <a:rPr lang="de-DE" sz="1500"/>
+              <a:rPr lang="de-DE" sz="1500" dirty="0" smtClean="0"/>
+              <a:t>Leopold</a:t>
+            </a:r>
+            <a:r>
+              <a:rPr lang="de-DE" sz="1500" dirty="0" smtClean="0"/>
+              <a:t> </a:t>
+            </a:r>
+            <a:r>
+              <a:rPr lang="de-DE" sz="1500" dirty="0"/>
               <a:t>soll zunächst </a:t>
             </a:r>
             <a:r>
-              <a:rPr lang="de-DE" sz="1500" smtClean="0"/>
+              <a:rPr lang="de-DE" sz="1500" dirty="0" smtClean="0"/>
               <a:t>ihr </a:t>
             </a:r>
             <a:r>
-              <a:rPr lang="de-DE" sz="1500"/>
+              <a:rPr lang="de-DE" sz="1500" dirty="0"/>
               <a:t>Passwort </a:t>
             </a:r>
             <a:r>
-              <a:rPr lang="de-DE" sz="1500" smtClean="0"/>
-              <a:t>ändern und Druckerguthaben aufladen</a:t>
-            </a:r>
-            <a:endParaRPr lang="de-DE" sz="1800"/>
-          </a:p>
-          <a:p>
-            <a:r>
-              <a:rPr lang="de-DE" sz="1800"/>
+              <a:rPr lang="de-DE" sz="1500" dirty="0" smtClean="0"/>
+              <a:t>ändern und </a:t>
+            </a:r>
+            <a:r>
+              <a:rPr lang="de-DE" sz="1500" dirty="0" smtClean="0"/>
+              <a:t>seinen SMS Service einrichten </a:t>
+            </a:r>
+            <a:endParaRPr lang="de-DE" sz="1800" dirty="0"/>
+          </a:p>
+          <a:p>
+            <a:r>
+              <a:rPr lang="de-DE" sz="1800" dirty="0"/>
               <a:t>Szenario 2</a:t>
             </a:r>
             <a:r>
-              <a:rPr lang="de-DE" sz="1800" smtClean="0"/>
+              <a:rPr lang="de-DE" sz="1800" dirty="0" smtClean="0"/>
               <a:t>:</a:t>
             </a:r>
           </a:p>
           <a:p>
             <a:pPr lvl="1"/>
             <a:r>
-              <a:rPr lang="de-DE" sz="1500" smtClean="0"/>
-              <a:t>Christina bekommt demnächst einen neuen Laptop, da </a:t>
-            </a:r>
-            <a:r>
-              <a:rPr lang="de-DE" sz="1500" err="1" smtClean="0"/>
-              <a:t>iher</a:t>
-            </a:r>
-            <a:r>
-              <a:rPr lang="de-DE" sz="1500" smtClean="0"/>
-              <a:t> alter bereits 5 Jahre alt ist und nicht mehr zu gebrauchen ist um größere Auswertungen laufen zu lassen. Deshalb informiert Sie sich, wie sie diesen im Uni Netz anmeldet und wie man das W-</a:t>
-            </a:r>
-            <a:r>
-              <a:rPr lang="de-DE" sz="1500" err="1" smtClean="0"/>
-              <a:t>Lan</a:t>
-            </a:r>
-            <a:r>
-              <a:rPr lang="de-DE" sz="1500" smtClean="0"/>
-              <a:t> einrichtet </a:t>
-            </a:r>
-            <a:endParaRPr lang="de-DE" sz="1500"/>
-          </a:p>
-          <a:p>
-            <a:r>
-              <a:rPr lang="de-DE" sz="1800" smtClean="0"/>
-              <a:t>Szenario 3:</a:t>
+              <a:rPr lang="de-DE" sz="1500" dirty="0" smtClean="0"/>
+              <a:t>Da Leopold viel mit Mitarbeitern zu tun hat, sucht er nach den Mitarbeitern die am Rechenzentrum arbeiten und ob die aufgelisteten Personen mit seiner Personalliste übereinstimmen.</a:t>
+            </a:r>
+            <a:endParaRPr lang="de-DE" sz="1500" dirty="0"/>
+          </a:p>
+          <a:p>
+            <a:r>
+              <a:rPr lang="de-DE" sz="1800" dirty="0" smtClean="0"/>
+              <a:t>Szenario 3</a:t>
+            </a:r>
+            <a:r>
+              <a:rPr lang="de-DE" sz="1800" dirty="0" smtClean="0"/>
+              <a:t>:</a:t>
             </a:r>
           </a:p>
           <a:p>
             <a:pPr lvl="1"/>
             <a:r>
-              <a:rPr lang="de-DE" sz="1500" smtClean="0"/>
-              <a:t>Um jedoch bereits mit der Arbeit anzufangen sucht Christina nach </a:t>
-            </a:r>
-            <a:r>
-              <a:rPr lang="de-DE" sz="1500" err="1" smtClean="0"/>
-              <a:t>Cip</a:t>
-            </a:r>
-            <a:r>
-              <a:rPr lang="de-DE" sz="1500" smtClean="0"/>
-              <a:t> Pools welche </a:t>
-            </a:r>
-            <a:r>
-              <a:rPr lang="de-DE" sz="1500" err="1" smtClean="0"/>
-              <a:t>MathLab</a:t>
-            </a:r>
-            <a:r>
-              <a:rPr lang="de-DE" sz="1500" smtClean="0"/>
-              <a:t> vorinstalliert und einen Drucker haben.</a:t>
-            </a:r>
-            <a:endParaRPr lang="de-DE" sz="1500"/>
-          </a:p>
-          <a:p>
-            <a:r>
-              <a:rPr lang="de-DE" sz="1800" smtClean="0"/>
+              <a:rPr lang="de-DE" sz="1500" dirty="0" smtClean="0"/>
+              <a:t>Danach sieht sich Leopold die aktuellen Stellenausschreibungen des Rechenzentrums an und ob diese korrekt ausgeschrieben und genehmigt sind.</a:t>
+            </a:r>
+            <a:endParaRPr lang="de-DE" sz="1800" dirty="0"/>
+          </a:p>
+          <a:p>
+            <a:r>
+              <a:rPr lang="de-DE" sz="1800" dirty="0" smtClean="0"/>
               <a:t>Szenario 4:</a:t>
             </a:r>
-            <a:endParaRPr lang="de-DE" sz="1800"/>
           </a:p>
           <a:p>
             <a:pPr lvl="1"/>
             <a:r>
-              <a:rPr lang="de-DE" sz="1500" smtClean="0"/>
-              <a:t>Da Christina sobald Sie ihren neuen Laptop hat dort mit der Auswertung weiter machen möchte, sucht Sie nach dem Programm (</a:t>
-            </a:r>
-            <a:r>
-              <a:rPr lang="de-DE" sz="1500" err="1" smtClean="0"/>
-              <a:t>MathLab</a:t>
-            </a:r>
-            <a:r>
-              <a:rPr lang="de-DE" sz="1500" smtClean="0"/>
-              <a:t>) auf der RZ-Seite und ob hierfür Installationshilfen angeboten werden.</a:t>
-            </a:r>
+              <a:rPr lang="de-DE" sz="1500" dirty="0" smtClean="0"/>
+              <a:t>Da sein alter Rechner schon recht alt ist, bekommt Leopold bald einen neuen Rechner, weshalb er sich das Beschaffungsformular herunterlädt und sich über den </a:t>
+            </a:r>
+            <a:r>
+              <a:rPr lang="de-DE" sz="1500" dirty="0" err="1" smtClean="0"/>
+              <a:t>Lieferserivice</a:t>
+            </a:r>
+            <a:r>
+              <a:rPr lang="de-DE" sz="1500" dirty="0" smtClean="0"/>
+              <a:t> informiert.</a:t>
+            </a:r>
+            <a:endParaRPr lang="de-DE" sz="1500" dirty="0" smtClean="0"/>
+          </a:p>
+          <a:p>
+            <a:r>
+              <a:rPr lang="de-DE" sz="1800" dirty="0" smtClean="0"/>
+              <a:t>Szenario 5:</a:t>
+            </a:r>
+            <a:endParaRPr lang="de-DE" sz="1800" dirty="0"/>
           </a:p>
           <a:p>
             <a:pPr lvl="1"/>
-            <a:endParaRPr lang="de-DE" sz="1500"/>
+            <a:r>
+              <a:rPr lang="de-DE" sz="1500" dirty="0" smtClean="0"/>
+              <a:t>Nach zwei Wochen beginnt Leopolds seltsame Geräusche zu machen, weshalb er sich erkundigt, ob das Rechenzentrum ihm hierbei helfen kann.</a:t>
+            </a:r>
+            <a:endParaRPr lang="de-DE" sz="1500" dirty="0" smtClean="0"/>
           </a:p>
           <a:p>
             <a:pPr lvl="1"/>
-            <a:endParaRPr lang="de-DE" sz="700"/>
+            <a:endParaRPr lang="de-DE" sz="1500" dirty="0"/>
           </a:p>
           <a:p>
             <a:pPr lvl="1"/>
-            <a:endParaRPr lang="de-DE" sz="1500"/>
+            <a:endParaRPr lang="de-DE" sz="700" dirty="0"/>
+          </a:p>
+          <a:p>
+            <a:pPr lvl="1"/>
+            <a:endParaRPr lang="de-DE" sz="1500" dirty="0"/>
           </a:p>
         </p:txBody>
       </p:sp>
+      <p:pic>
+        <p:nvPicPr>
+          <p:cNvPr id="4" name="Picture 2" descr="Donald Leopold"/>
+          <p:cNvPicPr>
+            <a:picLocks noChangeAspect="1" noChangeArrowheads="1"/>
+          </p:cNvPicPr>
+          <p:nvPr/>
+        </p:nvPicPr>
+        <p:blipFill>
+          <a:blip r:embed="rId2" cstate="print">
+            <a:extLst>
+              <a:ext uri="{28A0092B-C50C-407E-A947-70E740481C1C}">
+                <a14:useLocalDpi xmlns:a14="http://schemas.microsoft.com/office/drawing/2010/main" val="0"/>
+              </a:ext>
+            </a:extLst>
+          </a:blip>
+          <a:srcRect/>
+          <a:stretch>
+            <a:fillRect/>
+          </a:stretch>
+        </p:blipFill>
+        <p:spPr bwMode="auto">
+          <a:xfrm>
+            <a:off x="8028384" y="228600"/>
+            <a:ext cx="737664" cy="924539"/>
+          </a:xfrm>
+          <a:prstGeom prst="rect">
+            <a:avLst/>
+          </a:prstGeom>
+          <a:noFill/>
+          <a:extLst>
+            <a:ext uri="{909E8E84-426E-40DD-AFC4-6F175D3DCCD1}">
+              <a14:hiddenFill xmlns:a14="http://schemas.microsoft.com/office/drawing/2010/main">
+                <a:solidFill>
+                  <a:srgbClr val="FFFFFF"/>
+                </a:solidFill>
+              </a14:hiddenFill>
+            </a:ext>
+          </a:extLst>
+        </p:spPr>
+      </p:pic>
     </p:spTree>
     <p:extLst>
       <p:ext uri="{BB962C8B-B14F-4D97-AF65-F5344CB8AC3E}">
@@ -8917,14 +10860,14 @@
           <p:nvPr>
             <p:extLst>
               <p:ext uri="{D42A27DB-BD31-4B8C-83A1-F6EECF244321}">
-                <p14:modId xmlns:p14="http://schemas.microsoft.com/office/powerpoint/2010/main" val="3179195331"/>
+                <p14:modId xmlns:p14="http://schemas.microsoft.com/office/powerpoint/2010/main" val="3455786662"/>
               </p:ext>
             </p:extLst>
           </p:nvPr>
         </p:nvGraphicFramePr>
         <p:xfrm>
           <a:off x="3203848" y="1772816"/>
-          <a:ext cx="5472608" cy="3940399"/>
+          <a:ext cx="5472608" cy="4542696"/>
         </p:xfrm>
         <a:graphic>
           <a:graphicData uri="http://schemas.openxmlformats.org/drawingml/2006/table">
@@ -8959,7 +10902,7 @@
                         <a:tabLst/>
                       </a:pPr>
                       <a:r>
-                        <a:rPr kumimoji="0" lang="en-US" sz="1000" b="1" i="0" u="none" strike="noStrike" cap="none" normalizeH="0" baseline="0" smtClean="0">
+                        <a:rPr kumimoji="0" lang="en-US" sz="1000" b="1" i="0" u="none" strike="noStrike" cap="none" normalizeH="0" baseline="0" dirty="0" smtClean="0">
                           <a:ln>
                             <a:noFill/>
                           </a:ln>
@@ -9025,18 +10968,28 @@
                         <a:tabLst/>
                       </a:pPr>
                       <a:r>
-                        <a:rPr kumimoji="0" lang="en-US" sz="1000" b="0" i="0" u="none" strike="noStrike" cap="none" normalizeH="0" baseline="0" smtClean="0">
-                          <a:ln>
-                            <a:noFill/>
-                          </a:ln>
-                          <a:solidFill>
-                            <a:schemeClr val="tx1"/>
-                          </a:solidFill>
-                          <a:effectLst/>
-                          <a:latin typeface="Arial" charset="0"/>
-                        </a:rPr>
-                        <a:t>…</a:t>
-                      </a:r>
+                        <a:rPr kumimoji="0" lang="en-US" sz="1000" b="0" i="0" u="none" strike="noStrike" cap="none" normalizeH="0" baseline="0" dirty="0" smtClean="0">
+                          <a:ln>
+                            <a:noFill/>
+                          </a:ln>
+                          <a:solidFill>
+                            <a:schemeClr val="tx1"/>
+                          </a:solidFill>
+                          <a:effectLst/>
+                          <a:latin typeface="Arial" charset="0"/>
+                        </a:rPr>
+                        <a:t>35</a:t>
+                      </a:r>
+                      <a:endParaRPr kumimoji="0" lang="en-US" sz="1000" b="0" i="0" u="none" strike="noStrike" cap="none" normalizeH="0" baseline="0" dirty="0" smtClean="0">
+                        <a:ln>
+                          <a:noFill/>
+                        </a:ln>
+                        <a:solidFill>
+                          <a:schemeClr val="tx1"/>
+                        </a:solidFill>
+                        <a:effectLst/>
+                        <a:latin typeface="Arial" charset="0"/>
+                      </a:endParaRPr>
                     </a:p>
                   </a:txBody>
                   <a:tcPr marL="90488" marR="90488" marT="44450" marB="44450" horzOverflow="overflow">
@@ -9175,19 +11128,45 @@
                         <a:tabLst/>
                       </a:pPr>
                       <a:r>
-                        <a:rPr kumimoji="0" lang="en-US" sz="1000" b="0" i="0" u="none" strike="noStrike" cap="none" normalizeH="0" baseline="0" err="1" smtClean="0">
-                          <a:ln>
-                            <a:noFill/>
-                          </a:ln>
-                          <a:solidFill>
-                            <a:schemeClr val="tx1"/>
-                          </a:solidFill>
-                          <a:effectLst/>
-                          <a:latin typeface="Arial" charset="0"/>
-                        </a:rPr>
-                        <a:t>Bediensteter</a:t>
-                      </a:r>
-                      <a:endParaRPr kumimoji="0" lang="en-US" sz="1000" b="0" i="0" u="none" strike="noStrike" cap="none" normalizeH="0" baseline="0" smtClean="0">
+                        <a:rPr kumimoji="0" lang="en-US" sz="1000" b="0" i="0" u="none" strike="noStrike" cap="none" normalizeH="0" baseline="0" dirty="0" err="1" smtClean="0">
+                          <a:ln>
+                            <a:noFill/>
+                          </a:ln>
+                          <a:solidFill>
+                            <a:schemeClr val="tx1"/>
+                          </a:solidFill>
+                          <a:effectLst/>
+                          <a:latin typeface="Arial" charset="0"/>
+                        </a:rPr>
+                        <a:t>Sekretärin</a:t>
+                      </a:r>
+                      <a:r>
+                        <a:rPr kumimoji="0" lang="en-US" sz="1000" b="0" i="0" u="none" strike="noStrike" cap="none" normalizeH="0" baseline="0" dirty="0" smtClean="0">
+                          <a:ln>
+                            <a:noFill/>
+                          </a:ln>
+                          <a:solidFill>
+                            <a:schemeClr val="tx1"/>
+                          </a:solidFill>
+                          <a:effectLst/>
+                          <a:latin typeface="Arial" charset="0"/>
+                        </a:rPr>
+                        <a:t> der </a:t>
+                      </a:r>
+                      <a:r>
+                        <a:rPr kumimoji="0" lang="en-US" sz="1000" b="0" i="0" u="none" strike="noStrike" cap="none" normalizeH="0" baseline="0" dirty="0" err="1" smtClean="0">
+                          <a:ln>
+                            <a:noFill/>
+                          </a:ln>
+                          <a:solidFill>
+                            <a:schemeClr val="tx1"/>
+                          </a:solidFill>
+                          <a:effectLst/>
+                          <a:latin typeface="Arial" charset="0"/>
+                        </a:rPr>
+                        <a:t>Kunstgeschichte</a:t>
+                      </a:r>
+                      <a:endParaRPr kumimoji="0" lang="en-US" sz="1000" b="0" i="0" u="none" strike="noStrike" cap="none" normalizeH="0" baseline="0" dirty="0" smtClean="0">
                         <a:ln>
                           <a:noFill/>
                         </a:ln>
@@ -9259,7 +11238,7 @@
                         <a:tabLst/>
                       </a:pPr>
                       <a:r>
-                        <a:rPr kumimoji="0" lang="en-US" sz="1000" b="1" i="0" u="none" strike="noStrike" cap="none" normalizeH="0" baseline="0" err="1" smtClean="0">
+                        <a:rPr kumimoji="0" lang="en-US" sz="1000" b="1" i="0" u="none" strike="noStrike" cap="none" normalizeH="0" baseline="0" dirty="0" err="1" smtClean="0">
                           <a:ln>
                             <a:noFill/>
                           </a:ln>
@@ -9271,7 +11250,7 @@
                         </a:rPr>
                         <a:t>Schlüsselaktivitäten</a:t>
                       </a:r>
-                      <a:endParaRPr kumimoji="0" lang="en-US" sz="1000" b="1" i="0" u="none" strike="noStrike" cap="none" normalizeH="0" baseline="0" smtClean="0">
+                      <a:endParaRPr kumimoji="0" lang="en-US" sz="1000" b="1" i="0" u="none" strike="noStrike" cap="none" normalizeH="0" baseline="0" dirty="0" smtClean="0">
                         <a:ln>
                           <a:noFill/>
                         </a:ln>
@@ -9342,18 +11321,722 @@
                         <a:defRPr/>
                       </a:pPr>
                       <a:r>
-                        <a:rPr kumimoji="0" lang="en-US" sz="1000" b="0" i="0" u="none" strike="noStrike" cap="none" normalizeH="0" baseline="0" smtClean="0">
-                          <a:ln>
-                            <a:noFill/>
-                          </a:ln>
-                          <a:solidFill>
-                            <a:schemeClr val="tx1"/>
-                          </a:solidFill>
-                          <a:effectLst/>
-                          <a:latin typeface="Arial" charset="0"/>
-                        </a:rPr>
-                        <a:t>…</a:t>
-                      </a:r>
+                        <a:rPr kumimoji="0" lang="en-US" sz="1000" b="0" i="0" u="none" strike="noStrike" cap="none" normalizeH="0" baseline="0" dirty="0" err="1" smtClean="0">
+                          <a:ln>
+                            <a:noFill/>
+                          </a:ln>
+                          <a:solidFill>
+                            <a:schemeClr val="tx1"/>
+                          </a:solidFill>
+                          <a:effectLst/>
+                          <a:latin typeface="Arial" charset="0"/>
+                        </a:rPr>
+                        <a:t>Benutzt</a:t>
+                      </a:r>
+                      <a:r>
+                        <a:rPr kumimoji="0" lang="en-US" sz="1000" b="0" i="0" u="none" strike="noStrike" cap="none" normalizeH="0" baseline="0" dirty="0" smtClean="0">
+                          <a:ln>
+                            <a:noFill/>
+                          </a:ln>
+                          <a:solidFill>
+                            <a:schemeClr val="tx1"/>
+                          </a:solidFill>
+                          <a:effectLst/>
+                          <a:latin typeface="Arial" charset="0"/>
+                        </a:rPr>
+                        <a:t> RZ </a:t>
+                      </a:r>
+                      <a:r>
+                        <a:rPr kumimoji="0" lang="en-US" sz="1000" b="0" i="0" u="none" strike="noStrike" cap="none" normalizeH="0" baseline="0" dirty="0" err="1" smtClean="0">
+                          <a:ln>
+                            <a:noFill/>
+                          </a:ln>
+                          <a:solidFill>
+                            <a:schemeClr val="tx1"/>
+                          </a:solidFill>
+                          <a:effectLst/>
+                          <a:latin typeface="Arial" charset="0"/>
+                        </a:rPr>
+                        <a:t>Seite</a:t>
+                      </a:r>
+                      <a:r>
+                        <a:rPr kumimoji="0" lang="en-US" sz="1000" b="0" i="0" u="none" strike="noStrike" cap="none" normalizeH="0" baseline="0" dirty="0" smtClean="0">
+                          <a:ln>
+                            <a:noFill/>
+                          </a:ln>
+                          <a:solidFill>
+                            <a:schemeClr val="tx1"/>
+                          </a:solidFill>
+                          <a:effectLst/>
+                          <a:latin typeface="Arial" charset="0"/>
+                        </a:rPr>
+                        <a:t> </a:t>
+                      </a:r>
+                      <a:r>
+                        <a:rPr kumimoji="0" lang="en-US" sz="1000" b="0" i="0" u="none" strike="noStrike" cap="none" normalizeH="0" baseline="0" dirty="0" err="1" smtClean="0">
+                          <a:ln>
+                            <a:noFill/>
+                          </a:ln>
+                          <a:solidFill>
+                            <a:schemeClr val="tx1"/>
+                          </a:solidFill>
+                          <a:effectLst/>
+                          <a:latin typeface="Arial" charset="0"/>
+                        </a:rPr>
+                        <a:t>regelmäßig</a:t>
+                      </a:r>
+                      <a:endParaRPr kumimoji="0" lang="en-US" sz="1000" b="0" i="0" u="none" strike="noStrike" cap="none" normalizeH="0" baseline="0" dirty="0" smtClean="0">
+                        <a:ln>
+                          <a:noFill/>
+                        </a:ln>
+                        <a:solidFill>
+                          <a:schemeClr val="tx1"/>
+                        </a:solidFill>
+                        <a:effectLst/>
+                        <a:latin typeface="Arial" charset="0"/>
+                      </a:endParaRPr>
+                    </a:p>
+                    <a:p>
+                      <a:pPr marL="0" marR="0" lvl="0" indent="0" algn="l" defTabSz="914400" rtl="0" eaLnBrk="1" fontAlgn="base" latinLnBrk="0" hangingPunct="1">
+                        <a:lnSpc>
+                          <a:spcPct val="100000"/>
+                        </a:lnSpc>
+                        <a:spcBef>
+                          <a:spcPct val="20000"/>
+                        </a:spcBef>
+                        <a:spcAft>
+                          <a:spcPct val="0"/>
+                        </a:spcAft>
+                        <a:buClr>
+                          <a:schemeClr val="accent2"/>
+                        </a:buClr>
+                        <a:buSzPct val="100000"/>
+                        <a:buFont typeface="Wingdings" pitchFamily="2" charset="2"/>
+                        <a:buChar char="§"/>
+                        <a:tabLst/>
+                        <a:defRPr/>
+                      </a:pPr>
+                      <a:r>
+                        <a:rPr kumimoji="0" lang="en-US" sz="1000" b="0" i="0" u="none" strike="noStrike" cap="none" normalizeH="0" baseline="0" dirty="0" smtClean="0">
+                          <a:ln>
+                            <a:noFill/>
+                          </a:ln>
+                          <a:solidFill>
+                            <a:schemeClr val="tx1"/>
+                          </a:solidFill>
+                          <a:effectLst/>
+                          <a:latin typeface="Arial" charset="0"/>
+                        </a:rPr>
+                        <a:t> </a:t>
+                      </a:r>
+                      <a:r>
+                        <a:rPr kumimoji="0" lang="en-US" sz="1000" b="0" i="0" u="none" strike="noStrike" cap="none" normalizeH="0" baseline="0" dirty="0" err="1" smtClean="0">
+                          <a:ln>
+                            <a:noFill/>
+                          </a:ln>
+                          <a:solidFill>
+                            <a:schemeClr val="tx1"/>
+                          </a:solidFill>
+                          <a:effectLst/>
+                          <a:latin typeface="Arial" charset="0"/>
+                        </a:rPr>
+                        <a:t>Lässt</a:t>
+                      </a:r>
+                      <a:r>
+                        <a:rPr kumimoji="0" lang="en-US" sz="1000" b="0" i="0" u="none" strike="noStrike" cap="none" normalizeH="0" baseline="0" dirty="0" smtClean="0">
+                          <a:ln>
+                            <a:noFill/>
+                          </a:ln>
+                          <a:solidFill>
+                            <a:schemeClr val="tx1"/>
+                          </a:solidFill>
+                          <a:effectLst/>
+                          <a:latin typeface="Arial" charset="0"/>
+                        </a:rPr>
+                        <a:t> </a:t>
+                      </a:r>
+                      <a:r>
+                        <a:rPr kumimoji="0" lang="en-US" sz="1000" b="0" i="0" u="none" strike="noStrike" cap="none" normalizeH="0" baseline="0" dirty="0" err="1" smtClean="0">
+                          <a:ln>
+                            <a:noFill/>
+                          </a:ln>
+                          <a:solidFill>
+                            <a:schemeClr val="tx1"/>
+                          </a:solidFill>
+                          <a:effectLst/>
+                          <a:latin typeface="Arial" charset="0"/>
+                        </a:rPr>
+                        <a:t>sich</a:t>
+                      </a:r>
+                      <a:r>
+                        <a:rPr kumimoji="0" lang="en-US" sz="1000" b="0" i="0" u="none" strike="noStrike" cap="none" normalizeH="0" baseline="0" dirty="0" smtClean="0">
+                          <a:ln>
+                            <a:noFill/>
+                          </a:ln>
+                          <a:solidFill>
+                            <a:schemeClr val="tx1"/>
+                          </a:solidFill>
+                          <a:effectLst/>
+                          <a:latin typeface="Arial" charset="0"/>
+                        </a:rPr>
+                        <a:t> </a:t>
+                      </a:r>
+                      <a:r>
+                        <a:rPr kumimoji="0" lang="en-US" sz="1000" b="0" i="0" u="none" strike="noStrike" cap="none" normalizeH="0" baseline="0" dirty="0" err="1" smtClean="0">
+                          <a:ln>
+                            <a:noFill/>
+                          </a:ln>
+                          <a:solidFill>
+                            <a:schemeClr val="tx1"/>
+                          </a:solidFill>
+                          <a:effectLst/>
+                          <a:latin typeface="Arial" charset="0"/>
+                        </a:rPr>
+                        <a:t>lieber</a:t>
+                      </a:r>
+                      <a:r>
+                        <a:rPr kumimoji="0" lang="en-US" sz="1000" b="0" i="0" u="none" strike="noStrike" cap="none" normalizeH="0" baseline="0" dirty="0" smtClean="0">
+                          <a:ln>
+                            <a:noFill/>
+                          </a:ln>
+                          <a:solidFill>
+                            <a:schemeClr val="tx1"/>
+                          </a:solidFill>
+                          <a:effectLst/>
+                          <a:latin typeface="Arial" charset="0"/>
+                        </a:rPr>
+                        <a:t> </a:t>
+                      </a:r>
+                      <a:r>
+                        <a:rPr kumimoji="0" lang="en-US" sz="1000" b="0" i="0" u="none" strike="noStrike" cap="none" normalizeH="0" baseline="0" dirty="0" err="1" smtClean="0">
+                          <a:ln>
+                            <a:noFill/>
+                          </a:ln>
+                          <a:solidFill>
+                            <a:schemeClr val="tx1"/>
+                          </a:solidFill>
+                          <a:effectLst/>
+                          <a:latin typeface="Arial" charset="0"/>
+                        </a:rPr>
+                        <a:t>helfen</a:t>
+                      </a:r>
+                      <a:r>
+                        <a:rPr kumimoji="0" lang="en-US" sz="1000" b="0" i="0" u="none" strike="noStrike" cap="none" normalizeH="0" baseline="0" dirty="0" smtClean="0">
+                          <a:ln>
+                            <a:noFill/>
+                          </a:ln>
+                          <a:solidFill>
+                            <a:schemeClr val="tx1"/>
+                          </a:solidFill>
+                          <a:effectLst/>
+                          <a:latin typeface="Arial" charset="0"/>
+                        </a:rPr>
+                        <a:t> </a:t>
+                      </a:r>
+                      <a:r>
+                        <a:rPr kumimoji="0" lang="en-US" sz="1000" b="0" i="0" u="none" strike="noStrike" cap="none" normalizeH="0" baseline="0" dirty="0" err="1" smtClean="0">
+                          <a:ln>
+                            <a:noFill/>
+                          </a:ln>
+                          <a:solidFill>
+                            <a:schemeClr val="tx1"/>
+                          </a:solidFill>
+                          <a:effectLst/>
+                          <a:latin typeface="Arial" charset="0"/>
+                        </a:rPr>
+                        <a:t>statt</a:t>
+                      </a:r>
+                      <a:r>
+                        <a:rPr kumimoji="0" lang="en-US" sz="1000" b="0" i="0" u="none" strike="noStrike" cap="none" normalizeH="0" baseline="0" dirty="0" smtClean="0">
+                          <a:ln>
+                            <a:noFill/>
+                          </a:ln>
+                          <a:solidFill>
+                            <a:schemeClr val="tx1"/>
+                          </a:solidFill>
+                          <a:effectLst/>
+                          <a:latin typeface="Arial" charset="0"/>
+                        </a:rPr>
+                        <a:t> </a:t>
+                      </a:r>
+                      <a:r>
+                        <a:rPr kumimoji="0" lang="en-US" sz="1000" b="0" i="0" u="none" strike="noStrike" cap="none" normalizeH="0" baseline="0" dirty="0" err="1" smtClean="0">
+                          <a:ln>
+                            <a:noFill/>
+                          </a:ln>
+                          <a:solidFill>
+                            <a:schemeClr val="tx1"/>
+                          </a:solidFill>
+                          <a:effectLst/>
+                          <a:latin typeface="Arial" charset="0"/>
+                        </a:rPr>
+                        <a:t>selbst</a:t>
+                      </a:r>
+                      <a:r>
+                        <a:rPr kumimoji="0" lang="en-US" sz="1000" b="0" i="0" u="none" strike="noStrike" cap="none" normalizeH="0" baseline="0" dirty="0" smtClean="0">
+                          <a:ln>
+                            <a:noFill/>
+                          </a:ln>
+                          <a:solidFill>
+                            <a:schemeClr val="tx1"/>
+                          </a:solidFill>
+                          <a:effectLst/>
+                          <a:latin typeface="Arial" charset="0"/>
+                        </a:rPr>
+                        <a:t> </a:t>
+                      </a:r>
+                      <a:r>
+                        <a:rPr kumimoji="0" lang="en-US" sz="1000" b="0" i="0" u="none" strike="noStrike" cap="none" normalizeH="0" baseline="0" dirty="0" err="1" smtClean="0">
+                          <a:ln>
+                            <a:noFill/>
+                          </a:ln>
+                          <a:solidFill>
+                            <a:schemeClr val="tx1"/>
+                          </a:solidFill>
+                          <a:effectLst/>
+                          <a:latin typeface="Arial" charset="0"/>
+                        </a:rPr>
+                        <a:t>nach</a:t>
+                      </a:r>
+                      <a:r>
+                        <a:rPr kumimoji="0" lang="en-US" sz="1000" b="0" i="0" u="none" strike="noStrike" cap="none" normalizeH="0" baseline="0" dirty="0" smtClean="0">
+                          <a:ln>
+                            <a:noFill/>
+                          </a:ln>
+                          <a:solidFill>
+                            <a:schemeClr val="tx1"/>
+                          </a:solidFill>
+                          <a:effectLst/>
+                          <a:latin typeface="Arial" charset="0"/>
+                        </a:rPr>
+                        <a:t> </a:t>
+                      </a:r>
+                      <a:r>
+                        <a:rPr kumimoji="0" lang="en-US" sz="1000" b="0" i="0" u="none" strike="noStrike" cap="none" normalizeH="0" baseline="0" dirty="0" err="1" smtClean="0">
+                          <a:ln>
+                            <a:noFill/>
+                          </a:ln>
+                          <a:solidFill>
+                            <a:schemeClr val="tx1"/>
+                          </a:solidFill>
+                          <a:effectLst/>
+                          <a:latin typeface="Arial" charset="0"/>
+                        </a:rPr>
+                        <a:t>Lösung</a:t>
+                      </a:r>
+                      <a:r>
+                        <a:rPr kumimoji="0" lang="en-US" sz="1000" b="0" i="0" u="none" strike="noStrike" cap="none" normalizeH="0" baseline="0" dirty="0" smtClean="0">
+                          <a:ln>
+                            <a:noFill/>
+                          </a:ln>
+                          <a:solidFill>
+                            <a:schemeClr val="tx1"/>
+                          </a:solidFill>
+                          <a:effectLst/>
+                          <a:latin typeface="Arial" charset="0"/>
+                        </a:rPr>
+                        <a:t> </a:t>
+                      </a:r>
+                      <a:r>
+                        <a:rPr kumimoji="0" lang="en-US" sz="1000" b="0" i="0" u="none" strike="noStrike" cap="none" normalizeH="0" baseline="0" dirty="0" err="1" smtClean="0">
+                          <a:ln>
+                            <a:noFill/>
+                          </a:ln>
+                          <a:solidFill>
+                            <a:schemeClr val="tx1"/>
+                          </a:solidFill>
+                          <a:effectLst/>
+                          <a:latin typeface="Arial" charset="0"/>
+                        </a:rPr>
+                        <a:t>zu</a:t>
+                      </a:r>
+                      <a:r>
+                        <a:rPr kumimoji="0" lang="en-US" sz="1000" b="0" i="0" u="none" strike="noStrike" cap="none" normalizeH="0" baseline="0" dirty="0" smtClean="0">
+                          <a:ln>
+                            <a:noFill/>
+                          </a:ln>
+                          <a:solidFill>
+                            <a:schemeClr val="tx1"/>
+                          </a:solidFill>
+                          <a:effectLst/>
+                          <a:latin typeface="Arial" charset="0"/>
+                        </a:rPr>
+                        <a:t> </a:t>
+                      </a:r>
+                      <a:r>
+                        <a:rPr kumimoji="0" lang="en-US" sz="1000" b="0" i="0" u="none" strike="noStrike" cap="none" normalizeH="0" baseline="0" dirty="0" err="1" smtClean="0">
+                          <a:ln>
+                            <a:noFill/>
+                          </a:ln>
+                          <a:solidFill>
+                            <a:schemeClr val="tx1"/>
+                          </a:solidFill>
+                          <a:effectLst/>
+                          <a:latin typeface="Arial" charset="0"/>
+                        </a:rPr>
+                        <a:t>suchen</a:t>
+                      </a:r>
+                      <a:endParaRPr kumimoji="0" lang="en-US" sz="1000" b="0" i="0" u="none" strike="noStrike" cap="none" normalizeH="0" baseline="0" dirty="0" smtClean="0">
+                        <a:ln>
+                          <a:noFill/>
+                        </a:ln>
+                        <a:solidFill>
+                          <a:schemeClr val="tx1"/>
+                        </a:solidFill>
+                        <a:effectLst/>
+                        <a:latin typeface="Arial" charset="0"/>
+                      </a:endParaRPr>
+                    </a:p>
+                    <a:p>
+                      <a:pPr marL="0" marR="0" lvl="0" indent="0" algn="l" defTabSz="914400" rtl="0" eaLnBrk="1" fontAlgn="base" latinLnBrk="0" hangingPunct="1">
+                        <a:lnSpc>
+                          <a:spcPct val="100000"/>
+                        </a:lnSpc>
+                        <a:spcBef>
+                          <a:spcPct val="20000"/>
+                        </a:spcBef>
+                        <a:spcAft>
+                          <a:spcPct val="0"/>
+                        </a:spcAft>
+                        <a:buClr>
+                          <a:schemeClr val="accent2"/>
+                        </a:buClr>
+                        <a:buSzPct val="100000"/>
+                        <a:buFont typeface="Wingdings" pitchFamily="2" charset="2"/>
+                        <a:buChar char="§"/>
+                        <a:tabLst/>
+                        <a:defRPr/>
+                      </a:pPr>
+                      <a:r>
+                        <a:rPr kumimoji="0" lang="en-US" sz="1000" b="0" i="0" u="none" strike="noStrike" cap="none" normalizeH="0" baseline="0" dirty="0" err="1" smtClean="0">
+                          <a:ln>
+                            <a:noFill/>
+                          </a:ln>
+                          <a:solidFill>
+                            <a:schemeClr val="tx1"/>
+                          </a:solidFill>
+                          <a:effectLst/>
+                          <a:latin typeface="Arial" charset="0"/>
+                        </a:rPr>
+                        <a:t>Seit</a:t>
+                      </a:r>
+                      <a:r>
+                        <a:rPr kumimoji="0" lang="en-US" sz="1000" b="0" i="0" u="none" strike="noStrike" cap="none" normalizeH="0" baseline="0" dirty="0" smtClean="0">
+                          <a:ln>
+                            <a:noFill/>
+                          </a:ln>
+                          <a:solidFill>
+                            <a:schemeClr val="tx1"/>
+                          </a:solidFill>
+                          <a:effectLst/>
+                          <a:latin typeface="Arial" charset="0"/>
+                        </a:rPr>
+                        <a:t> 15 </a:t>
+                      </a:r>
+                      <a:r>
+                        <a:rPr kumimoji="0" lang="en-US" sz="1000" b="0" i="0" u="none" strike="noStrike" cap="none" normalizeH="0" baseline="0" dirty="0" err="1" smtClean="0">
+                          <a:ln>
+                            <a:noFill/>
+                          </a:ln>
+                          <a:solidFill>
+                            <a:schemeClr val="tx1"/>
+                          </a:solidFill>
+                          <a:effectLst/>
+                          <a:latin typeface="Arial" charset="0"/>
+                        </a:rPr>
+                        <a:t>Jahren</a:t>
+                      </a:r>
+                      <a:r>
+                        <a:rPr kumimoji="0" lang="en-US" sz="1000" b="0" i="0" u="none" strike="noStrike" cap="none" normalizeH="0" baseline="0" dirty="0" smtClean="0">
+                          <a:ln>
+                            <a:noFill/>
+                          </a:ln>
+                          <a:solidFill>
+                            <a:schemeClr val="tx1"/>
+                          </a:solidFill>
+                          <a:effectLst/>
+                          <a:latin typeface="Arial" charset="0"/>
+                        </a:rPr>
+                        <a:t> am </a:t>
+                      </a:r>
+                      <a:r>
+                        <a:rPr kumimoji="0" lang="en-US" sz="1000" b="0" i="0" u="none" strike="noStrike" cap="none" normalizeH="0" baseline="0" dirty="0" err="1" smtClean="0">
+                          <a:ln>
+                            <a:noFill/>
+                          </a:ln>
+                          <a:solidFill>
+                            <a:schemeClr val="tx1"/>
+                          </a:solidFill>
+                          <a:effectLst/>
+                          <a:latin typeface="Arial" charset="0"/>
+                        </a:rPr>
+                        <a:t>Lehrstuhl</a:t>
+                      </a:r>
+                      <a:endParaRPr kumimoji="0" lang="en-US" sz="1000" b="0" i="0" u="none" strike="noStrike" cap="none" normalizeH="0" baseline="0" dirty="0" smtClean="0">
+                        <a:ln>
+                          <a:noFill/>
+                        </a:ln>
+                        <a:solidFill>
+                          <a:schemeClr val="tx1"/>
+                        </a:solidFill>
+                        <a:effectLst/>
+                        <a:latin typeface="Arial" charset="0"/>
+                      </a:endParaRPr>
+                    </a:p>
+                    <a:p>
+                      <a:pPr marL="0" marR="0" lvl="0" indent="0" algn="l" defTabSz="914400" rtl="0" eaLnBrk="1" fontAlgn="base" latinLnBrk="0" hangingPunct="1">
+                        <a:lnSpc>
+                          <a:spcPct val="100000"/>
+                        </a:lnSpc>
+                        <a:spcBef>
+                          <a:spcPct val="20000"/>
+                        </a:spcBef>
+                        <a:spcAft>
+                          <a:spcPct val="0"/>
+                        </a:spcAft>
+                        <a:buClr>
+                          <a:schemeClr val="accent2"/>
+                        </a:buClr>
+                        <a:buSzPct val="100000"/>
+                        <a:buFont typeface="Wingdings" pitchFamily="2" charset="2"/>
+                        <a:buChar char="§"/>
+                        <a:tabLst/>
+                        <a:defRPr/>
+                      </a:pPr>
+                      <a:r>
+                        <a:rPr kumimoji="0" lang="en-US" sz="1000" b="0" i="0" u="none" strike="noStrike" cap="none" normalizeH="0" baseline="0" dirty="0" smtClean="0">
+                          <a:ln>
+                            <a:noFill/>
+                          </a:ln>
+                          <a:solidFill>
+                            <a:schemeClr val="tx1"/>
+                          </a:solidFill>
+                          <a:effectLst/>
+                          <a:latin typeface="Arial" charset="0"/>
+                        </a:rPr>
+                        <a:t> </a:t>
+                      </a:r>
+                      <a:r>
+                        <a:rPr kumimoji="0" lang="en-US" sz="1000" b="0" i="0" u="none" strike="noStrike" cap="none" normalizeH="0" baseline="0" dirty="0" err="1" smtClean="0">
+                          <a:ln>
+                            <a:noFill/>
+                          </a:ln>
+                          <a:solidFill>
+                            <a:schemeClr val="tx1"/>
+                          </a:solidFill>
+                          <a:effectLst/>
+                          <a:latin typeface="Arial" charset="0"/>
+                        </a:rPr>
+                        <a:t>Drei</a:t>
+                      </a:r>
+                      <a:r>
+                        <a:rPr kumimoji="0" lang="en-US" sz="1000" b="0" i="0" u="none" strike="noStrike" cap="none" normalizeH="0" baseline="0" dirty="0" smtClean="0">
+                          <a:ln>
+                            <a:noFill/>
+                          </a:ln>
+                          <a:solidFill>
+                            <a:schemeClr val="tx1"/>
+                          </a:solidFill>
+                          <a:effectLst/>
+                          <a:latin typeface="Arial" charset="0"/>
+                        </a:rPr>
+                        <a:t> Kinder von 7 </a:t>
+                      </a:r>
+                      <a:r>
+                        <a:rPr kumimoji="0" lang="en-US" sz="1000" b="0" i="0" u="none" strike="noStrike" cap="none" normalizeH="0" baseline="0" dirty="0" err="1" smtClean="0">
+                          <a:ln>
+                            <a:noFill/>
+                          </a:ln>
+                          <a:solidFill>
+                            <a:schemeClr val="tx1"/>
+                          </a:solidFill>
+                          <a:effectLst/>
+                          <a:latin typeface="Arial" charset="0"/>
+                        </a:rPr>
+                        <a:t>bis</a:t>
+                      </a:r>
+                      <a:r>
+                        <a:rPr kumimoji="0" lang="en-US" sz="1000" b="0" i="0" u="none" strike="noStrike" cap="none" normalizeH="0" baseline="0" dirty="0" smtClean="0">
+                          <a:ln>
+                            <a:noFill/>
+                          </a:ln>
+                          <a:solidFill>
+                            <a:schemeClr val="tx1"/>
+                          </a:solidFill>
+                          <a:effectLst/>
+                          <a:latin typeface="Arial" charset="0"/>
+                        </a:rPr>
+                        <a:t> 14 </a:t>
+                      </a:r>
+                    </a:p>
+                    <a:p>
+                      <a:pPr marL="0" marR="0" lvl="0" indent="0" algn="l" defTabSz="914400" rtl="0" eaLnBrk="1" fontAlgn="base" latinLnBrk="0" hangingPunct="1">
+                        <a:lnSpc>
+                          <a:spcPct val="100000"/>
+                        </a:lnSpc>
+                        <a:spcBef>
+                          <a:spcPct val="20000"/>
+                        </a:spcBef>
+                        <a:spcAft>
+                          <a:spcPct val="0"/>
+                        </a:spcAft>
+                        <a:buClr>
+                          <a:schemeClr val="accent2"/>
+                        </a:buClr>
+                        <a:buSzPct val="100000"/>
+                        <a:buFont typeface="Wingdings" pitchFamily="2" charset="2"/>
+                        <a:buChar char="§"/>
+                        <a:tabLst/>
+                        <a:defRPr/>
+                      </a:pPr>
+                      <a:r>
+                        <a:rPr kumimoji="0" lang="en-US" sz="1000" b="0" i="0" u="none" strike="noStrike" cap="none" normalizeH="0" baseline="0" dirty="0" smtClean="0">
+                          <a:ln>
+                            <a:noFill/>
+                          </a:ln>
+                          <a:solidFill>
+                            <a:schemeClr val="tx1"/>
+                          </a:solidFill>
+                          <a:effectLst/>
+                          <a:latin typeface="Arial" charset="0"/>
+                        </a:rPr>
+                        <a:t> </a:t>
+                      </a:r>
+                      <a:r>
+                        <a:rPr kumimoji="0" lang="en-US" sz="1000" b="0" i="0" u="none" strike="noStrike" cap="none" normalizeH="0" baseline="0" dirty="0" err="1" smtClean="0">
+                          <a:ln>
+                            <a:noFill/>
+                          </a:ln>
+                          <a:solidFill>
+                            <a:schemeClr val="tx1"/>
+                          </a:solidFill>
+                          <a:effectLst/>
+                          <a:latin typeface="Arial" charset="0"/>
+                        </a:rPr>
+                        <a:t>Nicht</a:t>
+                      </a:r>
+                      <a:r>
+                        <a:rPr kumimoji="0" lang="en-US" sz="1000" b="0" i="0" u="none" strike="noStrike" cap="none" normalizeH="0" baseline="0" dirty="0" smtClean="0">
+                          <a:ln>
+                            <a:noFill/>
+                          </a:ln>
+                          <a:solidFill>
+                            <a:schemeClr val="tx1"/>
+                          </a:solidFill>
+                          <a:effectLst/>
+                          <a:latin typeface="Arial" charset="0"/>
+                        </a:rPr>
+                        <a:t> </a:t>
+                      </a:r>
+                      <a:r>
+                        <a:rPr kumimoji="0" lang="en-US" sz="1000" b="0" i="0" u="none" strike="noStrike" cap="none" normalizeH="0" baseline="0" dirty="0" err="1" smtClean="0">
+                          <a:ln>
+                            <a:noFill/>
+                          </a:ln>
+                          <a:solidFill>
+                            <a:schemeClr val="tx1"/>
+                          </a:solidFill>
+                          <a:effectLst/>
+                          <a:latin typeface="Arial" charset="0"/>
+                        </a:rPr>
+                        <a:t>sehr</a:t>
+                      </a:r>
+                      <a:r>
+                        <a:rPr kumimoji="0" lang="en-US" sz="1000" b="0" i="0" u="none" strike="noStrike" cap="none" normalizeH="0" baseline="0" dirty="0" smtClean="0">
+                          <a:ln>
+                            <a:noFill/>
+                          </a:ln>
+                          <a:solidFill>
+                            <a:schemeClr val="tx1"/>
+                          </a:solidFill>
+                          <a:effectLst/>
+                          <a:latin typeface="Arial" charset="0"/>
+                        </a:rPr>
+                        <a:t> </a:t>
+                      </a:r>
+                      <a:r>
+                        <a:rPr kumimoji="0" lang="en-US" sz="1000" b="0" i="0" u="none" strike="noStrike" cap="none" normalizeH="0" baseline="0" dirty="0" err="1" smtClean="0">
+                          <a:ln>
+                            <a:noFill/>
+                          </a:ln>
+                          <a:solidFill>
+                            <a:schemeClr val="tx1"/>
+                          </a:solidFill>
+                          <a:effectLst/>
+                          <a:latin typeface="Arial" charset="0"/>
+                        </a:rPr>
+                        <a:t>technik</a:t>
+                      </a:r>
+                      <a:r>
+                        <a:rPr kumimoji="0" lang="en-US" sz="1000" b="0" i="0" u="none" strike="noStrike" cap="none" normalizeH="0" baseline="0" dirty="0" smtClean="0">
+                          <a:ln>
+                            <a:noFill/>
+                          </a:ln>
+                          <a:solidFill>
+                            <a:schemeClr val="tx1"/>
+                          </a:solidFill>
+                          <a:effectLst/>
+                          <a:latin typeface="Arial" charset="0"/>
+                        </a:rPr>
+                        <a:t> </a:t>
+                      </a:r>
+                      <a:r>
+                        <a:rPr kumimoji="0" lang="en-US" sz="1000" b="0" i="0" u="none" strike="noStrike" cap="none" normalizeH="0" baseline="0" dirty="0" err="1" smtClean="0">
+                          <a:ln>
+                            <a:noFill/>
+                          </a:ln>
+                          <a:solidFill>
+                            <a:schemeClr val="tx1"/>
+                          </a:solidFill>
+                          <a:effectLst/>
+                          <a:latin typeface="Arial" charset="0"/>
+                        </a:rPr>
+                        <a:t>Affin</a:t>
+                      </a:r>
+                      <a:r>
+                        <a:rPr kumimoji="0" lang="en-US" sz="1000" b="0" i="0" u="none" strike="noStrike" cap="none" normalizeH="0" baseline="0" dirty="0" smtClean="0">
+                          <a:ln>
+                            <a:noFill/>
+                          </a:ln>
+                          <a:solidFill>
+                            <a:schemeClr val="tx1"/>
+                          </a:solidFill>
+                          <a:effectLst/>
+                          <a:latin typeface="Arial" charset="0"/>
+                        </a:rPr>
+                        <a:t> </a:t>
+                      </a:r>
+                    </a:p>
+                    <a:p>
+                      <a:pPr marL="0" marR="0" lvl="0" indent="0" algn="l" defTabSz="914400" rtl="0" eaLnBrk="1" fontAlgn="base" latinLnBrk="0" hangingPunct="1">
+                        <a:lnSpc>
+                          <a:spcPct val="100000"/>
+                        </a:lnSpc>
+                        <a:spcBef>
+                          <a:spcPct val="20000"/>
+                        </a:spcBef>
+                        <a:spcAft>
+                          <a:spcPct val="0"/>
+                        </a:spcAft>
+                        <a:buClr>
+                          <a:schemeClr val="accent2"/>
+                        </a:buClr>
+                        <a:buSzPct val="100000"/>
+                        <a:buFont typeface="Wingdings" pitchFamily="2" charset="2"/>
+                        <a:buChar char="§"/>
+                        <a:tabLst/>
+                        <a:defRPr/>
+                      </a:pPr>
+                      <a:endParaRPr kumimoji="0" lang="en-US" sz="1000" b="0" i="0" u="none" strike="noStrike" cap="none" normalizeH="0" baseline="0" dirty="0" smtClean="0">
+                        <a:ln>
+                          <a:noFill/>
+                        </a:ln>
+                        <a:solidFill>
+                          <a:schemeClr val="tx1"/>
+                        </a:solidFill>
+                        <a:effectLst/>
+                        <a:latin typeface="Arial" charset="0"/>
+                      </a:endParaRPr>
                     </a:p>
                   </a:txBody>
                   <a:tcPr marL="90488" marR="90488" marT="44450" marB="44450" horzOverflow="overflow">
@@ -9576,18 +12259,910 @@
                         <a:tabLst/>
                       </a:pPr>
                       <a:r>
-                        <a:rPr kumimoji="0" lang="en-US" sz="1000" b="0" i="0" u="none" strike="noStrike" cap="none" normalizeH="0" baseline="0" smtClean="0">
-                          <a:ln>
-                            <a:noFill/>
-                          </a:ln>
-                          <a:solidFill>
-                            <a:schemeClr val="tx1"/>
-                          </a:solidFill>
-                          <a:effectLst/>
-                          <a:latin typeface="Arial" charset="0"/>
-                        </a:rPr>
-                        <a:t> …</a:t>
-                      </a:r>
+                        <a:rPr kumimoji="0" lang="en-US" sz="1000" b="0" i="0" u="none" strike="noStrike" cap="none" normalizeH="0" baseline="0" dirty="0" smtClean="0">
+                          <a:ln>
+                            <a:noFill/>
+                          </a:ln>
+                          <a:solidFill>
+                            <a:schemeClr val="tx1"/>
+                          </a:solidFill>
+                          <a:effectLst/>
+                          <a:latin typeface="Arial" charset="0"/>
+                        </a:rPr>
+                        <a:t> </a:t>
+                      </a:r>
+                      <a:r>
+                        <a:rPr kumimoji="0" lang="en-US" sz="1000" b="0" i="0" u="none" strike="noStrike" cap="none" normalizeH="0" baseline="0" dirty="0" err="1" smtClean="0">
+                          <a:ln>
+                            <a:noFill/>
+                          </a:ln>
+                          <a:solidFill>
+                            <a:schemeClr val="tx1"/>
+                          </a:solidFill>
+                          <a:effectLst/>
+                          <a:latin typeface="Arial" charset="0"/>
+                        </a:rPr>
+                        <a:t>erhofft</a:t>
+                      </a:r>
+                      <a:r>
+                        <a:rPr kumimoji="0" lang="en-US" sz="1000" b="0" i="0" u="none" strike="noStrike" cap="none" normalizeH="0" baseline="0" dirty="0" smtClean="0">
+                          <a:ln>
+                            <a:noFill/>
+                          </a:ln>
+                          <a:solidFill>
+                            <a:schemeClr val="tx1"/>
+                          </a:solidFill>
+                          <a:effectLst/>
+                          <a:latin typeface="Arial" charset="0"/>
+                        </a:rPr>
+                        <a:t> </a:t>
+                      </a:r>
+                      <a:r>
+                        <a:rPr kumimoji="0" lang="en-US" sz="1000" b="0" i="0" u="none" strike="noStrike" cap="none" normalizeH="0" baseline="0" dirty="0" err="1" smtClean="0">
+                          <a:ln>
+                            <a:noFill/>
+                          </a:ln>
+                          <a:solidFill>
+                            <a:schemeClr val="tx1"/>
+                          </a:solidFill>
+                          <a:effectLst/>
+                          <a:latin typeface="Arial" charset="0"/>
+                        </a:rPr>
+                        <a:t>sich</a:t>
+                      </a:r>
+                      <a:r>
+                        <a:rPr kumimoji="0" lang="en-US" sz="1000" b="0" i="0" u="none" strike="noStrike" cap="none" normalizeH="0" baseline="0" dirty="0" smtClean="0">
+                          <a:ln>
+                            <a:noFill/>
+                          </a:ln>
+                          <a:solidFill>
+                            <a:schemeClr val="tx1"/>
+                          </a:solidFill>
+                          <a:effectLst/>
+                          <a:latin typeface="Arial" charset="0"/>
+                        </a:rPr>
+                        <a:t> </a:t>
+                      </a:r>
+                      <a:r>
+                        <a:rPr kumimoji="0" lang="en-US" sz="1000" b="0" i="0" u="none" strike="noStrike" cap="none" normalizeH="0" baseline="0" dirty="0" err="1" smtClean="0">
+                          <a:ln>
+                            <a:noFill/>
+                          </a:ln>
+                          <a:solidFill>
+                            <a:schemeClr val="tx1"/>
+                          </a:solidFill>
+                          <a:effectLst/>
+                          <a:latin typeface="Arial" charset="0"/>
+                        </a:rPr>
+                        <a:t>schnell</a:t>
+                      </a:r>
+                      <a:r>
+                        <a:rPr kumimoji="0" lang="en-US" sz="1000" b="0" i="0" u="none" strike="noStrike" cap="none" normalizeH="0" baseline="0" dirty="0" smtClean="0">
+                          <a:ln>
+                            <a:noFill/>
+                          </a:ln>
+                          <a:solidFill>
+                            <a:schemeClr val="tx1"/>
+                          </a:solidFill>
+                          <a:effectLst/>
+                          <a:latin typeface="Arial" charset="0"/>
+                        </a:rPr>
+                        <a:t> auf der </a:t>
+                      </a:r>
+                      <a:r>
+                        <a:rPr kumimoji="0" lang="en-US" sz="1000" b="0" i="0" u="none" strike="noStrike" cap="none" normalizeH="0" baseline="0" dirty="0" err="1" smtClean="0">
+                          <a:ln>
+                            <a:noFill/>
+                          </a:ln>
+                          <a:solidFill>
+                            <a:schemeClr val="tx1"/>
+                          </a:solidFill>
+                          <a:effectLst/>
+                          <a:latin typeface="Arial" charset="0"/>
+                        </a:rPr>
+                        <a:t>Seite</a:t>
+                      </a:r>
+                      <a:r>
+                        <a:rPr kumimoji="0" lang="en-US" sz="1000" b="0" i="0" u="none" strike="noStrike" cap="none" normalizeH="0" baseline="0" dirty="0" smtClean="0">
+                          <a:ln>
+                            <a:noFill/>
+                          </a:ln>
+                          <a:solidFill>
+                            <a:schemeClr val="tx1"/>
+                          </a:solidFill>
+                          <a:effectLst/>
+                          <a:latin typeface="Arial" charset="0"/>
+                        </a:rPr>
+                        <a:t> </a:t>
+                      </a:r>
+                      <a:r>
+                        <a:rPr kumimoji="0" lang="en-US" sz="1000" b="0" i="0" u="none" strike="noStrike" cap="none" normalizeH="0" baseline="0" dirty="0" err="1" smtClean="0">
+                          <a:ln>
+                            <a:noFill/>
+                          </a:ln>
+                          <a:solidFill>
+                            <a:schemeClr val="tx1"/>
+                          </a:solidFill>
+                          <a:effectLst/>
+                          <a:latin typeface="Arial" charset="0"/>
+                        </a:rPr>
+                        <a:t>zurecht</a:t>
+                      </a:r>
+                      <a:r>
+                        <a:rPr kumimoji="0" lang="en-US" sz="1000" b="0" i="0" u="none" strike="noStrike" cap="none" normalizeH="0" baseline="0" dirty="0" smtClean="0">
+                          <a:ln>
+                            <a:noFill/>
+                          </a:ln>
+                          <a:solidFill>
+                            <a:schemeClr val="tx1"/>
+                          </a:solidFill>
+                          <a:effectLst/>
+                          <a:latin typeface="Arial" charset="0"/>
+                        </a:rPr>
+                        <a:t> </a:t>
+                      </a:r>
+                      <a:r>
+                        <a:rPr kumimoji="0" lang="en-US" sz="1000" b="0" i="0" u="none" strike="noStrike" cap="none" normalizeH="0" baseline="0" dirty="0" err="1" smtClean="0">
+                          <a:ln>
+                            <a:noFill/>
+                          </a:ln>
+                          <a:solidFill>
+                            <a:schemeClr val="tx1"/>
+                          </a:solidFill>
+                          <a:effectLst/>
+                          <a:latin typeface="Arial" charset="0"/>
+                        </a:rPr>
+                        <a:t>zu</a:t>
+                      </a:r>
+                      <a:r>
+                        <a:rPr kumimoji="0" lang="en-US" sz="1000" b="0" i="0" u="none" strike="noStrike" cap="none" normalizeH="0" baseline="0" dirty="0" smtClean="0">
+                          <a:ln>
+                            <a:noFill/>
+                          </a:ln>
+                          <a:solidFill>
+                            <a:schemeClr val="tx1"/>
+                          </a:solidFill>
+                          <a:effectLst/>
+                          <a:latin typeface="Arial" charset="0"/>
+                        </a:rPr>
+                        <a:t> </a:t>
+                      </a:r>
+                      <a:r>
+                        <a:rPr kumimoji="0" lang="en-US" sz="1000" b="0" i="0" u="none" strike="noStrike" cap="none" normalizeH="0" baseline="0" dirty="0" err="1" smtClean="0">
+                          <a:ln>
+                            <a:noFill/>
+                          </a:ln>
+                          <a:solidFill>
+                            <a:schemeClr val="tx1"/>
+                          </a:solidFill>
+                          <a:effectLst/>
+                          <a:latin typeface="Arial" charset="0"/>
+                        </a:rPr>
+                        <a:t>finden</a:t>
+                      </a:r>
+                      <a:r>
+                        <a:rPr kumimoji="0" lang="en-US" sz="1000" b="0" i="0" u="none" strike="noStrike" cap="none" normalizeH="0" baseline="0" dirty="0" smtClean="0">
+                          <a:ln>
+                            <a:noFill/>
+                          </a:ln>
+                          <a:solidFill>
+                            <a:schemeClr val="tx1"/>
+                          </a:solidFill>
+                          <a:effectLst/>
+                          <a:latin typeface="Arial" charset="0"/>
+                        </a:rPr>
+                        <a:t> </a:t>
+                      </a:r>
+                    </a:p>
+                    <a:p>
+                      <a:pPr marL="0" marR="0" lvl="0" indent="0" algn="l" defTabSz="914400" rtl="0" eaLnBrk="1" fontAlgn="base" latinLnBrk="0" hangingPunct="1">
+                        <a:lnSpc>
+                          <a:spcPct val="100000"/>
+                        </a:lnSpc>
+                        <a:spcBef>
+                          <a:spcPct val="20000"/>
+                        </a:spcBef>
+                        <a:spcAft>
+                          <a:spcPct val="0"/>
+                        </a:spcAft>
+                        <a:buClr>
+                          <a:schemeClr val="accent2"/>
+                        </a:buClr>
+                        <a:buSzPct val="100000"/>
+                        <a:buFont typeface="Wingdings" pitchFamily="2" charset="2"/>
+                        <a:buChar char="§"/>
+                        <a:tabLst/>
+                      </a:pPr>
+                      <a:r>
+                        <a:rPr kumimoji="0" lang="en-US" sz="1000" b="0" i="0" u="none" strike="noStrike" cap="none" normalizeH="0" baseline="0" dirty="0" smtClean="0">
+                          <a:ln>
+                            <a:noFill/>
+                          </a:ln>
+                          <a:solidFill>
+                            <a:schemeClr val="tx1"/>
+                          </a:solidFill>
+                          <a:effectLst/>
+                          <a:latin typeface="Arial" charset="0"/>
+                        </a:rPr>
+                        <a:t> </a:t>
+                      </a:r>
+                      <a:r>
+                        <a:rPr kumimoji="0" lang="en-US" sz="1000" b="0" i="0" u="none" strike="noStrike" cap="none" normalizeH="0" baseline="0" dirty="0" err="1" smtClean="0">
+                          <a:ln>
+                            <a:noFill/>
+                          </a:ln>
+                          <a:solidFill>
+                            <a:schemeClr val="tx1"/>
+                          </a:solidFill>
+                          <a:effectLst/>
+                          <a:latin typeface="Arial" charset="0"/>
+                        </a:rPr>
+                        <a:t>wünscht</a:t>
+                      </a:r>
+                      <a:r>
+                        <a:rPr kumimoji="0" lang="en-US" sz="1000" b="0" i="0" u="none" strike="noStrike" cap="none" normalizeH="0" baseline="0" dirty="0" smtClean="0">
+                          <a:ln>
+                            <a:noFill/>
+                          </a:ln>
+                          <a:solidFill>
+                            <a:schemeClr val="tx1"/>
+                          </a:solidFill>
+                          <a:effectLst/>
+                          <a:latin typeface="Arial" charset="0"/>
+                        </a:rPr>
+                        <a:t> </a:t>
+                      </a:r>
+                      <a:r>
+                        <a:rPr kumimoji="0" lang="en-US" sz="1000" b="0" i="0" u="none" strike="noStrike" cap="none" normalizeH="0" baseline="0" dirty="0" err="1" smtClean="0">
+                          <a:ln>
+                            <a:noFill/>
+                          </a:ln>
+                          <a:solidFill>
+                            <a:schemeClr val="tx1"/>
+                          </a:solidFill>
+                          <a:effectLst/>
+                          <a:latin typeface="Arial" charset="0"/>
+                        </a:rPr>
+                        <a:t>sich</a:t>
+                      </a:r>
+                      <a:r>
+                        <a:rPr kumimoji="0" lang="en-US" sz="1000" b="0" i="0" u="none" strike="noStrike" cap="none" normalizeH="0" baseline="0" dirty="0" smtClean="0">
+                          <a:ln>
+                            <a:noFill/>
+                          </a:ln>
+                          <a:solidFill>
+                            <a:schemeClr val="tx1"/>
+                          </a:solidFill>
+                          <a:effectLst/>
+                          <a:latin typeface="Arial" charset="0"/>
+                        </a:rPr>
+                        <a:t>, </a:t>
+                      </a:r>
+                      <a:r>
+                        <a:rPr kumimoji="0" lang="en-US" sz="1000" b="0" i="0" u="none" strike="noStrike" cap="none" normalizeH="0" baseline="0" dirty="0" err="1" smtClean="0">
+                          <a:ln>
+                            <a:noFill/>
+                          </a:ln>
+                          <a:solidFill>
+                            <a:schemeClr val="tx1"/>
+                          </a:solidFill>
+                          <a:effectLst/>
+                          <a:latin typeface="Arial" charset="0"/>
+                        </a:rPr>
+                        <a:t>dass</a:t>
+                      </a:r>
+                      <a:r>
+                        <a:rPr kumimoji="0" lang="en-US" sz="1000" b="0" i="0" u="none" strike="noStrike" cap="none" normalizeH="0" baseline="0" dirty="0" smtClean="0">
+                          <a:ln>
+                            <a:noFill/>
+                          </a:ln>
+                          <a:solidFill>
+                            <a:schemeClr val="tx1"/>
+                          </a:solidFill>
+                          <a:effectLst/>
+                          <a:latin typeface="Arial" charset="0"/>
+                        </a:rPr>
+                        <a:t> </a:t>
+                      </a:r>
+                      <a:r>
+                        <a:rPr kumimoji="0" lang="en-US" sz="1000" b="0" i="0" u="none" strike="noStrike" cap="none" normalizeH="0" baseline="0" dirty="0" err="1" smtClean="0">
+                          <a:ln>
+                            <a:noFill/>
+                          </a:ln>
+                          <a:solidFill>
+                            <a:schemeClr val="tx1"/>
+                          </a:solidFill>
+                          <a:effectLst/>
+                          <a:latin typeface="Arial" charset="0"/>
+                        </a:rPr>
+                        <a:t>benötigte</a:t>
+                      </a:r>
+                      <a:r>
+                        <a:rPr kumimoji="0" lang="en-US" sz="1000" b="0" i="0" u="none" strike="noStrike" cap="none" normalizeH="0" baseline="0" dirty="0" smtClean="0">
+                          <a:ln>
+                            <a:noFill/>
+                          </a:ln>
+                          <a:solidFill>
+                            <a:schemeClr val="tx1"/>
+                          </a:solidFill>
+                          <a:effectLst/>
+                          <a:latin typeface="Arial" charset="0"/>
+                        </a:rPr>
+                        <a:t> </a:t>
+                      </a:r>
+                      <a:r>
+                        <a:rPr kumimoji="0" lang="en-US" sz="1000" b="0" i="0" u="none" strike="noStrike" cap="none" normalizeH="0" baseline="0" dirty="0" err="1" smtClean="0">
+                          <a:ln>
+                            <a:noFill/>
+                          </a:ln>
+                          <a:solidFill>
+                            <a:schemeClr val="tx1"/>
+                          </a:solidFill>
+                          <a:effectLst/>
+                          <a:latin typeface="Arial" charset="0"/>
+                        </a:rPr>
+                        <a:t>Hauptfunktionen</a:t>
+                      </a:r>
+                      <a:r>
+                        <a:rPr kumimoji="0" lang="en-US" sz="1000" b="0" i="0" u="none" strike="noStrike" cap="none" normalizeH="0" baseline="0" dirty="0" smtClean="0">
+                          <a:ln>
+                            <a:noFill/>
+                          </a:ln>
+                          <a:solidFill>
+                            <a:schemeClr val="tx1"/>
+                          </a:solidFill>
+                          <a:effectLst/>
+                          <a:latin typeface="Arial" charset="0"/>
+                        </a:rPr>
+                        <a:t> der </a:t>
+                      </a:r>
+                      <a:r>
+                        <a:rPr kumimoji="0" lang="en-US" sz="1000" b="0" i="0" u="none" strike="noStrike" cap="none" normalizeH="0" baseline="0" dirty="0" err="1" smtClean="0">
+                          <a:ln>
+                            <a:noFill/>
+                          </a:ln>
+                          <a:solidFill>
+                            <a:schemeClr val="tx1"/>
+                          </a:solidFill>
+                          <a:effectLst/>
+                          <a:latin typeface="Arial" charset="0"/>
+                        </a:rPr>
+                        <a:t>Seite</a:t>
+                      </a:r>
+                      <a:r>
+                        <a:rPr kumimoji="0" lang="en-US" sz="1000" b="0" i="0" u="none" strike="noStrike" cap="none" normalizeH="0" baseline="0" dirty="0" smtClean="0">
+                          <a:ln>
+                            <a:noFill/>
+                          </a:ln>
+                          <a:solidFill>
+                            <a:schemeClr val="tx1"/>
+                          </a:solidFill>
+                          <a:effectLst/>
+                          <a:latin typeface="Arial" charset="0"/>
+                        </a:rPr>
+                        <a:t> die </a:t>
+                      </a:r>
+                      <a:r>
+                        <a:rPr kumimoji="0" lang="en-US" sz="1000" b="0" i="0" u="none" strike="noStrike" cap="none" normalizeH="0" baseline="0" dirty="0" err="1" smtClean="0">
+                          <a:ln>
+                            <a:noFill/>
+                          </a:ln>
+                          <a:solidFill>
+                            <a:schemeClr val="tx1"/>
+                          </a:solidFill>
+                          <a:effectLst/>
+                          <a:latin typeface="Arial" charset="0"/>
+                        </a:rPr>
+                        <a:t>sie</a:t>
+                      </a:r>
+                      <a:r>
+                        <a:rPr kumimoji="0" lang="en-US" sz="1000" b="0" i="0" u="none" strike="noStrike" cap="none" normalizeH="0" baseline="0" dirty="0" smtClean="0">
+                          <a:ln>
+                            <a:noFill/>
+                          </a:ln>
+                          <a:solidFill>
+                            <a:schemeClr val="tx1"/>
+                          </a:solidFill>
+                          <a:effectLst/>
+                          <a:latin typeface="Arial" charset="0"/>
+                        </a:rPr>
+                        <a:t> </a:t>
+                      </a:r>
+                      <a:r>
+                        <a:rPr kumimoji="0" lang="en-US" sz="1000" b="0" i="0" u="none" strike="noStrike" cap="none" normalizeH="0" baseline="0" dirty="0" err="1" smtClean="0">
+                          <a:ln>
+                            <a:noFill/>
+                          </a:ln>
+                          <a:solidFill>
+                            <a:schemeClr val="tx1"/>
+                          </a:solidFill>
+                          <a:effectLst/>
+                          <a:latin typeface="Arial" charset="0"/>
+                        </a:rPr>
+                        <a:t>verwendet</a:t>
+                      </a:r>
+                      <a:r>
+                        <a:rPr kumimoji="0" lang="en-US" sz="1000" b="0" i="0" u="none" strike="noStrike" cap="none" normalizeH="0" baseline="0" dirty="0" smtClean="0">
+                          <a:ln>
+                            <a:noFill/>
+                          </a:ln>
+                          <a:solidFill>
+                            <a:schemeClr val="tx1"/>
+                          </a:solidFill>
+                          <a:effectLst/>
+                          <a:latin typeface="Arial" charset="0"/>
+                        </a:rPr>
+                        <a:t> hat, </a:t>
+                      </a:r>
+                      <a:r>
+                        <a:rPr kumimoji="0" lang="en-US" sz="1000" b="0" i="0" u="none" strike="noStrike" cap="none" normalizeH="0" baseline="0" dirty="0" err="1" smtClean="0">
+                          <a:ln>
+                            <a:noFill/>
+                          </a:ln>
+                          <a:solidFill>
+                            <a:schemeClr val="tx1"/>
+                          </a:solidFill>
+                          <a:effectLst/>
+                          <a:latin typeface="Arial" charset="0"/>
+                        </a:rPr>
+                        <a:t>ohne</a:t>
+                      </a:r>
+                      <a:r>
+                        <a:rPr kumimoji="0" lang="en-US" sz="1000" b="0" i="0" u="none" strike="noStrike" cap="none" normalizeH="0" baseline="0" dirty="0" smtClean="0">
+                          <a:ln>
+                            <a:noFill/>
+                          </a:ln>
+                          <a:solidFill>
+                            <a:schemeClr val="tx1"/>
+                          </a:solidFill>
+                          <a:effectLst/>
+                          <a:latin typeface="Arial" charset="0"/>
+                        </a:rPr>
+                        <a:t> </a:t>
+                      </a:r>
+                      <a:r>
+                        <a:rPr kumimoji="0" lang="en-US" sz="1000" b="0" i="0" u="none" strike="noStrike" cap="none" normalizeH="0" baseline="0" dirty="0" err="1" smtClean="0">
+                          <a:ln>
+                            <a:noFill/>
+                          </a:ln>
+                          <a:solidFill>
+                            <a:schemeClr val="tx1"/>
+                          </a:solidFill>
+                          <a:effectLst/>
+                          <a:latin typeface="Arial" charset="0"/>
+                        </a:rPr>
+                        <a:t>langes</a:t>
+                      </a:r>
+                      <a:r>
+                        <a:rPr kumimoji="0" lang="en-US" sz="1000" b="0" i="0" u="none" strike="noStrike" cap="none" normalizeH="0" baseline="0" dirty="0" smtClean="0">
+                          <a:ln>
+                            <a:noFill/>
+                          </a:ln>
+                          <a:solidFill>
+                            <a:schemeClr val="tx1"/>
+                          </a:solidFill>
+                          <a:effectLst/>
+                          <a:latin typeface="Arial" charset="0"/>
+                        </a:rPr>
+                        <a:t> </a:t>
+                      </a:r>
+                      <a:r>
+                        <a:rPr kumimoji="0" lang="en-US" sz="1000" b="0" i="0" u="none" strike="noStrike" cap="none" normalizeH="0" baseline="0" dirty="0" err="1" smtClean="0">
+                          <a:ln>
+                            <a:noFill/>
+                          </a:ln>
+                          <a:solidFill>
+                            <a:schemeClr val="tx1"/>
+                          </a:solidFill>
+                          <a:effectLst/>
+                          <a:latin typeface="Arial" charset="0"/>
+                        </a:rPr>
+                        <a:t>Suchen</a:t>
+                      </a:r>
+                      <a:r>
+                        <a:rPr kumimoji="0" lang="en-US" sz="1000" b="0" i="0" u="none" strike="noStrike" cap="none" normalizeH="0" baseline="0" dirty="0" smtClean="0">
+                          <a:ln>
+                            <a:noFill/>
+                          </a:ln>
+                          <a:solidFill>
+                            <a:schemeClr val="tx1"/>
+                          </a:solidFill>
+                          <a:effectLst/>
+                          <a:latin typeface="Arial" charset="0"/>
+                        </a:rPr>
+                        <a:t> </a:t>
+                      </a:r>
+                      <a:r>
+                        <a:rPr kumimoji="0" lang="en-US" sz="1000" b="0" i="0" u="none" strike="noStrike" cap="none" normalizeH="0" baseline="0" dirty="0" err="1" smtClean="0">
+                          <a:ln>
+                            <a:noFill/>
+                          </a:ln>
+                          <a:solidFill>
+                            <a:schemeClr val="tx1"/>
+                          </a:solidFill>
+                          <a:effectLst/>
+                          <a:latin typeface="Arial" charset="0"/>
+                        </a:rPr>
+                        <a:t>zu</a:t>
+                      </a:r>
+                      <a:r>
+                        <a:rPr kumimoji="0" lang="en-US" sz="1000" b="0" i="0" u="none" strike="noStrike" cap="none" normalizeH="0" baseline="0" dirty="0" smtClean="0">
+                          <a:ln>
+                            <a:noFill/>
+                          </a:ln>
+                          <a:solidFill>
+                            <a:schemeClr val="tx1"/>
+                          </a:solidFill>
+                          <a:effectLst/>
+                          <a:latin typeface="Arial" charset="0"/>
+                        </a:rPr>
+                        <a:t> </a:t>
+                      </a:r>
+                      <a:r>
+                        <a:rPr kumimoji="0" lang="en-US" sz="1000" b="0" i="0" u="none" strike="noStrike" cap="none" normalizeH="0" baseline="0" dirty="0" err="1" smtClean="0">
+                          <a:ln>
+                            <a:noFill/>
+                          </a:ln>
+                          <a:solidFill>
+                            <a:schemeClr val="tx1"/>
+                          </a:solidFill>
+                          <a:effectLst/>
+                          <a:latin typeface="Arial" charset="0"/>
+                        </a:rPr>
+                        <a:t>finden</a:t>
+                      </a:r>
+                      <a:r>
+                        <a:rPr kumimoji="0" lang="en-US" sz="1000" b="0" i="0" u="none" strike="noStrike" cap="none" normalizeH="0" baseline="0" dirty="0" smtClean="0">
+                          <a:ln>
+                            <a:noFill/>
+                          </a:ln>
+                          <a:solidFill>
+                            <a:schemeClr val="tx1"/>
+                          </a:solidFill>
+                          <a:effectLst/>
+                          <a:latin typeface="Arial" charset="0"/>
+                        </a:rPr>
+                        <a:t> </a:t>
+                      </a:r>
+                      <a:r>
+                        <a:rPr kumimoji="0" lang="en-US" sz="1000" b="0" i="0" u="none" strike="noStrike" cap="none" normalizeH="0" baseline="0" dirty="0" err="1" smtClean="0">
+                          <a:ln>
+                            <a:noFill/>
+                          </a:ln>
+                          <a:solidFill>
+                            <a:schemeClr val="tx1"/>
+                          </a:solidFill>
+                          <a:effectLst/>
+                          <a:latin typeface="Arial" charset="0"/>
+                        </a:rPr>
+                        <a:t>sind</a:t>
+                      </a:r>
+                      <a:endParaRPr kumimoji="0" lang="en-US" sz="1000" b="0" i="0" u="none" strike="noStrike" cap="none" normalizeH="0" baseline="0" dirty="0" smtClean="0">
+                        <a:ln>
+                          <a:noFill/>
+                        </a:ln>
+                        <a:solidFill>
+                          <a:schemeClr val="tx1"/>
+                        </a:solidFill>
+                        <a:effectLst/>
+                        <a:latin typeface="Arial" charset="0"/>
+                      </a:endParaRPr>
+                    </a:p>
+                    <a:p>
+                      <a:pPr marL="0" marR="0" lvl="0" indent="0" algn="l" defTabSz="914400" rtl="0" eaLnBrk="1" fontAlgn="base" latinLnBrk="0" hangingPunct="1">
+                        <a:lnSpc>
+                          <a:spcPct val="100000"/>
+                        </a:lnSpc>
+                        <a:spcBef>
+                          <a:spcPct val="20000"/>
+                        </a:spcBef>
+                        <a:spcAft>
+                          <a:spcPct val="0"/>
+                        </a:spcAft>
+                        <a:buClr>
+                          <a:schemeClr val="accent2"/>
+                        </a:buClr>
+                        <a:buSzPct val="100000"/>
+                        <a:buFont typeface="Wingdings" pitchFamily="2" charset="2"/>
+                        <a:buChar char="§"/>
+                        <a:tabLst/>
+                      </a:pPr>
+                      <a:r>
+                        <a:rPr kumimoji="0" lang="en-US" sz="1000" b="0" i="0" u="none" strike="noStrike" cap="none" normalizeH="0" baseline="0" dirty="0" smtClean="0">
+                          <a:ln>
+                            <a:noFill/>
+                          </a:ln>
+                          <a:solidFill>
+                            <a:schemeClr val="tx1"/>
+                          </a:solidFill>
+                          <a:effectLst/>
+                          <a:latin typeface="Arial" charset="0"/>
+                        </a:rPr>
+                        <a:t> </a:t>
+                      </a:r>
+                      <a:r>
+                        <a:rPr kumimoji="0" lang="en-US" sz="1000" b="0" i="0" u="none" strike="noStrike" cap="none" normalizeH="0" baseline="0" dirty="0" err="1" smtClean="0">
+                          <a:ln>
+                            <a:noFill/>
+                          </a:ln>
+                          <a:solidFill>
+                            <a:schemeClr val="tx1"/>
+                          </a:solidFill>
+                          <a:effectLst/>
+                          <a:latin typeface="Arial" charset="0"/>
+                        </a:rPr>
+                        <a:t>befürchtet</a:t>
+                      </a:r>
+                      <a:r>
+                        <a:rPr kumimoji="0" lang="en-US" sz="1000" b="0" i="0" u="none" strike="noStrike" cap="none" normalizeH="0" baseline="0" dirty="0" smtClean="0">
+                          <a:ln>
+                            <a:noFill/>
+                          </a:ln>
+                          <a:solidFill>
+                            <a:schemeClr val="tx1"/>
+                          </a:solidFill>
+                          <a:effectLst/>
+                          <a:latin typeface="Arial" charset="0"/>
+                        </a:rPr>
+                        <a:t>, </a:t>
+                      </a:r>
+                      <a:r>
+                        <a:rPr kumimoji="0" lang="en-US" sz="1000" b="0" i="0" u="none" strike="noStrike" cap="none" normalizeH="0" baseline="0" dirty="0" err="1" smtClean="0">
+                          <a:ln>
+                            <a:noFill/>
+                          </a:ln>
+                          <a:solidFill>
+                            <a:schemeClr val="tx1"/>
+                          </a:solidFill>
+                          <a:effectLst/>
+                          <a:latin typeface="Arial" charset="0"/>
+                        </a:rPr>
+                        <a:t>dass</a:t>
+                      </a:r>
+                      <a:r>
+                        <a:rPr kumimoji="0" lang="en-US" sz="1000" b="0" i="0" u="none" strike="noStrike" cap="none" normalizeH="0" baseline="0" dirty="0" smtClean="0">
+                          <a:ln>
+                            <a:noFill/>
+                          </a:ln>
+                          <a:solidFill>
+                            <a:schemeClr val="tx1"/>
+                          </a:solidFill>
+                          <a:effectLst/>
+                          <a:latin typeface="Arial" charset="0"/>
+                        </a:rPr>
+                        <a:t> </a:t>
+                      </a:r>
+                      <a:r>
+                        <a:rPr kumimoji="0" lang="en-US" sz="1000" b="0" i="0" u="none" strike="noStrike" cap="none" normalizeH="0" baseline="0" dirty="0" err="1" smtClean="0">
+                          <a:ln>
+                            <a:noFill/>
+                          </a:ln>
+                          <a:solidFill>
+                            <a:schemeClr val="tx1"/>
+                          </a:solidFill>
+                          <a:effectLst/>
+                          <a:latin typeface="Arial" charset="0"/>
+                        </a:rPr>
+                        <a:t>es</a:t>
+                      </a:r>
+                      <a:r>
+                        <a:rPr kumimoji="0" lang="en-US" sz="1000" b="0" i="0" u="none" strike="noStrike" cap="none" normalizeH="0" baseline="0" dirty="0" smtClean="0">
+                          <a:ln>
+                            <a:noFill/>
+                          </a:ln>
+                          <a:solidFill>
+                            <a:schemeClr val="tx1"/>
+                          </a:solidFill>
+                          <a:effectLst/>
+                          <a:latin typeface="Arial" charset="0"/>
+                        </a:rPr>
+                        <a:t> </a:t>
+                      </a:r>
+                      <a:r>
+                        <a:rPr kumimoji="0" lang="en-US" sz="1000" b="0" i="0" u="none" strike="noStrike" cap="none" normalizeH="0" baseline="0" dirty="0" err="1" smtClean="0">
+                          <a:ln>
+                            <a:noFill/>
+                          </a:ln>
+                          <a:solidFill>
+                            <a:schemeClr val="tx1"/>
+                          </a:solidFill>
+                          <a:effectLst/>
+                          <a:latin typeface="Arial" charset="0"/>
+                        </a:rPr>
+                        <a:t>durch</a:t>
+                      </a:r>
+                      <a:r>
+                        <a:rPr kumimoji="0" lang="en-US" sz="1000" b="0" i="0" u="none" strike="noStrike" cap="none" normalizeH="0" baseline="0" dirty="0" smtClean="0">
+                          <a:ln>
+                            <a:noFill/>
+                          </a:ln>
+                          <a:solidFill>
+                            <a:schemeClr val="tx1"/>
+                          </a:solidFill>
+                          <a:effectLst/>
+                          <a:latin typeface="Arial" charset="0"/>
+                        </a:rPr>
+                        <a:t> die </a:t>
+                      </a:r>
+                      <a:r>
+                        <a:rPr kumimoji="0" lang="en-US" sz="1000" b="0" i="0" u="none" strike="noStrike" cap="none" normalizeH="0" baseline="0" dirty="0" err="1" smtClean="0">
+                          <a:ln>
+                            <a:noFill/>
+                          </a:ln>
+                          <a:solidFill>
+                            <a:schemeClr val="tx1"/>
+                          </a:solidFill>
+                          <a:effectLst/>
+                          <a:latin typeface="Arial" charset="0"/>
+                        </a:rPr>
+                        <a:t>erneute</a:t>
+                      </a:r>
+                      <a:r>
+                        <a:rPr kumimoji="0" lang="en-US" sz="1000" b="0" i="0" u="none" strike="noStrike" cap="none" normalizeH="0" baseline="0" dirty="0" smtClean="0">
+                          <a:ln>
+                            <a:noFill/>
+                          </a:ln>
+                          <a:solidFill>
+                            <a:schemeClr val="tx1"/>
+                          </a:solidFill>
+                          <a:effectLst/>
+                          <a:latin typeface="Arial" charset="0"/>
+                        </a:rPr>
+                        <a:t> </a:t>
+                      </a:r>
+                      <a:r>
+                        <a:rPr kumimoji="0" lang="en-US" sz="1000" b="0" i="0" u="none" strike="noStrike" cap="none" normalizeH="0" baseline="0" dirty="0" err="1" smtClean="0">
+                          <a:ln>
+                            <a:noFill/>
+                          </a:ln>
+                          <a:solidFill>
+                            <a:schemeClr val="tx1"/>
+                          </a:solidFill>
+                          <a:effectLst/>
+                          <a:latin typeface="Arial" charset="0"/>
+                        </a:rPr>
+                        <a:t>Umstrukturierung</a:t>
+                      </a:r>
+                      <a:r>
+                        <a:rPr kumimoji="0" lang="en-US" sz="1000" b="0" i="0" u="none" strike="noStrike" cap="none" normalizeH="0" baseline="0" dirty="0" smtClean="0">
+                          <a:ln>
+                            <a:noFill/>
+                          </a:ln>
+                          <a:solidFill>
+                            <a:schemeClr val="tx1"/>
+                          </a:solidFill>
+                          <a:effectLst/>
+                          <a:latin typeface="Arial" charset="0"/>
+                        </a:rPr>
+                        <a:t> </a:t>
+                      </a:r>
+                      <a:r>
+                        <a:rPr kumimoji="0" lang="en-US" sz="1000" b="0" i="0" u="none" strike="noStrike" cap="none" normalizeH="0" baseline="0" dirty="0" err="1" smtClean="0">
+                          <a:ln>
+                            <a:noFill/>
+                          </a:ln>
+                          <a:solidFill>
+                            <a:schemeClr val="tx1"/>
+                          </a:solidFill>
+                          <a:effectLst/>
+                          <a:latin typeface="Arial" charset="0"/>
+                        </a:rPr>
+                        <a:t>noch</a:t>
+                      </a:r>
+                      <a:r>
+                        <a:rPr kumimoji="0" lang="en-US" sz="1000" b="0" i="0" u="none" strike="noStrike" cap="none" normalizeH="0" baseline="0" dirty="0" smtClean="0">
+                          <a:ln>
+                            <a:noFill/>
+                          </a:ln>
+                          <a:solidFill>
+                            <a:schemeClr val="tx1"/>
+                          </a:solidFill>
+                          <a:effectLst/>
+                          <a:latin typeface="Arial" charset="0"/>
+                        </a:rPr>
+                        <a:t> </a:t>
+                      </a:r>
+                      <a:r>
+                        <a:rPr kumimoji="0" lang="en-US" sz="1000" b="0" i="0" u="none" strike="noStrike" cap="none" normalizeH="0" baseline="0" dirty="0" err="1" smtClean="0">
+                          <a:ln>
+                            <a:noFill/>
+                          </a:ln>
+                          <a:solidFill>
+                            <a:schemeClr val="tx1"/>
+                          </a:solidFill>
+                          <a:effectLst/>
+                          <a:latin typeface="Arial" charset="0"/>
+                        </a:rPr>
+                        <a:t>verwirrender</a:t>
+                      </a:r>
+                      <a:r>
+                        <a:rPr kumimoji="0" lang="en-US" sz="1000" b="0" i="0" u="none" strike="noStrike" cap="none" normalizeH="0" baseline="0" dirty="0" smtClean="0">
+                          <a:ln>
+                            <a:noFill/>
+                          </a:ln>
+                          <a:solidFill>
+                            <a:schemeClr val="tx1"/>
+                          </a:solidFill>
+                          <a:effectLst/>
+                          <a:latin typeface="Arial" charset="0"/>
+                        </a:rPr>
+                        <a:t> </a:t>
+                      </a:r>
+                      <a:r>
+                        <a:rPr kumimoji="0" lang="en-US" sz="1000" b="0" i="0" u="none" strike="noStrike" cap="none" normalizeH="0" baseline="0" dirty="0" err="1" smtClean="0">
+                          <a:ln>
+                            <a:noFill/>
+                          </a:ln>
+                          <a:solidFill>
+                            <a:schemeClr val="tx1"/>
+                          </a:solidFill>
+                          <a:effectLst/>
+                          <a:latin typeface="Arial" charset="0"/>
+                        </a:rPr>
+                        <a:t>als</a:t>
+                      </a:r>
+                      <a:r>
+                        <a:rPr kumimoji="0" lang="en-US" sz="1000" b="0" i="0" u="none" strike="noStrike" cap="none" normalizeH="0" baseline="0" dirty="0" smtClean="0">
+                          <a:ln>
+                            <a:noFill/>
+                          </a:ln>
+                          <a:solidFill>
+                            <a:schemeClr val="tx1"/>
+                          </a:solidFill>
+                          <a:effectLst/>
+                          <a:latin typeface="Arial" charset="0"/>
+                        </a:rPr>
+                        <a:t> </a:t>
+                      </a:r>
+                      <a:r>
+                        <a:rPr kumimoji="0" lang="en-US" sz="1000" b="0" i="0" u="none" strike="noStrike" cap="none" normalizeH="0" baseline="0" dirty="0" err="1" smtClean="0">
+                          <a:ln>
+                            <a:noFill/>
+                          </a:ln>
+                          <a:solidFill>
+                            <a:schemeClr val="tx1"/>
+                          </a:solidFill>
+                          <a:effectLst/>
+                          <a:latin typeface="Arial" charset="0"/>
+                        </a:rPr>
+                        <a:t>zuvor</a:t>
+                      </a:r>
+                      <a:r>
+                        <a:rPr kumimoji="0" lang="en-US" sz="1000" b="0" i="0" u="none" strike="noStrike" cap="none" normalizeH="0" baseline="0" dirty="0" smtClean="0">
+                          <a:ln>
+                            <a:noFill/>
+                          </a:ln>
+                          <a:solidFill>
+                            <a:schemeClr val="tx1"/>
+                          </a:solidFill>
+                          <a:effectLst/>
+                          <a:latin typeface="Arial" charset="0"/>
+                        </a:rPr>
+                        <a:t> </a:t>
+                      </a:r>
+                      <a:r>
+                        <a:rPr kumimoji="0" lang="en-US" sz="1000" b="0" i="0" u="none" strike="noStrike" cap="none" normalizeH="0" baseline="0" dirty="0" err="1" smtClean="0">
+                          <a:ln>
+                            <a:noFill/>
+                          </a:ln>
+                          <a:solidFill>
+                            <a:schemeClr val="tx1"/>
+                          </a:solidFill>
+                          <a:effectLst/>
+                          <a:latin typeface="Arial" charset="0"/>
+                        </a:rPr>
+                        <a:t>ist</a:t>
+                      </a:r>
+                      <a:endParaRPr kumimoji="0" lang="en-US" sz="1000" b="0" i="0" u="none" strike="noStrike" cap="none" normalizeH="0" baseline="0" dirty="0" smtClean="0">
+                        <a:ln>
+                          <a:noFill/>
+                        </a:ln>
+                        <a:solidFill>
+                          <a:schemeClr val="tx1"/>
+                        </a:solidFill>
+                        <a:effectLst/>
+                        <a:latin typeface="Arial" charset="0"/>
+                      </a:endParaRPr>
                     </a:p>
                   </a:txBody>
                   <a:tcPr marL="90488" marR="90488" marT="44450" marB="44450" horzOverflow="overflow">
@@ -9716,18 +13291,461 @@
                         <a:tabLst/>
                       </a:pPr>
                       <a:r>
-                        <a:rPr kumimoji="0" lang="en-US" sz="1000" b="0" i="0" u="none" strike="noStrike" cap="none" normalizeH="0" baseline="0" smtClean="0">
-                          <a:ln>
-                            <a:noFill/>
-                          </a:ln>
-                          <a:solidFill>
-                            <a:schemeClr val="tx1"/>
-                          </a:solidFill>
-                          <a:effectLst/>
-                          <a:latin typeface="Arial" charset="0"/>
-                        </a:rPr>
-                        <a:t> …</a:t>
-                      </a:r>
+                        <a:rPr kumimoji="0" lang="en-US" sz="1000" b="0" i="0" u="none" strike="noStrike" cap="none" normalizeH="0" baseline="0" dirty="0" smtClean="0">
+                          <a:ln>
+                            <a:noFill/>
+                          </a:ln>
+                          <a:solidFill>
+                            <a:schemeClr val="tx1"/>
+                          </a:solidFill>
+                          <a:effectLst/>
+                          <a:latin typeface="Arial" charset="0"/>
+                        </a:rPr>
+                        <a:t> </a:t>
+                      </a:r>
+                      <a:r>
+                        <a:rPr kumimoji="0" lang="en-US" sz="1000" b="0" i="0" u="none" strike="noStrike" cap="none" normalizeH="0" baseline="0" dirty="0" err="1" smtClean="0">
+                          <a:ln>
+                            <a:noFill/>
+                          </a:ln>
+                          <a:solidFill>
+                            <a:schemeClr val="tx1"/>
+                          </a:solidFill>
+                          <a:effectLst/>
+                          <a:latin typeface="Arial" charset="0"/>
+                        </a:rPr>
+                        <a:t>Hofft</a:t>
+                      </a:r>
+                      <a:r>
+                        <a:rPr kumimoji="0" lang="en-US" sz="1000" b="0" i="0" u="none" strike="noStrike" cap="none" normalizeH="0" baseline="0" dirty="0" smtClean="0">
+                          <a:ln>
+                            <a:noFill/>
+                          </a:ln>
+                          <a:solidFill>
+                            <a:schemeClr val="tx1"/>
+                          </a:solidFill>
+                          <a:effectLst/>
+                          <a:latin typeface="Arial" charset="0"/>
+                        </a:rPr>
+                        <a:t>, </a:t>
+                      </a:r>
+                      <a:r>
+                        <a:rPr kumimoji="0" lang="en-US" sz="1000" b="0" i="0" u="none" strike="noStrike" cap="none" normalizeH="0" baseline="0" dirty="0" err="1" smtClean="0">
+                          <a:ln>
+                            <a:noFill/>
+                          </a:ln>
+                          <a:solidFill>
+                            <a:schemeClr val="tx1"/>
+                          </a:solidFill>
+                          <a:effectLst/>
+                          <a:latin typeface="Arial" charset="0"/>
+                        </a:rPr>
+                        <a:t>dass</a:t>
+                      </a:r>
+                      <a:r>
+                        <a:rPr kumimoji="0" lang="en-US" sz="1000" b="0" i="0" u="none" strike="noStrike" cap="none" normalizeH="0" baseline="0" dirty="0" smtClean="0">
+                          <a:ln>
+                            <a:noFill/>
+                          </a:ln>
+                          <a:solidFill>
+                            <a:schemeClr val="tx1"/>
+                          </a:solidFill>
+                          <a:effectLst/>
+                          <a:latin typeface="Arial" charset="0"/>
+                        </a:rPr>
+                        <a:t> </a:t>
+                      </a:r>
+                      <a:r>
+                        <a:rPr kumimoji="0" lang="en-US" sz="1000" b="0" i="0" u="none" strike="noStrike" cap="none" normalizeH="0" baseline="0" dirty="0" err="1" smtClean="0">
+                          <a:ln>
+                            <a:noFill/>
+                          </a:ln>
+                          <a:solidFill>
+                            <a:schemeClr val="tx1"/>
+                          </a:solidFill>
+                          <a:effectLst/>
+                          <a:latin typeface="Arial" charset="0"/>
+                        </a:rPr>
+                        <a:t>neue</a:t>
+                      </a:r>
+                      <a:r>
+                        <a:rPr kumimoji="0" lang="en-US" sz="1000" b="0" i="0" u="none" strike="noStrike" cap="none" normalizeH="0" baseline="0" dirty="0" smtClean="0">
+                          <a:ln>
+                            <a:noFill/>
+                          </a:ln>
+                          <a:solidFill>
+                            <a:schemeClr val="tx1"/>
+                          </a:solidFill>
+                          <a:effectLst/>
+                          <a:latin typeface="Arial" charset="0"/>
+                        </a:rPr>
+                        <a:t> </a:t>
+                      </a:r>
+                      <a:r>
+                        <a:rPr kumimoji="0" lang="en-US" sz="1000" b="0" i="0" u="none" strike="noStrike" cap="none" normalizeH="0" baseline="0" dirty="0" err="1" smtClean="0">
+                          <a:ln>
+                            <a:noFill/>
+                          </a:ln>
+                          <a:solidFill>
+                            <a:schemeClr val="tx1"/>
+                          </a:solidFill>
+                          <a:effectLst/>
+                          <a:latin typeface="Arial" charset="0"/>
+                        </a:rPr>
+                        <a:t>Struktur</a:t>
+                      </a:r>
+                      <a:r>
+                        <a:rPr kumimoji="0" lang="en-US" sz="1000" b="0" i="0" u="none" strike="noStrike" cap="none" normalizeH="0" baseline="0" dirty="0" smtClean="0">
+                          <a:ln>
+                            <a:noFill/>
+                          </a:ln>
+                          <a:solidFill>
+                            <a:schemeClr val="tx1"/>
+                          </a:solidFill>
+                          <a:effectLst/>
+                          <a:latin typeface="Arial" charset="0"/>
+                        </a:rPr>
+                        <a:t> </a:t>
+                      </a:r>
+                      <a:r>
+                        <a:rPr kumimoji="0" lang="en-US" sz="1000" b="0" i="0" u="none" strike="noStrike" cap="none" normalizeH="0" baseline="0" dirty="0" err="1" smtClean="0">
+                          <a:ln>
+                            <a:noFill/>
+                          </a:ln>
+                          <a:solidFill>
+                            <a:schemeClr val="tx1"/>
+                          </a:solidFill>
+                          <a:effectLst/>
+                          <a:latin typeface="Arial" charset="0"/>
+                        </a:rPr>
+                        <a:t>auch</a:t>
+                      </a:r>
+                      <a:r>
+                        <a:rPr kumimoji="0" lang="en-US" sz="1000" b="0" i="0" u="none" strike="noStrike" cap="none" normalizeH="0" baseline="0" dirty="0" smtClean="0">
+                          <a:ln>
+                            <a:noFill/>
+                          </a:ln>
+                          <a:solidFill>
+                            <a:schemeClr val="tx1"/>
+                          </a:solidFill>
+                          <a:effectLst/>
+                          <a:latin typeface="Arial" charset="0"/>
+                        </a:rPr>
+                        <a:t> </a:t>
+                      </a:r>
+                      <a:r>
+                        <a:rPr kumimoji="0" lang="en-US" sz="1000" b="0" i="0" u="none" strike="noStrike" cap="none" normalizeH="0" baseline="0" dirty="0" err="1" smtClean="0">
+                          <a:ln>
+                            <a:noFill/>
+                          </a:ln>
+                          <a:solidFill>
+                            <a:schemeClr val="tx1"/>
+                          </a:solidFill>
+                          <a:effectLst/>
+                          <a:latin typeface="Arial" charset="0"/>
+                        </a:rPr>
+                        <a:t>für</a:t>
+                      </a:r>
+                      <a:r>
+                        <a:rPr kumimoji="0" lang="en-US" sz="1000" b="0" i="0" u="none" strike="noStrike" cap="none" normalizeH="0" baseline="0" dirty="0" smtClean="0">
+                          <a:ln>
+                            <a:noFill/>
+                          </a:ln>
+                          <a:solidFill>
+                            <a:schemeClr val="tx1"/>
+                          </a:solidFill>
+                          <a:effectLst/>
+                          <a:latin typeface="Arial" charset="0"/>
+                        </a:rPr>
+                        <a:t> </a:t>
+                      </a:r>
+                      <a:r>
+                        <a:rPr kumimoji="0" lang="en-US" sz="1000" b="0" i="0" u="none" strike="noStrike" cap="none" normalizeH="0" baseline="0" dirty="0" err="1" smtClean="0">
+                          <a:ln>
+                            <a:noFill/>
+                          </a:ln>
+                          <a:solidFill>
+                            <a:schemeClr val="tx1"/>
+                          </a:solidFill>
+                          <a:effectLst/>
+                          <a:latin typeface="Arial" charset="0"/>
+                        </a:rPr>
+                        <a:t>sie</a:t>
+                      </a:r>
+                      <a:r>
+                        <a:rPr kumimoji="0" lang="en-US" sz="1000" b="0" i="0" u="none" strike="noStrike" cap="none" normalizeH="0" baseline="0" dirty="0" smtClean="0">
+                          <a:ln>
+                            <a:noFill/>
+                          </a:ln>
+                          <a:solidFill>
+                            <a:schemeClr val="tx1"/>
+                          </a:solidFill>
+                          <a:effectLst/>
+                          <a:latin typeface="Arial" charset="0"/>
+                        </a:rPr>
+                        <a:t> </a:t>
+                      </a:r>
+                      <a:r>
+                        <a:rPr kumimoji="0" lang="en-US" sz="1000" b="0" i="0" u="none" strike="noStrike" cap="none" normalizeH="0" baseline="0" dirty="0" err="1" smtClean="0">
+                          <a:ln>
+                            <a:noFill/>
+                          </a:ln>
+                          <a:solidFill>
+                            <a:schemeClr val="tx1"/>
+                          </a:solidFill>
+                          <a:effectLst/>
+                          <a:latin typeface="Arial" charset="0"/>
+                        </a:rPr>
+                        <a:t>endlich</a:t>
+                      </a:r>
+                      <a:r>
+                        <a:rPr kumimoji="0" lang="en-US" sz="1000" b="0" i="0" u="none" strike="noStrike" cap="none" normalizeH="0" baseline="0" dirty="0" smtClean="0">
+                          <a:ln>
+                            <a:noFill/>
+                          </a:ln>
+                          <a:solidFill>
+                            <a:schemeClr val="tx1"/>
+                          </a:solidFill>
+                          <a:effectLst/>
+                          <a:latin typeface="Arial" charset="0"/>
+                        </a:rPr>
+                        <a:t> </a:t>
+                      </a:r>
+                      <a:r>
+                        <a:rPr kumimoji="0" lang="en-US" sz="1000" b="0" i="0" u="none" strike="noStrike" cap="none" normalizeH="0" baseline="0" dirty="0" err="1" smtClean="0">
+                          <a:ln>
+                            <a:noFill/>
+                          </a:ln>
+                          <a:solidFill>
+                            <a:schemeClr val="tx1"/>
+                          </a:solidFill>
+                          <a:effectLst/>
+                          <a:latin typeface="Arial" charset="0"/>
+                        </a:rPr>
+                        <a:t>verständlich</a:t>
+                      </a:r>
+                      <a:r>
+                        <a:rPr kumimoji="0" lang="en-US" sz="1000" b="0" i="0" u="none" strike="noStrike" cap="none" normalizeH="0" baseline="0" dirty="0" smtClean="0">
+                          <a:ln>
+                            <a:noFill/>
+                          </a:ln>
+                          <a:solidFill>
+                            <a:schemeClr val="tx1"/>
+                          </a:solidFill>
+                          <a:effectLst/>
+                          <a:latin typeface="Arial" charset="0"/>
+                        </a:rPr>
+                        <a:t> </a:t>
+                      </a:r>
+                      <a:r>
+                        <a:rPr kumimoji="0" lang="en-US" sz="1000" b="0" i="0" u="none" strike="noStrike" cap="none" normalizeH="0" baseline="0" dirty="0" err="1" smtClean="0">
+                          <a:ln>
+                            <a:noFill/>
+                          </a:ln>
+                          <a:solidFill>
+                            <a:schemeClr val="tx1"/>
+                          </a:solidFill>
+                          <a:effectLst/>
+                          <a:latin typeface="Arial" charset="0"/>
+                        </a:rPr>
+                        <a:t>ist</a:t>
+                      </a:r>
+                      <a:endParaRPr kumimoji="0" lang="en-US" sz="1000" b="0" i="0" u="none" strike="noStrike" cap="none" normalizeH="0" baseline="0" dirty="0" smtClean="0">
+                        <a:ln>
+                          <a:noFill/>
+                        </a:ln>
+                        <a:solidFill>
+                          <a:schemeClr val="tx1"/>
+                        </a:solidFill>
+                        <a:effectLst/>
+                        <a:latin typeface="Arial" charset="0"/>
+                      </a:endParaRPr>
+                    </a:p>
+                    <a:p>
+                      <a:pPr marL="0" marR="0" lvl="0" indent="0" algn="l" defTabSz="914400" rtl="0" eaLnBrk="1" fontAlgn="base" latinLnBrk="0" hangingPunct="1">
+                        <a:lnSpc>
+                          <a:spcPct val="100000"/>
+                        </a:lnSpc>
+                        <a:spcBef>
+                          <a:spcPct val="20000"/>
+                        </a:spcBef>
+                        <a:spcAft>
+                          <a:spcPct val="0"/>
+                        </a:spcAft>
+                        <a:buClr>
+                          <a:schemeClr val="accent2"/>
+                        </a:buClr>
+                        <a:buSzPct val="100000"/>
+                        <a:buFont typeface="Wingdings" pitchFamily="2" charset="2"/>
+                        <a:buChar char="§"/>
+                        <a:tabLst/>
+                      </a:pPr>
+                      <a:r>
+                        <a:rPr kumimoji="0" lang="en-US" sz="1000" b="0" i="0" u="none" strike="noStrike" cap="none" normalizeH="0" baseline="0" dirty="0" err="1" smtClean="0">
+                          <a:ln>
+                            <a:noFill/>
+                          </a:ln>
+                          <a:solidFill>
+                            <a:schemeClr val="tx1"/>
+                          </a:solidFill>
+                          <a:effectLst/>
+                          <a:latin typeface="Arial" charset="0"/>
+                        </a:rPr>
+                        <a:t>Möchte</a:t>
+                      </a:r>
+                      <a:r>
+                        <a:rPr kumimoji="0" lang="en-US" sz="1000" b="0" i="0" u="none" strike="noStrike" cap="none" normalizeH="0" baseline="0" dirty="0" smtClean="0">
+                          <a:ln>
+                            <a:noFill/>
+                          </a:ln>
+                          <a:solidFill>
+                            <a:schemeClr val="tx1"/>
+                          </a:solidFill>
+                          <a:effectLst/>
+                          <a:latin typeface="Arial" charset="0"/>
+                        </a:rPr>
+                        <a:t> </a:t>
+                      </a:r>
+                      <a:r>
+                        <a:rPr kumimoji="0" lang="en-US" sz="1000" b="0" i="0" u="none" strike="noStrike" cap="none" normalizeH="0" baseline="0" dirty="0" err="1" smtClean="0">
+                          <a:ln>
+                            <a:noFill/>
+                          </a:ln>
+                          <a:solidFill>
+                            <a:schemeClr val="tx1"/>
+                          </a:solidFill>
+                          <a:effectLst/>
+                          <a:latin typeface="Arial" charset="0"/>
+                        </a:rPr>
+                        <a:t>Probleme</a:t>
+                      </a:r>
+                      <a:r>
+                        <a:rPr kumimoji="0" lang="en-US" sz="1000" b="0" i="0" u="none" strike="noStrike" cap="none" normalizeH="0" baseline="0" dirty="0" smtClean="0">
+                          <a:ln>
+                            <a:noFill/>
+                          </a:ln>
+                          <a:solidFill>
+                            <a:schemeClr val="tx1"/>
+                          </a:solidFill>
+                          <a:effectLst/>
+                          <a:latin typeface="Arial" charset="0"/>
+                        </a:rPr>
+                        <a:t> </a:t>
+                      </a:r>
+                      <a:r>
+                        <a:rPr kumimoji="0" lang="en-US" sz="1000" b="0" i="0" u="none" strike="noStrike" cap="none" normalizeH="0" baseline="0" dirty="0" err="1" smtClean="0">
+                          <a:ln>
+                            <a:noFill/>
+                          </a:ln>
+                          <a:solidFill>
+                            <a:schemeClr val="tx1"/>
+                          </a:solidFill>
+                          <a:effectLst/>
+                          <a:latin typeface="Arial" charset="0"/>
+                        </a:rPr>
+                        <a:t>auch</a:t>
+                      </a:r>
+                      <a:r>
+                        <a:rPr kumimoji="0" lang="en-US" sz="1000" b="0" i="0" u="none" strike="noStrike" cap="none" normalizeH="0" baseline="0" dirty="0" smtClean="0">
+                          <a:ln>
+                            <a:noFill/>
+                          </a:ln>
+                          <a:solidFill>
+                            <a:schemeClr val="tx1"/>
+                          </a:solidFill>
+                          <a:effectLst/>
+                          <a:latin typeface="Arial" charset="0"/>
+                        </a:rPr>
+                        <a:t> </a:t>
+                      </a:r>
+                      <a:r>
+                        <a:rPr kumimoji="0" lang="en-US" sz="1000" b="0" i="0" u="none" strike="noStrike" cap="none" normalizeH="0" baseline="0" dirty="0" err="1" smtClean="0">
+                          <a:ln>
+                            <a:noFill/>
+                          </a:ln>
+                          <a:solidFill>
+                            <a:schemeClr val="tx1"/>
+                          </a:solidFill>
+                          <a:effectLst/>
+                          <a:latin typeface="Arial" charset="0"/>
+                        </a:rPr>
+                        <a:t>ohne</a:t>
+                      </a:r>
+                      <a:r>
+                        <a:rPr kumimoji="0" lang="en-US" sz="1000" b="0" i="0" u="none" strike="noStrike" cap="none" normalizeH="0" baseline="0" dirty="0" smtClean="0">
+                          <a:ln>
+                            <a:noFill/>
+                          </a:ln>
+                          <a:solidFill>
+                            <a:schemeClr val="tx1"/>
+                          </a:solidFill>
+                          <a:effectLst/>
+                          <a:latin typeface="Arial" charset="0"/>
+                        </a:rPr>
+                        <a:t> Support </a:t>
+                      </a:r>
+                      <a:r>
+                        <a:rPr kumimoji="0" lang="en-US" sz="1000" b="0" i="0" u="none" strike="noStrike" cap="none" normalizeH="0" baseline="0" dirty="0" err="1" smtClean="0">
+                          <a:ln>
+                            <a:noFill/>
+                          </a:ln>
+                          <a:solidFill>
+                            <a:schemeClr val="tx1"/>
+                          </a:solidFill>
+                          <a:effectLst/>
+                          <a:latin typeface="Arial" charset="0"/>
+                        </a:rPr>
+                        <a:t>lösen</a:t>
+                      </a:r>
+                      <a:r>
+                        <a:rPr kumimoji="0" lang="en-US" sz="1000" b="0" i="0" u="none" strike="noStrike" cap="none" normalizeH="0" baseline="0" dirty="0" smtClean="0">
+                          <a:ln>
+                            <a:noFill/>
+                          </a:ln>
+                          <a:solidFill>
+                            <a:schemeClr val="tx1"/>
+                          </a:solidFill>
+                          <a:effectLst/>
+                          <a:latin typeface="Arial" charset="0"/>
+                        </a:rPr>
+                        <a:t> </a:t>
+                      </a:r>
+                      <a:r>
+                        <a:rPr kumimoji="0" lang="en-US" sz="1000" b="0" i="0" u="none" strike="noStrike" cap="none" normalizeH="0" baseline="0" dirty="0" err="1" smtClean="0">
+                          <a:ln>
+                            <a:noFill/>
+                          </a:ln>
+                          <a:solidFill>
+                            <a:schemeClr val="tx1"/>
+                          </a:solidFill>
+                          <a:effectLst/>
+                          <a:latin typeface="Arial" charset="0"/>
+                        </a:rPr>
+                        <a:t>können</a:t>
+                      </a:r>
+                      <a:r>
+                        <a:rPr kumimoji="0" lang="en-US" sz="1000" b="0" i="0" u="none" strike="noStrike" cap="none" normalizeH="0" baseline="0" dirty="0" smtClean="0">
+                          <a:ln>
+                            <a:noFill/>
+                          </a:ln>
+                          <a:solidFill>
+                            <a:schemeClr val="tx1"/>
+                          </a:solidFill>
+                          <a:effectLst/>
+                          <a:latin typeface="Arial" charset="0"/>
+                        </a:rPr>
+                        <a:t> </a:t>
+                      </a:r>
+                      <a:endParaRPr kumimoji="0" lang="en-US" sz="1000" b="0" i="0" u="none" strike="noStrike" cap="none" normalizeH="0" baseline="0" dirty="0" smtClean="0">
+                        <a:ln>
+                          <a:noFill/>
+                        </a:ln>
+                        <a:solidFill>
+                          <a:schemeClr val="tx1"/>
+                        </a:solidFill>
+                        <a:effectLst/>
+                        <a:latin typeface="Arial" charset="0"/>
+                      </a:endParaRPr>
                     </a:p>
                   </a:txBody>
                   <a:tcPr marL="90488" marR="90488" marT="44450" marB="44450" horzOverflow="overflow">
@@ -9763,50 +13781,47 @@
           </a:graphicData>
         </a:graphic>
       </p:graphicFrame>
-      <p:sp>
-        <p:nvSpPr>
-          <p:cNvPr id="5" name="Rectangle 4"/>
-          <p:cNvSpPr/>
+      <p:pic>
+        <p:nvPicPr>
+          <p:cNvPr id="5124" name="Picture 4" descr="http://www.korbmacher.com/typo3temp/pics/c9f8b78c35.jpg"/>
+          <p:cNvPicPr>
+            <a:picLocks noChangeAspect="1" noChangeArrowheads="1"/>
+          </p:cNvPicPr>
           <p:nvPr/>
-        </p:nvSpPr>
-        <p:spPr>
+        </p:nvPicPr>
+        <p:blipFill>
+          <a:blip r:embed="rId2">
+            <a:extLst>
+              <a:ext uri="{28A0092B-C50C-407E-A947-70E740481C1C}">
+                <a14:useLocalDpi xmlns:a14="http://schemas.microsoft.com/office/drawing/2010/main" val="0"/>
+              </a:ext>
+            </a:extLst>
+          </a:blip>
+          <a:srcRect/>
+          <a:stretch>
+            <a:fillRect/>
+          </a:stretch>
+        </p:blipFill>
+        <p:spPr bwMode="auto">
           <a:xfrm>
-            <a:off x="683568" y="1844824"/>
-            <a:ext cx="1512168" cy="1440160"/>
+            <a:off x="612648" y="1772816"/>
+            <a:ext cx="1151040" cy="1294921"/>
           </a:xfrm>
           <a:prstGeom prst="rect">
             <a:avLst/>
           </a:prstGeom>
+          <a:noFill/>
+          <a:extLst>
+            <a:ext uri="{909E8E84-426E-40DD-AFC4-6F175D3DCCD1}">
+              <a14:hiddenFill xmlns:a14="http://schemas.microsoft.com/office/drawing/2010/main">
+                <a:solidFill>
+                  <a:srgbClr val="FFFFFF"/>
+                </a:solidFill>
+              </a14:hiddenFill>
+            </a:ext>
+          </a:extLst>
         </p:spPr>
-        <p:style>
-          <a:lnRef idx="2">
-            <a:schemeClr val="accent1">
-              <a:shade val="50000"/>
-            </a:schemeClr>
-          </a:lnRef>
-          <a:fillRef idx="1">
-            <a:schemeClr val="accent1"/>
-          </a:fillRef>
-          <a:effectRef idx="0">
-            <a:schemeClr val="accent1"/>
-          </a:effectRef>
-          <a:fontRef idx="minor">
-            <a:schemeClr val="lt1"/>
-          </a:fontRef>
-        </p:style>
-        <p:txBody>
-          <a:bodyPr rtlCol="0" anchor="ctr"/>
-          <a:lstStyle/>
-          <a:p>
-            <a:pPr algn="ctr"/>
-            <a:r>
-              <a:rPr lang="de-DE" smtClean="0"/>
-              <a:t>Bild</a:t>
-            </a:r>
-            <a:endParaRPr lang="de-DE"/>
-          </a:p>
-        </p:txBody>
-      </p:sp>
+      </p:pic>
     </p:spTree>
     <p:extLst>
       <p:ext uri="{BB962C8B-B14F-4D97-AF65-F5344CB8AC3E}">
@@ -9883,29 +13898,92 @@
           <a:lstStyle/>
           <a:p>
             <a:r>
-              <a:rPr lang="en-US" sz="1800" smtClean="0"/>
-              <a:t> Christina </a:t>
-            </a:r>
-            <a:r>
-              <a:rPr lang="de-DE" sz="1800" smtClean="0"/>
-              <a:t>ist 25 Jahre alt und schreibt gerade ihre Doktorarbeit in Physik. Hierfür benötigt sie einige kostenpflichtige Programme, welche sie jedoch über das Rechenzentrum umsonst bekommt.</a:t>
-            </a:r>
-          </a:p>
-          <a:p>
-            <a:r>
-              <a:rPr lang="de-DE" sz="1800" smtClean="0"/>
-              <a:t>Das ändern des Passworts macht Christina immer so spät wie möglich, damit Sie ihr aktuelles Passwort so lange wie möglich behalten kann, weshalb Sie ihr Passwort immer direkt über die RZ Seite ändert und nicht über den direktlink in der E-Mail</a:t>
-            </a:r>
-          </a:p>
-          <a:p>
-            <a:r>
-              <a:rPr lang="de-DE" sz="1800" smtClean="0"/>
-              <a:t>Da Christina ihre Ergebnisse lieber auf Papier ausgedruckt auswertet, muss sie regelmäßig ihr Guthaben aufladen</a:t>
-            </a:r>
-            <a:endParaRPr lang="en-US" sz="1400"/>
+              <a:rPr lang="en-US" sz="1800" dirty="0" smtClean="0"/>
+              <a:t> </a:t>
+            </a:r>
+            <a:r>
+              <a:rPr lang="en-US" sz="1800" dirty="0" smtClean="0"/>
+              <a:t>Sofia </a:t>
+            </a:r>
+            <a:r>
+              <a:rPr lang="en-US" sz="1800" dirty="0" err="1" smtClean="0"/>
+              <a:t>ist</a:t>
+            </a:r>
+            <a:r>
+              <a:rPr lang="en-US" sz="1800" dirty="0" smtClean="0"/>
+              <a:t> 35 </a:t>
+            </a:r>
+            <a:r>
+              <a:rPr lang="de-DE" sz="1800" dirty="0" smtClean="0"/>
+              <a:t>Jahre alt und arbeitet seit sie mit ihrer Ausbildung fertig ist als Sekretärin der Kunstgeschichte. Die Rechenzentrum Seite benutzt sie regelmäßig um nach Mitarbeitern oder Telefonnummern zu suchen.</a:t>
+            </a:r>
+          </a:p>
+          <a:p>
+            <a:r>
+              <a:rPr lang="de-DE" sz="1800" dirty="0"/>
+              <a:t> </a:t>
+            </a:r>
+            <a:r>
+              <a:rPr lang="de-DE" sz="1800" dirty="0" smtClean="0"/>
+              <a:t>Seit dem ersten benutzen der Rechenzentrumsseite, hat sie die Struktur sehr verwirrt und bei Problemen meist gleich den Support eingeschaltet. Seit dem neuen Layout hat sie mehrmals versucht selbst Lösungen für ihre Probleme zu finden, landete jedoch meist doch beim Support, welcher ihr jedoch immer weiterhelfen konnte.</a:t>
+            </a:r>
+          </a:p>
+          <a:p>
+            <a:r>
+              <a:rPr lang="de-DE" sz="1800" dirty="0" smtClean="0"/>
+              <a:t>Die Grundfunktionen welche Sofia häufig braucht hat sie mit Bookmarks versehen, dass sie diese sofort parat hat und nicht suchen muss.</a:t>
+            </a:r>
+          </a:p>
+          <a:p>
+            <a:r>
+              <a:rPr lang="de-DE" sz="1800" dirty="0" smtClean="0"/>
+              <a:t>Ihr Passwort ändert sie immer sofort wenn die E-Mail ankommt, damit sie nicht zum Rechenzentrum muss und ihr Passwort zurücksetzen muss. Vom SMS Service besitzt Sie keine Kenntnis.</a:t>
+            </a:r>
+            <a:endParaRPr lang="en-US" sz="1400" dirty="0"/>
           </a:p>
         </p:txBody>
       </p:sp>
+      <p:pic>
+        <p:nvPicPr>
+          <p:cNvPr id="5" name="Picture 4" descr="http://www.korbmacher.com/typo3temp/pics/c9f8b78c35.jpg"/>
+          <p:cNvPicPr>
+            <a:picLocks noChangeAspect="1" noChangeArrowheads="1"/>
+          </p:cNvPicPr>
+          <p:nvPr/>
+        </p:nvPicPr>
+        <p:blipFill>
+          <a:blip r:embed="rId2">
+            <a:extLst>
+              <a:ext uri="{28A0092B-C50C-407E-A947-70E740481C1C}">
+                <a14:useLocalDpi xmlns:a14="http://schemas.microsoft.com/office/drawing/2010/main" val="0"/>
+              </a:ext>
+            </a:extLst>
+          </a:blip>
+          <a:srcRect/>
+          <a:stretch>
+            <a:fillRect/>
+          </a:stretch>
+        </p:blipFill>
+        <p:spPr bwMode="auto">
+          <a:xfrm>
+            <a:off x="7956376" y="228601"/>
+            <a:ext cx="809672" cy="910882"/>
+          </a:xfrm>
+          <a:prstGeom prst="rect">
+            <a:avLst/>
+          </a:prstGeom>
+          <a:noFill/>
+          <a:extLst>
+            <a:ext uri="{909E8E84-426E-40DD-AFC4-6F175D3DCCD1}">
+              <a14:hiddenFill xmlns:a14="http://schemas.microsoft.com/office/drawing/2010/main">
+                <a:solidFill>
+                  <a:srgbClr val="FFFFFF"/>
+                </a:solidFill>
+              </a14:hiddenFill>
+            </a:ext>
+          </a:extLst>
+        </p:spPr>
+      </p:pic>
     </p:spTree>
     <p:extLst>
       <p:ext uri="{BB962C8B-B14F-4D97-AF65-F5344CB8AC3E}">
@@ -9977,144 +14055,112 @@
           <a:lstStyle/>
           <a:p>
             <a:r>
-              <a:rPr lang="de-DE" sz="1800"/>
+              <a:rPr lang="de-DE" sz="1800" dirty="0"/>
               <a:t>Szenario 1:</a:t>
             </a:r>
           </a:p>
           <a:p>
             <a:pPr lvl="1"/>
             <a:r>
-              <a:rPr lang="de-DE" sz="1500" smtClean="0"/>
-              <a:t>Christina </a:t>
-            </a:r>
-            <a:r>
-              <a:rPr lang="de-DE" sz="1500"/>
+              <a:rPr lang="de-DE" sz="1500" dirty="0" smtClean="0"/>
+              <a:t>Sofia </a:t>
+            </a:r>
+            <a:r>
+              <a:rPr lang="de-DE" sz="1500" dirty="0"/>
               <a:t>soll zunächst </a:t>
             </a:r>
             <a:r>
-              <a:rPr lang="de-DE" sz="1500" smtClean="0"/>
+              <a:rPr lang="de-DE" sz="1500" dirty="0" smtClean="0"/>
               <a:t>ihr </a:t>
             </a:r>
             <a:r>
-              <a:rPr lang="de-DE" sz="1500"/>
+              <a:rPr lang="de-DE" sz="1500" dirty="0"/>
               <a:t>Passwort </a:t>
             </a:r>
             <a:r>
-              <a:rPr lang="de-DE" sz="1500" smtClean="0"/>
-              <a:t>ändern und Druckerguthaben aufladen</a:t>
-            </a:r>
-            <a:endParaRPr lang="de-DE" sz="1800"/>
-          </a:p>
-          <a:p>
-            <a:r>
-              <a:rPr lang="de-DE" sz="1800"/>
+              <a:rPr lang="de-DE" sz="1500" dirty="0" smtClean="0"/>
+              <a:t>ändern und </a:t>
+            </a:r>
+            <a:r>
+              <a:rPr lang="de-DE" sz="1500" dirty="0" smtClean="0"/>
+              <a:t>den SMS Service einrichten.</a:t>
+            </a:r>
+            <a:endParaRPr lang="de-DE" sz="1800" dirty="0"/>
+          </a:p>
+          <a:p>
+            <a:r>
+              <a:rPr lang="de-DE" sz="1800" dirty="0"/>
               <a:t>Szenario 2</a:t>
             </a:r>
             <a:r>
-              <a:rPr lang="de-DE" sz="1800" smtClean="0"/>
+              <a:rPr lang="de-DE" sz="1800" dirty="0" smtClean="0"/>
               <a:t>:</a:t>
             </a:r>
           </a:p>
           <a:p>
             <a:pPr lvl="1"/>
             <a:r>
-              <a:rPr lang="de-DE" sz="1500" smtClean="0"/>
-              <a:t>Christina bekommt demnächst einen neuen Laptop, da </a:t>
-            </a:r>
-            <a:r>
-              <a:rPr lang="de-DE" sz="1500" err="1" smtClean="0"/>
-              <a:t>iher</a:t>
-            </a:r>
-            <a:r>
-              <a:rPr lang="de-DE" sz="1500" smtClean="0"/>
-              <a:t> alter bereits 5 Jahre alt ist und nicht mehr zu gebrauchen ist um größere Auswertungen laufen zu lassen. Deshalb informiert Sie sich, wie sie diesen im Uni Netz anmeldet und wie man das W-</a:t>
-            </a:r>
-            <a:r>
-              <a:rPr lang="de-DE" sz="1500" err="1" smtClean="0"/>
-              <a:t>Lan</a:t>
-            </a:r>
-            <a:r>
-              <a:rPr lang="de-DE" sz="1500" smtClean="0"/>
-              <a:t> einrichtet </a:t>
-            </a:r>
-            <a:endParaRPr lang="de-DE" sz="1500"/>
-          </a:p>
-          <a:p>
-            <a:r>
-              <a:rPr lang="de-DE" sz="1800" smtClean="0"/>
+              <a:rPr lang="de-DE" sz="1500" dirty="0" smtClean="0"/>
+              <a:t>Sofia soll nun die Mitarbeitersuche benutzten um den Professor der Medieninformatik zu finden und dessen Telefonnummer heraussuchen.</a:t>
+            </a:r>
+            <a:endParaRPr lang="de-DE" sz="1500" dirty="0"/>
+          </a:p>
+          <a:p>
+            <a:r>
+              <a:rPr lang="de-DE" sz="1800" dirty="0" smtClean="0"/>
               <a:t>Szenario 3:</a:t>
             </a:r>
           </a:p>
           <a:p>
             <a:pPr lvl="1"/>
             <a:r>
-              <a:rPr lang="de-DE" sz="1500" smtClean="0"/>
-              <a:t>Um jedoch bereits mit der Arbeit anzufangen sucht Christina nach </a:t>
-            </a:r>
-            <a:r>
-              <a:rPr lang="de-DE" sz="1500" err="1" smtClean="0"/>
+              <a:rPr lang="de-DE" sz="1500" dirty="0" smtClean="0"/>
+              <a:t>Um eine dringende Frage zu beantworten, benötigt Sofia die Telefonnummer der </a:t>
+            </a:r>
+            <a:r>
+              <a:rPr lang="de-DE" sz="1500" dirty="0" err="1" smtClean="0"/>
               <a:t>Cip</a:t>
             </a:r>
             <a:r>
-              <a:rPr lang="de-DE" sz="1500" smtClean="0"/>
-              <a:t> Pools welche </a:t>
-            </a:r>
-            <a:r>
-              <a:rPr lang="de-DE" sz="1500" err="1" smtClean="0"/>
-              <a:t>MathLab</a:t>
-            </a:r>
-            <a:r>
-              <a:rPr lang="de-DE" sz="1500" smtClean="0"/>
-              <a:t> vorinstalliert und einen Drucker haben.</a:t>
-            </a:r>
-            <a:endParaRPr lang="de-DE" sz="1500"/>
-          </a:p>
-          <a:p>
-            <a:r>
-              <a:rPr lang="de-DE" sz="1800" smtClean="0"/>
+              <a:rPr lang="de-DE" sz="1500" dirty="0" smtClean="0"/>
+              <a:t>-Pools BIB 3 um den Professor des Lehrstuhl zu erreichen.</a:t>
+            </a:r>
+            <a:endParaRPr lang="de-DE" sz="1500" dirty="0" smtClean="0"/>
+          </a:p>
+          <a:p>
+            <a:r>
+              <a:rPr lang="de-DE" sz="1800" dirty="0" smtClean="0"/>
               <a:t>Szenario 4:</a:t>
             </a:r>
-            <a:endParaRPr lang="de-DE" sz="1800"/>
           </a:p>
           <a:p>
             <a:pPr lvl="1"/>
             <a:r>
-              <a:rPr lang="de-DE" sz="1500" smtClean="0"/>
-              <a:t>Da Christina sobald Sie ihren neuen Laptop hat dort mit der Auswertung weiter machen möchte, sucht Sie nach dem Programm (</a:t>
-            </a:r>
-            <a:r>
-              <a:rPr lang="de-DE" sz="1500" err="1" smtClean="0"/>
-              <a:t>MathLab</a:t>
-            </a:r>
-            <a:r>
-              <a:rPr lang="de-DE" sz="1500" smtClean="0"/>
-              <a:t>) auf der RZ-Seite und ob hierfür Installationshilfen angeboten werden.</a:t>
-            </a:r>
+              <a:rPr lang="de-DE" sz="1500" dirty="0" smtClean="0"/>
+              <a:t>Aufgrund der Informationen die Sofia vom Professor erhalten hat, muss sie nun eine Videokonferenz einrichten und informiert sich hierfür über das Rechenzentrum </a:t>
+            </a:r>
+            <a:endParaRPr lang="de-DE" sz="1500" dirty="0"/>
           </a:p>
           <a:p>
             <a:pPr lvl="1"/>
-            <a:endParaRPr lang="de-DE" sz="1500"/>
+            <a:endParaRPr lang="de-DE" sz="700" dirty="0"/>
           </a:p>
           <a:p>
             <a:pPr lvl="1"/>
-            <a:endParaRPr lang="de-DE" sz="700"/>
-          </a:p>
-          <a:p>
-            <a:pPr lvl="1"/>
-            <a:endParaRPr lang="de-DE" sz="1500"/>
+            <a:endParaRPr lang="de-DE" sz="1500" dirty="0"/>
           </a:p>
         </p:txBody>
       </p:sp>
       <p:pic>
         <p:nvPicPr>
-          <p:cNvPr id="6" name="Picture 2" descr="http://www.spdfraktion.de/sites/default/files/kampmann_christina_0.jpg"/>
+          <p:cNvPr id="7" name="Picture 4" descr="http://www.korbmacher.com/typo3temp/pics/c9f8b78c35.jpg"/>
           <p:cNvPicPr>
             <a:picLocks noChangeAspect="1" noChangeArrowheads="1"/>
           </p:cNvPicPr>
           <p:nvPr/>
         </p:nvPicPr>
         <p:blipFill>
-          <a:blip r:embed="rId2" cstate="print">
+          <a:blip r:embed="rId2">
             <a:extLst>
               <a:ext uri="{28A0092B-C50C-407E-A947-70E740481C1C}">
                 <a14:useLocalDpi xmlns:a14="http://schemas.microsoft.com/office/drawing/2010/main" val="0"/>
@@ -10128,8 +14174,8 @@
         </p:blipFill>
         <p:spPr bwMode="auto">
           <a:xfrm>
-            <a:off x="8036741" y="188640"/>
-            <a:ext cx="750987" cy="963798"/>
+            <a:off x="7956376" y="228601"/>
+            <a:ext cx="809672" cy="910882"/>
           </a:xfrm>
           <a:prstGeom prst="rect">
             <a:avLst/>
@@ -10656,20 +14702,7 @@
                           <a:effectLst/>
                           <a:latin typeface="Arial" charset="0"/>
                         </a:rPr>
-                        <a:t> im </a:t>
-                      </a:r>
-                      <a:r>
-                        <a:rPr kumimoji="0" lang="de-DE" sz="1000" b="0" i="0" u="none" strike="noStrike" cap="none" normalizeH="0" baseline="0" noProof="0" smtClean="0">
-                          <a:ln>
-                            <a:noFill/>
-                          </a:ln>
-                          <a:solidFill>
-                            <a:schemeClr val="tx1"/>
-                          </a:solidFill>
-                          <a:effectLst/>
-                          <a:latin typeface="Arial" charset="0"/>
-                        </a:rPr>
-                        <a:t>5.Semester</a:t>
+                        <a:t> im 5.Semester</a:t>
                       </a:r>
                     </a:p>
                     <a:p>
@@ -10739,16 +14772,6 @@
                         </a:rPr>
                         <a:t>ändert nur das Passwort wenn er dazu aufgefordert wird</a:t>
                       </a:r>
-                      <a:endParaRPr kumimoji="0" lang="de-DE" sz="1000" b="0" i="0" u="none" strike="noStrike" cap="none" normalizeH="0" baseline="0" noProof="0" smtClean="0">
-                        <a:ln>
-                          <a:noFill/>
-                        </a:ln>
-                        <a:solidFill>
-                          <a:schemeClr val="tx1"/>
-                        </a:solidFill>
-                        <a:effectLst/>
-                        <a:latin typeface="Arial" charset="0"/>
-                      </a:endParaRPr>
                     </a:p>
                     <a:p>
                       <a:pPr marL="0" marR="0" lvl="0" indent="0" algn="l" defTabSz="914400" rtl="0" eaLnBrk="1" fontAlgn="base" latinLnBrk="0" hangingPunct="1">
@@ -11125,31 +15148,8 @@
                           <a:effectLst/>
                           <a:latin typeface="Arial" charset="0"/>
                         </a:rPr>
-                        <a:t> </a:t>
-                      </a:r>
-                      <a:r>
-                        <a:rPr kumimoji="0" lang="de-DE" sz="1000" b="0" i="0" u="none" strike="noStrike" cap="none" normalizeH="0" baseline="0" noProof="0" smtClean="0">
-                          <a:ln>
-                            <a:noFill/>
-                          </a:ln>
-                          <a:solidFill>
-                            <a:schemeClr val="tx1"/>
-                          </a:solidFill>
-                          <a:effectLst/>
-                          <a:latin typeface="Arial" charset="0"/>
-                        </a:rPr>
-                        <a:t>Max möchte wissen, was alles zu finden ist</a:t>
-                      </a:r>
-                      <a:endParaRPr kumimoji="0" lang="de-DE" sz="1000" b="0" i="0" u="none" strike="noStrike" cap="none" normalizeH="0" baseline="0" noProof="0" smtClean="0">
-                        <a:ln>
-                          <a:noFill/>
-                        </a:ln>
-                        <a:solidFill>
-                          <a:schemeClr val="tx1"/>
-                        </a:solidFill>
-                        <a:effectLst/>
-                        <a:latin typeface="Arial" charset="0"/>
-                      </a:endParaRPr>
+                        <a:t> Max möchte wissen, was alles zu finden ist</a:t>
+                      </a:r>
                     </a:p>
                   </a:txBody>
                   <a:tcPr marL="90488" marR="90488" marT="44450" marB="44450" horzOverflow="overflow">
@@ -11289,11 +15289,7 @@
           <a:p>
             <a:r>
               <a:rPr lang="de-DE" sz="1800" smtClean="0"/>
-              <a:t>Max ist 22 und studiert Geschichte und Politikwissenschaft an der Uni Regensburg</a:t>
-            </a:r>
-            <a:r>
-              <a:rPr lang="de-DE" sz="1800" smtClean="0"/>
-              <a:t>.</a:t>
+              <a:t>Max ist 22 und studiert Geschichte und Politikwissenschaft an der Uni Regensburg.</a:t>
             </a:r>
           </a:p>
           <a:p>
@@ -11440,7 +15436,6 @@
               <a:rPr lang="de-DE" sz="1500" smtClean="0"/>
               <a:t>Max soll sich nun Informieren welche Grundfunktionen und Informationen das Rechenzentrum bietet und ob diese Informationen für ihn nützlich und verständlich dargestellt werden</a:t>
             </a:r>
-            <a:endParaRPr lang="de-DE" sz="1500" smtClean="0"/>
           </a:p>
           <a:p>
             <a:pPr lvl="1"/>
@@ -11671,16 +15666,6 @@
                         </a:rPr>
                         <a:t>25</a:t>
                       </a:r>
-                      <a:endParaRPr kumimoji="0" lang="en-US" sz="1000" b="0" i="0" u="none" strike="noStrike" cap="none" normalizeH="0" baseline="0" smtClean="0">
-                        <a:ln>
-                          <a:noFill/>
-                        </a:ln>
-                        <a:solidFill>
-                          <a:schemeClr val="tx1"/>
-                        </a:solidFill>
-                        <a:effectLst/>
-                        <a:latin typeface="Arial" charset="0"/>
-                      </a:endParaRPr>
                     </a:p>
                   </a:txBody>
                   <a:tcPr marL="90488" marR="90488" marT="44450" marB="44450" horzOverflow="overflow">
@@ -13091,16 +17076,6 @@
                         </a:rPr>
                         <a:t>Passende Namen für die verschiedenen Menüpunkte</a:t>
                       </a:r>
-                      <a:endParaRPr kumimoji="0" lang="de-DE" sz="1000" b="0" i="0" u="none" strike="noStrike" cap="none" normalizeH="0" baseline="0" noProof="0" smtClean="0">
-                        <a:ln>
-                          <a:noFill/>
-                        </a:ln>
-                        <a:solidFill>
-                          <a:schemeClr val="tx1"/>
-                        </a:solidFill>
-                        <a:effectLst/>
-                        <a:latin typeface="Arial" charset="0"/>
-                      </a:endParaRPr>
                     </a:p>
                   </a:txBody>
                   <a:tcPr marL="90488" marR="90488" marT="44450" marB="44450" horzOverflow="overflow">
@@ -14118,16 +18093,6 @@
                         </a:rPr>
                         <a:t>28</a:t>
                       </a:r>
-                      <a:endParaRPr kumimoji="0" lang="en-US" sz="1000" b="0" i="0" u="none" strike="noStrike" cap="none" normalizeH="0" baseline="0" smtClean="0">
-                        <a:ln>
-                          <a:noFill/>
-                        </a:ln>
-                        <a:solidFill>
-                          <a:schemeClr val="tx1"/>
-                        </a:solidFill>
-                        <a:effectLst/>
-                        <a:latin typeface="Arial" charset="0"/>
-                      </a:endParaRPr>
                     </a:p>
                   </a:txBody>
                   <a:tcPr marL="90488" marR="90488" marT="44450" marB="44450" horzOverflow="overflow">
@@ -14196,16 +18161,6 @@
                         </a:rPr>
                         <a:t>Bezeichnung</a:t>
                       </a:r>
-                      <a:endParaRPr kumimoji="0" lang="de-DE" sz="1000" b="1" i="0" u="none" strike="noStrike" cap="none" normalizeH="0" baseline="0" noProof="0" smtClean="0">
-                        <a:ln>
-                          <a:noFill/>
-                        </a:ln>
-                        <a:solidFill>
-                          <a:schemeClr val="tx1"/>
-                        </a:solidFill>
-                        <a:effectLst/>
-                        <a:latin typeface="Arial" charset="0"/>
-                      </a:endParaRPr>
                     </a:p>
                   </a:txBody>
                   <a:tcPr marL="90488" marR="90488" marT="44450" marB="44450" horzOverflow="overflow">
@@ -14388,16 +18343,6 @@
                         </a:rPr>
                         <a:t>Schlüsselaktivitäten</a:t>
                       </a:r>
-                      <a:endParaRPr kumimoji="0" lang="de-DE" sz="1000" b="1" i="0" u="none" strike="noStrike" cap="none" normalizeH="0" baseline="0" noProof="0" smtClean="0">
-                        <a:ln>
-                          <a:noFill/>
-                        </a:ln>
-                        <a:solidFill>
-                          <a:schemeClr val="tx1"/>
-                        </a:solidFill>
-                        <a:effectLst/>
-                        <a:latin typeface="Arial" charset="0"/>
-                      </a:endParaRPr>
                     </a:p>
                   </a:txBody>
                   <a:tcPr marL="90488" marR="90488" marT="44450" marB="44450" horzOverflow="overflow">
@@ -16138,16 +20083,6 @@
                         </a:rPr>
                         <a:t>.</a:t>
                       </a:r>
-                      <a:endParaRPr kumimoji="0" lang="en-US" sz="1000" b="0" i="0" u="none" strike="noStrike" cap="none" normalizeH="0" baseline="0" smtClean="0">
-                        <a:ln>
-                          <a:noFill/>
-                        </a:ln>
-                        <a:solidFill>
-                          <a:schemeClr val="tx1"/>
-                        </a:solidFill>
-                        <a:effectLst/>
-                        <a:latin typeface="Arial" charset="0"/>
-                      </a:endParaRPr>
                     </a:p>
                   </a:txBody>
                   <a:tcPr marL="90488" marR="90488" marT="44450" marB="44450" horzOverflow="overflow">

--- a/Personas und Szenarien/Personas_Redsign_RZ.pptx
+++ b/Personas und Szenarien/Personas_Redsign_RZ.pptx
@@ -4721,14 +4721,14 @@
           <p:nvPr>
             <p:extLst>
               <p:ext uri="{D42A27DB-BD31-4B8C-83A1-F6EECF244321}">
-                <p14:modId xmlns:p14="http://schemas.microsoft.com/office/powerpoint/2010/main" val="2838990688"/>
+                <p14:modId xmlns:p14="http://schemas.microsoft.com/office/powerpoint/2010/main" val="163185019"/>
               </p:ext>
             </p:extLst>
           </p:nvPr>
         </p:nvGraphicFramePr>
         <p:xfrm>
           <a:off x="3203848" y="1772816"/>
-          <a:ext cx="5472608" cy="3940399"/>
+          <a:ext cx="5472608" cy="4046222"/>
         </p:xfrm>
         <a:graphic>
           <a:graphicData uri="http://schemas.openxmlformats.org/drawingml/2006/table">
@@ -4841,16 +4841,6 @@
                         </a:rPr>
                         <a:t>48</a:t>
                       </a:r>
-                      <a:endParaRPr kumimoji="0" lang="en-US" sz="1000" b="0" i="0" u="none" strike="noStrike" cap="none" normalizeH="0" baseline="0" dirty="0" smtClean="0">
-                        <a:ln>
-                          <a:noFill/>
-                        </a:ln>
-                        <a:solidFill>
-                          <a:schemeClr val="tx1"/>
-                        </a:solidFill>
-                        <a:effectLst/>
-                        <a:latin typeface="Arial" charset="0"/>
-                      </a:endParaRPr>
                     </a:p>
                   </a:txBody>
                   <a:tcPr marL="90488" marR="90488" marT="44450" marB="44450" horzOverflow="overflow">
@@ -5027,16 +5017,6 @@
                         </a:rPr>
                         <a:t> </a:t>
                       </a:r>
-                      <a:endParaRPr kumimoji="0" lang="en-US" sz="1000" b="0" i="0" u="none" strike="noStrike" cap="none" normalizeH="0" baseline="0" dirty="0" smtClean="0">
-                        <a:ln>
-                          <a:noFill/>
-                        </a:ln>
-                        <a:solidFill>
-                          <a:schemeClr val="tx1"/>
-                        </a:solidFill>
-                        <a:effectLst/>
-                        <a:latin typeface="Arial" charset="0"/>
-                      </a:endParaRPr>
                     </a:p>
                   </a:txBody>
                   <a:tcPr marL="90488" marR="90488" marT="44450" marB="44450" horzOverflow="overflow">
@@ -5161,6 +5141,679 @@
                   <a:txBody>
                     <a:bodyPr/>
                     <a:lstStyle/>
+                    <a:p>
+                      <a:pPr marL="0" marR="0" lvl="0" indent="0" algn="l" defTabSz="914400" rtl="0" eaLnBrk="1" fontAlgn="base" latinLnBrk="0" hangingPunct="1">
+                        <a:lnSpc>
+                          <a:spcPct val="100000"/>
+                        </a:lnSpc>
+                        <a:spcBef>
+                          <a:spcPct val="20000"/>
+                        </a:spcBef>
+                        <a:spcAft>
+                          <a:spcPct val="0"/>
+                        </a:spcAft>
+                        <a:buClr>
+                          <a:schemeClr val="accent2"/>
+                        </a:buClr>
+                        <a:buSzPct val="100000"/>
+                        <a:buFont typeface="Wingdings" pitchFamily="2" charset="2"/>
+                        <a:buChar char="§"/>
+                        <a:tabLst/>
+                        <a:defRPr/>
+                      </a:pPr>
+                      <a:r>
+                        <a:rPr kumimoji="0" lang="en-US" sz="1000" b="0" i="0" u="none" strike="noStrike" cap="none" normalizeH="0" baseline="0" dirty="0" err="1" smtClean="0">
+                          <a:ln>
+                            <a:noFill/>
+                          </a:ln>
+                          <a:solidFill>
+                            <a:schemeClr val="tx1"/>
+                          </a:solidFill>
+                          <a:effectLst/>
+                          <a:latin typeface="Arial" charset="0"/>
+                        </a:rPr>
+                        <a:t>Ändert</a:t>
+                      </a:r>
+                      <a:r>
+                        <a:rPr kumimoji="0" lang="en-US" sz="1000" b="0" i="0" u="none" strike="noStrike" cap="none" normalizeH="0" baseline="0" dirty="0" smtClean="0">
+                          <a:ln>
+                            <a:noFill/>
+                          </a:ln>
+                          <a:solidFill>
+                            <a:schemeClr val="tx1"/>
+                          </a:solidFill>
+                          <a:effectLst/>
+                          <a:latin typeface="Arial" charset="0"/>
+                        </a:rPr>
+                        <a:t> sein </a:t>
+                      </a:r>
+                      <a:r>
+                        <a:rPr kumimoji="0" lang="en-US" sz="1000" b="0" i="0" u="none" strike="noStrike" cap="none" normalizeH="0" baseline="0" dirty="0" err="1" smtClean="0">
+                          <a:ln>
+                            <a:noFill/>
+                          </a:ln>
+                          <a:solidFill>
+                            <a:schemeClr val="tx1"/>
+                          </a:solidFill>
+                          <a:effectLst/>
+                          <a:latin typeface="Arial" charset="0"/>
+                        </a:rPr>
+                        <a:t>Passwort</a:t>
+                      </a:r>
+                      <a:r>
+                        <a:rPr kumimoji="0" lang="en-US" sz="1000" b="0" i="0" u="none" strike="noStrike" cap="none" normalizeH="0" baseline="0" dirty="0" smtClean="0">
+                          <a:ln>
+                            <a:noFill/>
+                          </a:ln>
+                          <a:solidFill>
+                            <a:schemeClr val="tx1"/>
+                          </a:solidFill>
+                          <a:effectLst/>
+                          <a:latin typeface="Arial" charset="0"/>
+                        </a:rPr>
+                        <a:t> </a:t>
+                      </a:r>
+                      <a:r>
+                        <a:rPr kumimoji="0" lang="en-US" sz="1000" b="0" i="0" u="none" strike="noStrike" cap="none" normalizeH="0" baseline="0" dirty="0" err="1" smtClean="0">
+                          <a:ln>
+                            <a:noFill/>
+                          </a:ln>
+                          <a:solidFill>
+                            <a:schemeClr val="tx1"/>
+                          </a:solidFill>
+                          <a:effectLst/>
+                          <a:latin typeface="Arial" charset="0"/>
+                        </a:rPr>
+                        <a:t>wenn</a:t>
+                      </a:r>
+                      <a:r>
+                        <a:rPr kumimoji="0" lang="en-US" sz="1000" b="0" i="0" u="none" strike="noStrike" cap="none" normalizeH="0" baseline="0" dirty="0" smtClean="0">
+                          <a:ln>
+                            <a:noFill/>
+                          </a:ln>
+                          <a:solidFill>
+                            <a:schemeClr val="tx1"/>
+                          </a:solidFill>
+                          <a:effectLst/>
+                          <a:latin typeface="Arial" charset="0"/>
+                        </a:rPr>
+                        <a:t> </a:t>
+                      </a:r>
+                      <a:r>
+                        <a:rPr kumimoji="0" lang="en-US" sz="1000" b="0" i="0" u="none" strike="noStrike" cap="none" normalizeH="0" baseline="0" dirty="0" err="1" smtClean="0">
+                          <a:ln>
+                            <a:noFill/>
+                          </a:ln>
+                          <a:solidFill>
+                            <a:schemeClr val="tx1"/>
+                          </a:solidFill>
+                          <a:effectLst/>
+                          <a:latin typeface="Arial" charset="0"/>
+                        </a:rPr>
+                        <a:t>er</a:t>
+                      </a:r>
+                      <a:r>
+                        <a:rPr kumimoji="0" lang="en-US" sz="1000" b="0" i="0" u="none" strike="noStrike" cap="none" normalizeH="0" baseline="0" dirty="0" smtClean="0">
+                          <a:ln>
+                            <a:noFill/>
+                          </a:ln>
+                          <a:solidFill>
+                            <a:schemeClr val="tx1"/>
+                          </a:solidFill>
+                          <a:effectLst/>
+                          <a:latin typeface="Arial" charset="0"/>
+                        </a:rPr>
+                        <a:t> </a:t>
+                      </a:r>
+                      <a:r>
+                        <a:rPr kumimoji="0" lang="en-US" sz="1000" b="0" i="0" u="none" strike="noStrike" cap="none" normalizeH="0" baseline="0" dirty="0" err="1" smtClean="0">
+                          <a:ln>
+                            <a:noFill/>
+                          </a:ln>
+                          <a:solidFill>
+                            <a:schemeClr val="tx1"/>
+                          </a:solidFill>
+                          <a:effectLst/>
+                          <a:latin typeface="Arial" charset="0"/>
+                        </a:rPr>
+                        <a:t>dazu</a:t>
+                      </a:r>
+                      <a:r>
+                        <a:rPr kumimoji="0" lang="en-US" sz="1000" b="0" i="0" u="none" strike="noStrike" cap="none" normalizeH="0" baseline="0" dirty="0" smtClean="0">
+                          <a:ln>
+                            <a:noFill/>
+                          </a:ln>
+                          <a:solidFill>
+                            <a:schemeClr val="tx1"/>
+                          </a:solidFill>
+                          <a:effectLst/>
+                          <a:latin typeface="Arial" charset="0"/>
+                        </a:rPr>
+                        <a:t> </a:t>
+                      </a:r>
+                      <a:r>
+                        <a:rPr kumimoji="0" lang="en-US" sz="1000" b="0" i="0" u="none" strike="noStrike" cap="none" normalizeH="0" baseline="0" dirty="0" err="1" smtClean="0">
+                          <a:ln>
+                            <a:noFill/>
+                          </a:ln>
+                          <a:solidFill>
+                            <a:schemeClr val="tx1"/>
+                          </a:solidFill>
+                          <a:effectLst/>
+                          <a:latin typeface="Arial" charset="0"/>
+                        </a:rPr>
+                        <a:t>aufgerufen</a:t>
+                      </a:r>
+                      <a:r>
+                        <a:rPr kumimoji="0" lang="en-US" sz="1000" b="0" i="0" u="none" strike="noStrike" cap="none" normalizeH="0" baseline="0" dirty="0" smtClean="0">
+                          <a:ln>
+                            <a:noFill/>
+                          </a:ln>
+                          <a:solidFill>
+                            <a:schemeClr val="tx1"/>
+                          </a:solidFill>
+                          <a:effectLst/>
+                          <a:latin typeface="Arial" charset="0"/>
+                        </a:rPr>
+                        <a:t> </a:t>
+                      </a:r>
+                      <a:r>
+                        <a:rPr kumimoji="0" lang="en-US" sz="1000" b="0" i="0" u="none" strike="noStrike" cap="none" normalizeH="0" baseline="0" dirty="0" err="1" smtClean="0">
+                          <a:ln>
+                            <a:noFill/>
+                          </a:ln>
+                          <a:solidFill>
+                            <a:schemeClr val="tx1"/>
+                          </a:solidFill>
+                          <a:effectLst/>
+                          <a:latin typeface="Arial" charset="0"/>
+                        </a:rPr>
+                        <a:t>wird</a:t>
+                      </a:r>
+                      <a:endParaRPr kumimoji="0" lang="en-US" sz="1000" b="0" i="0" u="none" strike="noStrike" cap="none" normalizeH="0" baseline="0" dirty="0" smtClean="0">
+                        <a:ln>
+                          <a:noFill/>
+                        </a:ln>
+                        <a:solidFill>
+                          <a:schemeClr val="tx1"/>
+                        </a:solidFill>
+                        <a:effectLst/>
+                        <a:latin typeface="Arial" charset="0"/>
+                      </a:endParaRPr>
+                    </a:p>
+                    <a:p>
+                      <a:pPr marL="0" marR="0" lvl="0" indent="0" algn="l" defTabSz="914400" rtl="0" eaLnBrk="1" fontAlgn="base" latinLnBrk="0" hangingPunct="1">
+                        <a:lnSpc>
+                          <a:spcPct val="100000"/>
+                        </a:lnSpc>
+                        <a:spcBef>
+                          <a:spcPct val="20000"/>
+                        </a:spcBef>
+                        <a:spcAft>
+                          <a:spcPct val="0"/>
+                        </a:spcAft>
+                        <a:buClr>
+                          <a:schemeClr val="accent2"/>
+                        </a:buClr>
+                        <a:buSzPct val="100000"/>
+                        <a:buFont typeface="Wingdings" pitchFamily="2" charset="2"/>
+                        <a:buChar char="§"/>
+                        <a:tabLst/>
+                        <a:defRPr/>
+                      </a:pPr>
+                      <a:r>
+                        <a:rPr kumimoji="0" lang="en-US" sz="1000" b="0" i="0" u="none" strike="noStrike" cap="none" normalizeH="0" baseline="0" dirty="0" err="1" smtClean="0">
+                          <a:ln>
+                            <a:noFill/>
+                          </a:ln>
+                          <a:solidFill>
+                            <a:schemeClr val="tx1"/>
+                          </a:solidFill>
+                          <a:effectLst/>
+                          <a:latin typeface="Arial" charset="0"/>
+                        </a:rPr>
+                        <a:t>Benutzt</a:t>
+                      </a:r>
+                      <a:r>
+                        <a:rPr kumimoji="0" lang="en-US" sz="1000" b="0" i="0" u="none" strike="noStrike" cap="none" normalizeH="0" baseline="0" dirty="0" smtClean="0">
+                          <a:ln>
+                            <a:noFill/>
+                          </a:ln>
+                          <a:solidFill>
+                            <a:schemeClr val="tx1"/>
+                          </a:solidFill>
+                          <a:effectLst/>
+                          <a:latin typeface="Arial" charset="0"/>
+                        </a:rPr>
+                        <a:t> die </a:t>
+                      </a:r>
+                      <a:r>
+                        <a:rPr kumimoji="0" lang="en-US" sz="1000" b="0" i="0" u="none" strike="noStrike" cap="none" normalizeH="0" baseline="0" dirty="0" err="1" smtClean="0">
+                          <a:ln>
+                            <a:noFill/>
+                          </a:ln>
+                          <a:solidFill>
+                            <a:schemeClr val="tx1"/>
+                          </a:solidFill>
+                          <a:effectLst/>
+                          <a:latin typeface="Arial" charset="0"/>
+                        </a:rPr>
+                        <a:t>Seite</a:t>
+                      </a:r>
+                      <a:r>
+                        <a:rPr kumimoji="0" lang="en-US" sz="1000" b="0" i="0" u="none" strike="noStrike" cap="none" normalizeH="0" baseline="0" dirty="0" smtClean="0">
+                          <a:ln>
+                            <a:noFill/>
+                          </a:ln>
+                          <a:solidFill>
+                            <a:schemeClr val="tx1"/>
+                          </a:solidFill>
+                          <a:effectLst/>
+                          <a:latin typeface="Arial" charset="0"/>
+                        </a:rPr>
+                        <a:t> </a:t>
+                      </a:r>
+                      <a:r>
+                        <a:rPr kumimoji="0" lang="en-US" sz="1000" b="0" i="0" u="none" strike="noStrike" cap="none" normalizeH="0" baseline="0" dirty="0" err="1" smtClean="0">
+                          <a:ln>
+                            <a:noFill/>
+                          </a:ln>
+                          <a:solidFill>
+                            <a:schemeClr val="tx1"/>
+                          </a:solidFill>
+                          <a:effectLst/>
+                          <a:latin typeface="Arial" charset="0"/>
+                        </a:rPr>
+                        <a:t>gelegentlich</a:t>
+                      </a:r>
+                      <a:endParaRPr kumimoji="0" lang="en-US" sz="1000" b="0" i="0" u="none" strike="noStrike" cap="none" normalizeH="0" baseline="0" dirty="0" smtClean="0">
+                        <a:ln>
+                          <a:noFill/>
+                        </a:ln>
+                        <a:solidFill>
+                          <a:schemeClr val="tx1"/>
+                        </a:solidFill>
+                        <a:effectLst/>
+                        <a:latin typeface="Arial" charset="0"/>
+                      </a:endParaRPr>
+                    </a:p>
+                    <a:p>
+                      <a:pPr marL="0" marR="0" lvl="0" indent="0" algn="l" defTabSz="914400" rtl="0" eaLnBrk="1" fontAlgn="base" latinLnBrk="0" hangingPunct="1">
+                        <a:lnSpc>
+                          <a:spcPct val="100000"/>
+                        </a:lnSpc>
+                        <a:spcBef>
+                          <a:spcPct val="20000"/>
+                        </a:spcBef>
+                        <a:spcAft>
+                          <a:spcPct val="0"/>
+                        </a:spcAft>
+                        <a:buClr>
+                          <a:schemeClr val="accent2"/>
+                        </a:buClr>
+                        <a:buSzPct val="100000"/>
+                        <a:buFont typeface="Wingdings" pitchFamily="2" charset="2"/>
+                        <a:buChar char="§"/>
+                        <a:tabLst/>
+                        <a:defRPr/>
+                      </a:pPr>
+                      <a:r>
+                        <a:rPr kumimoji="0" lang="en-US" sz="1000" b="0" i="0" u="none" strike="noStrike" cap="none" normalizeH="0" baseline="0" dirty="0" smtClean="0">
+                          <a:ln>
+                            <a:noFill/>
+                          </a:ln>
+                          <a:solidFill>
+                            <a:schemeClr val="tx1"/>
+                          </a:solidFill>
+                          <a:effectLst/>
+                          <a:latin typeface="Arial" charset="0"/>
+                        </a:rPr>
+                        <a:t> </a:t>
+                      </a:r>
+                      <a:r>
+                        <a:rPr kumimoji="0" lang="en-US" sz="1000" b="0" i="0" u="none" strike="noStrike" cap="none" normalizeH="0" baseline="0" dirty="0" err="1" smtClean="0">
+                          <a:ln>
+                            <a:noFill/>
+                          </a:ln>
+                          <a:solidFill>
+                            <a:schemeClr val="tx1"/>
+                          </a:solidFill>
+                          <a:effectLst/>
+                          <a:latin typeface="Arial" charset="0"/>
+                        </a:rPr>
+                        <a:t>Vier</a:t>
+                      </a:r>
+                      <a:r>
+                        <a:rPr kumimoji="0" lang="en-US" sz="1000" b="0" i="0" u="none" strike="noStrike" cap="none" normalizeH="0" baseline="0" dirty="0" smtClean="0">
+                          <a:ln>
+                            <a:noFill/>
+                          </a:ln>
+                          <a:solidFill>
+                            <a:schemeClr val="tx1"/>
+                          </a:solidFill>
+                          <a:effectLst/>
+                          <a:latin typeface="Arial" charset="0"/>
+                        </a:rPr>
+                        <a:t> Kinder, </a:t>
+                      </a:r>
+                      <a:r>
+                        <a:rPr kumimoji="0" lang="en-US" sz="1000" b="0" i="0" u="none" strike="noStrike" cap="none" normalizeH="0" baseline="0" dirty="0" err="1" smtClean="0">
+                          <a:ln>
+                            <a:noFill/>
+                          </a:ln>
+                          <a:solidFill>
+                            <a:schemeClr val="tx1"/>
+                          </a:solidFill>
+                          <a:effectLst/>
+                          <a:latin typeface="Arial" charset="0"/>
+                        </a:rPr>
+                        <a:t>eins</a:t>
+                      </a:r>
+                      <a:r>
+                        <a:rPr kumimoji="0" lang="en-US" sz="1000" b="0" i="0" u="none" strike="noStrike" cap="none" normalizeH="0" baseline="0" dirty="0" smtClean="0">
+                          <a:ln>
+                            <a:noFill/>
+                          </a:ln>
+                          <a:solidFill>
+                            <a:schemeClr val="tx1"/>
+                          </a:solidFill>
+                          <a:effectLst/>
+                          <a:latin typeface="Arial" charset="0"/>
+                        </a:rPr>
+                        <a:t> </a:t>
+                      </a:r>
+                      <a:r>
+                        <a:rPr kumimoji="0" lang="en-US" sz="1000" b="0" i="0" u="none" strike="noStrike" cap="none" normalizeH="0" baseline="0" dirty="0" err="1" smtClean="0">
+                          <a:ln>
+                            <a:noFill/>
+                          </a:ln>
+                          <a:solidFill>
+                            <a:schemeClr val="tx1"/>
+                          </a:solidFill>
+                          <a:effectLst/>
+                          <a:latin typeface="Arial" charset="0"/>
+                        </a:rPr>
+                        <a:t>studiert</a:t>
+                      </a:r>
+                      <a:r>
+                        <a:rPr kumimoji="0" lang="en-US" sz="1000" b="0" i="0" u="none" strike="noStrike" cap="none" normalizeH="0" baseline="0" dirty="0" smtClean="0">
+                          <a:ln>
+                            <a:noFill/>
+                          </a:ln>
+                          <a:solidFill>
+                            <a:schemeClr val="tx1"/>
+                          </a:solidFill>
+                          <a:effectLst/>
+                          <a:latin typeface="Arial" charset="0"/>
+                        </a:rPr>
+                        <a:t> an der </a:t>
+                      </a:r>
+                      <a:r>
+                        <a:rPr kumimoji="0" lang="en-US" sz="1000" b="0" i="0" u="none" strike="noStrike" cap="none" normalizeH="0" baseline="0" dirty="0" err="1" smtClean="0">
+                          <a:ln>
+                            <a:noFill/>
+                          </a:ln>
+                          <a:solidFill>
+                            <a:schemeClr val="tx1"/>
+                          </a:solidFill>
+                          <a:effectLst/>
+                          <a:latin typeface="Arial" charset="0"/>
+                        </a:rPr>
+                        <a:t>Uni</a:t>
+                      </a:r>
+                      <a:r>
+                        <a:rPr kumimoji="0" lang="en-US" sz="1000" b="0" i="0" u="none" strike="noStrike" cap="none" normalizeH="0" baseline="0" dirty="0" smtClean="0">
+                          <a:ln>
+                            <a:noFill/>
+                          </a:ln>
+                          <a:solidFill>
+                            <a:schemeClr val="tx1"/>
+                          </a:solidFill>
+                          <a:effectLst/>
+                          <a:latin typeface="Arial" charset="0"/>
+                        </a:rPr>
+                        <a:t> Regensburg </a:t>
+                      </a:r>
+                      <a:r>
+                        <a:rPr kumimoji="0" lang="en-US" sz="1000" b="0" i="0" u="none" strike="noStrike" cap="none" normalizeH="0" baseline="0" dirty="0" err="1" smtClean="0">
+                          <a:ln>
+                            <a:noFill/>
+                          </a:ln>
+                          <a:solidFill>
+                            <a:schemeClr val="tx1"/>
+                          </a:solidFill>
+                          <a:effectLst/>
+                          <a:latin typeface="Arial" charset="0"/>
+                        </a:rPr>
+                        <a:t>Chemie</a:t>
+                      </a:r>
+                      <a:endParaRPr kumimoji="0" lang="en-US" sz="1000" b="0" i="0" u="none" strike="noStrike" cap="none" normalizeH="0" baseline="0" dirty="0" smtClean="0">
+                        <a:ln>
+                          <a:noFill/>
+                        </a:ln>
+                        <a:solidFill>
+                          <a:schemeClr val="tx1"/>
+                        </a:solidFill>
+                        <a:effectLst/>
+                        <a:latin typeface="Arial" charset="0"/>
+                      </a:endParaRPr>
+                    </a:p>
+                    <a:p>
+                      <a:pPr marL="0" marR="0" lvl="0" indent="0" algn="l" defTabSz="914400" rtl="0" eaLnBrk="1" fontAlgn="base" latinLnBrk="0" hangingPunct="1">
+                        <a:lnSpc>
+                          <a:spcPct val="100000"/>
+                        </a:lnSpc>
+                        <a:spcBef>
+                          <a:spcPct val="20000"/>
+                        </a:spcBef>
+                        <a:spcAft>
+                          <a:spcPct val="0"/>
+                        </a:spcAft>
+                        <a:buClr>
+                          <a:schemeClr val="accent2"/>
+                        </a:buClr>
+                        <a:buSzPct val="100000"/>
+                        <a:buFont typeface="Wingdings" pitchFamily="2" charset="2"/>
+                        <a:buChar char="§"/>
+                        <a:tabLst/>
+                        <a:defRPr/>
+                      </a:pPr>
+                      <a:r>
+                        <a:rPr kumimoji="0" lang="en-US" sz="1000" b="0" i="0" u="none" strike="noStrike" cap="none" normalizeH="0" baseline="0" dirty="0" smtClean="0">
+                          <a:ln>
+                            <a:noFill/>
+                          </a:ln>
+                          <a:solidFill>
+                            <a:schemeClr val="tx1"/>
+                          </a:solidFill>
+                          <a:effectLst/>
+                          <a:latin typeface="Arial" charset="0"/>
+                        </a:rPr>
+                        <a:t> </a:t>
+                      </a:r>
+                      <a:r>
+                        <a:rPr kumimoji="0" lang="en-US" sz="1000" b="0" i="0" u="none" strike="noStrike" cap="none" normalizeH="0" baseline="0" dirty="0" err="1" smtClean="0">
+                          <a:ln>
+                            <a:noFill/>
+                          </a:ln>
+                          <a:solidFill>
+                            <a:schemeClr val="tx1"/>
+                          </a:solidFill>
+                          <a:effectLst/>
+                          <a:latin typeface="Arial" charset="0"/>
+                        </a:rPr>
+                        <a:t>Lässt</a:t>
+                      </a:r>
+                      <a:r>
+                        <a:rPr kumimoji="0" lang="en-US" sz="1000" b="0" i="0" u="none" strike="noStrike" cap="none" normalizeH="0" baseline="0" dirty="0" smtClean="0">
+                          <a:ln>
+                            <a:noFill/>
+                          </a:ln>
+                          <a:solidFill>
+                            <a:schemeClr val="tx1"/>
+                          </a:solidFill>
+                          <a:effectLst/>
+                          <a:latin typeface="Arial" charset="0"/>
+                        </a:rPr>
+                        <a:t> </a:t>
+                      </a:r>
+                      <a:r>
+                        <a:rPr kumimoji="0" lang="en-US" sz="1000" b="0" i="0" u="none" strike="noStrike" cap="none" normalizeH="0" baseline="0" dirty="0" err="1" smtClean="0">
+                          <a:ln>
+                            <a:noFill/>
+                          </a:ln>
+                          <a:solidFill>
+                            <a:schemeClr val="tx1"/>
+                          </a:solidFill>
+                          <a:effectLst/>
+                          <a:latin typeface="Arial" charset="0"/>
+                        </a:rPr>
+                        <a:t>sich</a:t>
+                      </a:r>
+                      <a:r>
+                        <a:rPr kumimoji="0" lang="en-US" sz="1000" b="0" i="0" u="none" strike="noStrike" cap="none" normalizeH="0" baseline="0" dirty="0" smtClean="0">
+                          <a:ln>
+                            <a:noFill/>
+                          </a:ln>
+                          <a:solidFill>
+                            <a:schemeClr val="tx1"/>
+                          </a:solidFill>
+                          <a:effectLst/>
+                          <a:latin typeface="Arial" charset="0"/>
+                        </a:rPr>
+                        <a:t> </a:t>
+                      </a:r>
+                      <a:r>
+                        <a:rPr kumimoji="0" lang="en-US" sz="1000" b="0" i="0" u="none" strike="noStrike" cap="none" normalizeH="0" baseline="0" dirty="0" err="1" smtClean="0">
+                          <a:ln>
+                            <a:noFill/>
+                          </a:ln>
+                          <a:solidFill>
+                            <a:schemeClr val="tx1"/>
+                          </a:solidFill>
+                          <a:effectLst/>
+                          <a:latin typeface="Arial" charset="0"/>
+                        </a:rPr>
+                        <a:t>bei</a:t>
+                      </a:r>
+                      <a:r>
+                        <a:rPr kumimoji="0" lang="en-US" sz="1000" b="0" i="0" u="none" strike="noStrike" cap="none" normalizeH="0" baseline="0" dirty="0" smtClean="0">
+                          <a:ln>
+                            <a:noFill/>
+                          </a:ln>
+                          <a:solidFill>
+                            <a:schemeClr val="tx1"/>
+                          </a:solidFill>
+                          <a:effectLst/>
+                          <a:latin typeface="Arial" charset="0"/>
+                        </a:rPr>
+                        <a:t> </a:t>
+                      </a:r>
+                      <a:r>
+                        <a:rPr kumimoji="0" lang="en-US" sz="1000" b="0" i="0" u="none" strike="noStrike" cap="none" normalizeH="0" baseline="0" dirty="0" err="1" smtClean="0">
+                          <a:ln>
+                            <a:noFill/>
+                          </a:ln>
+                          <a:solidFill>
+                            <a:schemeClr val="tx1"/>
+                          </a:solidFill>
+                          <a:effectLst/>
+                          <a:latin typeface="Arial" charset="0"/>
+                        </a:rPr>
+                        <a:t>technischen</a:t>
+                      </a:r>
+                      <a:r>
+                        <a:rPr kumimoji="0" lang="en-US" sz="1000" b="0" i="0" u="none" strike="noStrike" cap="none" normalizeH="0" baseline="0" dirty="0" smtClean="0">
+                          <a:ln>
+                            <a:noFill/>
+                          </a:ln>
+                          <a:solidFill>
+                            <a:schemeClr val="tx1"/>
+                          </a:solidFill>
+                          <a:effectLst/>
+                          <a:latin typeface="Arial" charset="0"/>
+                        </a:rPr>
+                        <a:t> </a:t>
+                      </a:r>
+                      <a:r>
+                        <a:rPr kumimoji="0" lang="en-US" sz="1000" b="0" i="0" u="none" strike="noStrike" cap="none" normalizeH="0" baseline="0" dirty="0" err="1" smtClean="0">
+                          <a:ln>
+                            <a:noFill/>
+                          </a:ln>
+                          <a:solidFill>
+                            <a:schemeClr val="tx1"/>
+                          </a:solidFill>
+                          <a:effectLst/>
+                          <a:latin typeface="Arial" charset="0"/>
+                        </a:rPr>
+                        <a:t>Sachen</a:t>
+                      </a:r>
+                      <a:r>
+                        <a:rPr kumimoji="0" lang="en-US" sz="1000" b="0" i="0" u="none" strike="noStrike" cap="none" normalizeH="0" baseline="0" dirty="0" smtClean="0">
+                          <a:ln>
+                            <a:noFill/>
+                          </a:ln>
+                          <a:solidFill>
+                            <a:schemeClr val="tx1"/>
+                          </a:solidFill>
+                          <a:effectLst/>
+                          <a:latin typeface="Arial" charset="0"/>
+                        </a:rPr>
+                        <a:t> von </a:t>
+                      </a:r>
+                      <a:r>
+                        <a:rPr kumimoji="0" lang="en-US" sz="1000" b="0" i="0" u="none" strike="noStrike" cap="none" normalizeH="0" baseline="0" dirty="0" err="1" smtClean="0">
+                          <a:ln>
+                            <a:noFill/>
+                          </a:ln>
+                          <a:solidFill>
+                            <a:schemeClr val="tx1"/>
+                          </a:solidFill>
+                          <a:effectLst/>
+                          <a:latin typeface="Arial" charset="0"/>
+                        </a:rPr>
+                        <a:t>Kindern</a:t>
+                      </a:r>
+                      <a:r>
+                        <a:rPr kumimoji="0" lang="en-US" sz="1000" b="0" i="0" u="none" strike="noStrike" cap="none" normalizeH="0" baseline="0" dirty="0" smtClean="0">
+                          <a:ln>
+                            <a:noFill/>
+                          </a:ln>
+                          <a:solidFill>
+                            <a:schemeClr val="tx1"/>
+                          </a:solidFill>
+                          <a:effectLst/>
+                          <a:latin typeface="Arial" charset="0"/>
+                        </a:rPr>
+                        <a:t> </a:t>
+                      </a:r>
+                      <a:r>
+                        <a:rPr kumimoji="0" lang="en-US" sz="1000" b="0" i="0" u="none" strike="noStrike" cap="none" normalizeH="0" baseline="0" dirty="0" err="1" smtClean="0">
+                          <a:ln>
+                            <a:noFill/>
+                          </a:ln>
+                          <a:solidFill>
+                            <a:schemeClr val="tx1"/>
+                          </a:solidFill>
+                          <a:effectLst/>
+                          <a:latin typeface="Arial" charset="0"/>
+                        </a:rPr>
+                        <a:t>helfen</a:t>
+                      </a:r>
+                      <a:r>
+                        <a:rPr kumimoji="0" lang="en-US" sz="1000" b="0" i="0" u="none" strike="noStrike" cap="none" normalizeH="0" baseline="0" dirty="0" smtClean="0">
+                          <a:ln>
+                            <a:noFill/>
+                          </a:ln>
+                          <a:solidFill>
+                            <a:schemeClr val="tx1"/>
+                          </a:solidFill>
+                          <a:effectLst/>
+                          <a:latin typeface="Arial" charset="0"/>
+                        </a:rPr>
+                        <a:t> </a:t>
+                      </a:r>
+                    </a:p>
                     <a:p>
                       <a:pPr marL="0" marR="0" lvl="0" indent="0" algn="l" defTabSz="914400" rtl="0" eaLnBrk="1" fontAlgn="base" latinLnBrk="0" hangingPunct="1">
                         <a:lnSpc>
@@ -5413,18 +6066,513 @@
                         <a:tabLst/>
                       </a:pPr>
                       <a:r>
-                        <a:rPr kumimoji="0" lang="en-US" sz="1000" b="0" i="0" u="none" strike="noStrike" cap="none" normalizeH="0" baseline="0" smtClean="0">
-                          <a:ln>
-                            <a:noFill/>
-                          </a:ln>
-                          <a:solidFill>
-                            <a:schemeClr val="tx1"/>
-                          </a:solidFill>
-                          <a:effectLst/>
-                          <a:latin typeface="Arial" charset="0"/>
-                        </a:rPr>
-                        <a:t> …</a:t>
-                      </a:r>
+                        <a:rPr kumimoji="0" lang="en-US" sz="1000" b="0" i="0" u="none" strike="noStrike" cap="none" normalizeH="0" baseline="0" dirty="0" smtClean="0">
+                          <a:ln>
+                            <a:noFill/>
+                          </a:ln>
+                          <a:solidFill>
+                            <a:schemeClr val="tx1"/>
+                          </a:solidFill>
+                          <a:effectLst/>
+                          <a:latin typeface="Arial" charset="0"/>
+                        </a:rPr>
+                        <a:t> </a:t>
+                      </a:r>
+                      <a:r>
+                        <a:rPr kumimoji="0" lang="en-US" sz="1000" b="0" i="0" u="none" strike="noStrike" cap="none" normalizeH="0" baseline="0" dirty="0" err="1" smtClean="0">
+                          <a:ln>
+                            <a:noFill/>
+                          </a:ln>
+                          <a:solidFill>
+                            <a:schemeClr val="tx1"/>
+                          </a:solidFill>
+                          <a:effectLst/>
+                          <a:latin typeface="Arial" charset="0"/>
+                        </a:rPr>
+                        <a:t>Kam</a:t>
+                      </a:r>
+                      <a:r>
+                        <a:rPr kumimoji="0" lang="en-US" sz="1000" b="0" i="0" u="none" strike="noStrike" cap="none" normalizeH="0" baseline="0" dirty="0" smtClean="0">
+                          <a:ln>
+                            <a:noFill/>
+                          </a:ln>
+                          <a:solidFill>
+                            <a:schemeClr val="tx1"/>
+                          </a:solidFill>
+                          <a:effectLst/>
+                          <a:latin typeface="Arial" charset="0"/>
+                        </a:rPr>
+                        <a:t> </a:t>
+                      </a:r>
+                      <a:r>
+                        <a:rPr kumimoji="0" lang="en-US" sz="1000" b="0" i="0" u="none" strike="noStrike" cap="none" normalizeH="0" baseline="0" dirty="0" err="1" smtClean="0">
+                          <a:ln>
+                            <a:noFill/>
+                          </a:ln>
+                          <a:solidFill>
+                            <a:schemeClr val="tx1"/>
+                          </a:solidFill>
+                          <a:effectLst/>
+                          <a:latin typeface="Arial" charset="0"/>
+                        </a:rPr>
+                        <a:t>mit</a:t>
+                      </a:r>
+                      <a:r>
+                        <a:rPr kumimoji="0" lang="en-US" sz="1000" b="0" i="0" u="none" strike="noStrike" cap="none" normalizeH="0" baseline="0" dirty="0" smtClean="0">
+                          <a:ln>
+                            <a:noFill/>
+                          </a:ln>
+                          <a:solidFill>
+                            <a:schemeClr val="tx1"/>
+                          </a:solidFill>
+                          <a:effectLst/>
+                          <a:latin typeface="Arial" charset="0"/>
+                        </a:rPr>
+                        <a:t> der </a:t>
+                      </a:r>
+                      <a:r>
+                        <a:rPr kumimoji="0" lang="en-US" sz="1000" b="0" i="0" u="none" strike="noStrike" cap="none" normalizeH="0" baseline="0" dirty="0" err="1" smtClean="0">
+                          <a:ln>
+                            <a:noFill/>
+                          </a:ln>
+                          <a:solidFill>
+                            <a:schemeClr val="tx1"/>
+                          </a:solidFill>
+                          <a:effectLst/>
+                          <a:latin typeface="Arial" charset="0"/>
+                        </a:rPr>
+                        <a:t>alten</a:t>
+                      </a:r>
+                      <a:r>
+                        <a:rPr kumimoji="0" lang="en-US" sz="1000" b="0" i="0" u="none" strike="noStrike" cap="none" normalizeH="0" baseline="0" dirty="0" smtClean="0">
+                          <a:ln>
+                            <a:noFill/>
+                          </a:ln>
+                          <a:solidFill>
+                            <a:schemeClr val="tx1"/>
+                          </a:solidFill>
+                          <a:effectLst/>
+                          <a:latin typeface="Arial" charset="0"/>
+                        </a:rPr>
+                        <a:t> </a:t>
+                      </a:r>
+                      <a:r>
+                        <a:rPr kumimoji="0" lang="en-US" sz="1000" b="0" i="0" u="none" strike="noStrike" cap="none" normalizeH="0" baseline="0" dirty="0" err="1" smtClean="0">
+                          <a:ln>
+                            <a:noFill/>
+                          </a:ln>
+                          <a:solidFill>
+                            <a:schemeClr val="tx1"/>
+                          </a:solidFill>
+                          <a:effectLst/>
+                          <a:latin typeface="Arial" charset="0"/>
+                        </a:rPr>
+                        <a:t>Seite</a:t>
+                      </a:r>
+                      <a:r>
+                        <a:rPr kumimoji="0" lang="en-US" sz="1000" b="0" i="0" u="none" strike="noStrike" cap="none" normalizeH="0" baseline="0" dirty="0" smtClean="0">
+                          <a:ln>
+                            <a:noFill/>
+                          </a:ln>
+                          <a:solidFill>
+                            <a:schemeClr val="tx1"/>
+                          </a:solidFill>
+                          <a:effectLst/>
+                          <a:latin typeface="Arial" charset="0"/>
+                        </a:rPr>
+                        <a:t> </a:t>
+                      </a:r>
+                      <a:r>
+                        <a:rPr kumimoji="0" lang="en-US" sz="1000" b="0" i="0" u="none" strike="noStrike" cap="none" normalizeH="0" baseline="0" dirty="0" err="1" smtClean="0">
+                          <a:ln>
+                            <a:noFill/>
+                          </a:ln>
+                          <a:solidFill>
+                            <a:schemeClr val="tx1"/>
+                          </a:solidFill>
+                          <a:effectLst/>
+                          <a:latin typeface="Arial" charset="0"/>
+                        </a:rPr>
+                        <a:t>soweit</a:t>
+                      </a:r>
+                      <a:r>
+                        <a:rPr kumimoji="0" lang="en-US" sz="1000" b="0" i="0" u="none" strike="noStrike" cap="none" normalizeH="0" baseline="0" dirty="0" smtClean="0">
+                          <a:ln>
+                            <a:noFill/>
+                          </a:ln>
+                          <a:solidFill>
+                            <a:schemeClr val="tx1"/>
+                          </a:solidFill>
+                          <a:effectLst/>
+                          <a:latin typeface="Arial" charset="0"/>
+                        </a:rPr>
+                        <a:t> gut </a:t>
+                      </a:r>
+                      <a:r>
+                        <a:rPr kumimoji="0" lang="en-US" sz="1000" b="0" i="0" u="none" strike="noStrike" cap="none" normalizeH="0" baseline="0" dirty="0" err="1" smtClean="0">
+                          <a:ln>
+                            <a:noFill/>
+                          </a:ln>
+                          <a:solidFill>
+                            <a:schemeClr val="tx1"/>
+                          </a:solidFill>
+                          <a:effectLst/>
+                          <a:latin typeface="Arial" charset="0"/>
+                        </a:rPr>
+                        <a:t>zurecht</a:t>
+                      </a:r>
+                      <a:r>
+                        <a:rPr kumimoji="0" lang="en-US" sz="1000" b="0" i="0" u="none" strike="noStrike" cap="none" normalizeH="0" baseline="0" dirty="0" smtClean="0">
+                          <a:ln>
+                            <a:noFill/>
+                          </a:ln>
+                          <a:solidFill>
+                            <a:schemeClr val="tx1"/>
+                          </a:solidFill>
+                          <a:effectLst/>
+                          <a:latin typeface="Arial" charset="0"/>
+                        </a:rPr>
+                        <a:t> und </a:t>
+                      </a:r>
+                      <a:r>
+                        <a:rPr kumimoji="0" lang="en-US" sz="1000" b="0" i="0" u="none" strike="noStrike" cap="none" normalizeH="0" baseline="0" dirty="0" err="1" smtClean="0">
+                          <a:ln>
+                            <a:noFill/>
+                          </a:ln>
+                          <a:solidFill>
+                            <a:schemeClr val="tx1"/>
+                          </a:solidFill>
+                          <a:effectLst/>
+                          <a:latin typeface="Arial" charset="0"/>
+                        </a:rPr>
+                        <a:t>hofft</a:t>
+                      </a:r>
+                      <a:r>
+                        <a:rPr kumimoji="0" lang="en-US" sz="1000" b="0" i="0" u="none" strike="noStrike" cap="none" normalizeH="0" baseline="0" dirty="0" smtClean="0">
+                          <a:ln>
+                            <a:noFill/>
+                          </a:ln>
+                          <a:solidFill>
+                            <a:schemeClr val="tx1"/>
+                          </a:solidFill>
+                          <a:effectLst/>
+                          <a:latin typeface="Arial" charset="0"/>
+                        </a:rPr>
+                        <a:t>, </a:t>
+                      </a:r>
+                      <a:r>
+                        <a:rPr kumimoji="0" lang="en-US" sz="1000" b="0" i="0" u="none" strike="noStrike" cap="none" normalizeH="0" baseline="0" dirty="0" err="1" smtClean="0">
+                          <a:ln>
+                            <a:noFill/>
+                          </a:ln>
+                          <a:solidFill>
+                            <a:schemeClr val="tx1"/>
+                          </a:solidFill>
+                          <a:effectLst/>
+                          <a:latin typeface="Arial" charset="0"/>
+                        </a:rPr>
+                        <a:t>dass</a:t>
+                      </a:r>
+                      <a:r>
+                        <a:rPr kumimoji="0" lang="en-US" sz="1000" b="0" i="0" u="none" strike="noStrike" cap="none" normalizeH="0" baseline="0" dirty="0" smtClean="0">
+                          <a:ln>
+                            <a:noFill/>
+                          </a:ln>
+                          <a:solidFill>
+                            <a:schemeClr val="tx1"/>
+                          </a:solidFill>
+                          <a:effectLst/>
+                          <a:latin typeface="Arial" charset="0"/>
+                        </a:rPr>
+                        <a:t> der </a:t>
+                      </a:r>
+                      <a:r>
+                        <a:rPr kumimoji="0" lang="en-US" sz="1000" b="0" i="0" u="none" strike="noStrike" cap="none" normalizeH="0" baseline="0" dirty="0" err="1" smtClean="0">
+                          <a:ln>
+                            <a:noFill/>
+                          </a:ln>
+                          <a:solidFill>
+                            <a:schemeClr val="tx1"/>
+                          </a:solidFill>
+                          <a:effectLst/>
+                          <a:latin typeface="Arial" charset="0"/>
+                        </a:rPr>
+                        <a:t>neue</a:t>
+                      </a:r>
+                      <a:r>
+                        <a:rPr kumimoji="0" lang="en-US" sz="1000" b="0" i="0" u="none" strike="noStrike" cap="none" normalizeH="0" baseline="0" dirty="0" smtClean="0">
+                          <a:ln>
+                            <a:noFill/>
+                          </a:ln>
+                          <a:solidFill>
+                            <a:schemeClr val="tx1"/>
+                          </a:solidFill>
+                          <a:effectLst/>
+                          <a:latin typeface="Arial" charset="0"/>
+                        </a:rPr>
+                        <a:t> </a:t>
+                      </a:r>
+                      <a:r>
+                        <a:rPr kumimoji="0" lang="en-US" sz="1000" b="0" i="0" u="none" strike="noStrike" cap="none" normalizeH="0" baseline="0" dirty="0" err="1" smtClean="0">
+                          <a:ln>
+                            <a:noFill/>
+                          </a:ln>
+                          <a:solidFill>
+                            <a:schemeClr val="tx1"/>
+                          </a:solidFill>
+                          <a:effectLst/>
+                          <a:latin typeface="Arial" charset="0"/>
+                        </a:rPr>
+                        <a:t>Aufbau</a:t>
+                      </a:r>
+                      <a:r>
+                        <a:rPr kumimoji="0" lang="en-US" sz="1000" b="0" i="0" u="none" strike="noStrike" cap="none" normalizeH="0" baseline="0" dirty="0" smtClean="0">
+                          <a:ln>
+                            <a:noFill/>
+                          </a:ln>
+                          <a:solidFill>
+                            <a:schemeClr val="tx1"/>
+                          </a:solidFill>
+                          <a:effectLst/>
+                          <a:latin typeface="Arial" charset="0"/>
+                        </a:rPr>
+                        <a:t> </a:t>
+                      </a:r>
+                      <a:r>
+                        <a:rPr kumimoji="0" lang="en-US" sz="1000" b="0" i="0" u="none" strike="noStrike" cap="none" normalizeH="0" baseline="0" dirty="0" err="1" smtClean="0">
+                          <a:ln>
+                            <a:noFill/>
+                          </a:ln>
+                          <a:solidFill>
+                            <a:schemeClr val="tx1"/>
+                          </a:solidFill>
+                          <a:effectLst/>
+                          <a:latin typeface="Arial" charset="0"/>
+                        </a:rPr>
+                        <a:t>nicht</a:t>
+                      </a:r>
+                      <a:r>
+                        <a:rPr kumimoji="0" lang="en-US" sz="1000" b="0" i="0" u="none" strike="noStrike" cap="none" normalizeH="0" baseline="0" dirty="0" smtClean="0">
+                          <a:ln>
+                            <a:noFill/>
+                          </a:ln>
+                          <a:solidFill>
+                            <a:schemeClr val="tx1"/>
+                          </a:solidFill>
+                          <a:effectLst/>
+                          <a:latin typeface="Arial" charset="0"/>
+                        </a:rPr>
+                        <a:t> </a:t>
+                      </a:r>
+                      <a:r>
+                        <a:rPr kumimoji="0" lang="en-US" sz="1000" b="0" i="0" u="none" strike="noStrike" cap="none" normalizeH="0" baseline="0" dirty="0" err="1" smtClean="0">
+                          <a:ln>
+                            <a:noFill/>
+                          </a:ln>
+                          <a:solidFill>
+                            <a:schemeClr val="tx1"/>
+                          </a:solidFill>
+                          <a:effectLst/>
+                          <a:latin typeface="Arial" charset="0"/>
+                        </a:rPr>
+                        <a:t>schlechter</a:t>
+                      </a:r>
+                      <a:r>
+                        <a:rPr kumimoji="0" lang="en-US" sz="1000" b="0" i="0" u="none" strike="noStrike" cap="none" normalizeH="0" baseline="0" dirty="0" smtClean="0">
+                          <a:ln>
+                            <a:noFill/>
+                          </a:ln>
+                          <a:solidFill>
+                            <a:schemeClr val="tx1"/>
+                          </a:solidFill>
+                          <a:effectLst/>
+                          <a:latin typeface="Arial" charset="0"/>
+                        </a:rPr>
+                        <a:t> </a:t>
+                      </a:r>
+                      <a:r>
+                        <a:rPr kumimoji="0" lang="en-US" sz="1000" b="0" i="0" u="none" strike="noStrike" cap="none" normalizeH="0" baseline="0" dirty="0" err="1" smtClean="0">
+                          <a:ln>
+                            <a:noFill/>
+                          </a:ln>
+                          <a:solidFill>
+                            <a:schemeClr val="tx1"/>
+                          </a:solidFill>
+                          <a:effectLst/>
+                          <a:latin typeface="Arial" charset="0"/>
+                        </a:rPr>
+                        <a:t>ist</a:t>
+                      </a:r>
+                      <a:endParaRPr kumimoji="0" lang="en-US" sz="1000" b="0" i="0" u="none" strike="noStrike" cap="none" normalizeH="0" baseline="0" dirty="0" smtClean="0">
+                        <a:ln>
+                          <a:noFill/>
+                        </a:ln>
+                        <a:solidFill>
+                          <a:schemeClr val="tx1"/>
+                        </a:solidFill>
+                        <a:effectLst/>
+                        <a:latin typeface="Arial" charset="0"/>
+                      </a:endParaRPr>
+                    </a:p>
+                    <a:p>
+                      <a:pPr marL="0" marR="0" lvl="0" indent="0" algn="l" defTabSz="914400" rtl="0" eaLnBrk="1" fontAlgn="base" latinLnBrk="0" hangingPunct="1">
+                        <a:lnSpc>
+                          <a:spcPct val="100000"/>
+                        </a:lnSpc>
+                        <a:spcBef>
+                          <a:spcPct val="20000"/>
+                        </a:spcBef>
+                        <a:spcAft>
+                          <a:spcPct val="0"/>
+                        </a:spcAft>
+                        <a:buClr>
+                          <a:schemeClr val="accent2"/>
+                        </a:buClr>
+                        <a:buSzPct val="100000"/>
+                        <a:buFont typeface="Wingdings" pitchFamily="2" charset="2"/>
+                        <a:buChar char="§"/>
+                        <a:tabLst/>
+                      </a:pPr>
+                      <a:r>
+                        <a:rPr kumimoji="0" lang="en-US" sz="1000" b="0" i="0" u="none" strike="noStrike" cap="none" normalizeH="0" baseline="0" dirty="0" smtClean="0">
+                          <a:ln>
+                            <a:noFill/>
+                          </a:ln>
+                          <a:solidFill>
+                            <a:schemeClr val="tx1"/>
+                          </a:solidFill>
+                          <a:effectLst/>
+                          <a:latin typeface="Arial" charset="0"/>
+                        </a:rPr>
+                        <a:t> </a:t>
+                      </a:r>
+                      <a:r>
+                        <a:rPr kumimoji="0" lang="en-US" sz="1000" b="0" i="0" u="none" strike="noStrike" cap="none" normalizeH="0" baseline="0" dirty="0" err="1" smtClean="0">
+                          <a:ln>
+                            <a:noFill/>
+                          </a:ln>
+                          <a:solidFill>
+                            <a:schemeClr val="tx1"/>
+                          </a:solidFill>
+                          <a:effectLst/>
+                          <a:latin typeface="Arial" charset="0"/>
+                        </a:rPr>
+                        <a:t>Ist</a:t>
+                      </a:r>
+                      <a:r>
+                        <a:rPr kumimoji="0" lang="en-US" sz="1000" b="0" i="0" u="none" strike="noStrike" cap="none" normalizeH="0" baseline="0" dirty="0" smtClean="0">
+                          <a:ln>
+                            <a:noFill/>
+                          </a:ln>
+                          <a:solidFill>
+                            <a:schemeClr val="tx1"/>
+                          </a:solidFill>
+                          <a:effectLst/>
+                          <a:latin typeface="Arial" charset="0"/>
+                        </a:rPr>
+                        <a:t> </a:t>
+                      </a:r>
+                      <a:r>
+                        <a:rPr kumimoji="0" lang="en-US" sz="1000" b="0" i="0" u="none" strike="noStrike" cap="none" normalizeH="0" baseline="0" dirty="0" err="1" smtClean="0">
+                          <a:ln>
+                            <a:noFill/>
+                          </a:ln>
+                          <a:solidFill>
+                            <a:schemeClr val="tx1"/>
+                          </a:solidFill>
+                          <a:effectLst/>
+                          <a:latin typeface="Arial" charset="0"/>
+                        </a:rPr>
+                        <a:t>jedoch</a:t>
+                      </a:r>
+                      <a:r>
+                        <a:rPr kumimoji="0" lang="en-US" sz="1000" b="0" i="0" u="none" strike="noStrike" cap="none" normalizeH="0" baseline="0" dirty="0" smtClean="0">
+                          <a:ln>
+                            <a:noFill/>
+                          </a:ln>
+                          <a:solidFill>
+                            <a:schemeClr val="tx1"/>
+                          </a:solidFill>
+                          <a:effectLst/>
+                          <a:latin typeface="Arial" charset="0"/>
+                        </a:rPr>
+                        <a:t> von </a:t>
+                      </a:r>
+                      <a:r>
+                        <a:rPr kumimoji="0" lang="en-US" sz="1000" b="0" i="0" u="none" strike="noStrike" cap="none" normalizeH="0" baseline="0" dirty="0" err="1" smtClean="0">
+                          <a:ln>
+                            <a:noFill/>
+                          </a:ln>
+                          <a:solidFill>
+                            <a:schemeClr val="tx1"/>
+                          </a:solidFill>
+                          <a:effectLst/>
+                          <a:latin typeface="Arial" charset="0"/>
+                        </a:rPr>
+                        <a:t>neuem</a:t>
+                      </a:r>
+                      <a:r>
+                        <a:rPr kumimoji="0" lang="en-US" sz="1000" b="0" i="0" u="none" strike="noStrike" cap="none" normalizeH="0" baseline="0" dirty="0" smtClean="0">
+                          <a:ln>
+                            <a:noFill/>
+                          </a:ln>
+                          <a:solidFill>
+                            <a:schemeClr val="tx1"/>
+                          </a:solidFill>
+                          <a:effectLst/>
+                          <a:latin typeface="Arial" charset="0"/>
+                        </a:rPr>
+                        <a:t> </a:t>
+                      </a:r>
+                      <a:r>
+                        <a:rPr kumimoji="0" lang="en-US" sz="1000" b="0" i="0" u="none" strike="noStrike" cap="none" normalizeH="0" baseline="0" dirty="0" err="1" smtClean="0">
+                          <a:ln>
+                            <a:noFill/>
+                          </a:ln>
+                          <a:solidFill>
+                            <a:schemeClr val="tx1"/>
+                          </a:solidFill>
+                          <a:effectLst/>
+                          <a:latin typeface="Arial" charset="0"/>
+                        </a:rPr>
+                        <a:t>Aufbau</a:t>
+                      </a:r>
+                      <a:r>
+                        <a:rPr kumimoji="0" lang="en-US" sz="1000" b="0" i="0" u="none" strike="noStrike" cap="none" normalizeH="0" baseline="0" dirty="0" smtClean="0">
+                          <a:ln>
+                            <a:noFill/>
+                          </a:ln>
+                          <a:solidFill>
+                            <a:schemeClr val="tx1"/>
+                          </a:solidFill>
+                          <a:effectLst/>
+                          <a:latin typeface="Arial" charset="0"/>
+                        </a:rPr>
+                        <a:t> </a:t>
+                      </a:r>
+                      <a:r>
+                        <a:rPr kumimoji="0" lang="en-US" sz="1000" b="0" i="0" u="none" strike="noStrike" cap="none" normalizeH="0" baseline="0" dirty="0" err="1" smtClean="0">
+                          <a:ln>
+                            <a:noFill/>
+                          </a:ln>
+                          <a:solidFill>
+                            <a:schemeClr val="tx1"/>
+                          </a:solidFill>
+                          <a:effectLst/>
+                          <a:latin typeface="Arial" charset="0"/>
+                        </a:rPr>
+                        <a:t>angetan</a:t>
+                      </a:r>
+                      <a:endParaRPr kumimoji="0" lang="en-US" sz="1000" b="0" i="0" u="none" strike="noStrike" cap="none" normalizeH="0" baseline="0" dirty="0" smtClean="0">
+                        <a:ln>
+                          <a:noFill/>
+                        </a:ln>
+                        <a:solidFill>
+                          <a:schemeClr val="tx1"/>
+                        </a:solidFill>
+                        <a:effectLst/>
+                        <a:latin typeface="Arial" charset="0"/>
+                      </a:endParaRPr>
                     </a:p>
                   </a:txBody>
                   <a:tcPr marL="90488" marR="90488" marT="44450" marB="44450" horzOverflow="overflow">
@@ -5487,7 +6635,7 @@
                         <a:tabLst/>
                       </a:pPr>
                       <a:r>
-                        <a:rPr kumimoji="0" lang="en-US" sz="1000" b="1" i="0" u="none" strike="noStrike" cap="none" normalizeH="0" baseline="0" smtClean="0">
+                        <a:rPr kumimoji="0" lang="en-US" sz="1000" b="1" i="0" u="none" strike="noStrike" cap="none" normalizeH="0" baseline="0" dirty="0" smtClean="0">
                           <a:ln>
                             <a:noFill/>
                           </a:ln>
@@ -5553,18 +6701,379 @@
                         <a:tabLst/>
                       </a:pPr>
                       <a:r>
-                        <a:rPr kumimoji="0" lang="en-US" sz="1000" b="0" i="0" u="none" strike="noStrike" cap="none" normalizeH="0" baseline="0" smtClean="0">
-                          <a:ln>
-                            <a:noFill/>
-                          </a:ln>
-                          <a:solidFill>
-                            <a:schemeClr val="tx1"/>
-                          </a:solidFill>
-                          <a:effectLst/>
-                          <a:latin typeface="Arial" charset="0"/>
-                        </a:rPr>
-                        <a:t> …</a:t>
-                      </a:r>
+                        <a:rPr kumimoji="0" lang="en-US" sz="1000" b="0" i="0" u="none" strike="noStrike" cap="none" normalizeH="0" baseline="0" dirty="0" smtClean="0">
+                          <a:ln>
+                            <a:noFill/>
+                          </a:ln>
+                          <a:solidFill>
+                            <a:schemeClr val="tx1"/>
+                          </a:solidFill>
+                          <a:effectLst/>
+                          <a:latin typeface="Arial" charset="0"/>
+                        </a:rPr>
+                        <a:t> </a:t>
+                      </a:r>
+                      <a:r>
+                        <a:rPr kumimoji="0" lang="en-US" sz="1000" b="0" i="0" u="none" strike="noStrike" cap="none" normalizeH="0" baseline="0" dirty="0" err="1" smtClean="0">
+                          <a:ln>
+                            <a:noFill/>
+                          </a:ln>
+                          <a:solidFill>
+                            <a:schemeClr val="tx1"/>
+                          </a:solidFill>
+                          <a:effectLst/>
+                          <a:latin typeface="Arial" charset="0"/>
+                        </a:rPr>
+                        <a:t>liest</a:t>
+                      </a:r>
+                      <a:r>
+                        <a:rPr kumimoji="0" lang="en-US" sz="1000" b="0" i="0" u="none" strike="noStrike" cap="none" normalizeH="0" baseline="0" dirty="0" smtClean="0">
+                          <a:ln>
+                            <a:noFill/>
+                          </a:ln>
+                          <a:solidFill>
+                            <a:schemeClr val="tx1"/>
+                          </a:solidFill>
+                          <a:effectLst/>
+                          <a:latin typeface="Arial" charset="0"/>
+                        </a:rPr>
+                        <a:t> </a:t>
+                      </a:r>
+                      <a:r>
+                        <a:rPr kumimoji="0" lang="en-US" sz="1000" b="0" i="0" u="none" strike="noStrike" cap="none" normalizeH="0" baseline="0" dirty="0" err="1" smtClean="0">
+                          <a:ln>
+                            <a:noFill/>
+                          </a:ln>
+                          <a:solidFill>
+                            <a:schemeClr val="tx1"/>
+                          </a:solidFill>
+                          <a:effectLst/>
+                          <a:latin typeface="Arial" charset="0"/>
+                        </a:rPr>
+                        <a:t>sich</a:t>
+                      </a:r>
+                      <a:r>
+                        <a:rPr kumimoji="0" lang="en-US" sz="1000" b="0" i="0" u="none" strike="noStrike" cap="none" normalizeH="0" baseline="0" dirty="0" smtClean="0">
+                          <a:ln>
+                            <a:noFill/>
+                          </a:ln>
+                          <a:solidFill>
+                            <a:schemeClr val="tx1"/>
+                          </a:solidFill>
+                          <a:effectLst/>
+                          <a:latin typeface="Arial" charset="0"/>
+                        </a:rPr>
+                        <a:t> </a:t>
+                      </a:r>
+                      <a:r>
+                        <a:rPr kumimoji="0" lang="en-US" sz="1000" b="0" i="0" u="none" strike="noStrike" cap="none" normalizeH="0" baseline="0" dirty="0" err="1" smtClean="0">
+                          <a:ln>
+                            <a:noFill/>
+                          </a:ln>
+                          <a:solidFill>
+                            <a:schemeClr val="tx1"/>
+                          </a:solidFill>
+                          <a:effectLst/>
+                          <a:latin typeface="Arial" charset="0"/>
+                        </a:rPr>
+                        <a:t>gerne</a:t>
+                      </a:r>
+                      <a:r>
+                        <a:rPr kumimoji="0" lang="en-US" sz="1000" b="0" i="0" u="none" strike="noStrike" cap="none" normalizeH="0" baseline="0" dirty="0" smtClean="0">
+                          <a:ln>
+                            <a:noFill/>
+                          </a:ln>
+                          <a:solidFill>
+                            <a:schemeClr val="tx1"/>
+                          </a:solidFill>
+                          <a:effectLst/>
+                          <a:latin typeface="Arial" charset="0"/>
+                        </a:rPr>
+                        <a:t> in </a:t>
+                      </a:r>
+                      <a:r>
+                        <a:rPr kumimoji="0" lang="en-US" sz="1000" b="0" i="0" u="none" strike="noStrike" cap="none" normalizeH="0" baseline="0" dirty="0" err="1" smtClean="0">
+                          <a:ln>
+                            <a:noFill/>
+                          </a:ln>
+                          <a:solidFill>
+                            <a:schemeClr val="tx1"/>
+                          </a:solidFill>
+                          <a:effectLst/>
+                          <a:latin typeface="Arial" charset="0"/>
+                        </a:rPr>
+                        <a:t>Sachen</a:t>
+                      </a:r>
+                      <a:r>
+                        <a:rPr kumimoji="0" lang="en-US" sz="1000" b="0" i="0" u="none" strike="noStrike" cap="none" normalizeH="0" baseline="0" dirty="0" smtClean="0">
+                          <a:ln>
+                            <a:noFill/>
+                          </a:ln>
+                          <a:solidFill>
+                            <a:schemeClr val="tx1"/>
+                          </a:solidFill>
+                          <a:effectLst/>
+                          <a:latin typeface="Arial" charset="0"/>
+                        </a:rPr>
+                        <a:t> </a:t>
+                      </a:r>
+                      <a:r>
+                        <a:rPr kumimoji="0" lang="en-US" sz="1000" b="0" i="0" u="none" strike="noStrike" cap="none" normalizeH="0" baseline="0" dirty="0" err="1" smtClean="0">
+                          <a:ln>
+                            <a:noFill/>
+                          </a:ln>
+                          <a:solidFill>
+                            <a:schemeClr val="tx1"/>
+                          </a:solidFill>
+                          <a:effectLst/>
+                          <a:latin typeface="Arial" charset="0"/>
+                        </a:rPr>
+                        <a:t>ein</a:t>
+                      </a:r>
+                      <a:r>
+                        <a:rPr kumimoji="0" lang="en-US" sz="1000" b="0" i="0" u="none" strike="noStrike" cap="none" normalizeH="0" baseline="0" dirty="0" smtClean="0">
+                          <a:ln>
+                            <a:noFill/>
+                          </a:ln>
+                          <a:solidFill>
+                            <a:schemeClr val="tx1"/>
+                          </a:solidFill>
+                          <a:effectLst/>
+                          <a:latin typeface="Arial" charset="0"/>
+                        </a:rPr>
+                        <a:t>. </a:t>
+                      </a:r>
+                      <a:r>
+                        <a:rPr kumimoji="0" lang="en-US" sz="1000" b="0" i="0" u="none" strike="noStrike" cap="none" normalizeH="0" baseline="0" dirty="0" err="1" smtClean="0">
+                          <a:ln>
+                            <a:noFill/>
+                          </a:ln>
+                          <a:solidFill>
+                            <a:schemeClr val="tx1"/>
+                          </a:solidFill>
+                          <a:effectLst/>
+                          <a:latin typeface="Arial" charset="0"/>
+                        </a:rPr>
+                        <a:t>Würde</a:t>
+                      </a:r>
+                      <a:r>
+                        <a:rPr kumimoji="0" lang="en-US" sz="1000" b="0" i="0" u="none" strike="noStrike" cap="none" normalizeH="0" baseline="0" dirty="0" smtClean="0">
+                          <a:ln>
+                            <a:noFill/>
+                          </a:ln>
+                          <a:solidFill>
+                            <a:schemeClr val="tx1"/>
+                          </a:solidFill>
+                          <a:effectLst/>
+                          <a:latin typeface="Arial" charset="0"/>
+                        </a:rPr>
+                        <a:t> </a:t>
+                      </a:r>
+                      <a:r>
+                        <a:rPr kumimoji="0" lang="en-US" sz="1000" b="0" i="0" u="none" strike="noStrike" cap="none" normalizeH="0" baseline="0" dirty="0" err="1" smtClean="0">
+                          <a:ln>
+                            <a:noFill/>
+                          </a:ln>
+                          <a:solidFill>
+                            <a:schemeClr val="tx1"/>
+                          </a:solidFill>
+                          <a:effectLst/>
+                          <a:latin typeface="Arial" charset="0"/>
+                        </a:rPr>
+                        <a:t>Angebot</a:t>
+                      </a:r>
+                      <a:r>
+                        <a:rPr kumimoji="0" lang="en-US" sz="1000" b="0" i="0" u="none" strike="noStrike" cap="none" normalizeH="0" baseline="0" dirty="0" smtClean="0">
+                          <a:ln>
+                            <a:noFill/>
+                          </a:ln>
+                          <a:solidFill>
+                            <a:schemeClr val="tx1"/>
+                          </a:solidFill>
+                          <a:effectLst/>
+                          <a:latin typeface="Arial" charset="0"/>
+                        </a:rPr>
+                        <a:t> </a:t>
+                      </a:r>
+                      <a:r>
+                        <a:rPr kumimoji="0" lang="en-US" sz="1000" b="0" i="0" u="none" strike="noStrike" cap="none" normalizeH="0" baseline="0" dirty="0" err="1" smtClean="0">
+                          <a:ln>
+                            <a:noFill/>
+                          </a:ln>
+                          <a:solidFill>
+                            <a:schemeClr val="tx1"/>
+                          </a:solidFill>
+                          <a:effectLst/>
+                          <a:latin typeface="Arial" charset="0"/>
+                        </a:rPr>
+                        <a:t>nutzen</a:t>
+                      </a:r>
+                      <a:r>
+                        <a:rPr kumimoji="0" lang="en-US" sz="1000" b="0" i="0" u="none" strike="noStrike" cap="none" normalizeH="0" baseline="0" dirty="0" smtClean="0">
+                          <a:ln>
+                            <a:noFill/>
+                          </a:ln>
+                          <a:solidFill>
+                            <a:schemeClr val="tx1"/>
+                          </a:solidFill>
+                          <a:effectLst/>
+                          <a:latin typeface="Arial" charset="0"/>
+                        </a:rPr>
+                        <a:t> </a:t>
+                      </a:r>
+                      <a:r>
+                        <a:rPr kumimoji="0" lang="en-US" sz="1000" b="0" i="0" u="none" strike="noStrike" cap="none" normalizeH="0" baseline="0" dirty="0" err="1" smtClean="0">
+                          <a:ln>
+                            <a:noFill/>
+                          </a:ln>
+                          <a:solidFill>
+                            <a:schemeClr val="tx1"/>
+                          </a:solidFill>
+                          <a:effectLst/>
+                          <a:latin typeface="Arial" charset="0"/>
+                        </a:rPr>
+                        <a:t>wenn</a:t>
+                      </a:r>
+                      <a:r>
+                        <a:rPr kumimoji="0" lang="en-US" sz="1000" b="0" i="0" u="none" strike="noStrike" cap="none" normalizeH="0" baseline="0" dirty="0" smtClean="0">
+                          <a:ln>
+                            <a:noFill/>
+                          </a:ln>
+                          <a:solidFill>
+                            <a:schemeClr val="tx1"/>
+                          </a:solidFill>
+                          <a:effectLst/>
+                          <a:latin typeface="Arial" charset="0"/>
+                        </a:rPr>
+                        <a:t> </a:t>
+                      </a:r>
+                      <a:r>
+                        <a:rPr kumimoji="0" lang="en-US" sz="1000" b="0" i="0" u="none" strike="noStrike" cap="none" normalizeH="0" baseline="0" dirty="0" err="1" smtClean="0">
+                          <a:ln>
+                            <a:noFill/>
+                          </a:ln>
+                          <a:solidFill>
+                            <a:schemeClr val="tx1"/>
+                          </a:solidFill>
+                          <a:effectLst/>
+                          <a:latin typeface="Arial" charset="0"/>
+                        </a:rPr>
+                        <a:t>Struktur</a:t>
+                      </a:r>
+                      <a:r>
+                        <a:rPr kumimoji="0" lang="en-US" sz="1000" b="0" i="0" u="none" strike="noStrike" cap="none" normalizeH="0" baseline="0" dirty="0" smtClean="0">
+                          <a:ln>
+                            <a:noFill/>
+                          </a:ln>
+                          <a:solidFill>
+                            <a:schemeClr val="tx1"/>
+                          </a:solidFill>
+                          <a:effectLst/>
+                          <a:latin typeface="Arial" charset="0"/>
+                        </a:rPr>
+                        <a:t> </a:t>
+                      </a:r>
+                      <a:r>
+                        <a:rPr kumimoji="0" lang="en-US" sz="1000" b="0" i="0" u="none" strike="noStrike" cap="none" normalizeH="0" baseline="0" dirty="0" err="1" smtClean="0">
+                          <a:ln>
+                            <a:noFill/>
+                          </a:ln>
+                          <a:solidFill>
+                            <a:schemeClr val="tx1"/>
+                          </a:solidFill>
+                          <a:effectLst/>
+                          <a:latin typeface="Arial" charset="0"/>
+                        </a:rPr>
+                        <a:t>sinnvoll</a:t>
+                      </a:r>
+                      <a:r>
+                        <a:rPr kumimoji="0" lang="en-US" sz="1000" b="0" i="0" u="none" strike="noStrike" cap="none" normalizeH="0" baseline="0" dirty="0" smtClean="0">
+                          <a:ln>
+                            <a:noFill/>
+                          </a:ln>
+                          <a:solidFill>
+                            <a:schemeClr val="tx1"/>
+                          </a:solidFill>
+                          <a:effectLst/>
+                          <a:latin typeface="Arial" charset="0"/>
+                        </a:rPr>
+                        <a:t> und </a:t>
+                      </a:r>
+                      <a:r>
+                        <a:rPr kumimoji="0" lang="en-US" sz="1000" b="0" i="0" u="none" strike="noStrike" cap="none" normalizeH="0" baseline="0" dirty="0" err="1" smtClean="0">
+                          <a:ln>
+                            <a:noFill/>
+                          </a:ln>
+                          <a:solidFill>
+                            <a:schemeClr val="tx1"/>
+                          </a:solidFill>
+                          <a:effectLst/>
+                          <a:latin typeface="Arial" charset="0"/>
+                        </a:rPr>
+                        <a:t>konsistent</a:t>
+                      </a:r>
+                      <a:r>
+                        <a:rPr kumimoji="0" lang="en-US" sz="1000" b="0" i="0" u="none" strike="noStrike" cap="none" normalizeH="0" baseline="0" dirty="0" smtClean="0">
+                          <a:ln>
+                            <a:noFill/>
+                          </a:ln>
+                          <a:solidFill>
+                            <a:schemeClr val="tx1"/>
+                          </a:solidFill>
+                          <a:effectLst/>
+                          <a:latin typeface="Arial" charset="0"/>
+                        </a:rPr>
+                        <a:t> </a:t>
+                      </a:r>
+                      <a:r>
+                        <a:rPr kumimoji="0" lang="en-US" sz="1000" b="0" i="0" u="none" strike="noStrike" cap="none" normalizeH="0" baseline="0" dirty="0" err="1" smtClean="0">
+                          <a:ln>
+                            <a:noFill/>
+                          </a:ln>
+                          <a:solidFill>
+                            <a:schemeClr val="tx1"/>
+                          </a:solidFill>
+                          <a:effectLst/>
+                          <a:latin typeface="Arial" charset="0"/>
+                        </a:rPr>
+                        <a:t>aufgebaut</a:t>
+                      </a:r>
+                      <a:r>
+                        <a:rPr kumimoji="0" lang="en-US" sz="1000" b="0" i="0" u="none" strike="noStrike" cap="none" normalizeH="0" baseline="0" dirty="0" smtClean="0">
+                          <a:ln>
+                            <a:noFill/>
+                          </a:ln>
+                          <a:solidFill>
+                            <a:schemeClr val="tx1"/>
+                          </a:solidFill>
+                          <a:effectLst/>
+                          <a:latin typeface="Arial" charset="0"/>
+                        </a:rPr>
+                        <a:t> </a:t>
+                      </a:r>
+                      <a:r>
+                        <a:rPr kumimoji="0" lang="en-US" sz="1000" b="0" i="0" u="none" strike="noStrike" cap="none" normalizeH="0" baseline="0" dirty="0" err="1" smtClean="0">
+                          <a:ln>
+                            <a:noFill/>
+                          </a:ln>
+                          <a:solidFill>
+                            <a:schemeClr val="tx1"/>
+                          </a:solidFill>
+                          <a:effectLst/>
+                          <a:latin typeface="Arial" charset="0"/>
+                        </a:rPr>
+                        <a:t>ist</a:t>
+                      </a:r>
+                      <a:endParaRPr kumimoji="0" lang="en-US" sz="1000" b="0" i="0" u="none" strike="noStrike" cap="none" normalizeH="0" baseline="0" dirty="0" smtClean="0">
+                        <a:ln>
+                          <a:noFill/>
+                        </a:ln>
+                        <a:solidFill>
+                          <a:schemeClr val="tx1"/>
+                        </a:solidFill>
+                        <a:effectLst/>
+                        <a:latin typeface="Arial" charset="0"/>
+                      </a:endParaRPr>
                     </a:p>
                   </a:txBody>
                   <a:tcPr marL="90488" marR="90488" marT="44450" marB="44450" horzOverflow="overflow">
@@ -5718,23 +7227,37 @@
           <a:p>
             <a:r>
               <a:rPr lang="en-US" sz="1800" dirty="0" smtClean="0"/>
-              <a:t> Christina </a:t>
+              <a:t> </a:t>
             </a:r>
             <a:r>
               <a:rPr lang="de-DE" sz="1800" dirty="0" smtClean="0"/>
-              <a:t>ist 25 Jahre alt und schreibt gerade ihre Doktorarbeit in Physik. Hierfür benötigt sie einige kostenpflichtige Programme, welche sie jedoch über das Rechenzentrum umsonst bekommt.</a:t>
-            </a:r>
-          </a:p>
-          <a:p>
+              <a:t>Hubert ist 48 Jahre alt und Professor der Literaturwissenschaft an der Universität Regensburg. Seine Frau arbeitet ebenfalls an der Universität als Chemie Professorin. </a:t>
+            </a:r>
             <a:r>
               <a:rPr lang="de-DE" sz="1800" dirty="0" smtClean="0"/>
-              <a:t>Das ändern des Passworts macht Christina immer so spät wie möglich, damit Sie ihr aktuelles Passwort so lange wie möglich behalten kann, weshalb Sie ihr Passwort immer direkt über die RZ Seite ändert und nicht über den direktlink in der E-Mail</a:t>
+              <a:t>Ein Kind von ihm studiert noch an der Universität Chemie. Seine restlichen drei Kinder haben bereits fertig studiert und arbeiten in der Wirtschaft. Bei technischen Fragen zu Hause wird bei fragen immer eines der Kinder herangezogen. Auch bei Problemen in der Uni mit Software oder Hardware bezieht Hubert erst seine Kinder mit ein bevor er den Support kontaktiert.</a:t>
             </a:r>
           </a:p>
           <a:p>
             <a:r>
               <a:rPr lang="de-DE" sz="1800" dirty="0" smtClean="0"/>
-              <a:t>Da Christina ihre Ergebnisse lieber auf Papier ausgedruckt auswertet, muss sie regelmäßig ihr Guthaben aufladen</a:t>
+              <a:t>Informationen zu seinen Fragen und Problemen hat Hubert meist auch der Rechenzentrum Seite gefunden, jedoch ist der Weg dorthin für ihn meist sehr beschwerlich, wenn er nicht genau weiß wo er suchen muss.</a:t>
+            </a:r>
+          </a:p>
+          <a:p>
+            <a:r>
+              <a:rPr lang="de-DE" sz="1800" dirty="0" smtClean="0"/>
+              <a:t>Hubert arbeitet außerdem ein bis zwei mal pro Woche von zu Hause aus, je nachdem welche Termine er in der Universität wahrnehmen muss</a:t>
+            </a:r>
+          </a:p>
+          <a:p>
+            <a:r>
+              <a:rPr lang="de-DE" sz="1800" dirty="0" smtClean="0"/>
+              <a:t>Interessiert ist Hubert vor allem am Softwareangebot.</a:t>
+            </a:r>
+            <a:r>
+              <a:rPr lang="de-DE" sz="1800" dirty="0" smtClean="0"/>
+              <a:t> </a:t>
             </a:r>
             <a:endParaRPr lang="en-US" sz="1400" dirty="0"/>
           </a:p>
@@ -5852,131 +7375,70 @@
           <a:lstStyle/>
           <a:p>
             <a:r>
-              <a:rPr lang="de-DE" sz="1800"/>
+              <a:rPr lang="de-DE" sz="1800" dirty="0"/>
               <a:t>Szenario 1:</a:t>
             </a:r>
           </a:p>
           <a:p>
             <a:pPr lvl="1"/>
             <a:r>
-              <a:rPr lang="de-DE" sz="1500" smtClean="0"/>
-              <a:t>Christina </a:t>
-            </a:r>
-            <a:r>
-              <a:rPr lang="de-DE" sz="1500"/>
-              <a:t>soll zunächst </a:t>
-            </a:r>
-            <a:r>
-              <a:rPr lang="de-DE" sz="1500" smtClean="0"/>
-              <a:t>ihr </a:t>
-            </a:r>
-            <a:r>
-              <a:rPr lang="de-DE" sz="1500"/>
-              <a:t>Passwort </a:t>
-            </a:r>
-            <a:r>
-              <a:rPr lang="de-DE" sz="1500" smtClean="0"/>
-              <a:t>ändern und Druckerguthaben aufladen</a:t>
-            </a:r>
-            <a:endParaRPr lang="de-DE" sz="1800"/>
-          </a:p>
-          <a:p>
-            <a:r>
-              <a:rPr lang="de-DE" sz="1800"/>
-              <a:t>Szenario 2</a:t>
-            </a:r>
-            <a:r>
-              <a:rPr lang="de-DE" sz="1800" smtClean="0"/>
-              <a:t>:</a:t>
+              <a:rPr lang="de-DE" sz="1500" dirty="0" smtClean="0"/>
+              <a:t>Hubert ist heute zu Hause und möchte sich ein Programm herunterladen. </a:t>
+            </a:r>
+            <a:r>
+              <a:rPr lang="de-DE" sz="1500" dirty="0" smtClean="0"/>
+              <a:t>Jedoch geht dies nicht ohne VPN. Deswegen informiert sich Hubert wie dies funktioniert und richtet sich seinen VPN Zugang ein.</a:t>
+            </a:r>
+            <a:endParaRPr lang="de-DE" sz="1800" dirty="0" smtClean="0"/>
+          </a:p>
+          <a:p>
+            <a:r>
+              <a:rPr lang="de-DE" sz="1800" dirty="0" smtClean="0"/>
+              <a:t>Szenario 2:</a:t>
             </a:r>
           </a:p>
           <a:p>
             <a:pPr lvl="1"/>
             <a:r>
-              <a:rPr lang="de-DE" sz="1500" smtClean="0"/>
-              <a:t>Christina bekommt demnächst einen neuen Laptop, da </a:t>
-            </a:r>
-            <a:r>
-              <a:rPr lang="de-DE" sz="1500" err="1" smtClean="0"/>
-              <a:t>iher</a:t>
-            </a:r>
-            <a:r>
-              <a:rPr lang="de-DE" sz="1500" smtClean="0"/>
-              <a:t> alter bereits 5 Jahre alt ist und nicht mehr zu gebrauchen ist um größere Auswertungen laufen zu lassen. Deshalb informiert Sie sich, wie sie diesen im Uni Netz anmeldet und wie man das W-</a:t>
-            </a:r>
-            <a:r>
-              <a:rPr lang="de-DE" sz="1500" err="1" smtClean="0"/>
-              <a:t>Lan</a:t>
-            </a:r>
-            <a:r>
-              <a:rPr lang="de-DE" sz="1500" smtClean="0"/>
-              <a:t> einrichtet </a:t>
-            </a:r>
-            <a:endParaRPr lang="de-DE" sz="1500"/>
-          </a:p>
-          <a:p>
-            <a:r>
-              <a:rPr lang="de-DE" sz="1800" smtClean="0"/>
+              <a:rPr lang="de-DE" sz="1500" dirty="0" smtClean="0"/>
+              <a:t>Anschließend macht Hubert auch die Suche nach dem Statistik Programm SPSS und prüft zunächst ob die Angebotene Version mit seinem Rechner kompatibel ist. </a:t>
+            </a:r>
+            <a:endParaRPr lang="de-DE" sz="1500" dirty="0"/>
+          </a:p>
+          <a:p>
+            <a:r>
+              <a:rPr lang="de-DE" sz="1800" dirty="0" smtClean="0"/>
               <a:t>Szenario 3:</a:t>
             </a:r>
           </a:p>
           <a:p>
             <a:pPr lvl="1"/>
             <a:r>
-              <a:rPr lang="de-DE" sz="1500" smtClean="0"/>
-              <a:t>Um jedoch bereits mit der Arbeit anzufangen sucht Christina nach </a:t>
-            </a:r>
-            <a:r>
-              <a:rPr lang="de-DE" sz="1500" err="1" smtClean="0"/>
-              <a:t>Cip</a:t>
-            </a:r>
-            <a:r>
-              <a:rPr lang="de-DE" sz="1500" smtClean="0"/>
-              <a:t> Pools welche </a:t>
-            </a:r>
-            <a:r>
-              <a:rPr lang="de-DE" sz="1500" err="1" smtClean="0"/>
-              <a:t>MathLab</a:t>
-            </a:r>
-            <a:r>
-              <a:rPr lang="de-DE" sz="1500" smtClean="0"/>
-              <a:t> vorinstalliert und einen Drucker haben.</a:t>
-            </a:r>
-            <a:endParaRPr lang="de-DE" sz="1500"/>
-          </a:p>
-          <a:p>
-            <a:r>
-              <a:rPr lang="de-DE" sz="1800" smtClean="0"/>
+              <a:rPr lang="de-DE" sz="1500" dirty="0" smtClean="0"/>
+              <a:t>Da Hubert dieses Semester zum ersten mal seine eigenen Vorlesungen aufzeichnen lassen will, informiert er sich, welche Qualität diese Videos haben werden.</a:t>
+            </a:r>
+          </a:p>
+          <a:p>
+            <a:r>
+              <a:rPr lang="de-DE" sz="1800" dirty="0" smtClean="0"/>
               <a:t>Szenario 4:</a:t>
             </a:r>
-            <a:endParaRPr lang="de-DE" sz="1800"/>
           </a:p>
           <a:p>
             <a:pPr lvl="1"/>
             <a:r>
-              <a:rPr lang="de-DE" sz="1500" smtClean="0"/>
-              <a:t>Da Christina sobald Sie ihren neuen Laptop hat dort mit der Auswertung weiter machen möchte, sucht Sie nach dem Programm (</a:t>
-            </a:r>
-            <a:r>
-              <a:rPr lang="de-DE" sz="1500" err="1" smtClean="0"/>
-              <a:t>MathLab</a:t>
-            </a:r>
-            <a:r>
-              <a:rPr lang="de-DE" sz="1500" smtClean="0"/>
-              <a:t>) auf der RZ-Seite und ob hierfür Installationshilfen angeboten werden.</a:t>
-            </a:r>
+              <a:rPr lang="de-DE" sz="1500" dirty="0" smtClean="0"/>
+              <a:t>Hubert ist mit der Videos zufrieden und beschließt sich nun weiter damit Vertraut zu machen, welche Schritte unternommen werden müssen um seine Vorlesung aufzeichnen zu lassen</a:t>
+            </a:r>
+            <a:endParaRPr lang="de-DE" sz="1500" dirty="0"/>
           </a:p>
           <a:p>
             <a:pPr lvl="1"/>
-            <a:endParaRPr lang="de-DE" sz="1500"/>
+            <a:endParaRPr lang="de-DE" sz="700" dirty="0"/>
           </a:p>
           <a:p>
             <a:pPr lvl="1"/>
-            <a:endParaRPr lang="de-DE" sz="700"/>
-          </a:p>
-          <a:p>
-            <a:pPr lvl="1"/>
-            <a:endParaRPr lang="de-DE" sz="1500"/>
+            <a:endParaRPr lang="de-DE" sz="1500" dirty="0"/>
           </a:p>
         </p:txBody>
       </p:sp>
@@ -6069,17 +7531,17 @@
           <a:lstStyle/>
           <a:p>
             <a:r>
-              <a:rPr lang="de-DE" sz="2800" smtClean="0"/>
+              <a:rPr lang="de-DE" sz="2800" dirty="0" smtClean="0"/>
               <a:t/>
             </a:r>
             <a:br>
-              <a:rPr lang="de-DE" sz="2800" smtClean="0"/>
+              <a:rPr lang="de-DE" sz="2800" dirty="0" smtClean="0"/>
             </a:br>
             <a:r>
-              <a:rPr lang="en-US" sz="2800" b="1" err="1" smtClean="0"/>
+              <a:rPr lang="de-DE" sz="2800" b="1" dirty="0" smtClean="0"/>
               <a:t>Franziska</a:t>
             </a:r>
-            <a:endParaRPr lang="de-DE" sz="2800"/>
+            <a:endParaRPr lang="de-DE" sz="2800" dirty="0"/>
           </a:p>
         </p:txBody>
       </p:sp>
@@ -6092,7 +7554,7 @@
           <p:nvPr>
             <p:extLst>
               <p:ext uri="{D42A27DB-BD31-4B8C-83A1-F6EECF244321}">
-                <p14:modId xmlns:p14="http://schemas.microsoft.com/office/powerpoint/2010/main" val="129454792"/>
+                <p14:modId xmlns:p14="http://schemas.microsoft.com/office/powerpoint/2010/main" val="1525238180"/>
               </p:ext>
             </p:extLst>
           </p:nvPr>
@@ -6212,16 +7674,6 @@
                         </a:rPr>
                         <a:t>42</a:t>
                       </a:r>
-                      <a:endParaRPr kumimoji="0" lang="en-US" sz="1000" b="0" i="0" u="none" strike="noStrike" cap="none" normalizeH="0" baseline="0" dirty="0" smtClean="0">
-                        <a:ln>
-                          <a:noFill/>
-                        </a:ln>
-                        <a:solidFill>
-                          <a:schemeClr val="tx1"/>
-                        </a:solidFill>
-                        <a:effectLst/>
-                        <a:latin typeface="Arial" charset="0"/>
-                      </a:endParaRPr>
                     </a:p>
                   </a:txBody>
                   <a:tcPr marL="90488" marR="90488" marT="44450" marB="44450" horzOverflow="overflow">
@@ -6553,6 +8005,19 @@
                         <a:defRPr/>
                       </a:pPr>
                       <a:r>
+                        <a:rPr kumimoji="0" lang="en-US" sz="1000" b="0" i="0" u="none" strike="noStrike" cap="none" normalizeH="0" baseline="0" dirty="0" err="1" smtClean="0">
+                          <a:ln>
+                            <a:noFill/>
+                          </a:ln>
+                          <a:solidFill>
+                            <a:schemeClr val="tx1"/>
+                          </a:solidFill>
+                          <a:effectLst/>
+                          <a:latin typeface="Arial" charset="0"/>
+                        </a:rPr>
+                        <a:t>Erst</a:t>
+                      </a:r>
+                      <a:r>
                         <a:rPr kumimoji="0" lang="en-US" sz="1000" b="0" i="0" u="none" strike="noStrike" cap="none" normalizeH="0" baseline="0" dirty="0" smtClean="0">
                           <a:ln>
                             <a:noFill/>
@@ -6563,8 +8028,652 @@
                           <a:effectLst/>
                           <a:latin typeface="Arial" charset="0"/>
                         </a:rPr>
-                        <a:t>…</a:t>
-                      </a:r>
+                        <a:t> </a:t>
+                      </a:r>
+                      <a:r>
+                        <a:rPr kumimoji="0" lang="en-US" sz="1000" b="0" i="0" u="none" strike="noStrike" cap="none" normalizeH="0" baseline="0" dirty="0" err="1" smtClean="0">
+                          <a:ln>
+                            <a:noFill/>
+                          </a:ln>
+                          <a:solidFill>
+                            <a:schemeClr val="tx1"/>
+                          </a:solidFill>
+                          <a:effectLst/>
+                          <a:latin typeface="Arial" charset="0"/>
+                        </a:rPr>
+                        <a:t>seit</a:t>
+                      </a:r>
+                      <a:r>
+                        <a:rPr kumimoji="0" lang="en-US" sz="1000" b="0" i="0" u="none" strike="noStrike" cap="none" normalizeH="0" baseline="0" dirty="0" smtClean="0">
+                          <a:ln>
+                            <a:noFill/>
+                          </a:ln>
+                          <a:solidFill>
+                            <a:schemeClr val="tx1"/>
+                          </a:solidFill>
+                          <a:effectLst/>
+                          <a:latin typeface="Arial" charset="0"/>
+                        </a:rPr>
+                        <a:t> </a:t>
+                      </a:r>
+                      <a:r>
+                        <a:rPr kumimoji="0" lang="en-US" sz="1000" b="0" i="0" u="none" strike="noStrike" cap="none" normalizeH="0" baseline="0" dirty="0" err="1" smtClean="0">
+                          <a:ln>
+                            <a:noFill/>
+                          </a:ln>
+                          <a:solidFill>
+                            <a:schemeClr val="tx1"/>
+                          </a:solidFill>
+                          <a:effectLst/>
+                          <a:latin typeface="Arial" charset="0"/>
+                        </a:rPr>
+                        <a:t>kurzem</a:t>
+                      </a:r>
+                      <a:r>
+                        <a:rPr kumimoji="0" lang="en-US" sz="1000" b="0" i="0" u="none" strike="noStrike" cap="none" normalizeH="0" baseline="0" dirty="0" smtClean="0">
+                          <a:ln>
+                            <a:noFill/>
+                          </a:ln>
+                          <a:solidFill>
+                            <a:schemeClr val="tx1"/>
+                          </a:solidFill>
+                          <a:effectLst/>
+                          <a:latin typeface="Arial" charset="0"/>
+                        </a:rPr>
+                        <a:t> an der </a:t>
+                      </a:r>
+                      <a:r>
+                        <a:rPr kumimoji="0" lang="en-US" sz="1000" b="0" i="0" u="none" strike="noStrike" cap="none" normalizeH="0" baseline="0" dirty="0" err="1" smtClean="0">
+                          <a:ln>
+                            <a:noFill/>
+                          </a:ln>
+                          <a:solidFill>
+                            <a:schemeClr val="tx1"/>
+                          </a:solidFill>
+                          <a:effectLst/>
+                          <a:latin typeface="Arial" charset="0"/>
+                        </a:rPr>
+                        <a:t>Universität</a:t>
+                      </a:r>
+                      <a:r>
+                        <a:rPr kumimoji="0" lang="en-US" sz="1000" b="0" i="0" u="none" strike="noStrike" cap="none" normalizeH="0" baseline="0" dirty="0" smtClean="0">
+                          <a:ln>
+                            <a:noFill/>
+                          </a:ln>
+                          <a:solidFill>
+                            <a:schemeClr val="tx1"/>
+                          </a:solidFill>
+                          <a:effectLst/>
+                          <a:latin typeface="Arial" charset="0"/>
+                        </a:rPr>
+                        <a:t> und muss </a:t>
+                      </a:r>
+                      <a:r>
+                        <a:rPr kumimoji="0" lang="en-US" sz="1000" b="0" i="0" u="none" strike="noStrike" cap="none" normalizeH="0" baseline="0" dirty="0" err="1" smtClean="0">
+                          <a:ln>
+                            <a:noFill/>
+                          </a:ln>
+                          <a:solidFill>
+                            <a:schemeClr val="tx1"/>
+                          </a:solidFill>
+                          <a:effectLst/>
+                          <a:latin typeface="Arial" charset="0"/>
+                        </a:rPr>
+                        <a:t>sich</a:t>
+                      </a:r>
+                      <a:r>
+                        <a:rPr kumimoji="0" lang="en-US" sz="1000" b="0" i="0" u="none" strike="noStrike" cap="none" normalizeH="0" baseline="0" dirty="0" smtClean="0">
+                          <a:ln>
+                            <a:noFill/>
+                          </a:ln>
+                          <a:solidFill>
+                            <a:schemeClr val="tx1"/>
+                          </a:solidFill>
+                          <a:effectLst/>
+                          <a:latin typeface="Arial" charset="0"/>
+                        </a:rPr>
+                        <a:t> </a:t>
+                      </a:r>
+                      <a:r>
+                        <a:rPr kumimoji="0" lang="en-US" sz="1000" b="0" i="0" u="none" strike="noStrike" cap="none" normalizeH="0" baseline="0" dirty="0" err="1" smtClean="0">
+                          <a:ln>
+                            <a:noFill/>
+                          </a:ln>
+                          <a:solidFill>
+                            <a:schemeClr val="tx1"/>
+                          </a:solidFill>
+                          <a:effectLst/>
+                          <a:latin typeface="Arial" charset="0"/>
+                        </a:rPr>
+                        <a:t>noch</a:t>
+                      </a:r>
+                      <a:r>
+                        <a:rPr kumimoji="0" lang="en-US" sz="1000" b="0" i="0" u="none" strike="noStrike" cap="none" normalizeH="0" baseline="0" dirty="0" smtClean="0">
+                          <a:ln>
+                            <a:noFill/>
+                          </a:ln>
+                          <a:solidFill>
+                            <a:schemeClr val="tx1"/>
+                          </a:solidFill>
+                          <a:effectLst/>
+                          <a:latin typeface="Arial" charset="0"/>
+                        </a:rPr>
+                        <a:t> </a:t>
+                      </a:r>
+                      <a:r>
+                        <a:rPr kumimoji="0" lang="en-US" sz="1000" b="0" i="0" u="none" strike="noStrike" cap="none" normalizeH="0" baseline="0" dirty="0" err="1" smtClean="0">
+                          <a:ln>
+                            <a:noFill/>
+                          </a:ln>
+                          <a:solidFill>
+                            <a:schemeClr val="tx1"/>
+                          </a:solidFill>
+                          <a:effectLst/>
+                          <a:latin typeface="Arial" charset="0"/>
+                        </a:rPr>
+                        <a:t>zurecht</a:t>
+                      </a:r>
+                      <a:r>
+                        <a:rPr kumimoji="0" lang="en-US" sz="1000" b="0" i="0" u="none" strike="noStrike" cap="none" normalizeH="0" baseline="0" dirty="0" smtClean="0">
+                          <a:ln>
+                            <a:noFill/>
+                          </a:ln>
+                          <a:solidFill>
+                            <a:schemeClr val="tx1"/>
+                          </a:solidFill>
+                          <a:effectLst/>
+                          <a:latin typeface="Arial" charset="0"/>
+                        </a:rPr>
+                        <a:t> </a:t>
+                      </a:r>
+                      <a:r>
+                        <a:rPr kumimoji="0" lang="en-US" sz="1000" b="0" i="0" u="none" strike="noStrike" cap="none" normalizeH="0" baseline="0" dirty="0" err="1" smtClean="0">
+                          <a:ln>
+                            <a:noFill/>
+                          </a:ln>
+                          <a:solidFill>
+                            <a:schemeClr val="tx1"/>
+                          </a:solidFill>
+                          <a:effectLst/>
+                          <a:latin typeface="Arial" charset="0"/>
+                        </a:rPr>
+                        <a:t>finden</a:t>
+                      </a:r>
+                      <a:endParaRPr kumimoji="0" lang="en-US" sz="1000" b="0" i="0" u="none" strike="noStrike" cap="none" normalizeH="0" baseline="0" dirty="0" smtClean="0">
+                        <a:ln>
+                          <a:noFill/>
+                        </a:ln>
+                        <a:solidFill>
+                          <a:schemeClr val="tx1"/>
+                        </a:solidFill>
+                        <a:effectLst/>
+                        <a:latin typeface="Arial" charset="0"/>
+                      </a:endParaRPr>
+                    </a:p>
+                    <a:p>
+                      <a:pPr marL="0" marR="0" lvl="0" indent="0" algn="l" defTabSz="914400" rtl="0" eaLnBrk="1" fontAlgn="base" latinLnBrk="0" hangingPunct="1">
+                        <a:lnSpc>
+                          <a:spcPct val="100000"/>
+                        </a:lnSpc>
+                        <a:spcBef>
+                          <a:spcPct val="20000"/>
+                        </a:spcBef>
+                        <a:spcAft>
+                          <a:spcPct val="0"/>
+                        </a:spcAft>
+                        <a:buClr>
+                          <a:schemeClr val="accent2"/>
+                        </a:buClr>
+                        <a:buSzPct val="100000"/>
+                        <a:buFont typeface="Wingdings" pitchFamily="2" charset="2"/>
+                        <a:buChar char="§"/>
+                        <a:tabLst/>
+                        <a:defRPr/>
+                      </a:pPr>
+                      <a:r>
+                        <a:rPr kumimoji="0" lang="en-US" sz="1000" b="0" i="0" u="none" strike="noStrike" cap="none" normalizeH="0" baseline="0" dirty="0" err="1" smtClean="0">
+                          <a:ln>
+                            <a:noFill/>
+                          </a:ln>
+                          <a:solidFill>
+                            <a:schemeClr val="tx1"/>
+                          </a:solidFill>
+                          <a:effectLst/>
+                          <a:latin typeface="Arial" charset="0"/>
+                        </a:rPr>
+                        <a:t>Lässt</a:t>
+                      </a:r>
+                      <a:r>
+                        <a:rPr kumimoji="0" lang="en-US" sz="1000" b="0" i="0" u="none" strike="noStrike" cap="none" normalizeH="0" baseline="0" dirty="0" smtClean="0">
+                          <a:ln>
+                            <a:noFill/>
+                          </a:ln>
+                          <a:solidFill>
+                            <a:schemeClr val="tx1"/>
+                          </a:solidFill>
+                          <a:effectLst/>
+                          <a:latin typeface="Arial" charset="0"/>
+                        </a:rPr>
+                        <a:t> </a:t>
+                      </a:r>
+                      <a:r>
+                        <a:rPr kumimoji="0" lang="en-US" sz="1000" b="0" i="0" u="none" strike="noStrike" cap="none" normalizeH="0" baseline="0" dirty="0" err="1" smtClean="0">
+                          <a:ln>
+                            <a:noFill/>
+                          </a:ln>
+                          <a:solidFill>
+                            <a:schemeClr val="tx1"/>
+                          </a:solidFill>
+                          <a:effectLst/>
+                          <a:latin typeface="Arial" charset="0"/>
+                        </a:rPr>
+                        <a:t>technische</a:t>
+                      </a:r>
+                      <a:r>
+                        <a:rPr kumimoji="0" lang="en-US" sz="1000" b="0" i="0" u="none" strike="noStrike" cap="none" normalizeH="0" baseline="0" dirty="0" smtClean="0">
+                          <a:ln>
+                            <a:noFill/>
+                          </a:ln>
+                          <a:solidFill>
+                            <a:schemeClr val="tx1"/>
+                          </a:solidFill>
+                          <a:effectLst/>
+                          <a:latin typeface="Arial" charset="0"/>
+                        </a:rPr>
+                        <a:t> </a:t>
+                      </a:r>
+                      <a:r>
+                        <a:rPr kumimoji="0" lang="en-US" sz="1000" b="0" i="0" u="none" strike="noStrike" cap="none" normalizeH="0" baseline="0" dirty="0" err="1" smtClean="0">
+                          <a:ln>
+                            <a:noFill/>
+                          </a:ln>
+                          <a:solidFill>
+                            <a:schemeClr val="tx1"/>
+                          </a:solidFill>
+                          <a:effectLst/>
+                          <a:latin typeface="Arial" charset="0"/>
+                        </a:rPr>
+                        <a:t>Sachen</a:t>
+                      </a:r>
+                      <a:r>
+                        <a:rPr kumimoji="0" lang="en-US" sz="1000" b="0" i="0" u="none" strike="noStrike" cap="none" normalizeH="0" baseline="0" dirty="0" smtClean="0">
+                          <a:ln>
+                            <a:noFill/>
+                          </a:ln>
+                          <a:solidFill>
+                            <a:schemeClr val="tx1"/>
+                          </a:solidFill>
+                          <a:effectLst/>
+                          <a:latin typeface="Arial" charset="0"/>
+                        </a:rPr>
+                        <a:t> </a:t>
+                      </a:r>
+                      <a:r>
+                        <a:rPr kumimoji="0" lang="en-US" sz="1000" b="0" i="0" u="none" strike="noStrike" cap="none" normalizeH="0" baseline="0" dirty="0" err="1" smtClean="0">
+                          <a:ln>
+                            <a:noFill/>
+                          </a:ln>
+                          <a:solidFill>
+                            <a:schemeClr val="tx1"/>
+                          </a:solidFill>
+                          <a:effectLst/>
+                          <a:latin typeface="Arial" charset="0"/>
+                        </a:rPr>
+                        <a:t>sofern</a:t>
+                      </a:r>
+                      <a:r>
+                        <a:rPr kumimoji="0" lang="en-US" sz="1000" b="0" i="0" u="none" strike="noStrike" cap="none" normalizeH="0" baseline="0" dirty="0" smtClean="0">
+                          <a:ln>
+                            <a:noFill/>
+                          </a:ln>
+                          <a:solidFill>
+                            <a:schemeClr val="tx1"/>
+                          </a:solidFill>
+                          <a:effectLst/>
+                          <a:latin typeface="Arial" charset="0"/>
+                        </a:rPr>
+                        <a:t> </a:t>
+                      </a:r>
+                      <a:r>
+                        <a:rPr kumimoji="0" lang="en-US" sz="1000" b="0" i="0" u="none" strike="noStrike" cap="none" normalizeH="0" baseline="0" dirty="0" err="1" smtClean="0">
+                          <a:ln>
+                            <a:noFill/>
+                          </a:ln>
+                          <a:solidFill>
+                            <a:schemeClr val="tx1"/>
+                          </a:solidFill>
+                          <a:effectLst/>
+                          <a:latin typeface="Arial" charset="0"/>
+                        </a:rPr>
+                        <a:t>sie</a:t>
+                      </a:r>
+                      <a:r>
+                        <a:rPr kumimoji="0" lang="en-US" sz="1000" b="0" i="0" u="none" strike="noStrike" cap="none" normalizeH="0" baseline="0" dirty="0" smtClean="0">
+                          <a:ln>
+                            <a:noFill/>
+                          </a:ln>
+                          <a:solidFill>
+                            <a:schemeClr val="tx1"/>
+                          </a:solidFill>
+                          <a:effectLst/>
+                          <a:latin typeface="Arial" charset="0"/>
+                        </a:rPr>
+                        <a:t> </a:t>
+                      </a:r>
+                      <a:r>
+                        <a:rPr kumimoji="0" lang="en-US" sz="1000" b="0" i="0" u="none" strike="noStrike" cap="none" normalizeH="0" baseline="0" dirty="0" err="1" smtClean="0">
+                          <a:ln>
+                            <a:noFill/>
+                          </a:ln>
+                          <a:solidFill>
+                            <a:schemeClr val="tx1"/>
+                          </a:solidFill>
+                          <a:effectLst/>
+                          <a:latin typeface="Arial" charset="0"/>
+                        </a:rPr>
+                        <a:t>umsonst</a:t>
+                      </a:r>
+                      <a:r>
+                        <a:rPr kumimoji="0" lang="en-US" sz="1000" b="0" i="0" u="none" strike="noStrike" cap="none" normalizeH="0" baseline="0" dirty="0" smtClean="0">
+                          <a:ln>
+                            <a:noFill/>
+                          </a:ln>
+                          <a:solidFill>
+                            <a:schemeClr val="tx1"/>
+                          </a:solidFill>
+                          <a:effectLst/>
+                          <a:latin typeface="Arial" charset="0"/>
+                        </a:rPr>
+                        <a:t> </a:t>
+                      </a:r>
+                      <a:r>
+                        <a:rPr kumimoji="0" lang="en-US" sz="1000" b="0" i="0" u="none" strike="noStrike" cap="none" normalizeH="0" baseline="0" dirty="0" err="1" smtClean="0">
+                          <a:ln>
+                            <a:noFill/>
+                          </a:ln>
+                          <a:solidFill>
+                            <a:schemeClr val="tx1"/>
+                          </a:solidFill>
+                          <a:effectLst/>
+                          <a:latin typeface="Arial" charset="0"/>
+                        </a:rPr>
+                        <a:t>gemacht</a:t>
+                      </a:r>
+                      <a:r>
+                        <a:rPr kumimoji="0" lang="en-US" sz="1000" b="0" i="0" u="none" strike="noStrike" cap="none" normalizeH="0" baseline="0" dirty="0" smtClean="0">
+                          <a:ln>
+                            <a:noFill/>
+                          </a:ln>
+                          <a:solidFill>
+                            <a:schemeClr val="tx1"/>
+                          </a:solidFill>
+                          <a:effectLst/>
+                          <a:latin typeface="Arial" charset="0"/>
+                        </a:rPr>
+                        <a:t> warden den Support </a:t>
+                      </a:r>
+                      <a:r>
+                        <a:rPr kumimoji="0" lang="en-US" sz="1000" b="0" i="0" u="none" strike="noStrike" cap="none" normalizeH="0" baseline="0" dirty="0" err="1" smtClean="0">
+                          <a:ln>
+                            <a:noFill/>
+                          </a:ln>
+                          <a:solidFill>
+                            <a:schemeClr val="tx1"/>
+                          </a:solidFill>
+                          <a:effectLst/>
+                          <a:latin typeface="Arial" charset="0"/>
+                        </a:rPr>
+                        <a:t>erledigen</a:t>
+                      </a:r>
+                      <a:endParaRPr kumimoji="0" lang="en-US" sz="1000" b="0" i="0" u="none" strike="noStrike" cap="none" normalizeH="0" baseline="0" dirty="0" smtClean="0">
+                        <a:ln>
+                          <a:noFill/>
+                        </a:ln>
+                        <a:solidFill>
+                          <a:schemeClr val="tx1"/>
+                        </a:solidFill>
+                        <a:effectLst/>
+                        <a:latin typeface="Arial" charset="0"/>
+                      </a:endParaRPr>
+                    </a:p>
+                    <a:p>
+                      <a:pPr marL="0" marR="0" lvl="0" indent="0" algn="l" defTabSz="914400" rtl="0" eaLnBrk="1" fontAlgn="base" latinLnBrk="0" hangingPunct="1">
+                        <a:lnSpc>
+                          <a:spcPct val="100000"/>
+                        </a:lnSpc>
+                        <a:spcBef>
+                          <a:spcPct val="20000"/>
+                        </a:spcBef>
+                        <a:spcAft>
+                          <a:spcPct val="0"/>
+                        </a:spcAft>
+                        <a:buClr>
+                          <a:schemeClr val="accent2"/>
+                        </a:buClr>
+                        <a:buSzPct val="100000"/>
+                        <a:buFont typeface="Wingdings" pitchFamily="2" charset="2"/>
+                        <a:buChar char="§"/>
+                        <a:tabLst/>
+                        <a:defRPr/>
+                      </a:pPr>
+                      <a:r>
+                        <a:rPr kumimoji="0" lang="en-US" sz="1000" b="0" i="0" u="none" strike="noStrike" cap="none" normalizeH="0" baseline="0" dirty="0" err="1" smtClean="0">
+                          <a:ln>
+                            <a:noFill/>
+                          </a:ln>
+                          <a:solidFill>
+                            <a:schemeClr val="tx1"/>
+                          </a:solidFill>
+                          <a:effectLst/>
+                          <a:latin typeface="Arial" charset="0"/>
+                        </a:rPr>
+                        <a:t>Ist</a:t>
+                      </a:r>
+                      <a:r>
+                        <a:rPr kumimoji="0" lang="en-US" sz="1000" b="0" i="0" u="none" strike="noStrike" cap="none" normalizeH="0" baseline="0" dirty="0" smtClean="0">
+                          <a:ln>
+                            <a:noFill/>
+                          </a:ln>
+                          <a:solidFill>
+                            <a:schemeClr val="tx1"/>
+                          </a:solidFill>
+                          <a:effectLst/>
+                          <a:latin typeface="Arial" charset="0"/>
+                        </a:rPr>
+                        <a:t> </a:t>
+                      </a:r>
+                      <a:r>
+                        <a:rPr kumimoji="0" lang="en-US" sz="1000" b="0" i="0" u="none" strike="noStrike" cap="none" normalizeH="0" baseline="0" dirty="0" err="1" smtClean="0">
+                          <a:ln>
+                            <a:noFill/>
+                          </a:ln>
+                          <a:solidFill>
+                            <a:schemeClr val="tx1"/>
+                          </a:solidFill>
+                          <a:effectLst/>
+                          <a:latin typeface="Arial" charset="0"/>
+                        </a:rPr>
+                        <a:t>ein</a:t>
+                      </a:r>
+                      <a:r>
+                        <a:rPr kumimoji="0" lang="en-US" sz="1000" b="0" i="0" u="none" strike="noStrike" cap="none" normalizeH="0" baseline="0" dirty="0" smtClean="0">
+                          <a:ln>
+                            <a:noFill/>
+                          </a:ln>
+                          <a:solidFill>
+                            <a:schemeClr val="tx1"/>
+                          </a:solidFill>
+                          <a:effectLst/>
+                          <a:latin typeface="Arial" charset="0"/>
+                        </a:rPr>
+                        <a:t> </a:t>
+                      </a:r>
+                      <a:r>
+                        <a:rPr kumimoji="0" lang="en-US" sz="1000" b="0" i="0" u="none" strike="noStrike" cap="none" normalizeH="0" baseline="0" dirty="0" err="1" smtClean="0">
+                          <a:ln>
+                            <a:noFill/>
+                          </a:ln>
+                          <a:solidFill>
+                            <a:schemeClr val="tx1"/>
+                          </a:solidFill>
+                          <a:effectLst/>
+                          <a:latin typeface="Arial" charset="0"/>
+                        </a:rPr>
+                        <a:t>sehr</a:t>
+                      </a:r>
+                      <a:r>
+                        <a:rPr kumimoji="0" lang="en-US" sz="1000" b="0" i="0" u="none" strike="noStrike" cap="none" normalizeH="0" baseline="0" dirty="0" smtClean="0">
+                          <a:ln>
+                            <a:noFill/>
+                          </a:ln>
+                          <a:solidFill>
+                            <a:schemeClr val="tx1"/>
+                          </a:solidFill>
+                          <a:effectLst/>
+                          <a:latin typeface="Arial" charset="0"/>
+                        </a:rPr>
+                        <a:t> </a:t>
+                      </a:r>
+                      <a:r>
+                        <a:rPr kumimoji="0" lang="en-US" sz="1000" b="0" i="0" u="none" strike="noStrike" cap="none" normalizeH="0" baseline="0" dirty="0" err="1" smtClean="0">
+                          <a:ln>
+                            <a:noFill/>
+                          </a:ln>
+                          <a:solidFill>
+                            <a:schemeClr val="tx1"/>
+                          </a:solidFill>
+                          <a:effectLst/>
+                          <a:latin typeface="Arial" charset="0"/>
+                        </a:rPr>
+                        <a:t>ordentlicher</a:t>
+                      </a:r>
+                      <a:r>
+                        <a:rPr kumimoji="0" lang="en-US" sz="1000" b="0" i="0" u="none" strike="noStrike" cap="none" normalizeH="0" baseline="0" dirty="0" smtClean="0">
+                          <a:ln>
+                            <a:noFill/>
+                          </a:ln>
+                          <a:solidFill>
+                            <a:schemeClr val="tx1"/>
+                          </a:solidFill>
+                          <a:effectLst/>
+                          <a:latin typeface="Arial" charset="0"/>
+                        </a:rPr>
+                        <a:t> Mensch und mag </a:t>
+                      </a:r>
+                      <a:r>
+                        <a:rPr kumimoji="0" lang="en-US" sz="1000" b="0" i="0" u="none" strike="noStrike" cap="none" normalizeH="0" baseline="0" dirty="0" err="1" smtClean="0">
+                          <a:ln>
+                            <a:noFill/>
+                          </a:ln>
+                          <a:solidFill>
+                            <a:schemeClr val="tx1"/>
+                          </a:solidFill>
+                          <a:effectLst/>
+                          <a:latin typeface="Arial" charset="0"/>
+                        </a:rPr>
+                        <a:t>deshalb</a:t>
+                      </a:r>
+                      <a:r>
+                        <a:rPr kumimoji="0" lang="en-US" sz="1000" b="0" i="0" u="none" strike="noStrike" cap="none" normalizeH="0" baseline="0" dirty="0" smtClean="0">
+                          <a:ln>
+                            <a:noFill/>
+                          </a:ln>
+                          <a:solidFill>
+                            <a:schemeClr val="tx1"/>
+                          </a:solidFill>
+                          <a:effectLst/>
+                          <a:latin typeface="Arial" charset="0"/>
+                        </a:rPr>
+                        <a:t> </a:t>
+                      </a:r>
+                      <a:r>
+                        <a:rPr kumimoji="0" lang="en-US" sz="1000" b="0" i="0" u="none" strike="noStrike" cap="none" normalizeH="0" baseline="0" dirty="0" err="1" smtClean="0">
+                          <a:ln>
+                            <a:noFill/>
+                          </a:ln>
+                          <a:solidFill>
+                            <a:schemeClr val="tx1"/>
+                          </a:solidFill>
+                          <a:effectLst/>
+                          <a:latin typeface="Arial" charset="0"/>
+                        </a:rPr>
+                        <a:t>auch</a:t>
+                      </a:r>
+                      <a:r>
+                        <a:rPr kumimoji="0" lang="en-US" sz="1000" b="0" i="0" u="none" strike="noStrike" cap="none" normalizeH="0" baseline="0" dirty="0" smtClean="0">
+                          <a:ln>
+                            <a:noFill/>
+                          </a:ln>
+                          <a:solidFill>
+                            <a:schemeClr val="tx1"/>
+                          </a:solidFill>
+                          <a:effectLst/>
+                          <a:latin typeface="Arial" charset="0"/>
+                        </a:rPr>
+                        <a:t> </a:t>
+                      </a:r>
+                      <a:r>
+                        <a:rPr kumimoji="0" lang="en-US" sz="1000" b="0" i="0" u="none" strike="noStrike" cap="none" normalizeH="0" baseline="0" dirty="0" err="1" smtClean="0">
+                          <a:ln>
+                            <a:noFill/>
+                          </a:ln>
+                          <a:solidFill>
+                            <a:schemeClr val="tx1"/>
+                          </a:solidFill>
+                          <a:effectLst/>
+                          <a:latin typeface="Arial" charset="0"/>
+                        </a:rPr>
+                        <a:t>aufgeräumte</a:t>
+                      </a:r>
+                      <a:r>
+                        <a:rPr kumimoji="0" lang="en-US" sz="1000" b="0" i="0" u="none" strike="noStrike" cap="none" normalizeH="0" baseline="0" dirty="0" smtClean="0">
+                          <a:ln>
+                            <a:noFill/>
+                          </a:ln>
+                          <a:solidFill>
+                            <a:schemeClr val="tx1"/>
+                          </a:solidFill>
+                          <a:effectLst/>
+                          <a:latin typeface="Arial" charset="0"/>
+                        </a:rPr>
+                        <a:t> </a:t>
+                      </a:r>
+                      <a:r>
+                        <a:rPr kumimoji="0" lang="en-US" sz="1000" b="0" i="0" u="none" strike="noStrike" cap="none" normalizeH="0" baseline="0" dirty="0" err="1" smtClean="0">
+                          <a:ln>
+                            <a:noFill/>
+                          </a:ln>
+                          <a:solidFill>
+                            <a:schemeClr val="tx1"/>
+                          </a:solidFill>
+                          <a:effectLst/>
+                          <a:latin typeface="Arial" charset="0"/>
+                        </a:rPr>
+                        <a:t>Strukturen</a:t>
+                      </a:r>
+                      <a:r>
+                        <a:rPr kumimoji="0" lang="en-US" sz="1000" b="0" i="0" u="none" strike="noStrike" cap="none" normalizeH="0" baseline="0" dirty="0" smtClean="0">
+                          <a:ln>
+                            <a:noFill/>
+                          </a:ln>
+                          <a:solidFill>
+                            <a:schemeClr val="tx1"/>
+                          </a:solidFill>
+                          <a:effectLst/>
+                          <a:latin typeface="Arial" charset="0"/>
+                        </a:rPr>
+                        <a:t> </a:t>
+                      </a:r>
+                      <a:endParaRPr kumimoji="0" lang="en-US" sz="1000" b="0" i="0" u="none" strike="noStrike" cap="none" normalizeH="0" baseline="0" dirty="0" smtClean="0">
+                        <a:ln>
+                          <a:noFill/>
+                        </a:ln>
+                        <a:solidFill>
+                          <a:schemeClr val="tx1"/>
+                        </a:solidFill>
+                        <a:effectLst/>
+                        <a:latin typeface="Arial" charset="0"/>
+                      </a:endParaRPr>
                     </a:p>
                   </a:txBody>
                   <a:tcPr marL="90488" marR="90488" marT="44450" marB="44450" horzOverflow="overflow">
@@ -6787,18 +8896,370 @@
                         <a:tabLst/>
                       </a:pPr>
                       <a:r>
-                        <a:rPr kumimoji="0" lang="en-US" sz="1000" b="0" i="0" u="none" strike="noStrike" cap="none" normalizeH="0" baseline="0" smtClean="0">
-                          <a:ln>
-                            <a:noFill/>
-                          </a:ln>
-                          <a:solidFill>
-                            <a:schemeClr val="tx1"/>
-                          </a:solidFill>
-                          <a:effectLst/>
-                          <a:latin typeface="Arial" charset="0"/>
-                        </a:rPr>
-                        <a:t> …</a:t>
-                      </a:r>
+                        <a:rPr kumimoji="0" lang="en-US" sz="1000" b="0" i="0" u="none" strike="noStrike" cap="none" normalizeH="0" baseline="0" dirty="0" smtClean="0">
+                          <a:ln>
+                            <a:noFill/>
+                          </a:ln>
+                          <a:solidFill>
+                            <a:schemeClr val="tx1"/>
+                          </a:solidFill>
+                          <a:effectLst/>
+                          <a:latin typeface="Arial" charset="0"/>
+                        </a:rPr>
+                        <a:t> </a:t>
+                      </a:r>
+                      <a:r>
+                        <a:rPr kumimoji="0" lang="en-US" sz="1000" b="0" i="0" u="none" strike="noStrike" cap="none" normalizeH="0" baseline="0" dirty="0" smtClean="0">
+                          <a:ln>
+                            <a:noFill/>
+                          </a:ln>
+                          <a:solidFill>
+                            <a:schemeClr val="tx1"/>
+                          </a:solidFill>
+                          <a:effectLst/>
+                          <a:latin typeface="Arial" charset="0"/>
+                        </a:rPr>
+                        <a:t>Solange </a:t>
+                      </a:r>
+                      <a:r>
+                        <a:rPr kumimoji="0" lang="en-US" sz="1000" b="0" i="0" u="none" strike="noStrike" cap="none" normalizeH="0" baseline="0" dirty="0" err="1" smtClean="0">
+                          <a:ln>
+                            <a:noFill/>
+                          </a:ln>
+                          <a:solidFill>
+                            <a:schemeClr val="tx1"/>
+                          </a:solidFill>
+                          <a:effectLst/>
+                          <a:latin typeface="Arial" charset="0"/>
+                        </a:rPr>
+                        <a:t>eine</a:t>
+                      </a:r>
+                      <a:r>
+                        <a:rPr kumimoji="0" lang="en-US" sz="1000" b="0" i="0" u="none" strike="noStrike" cap="none" normalizeH="0" baseline="0" dirty="0" smtClean="0">
+                          <a:ln>
+                            <a:noFill/>
+                          </a:ln>
+                          <a:solidFill>
+                            <a:schemeClr val="tx1"/>
+                          </a:solidFill>
+                          <a:effectLst/>
+                          <a:latin typeface="Arial" charset="0"/>
+                        </a:rPr>
+                        <a:t> </a:t>
+                      </a:r>
+                      <a:r>
+                        <a:rPr kumimoji="0" lang="en-US" sz="1000" b="0" i="0" u="none" strike="noStrike" cap="none" normalizeH="0" baseline="0" dirty="0" err="1" smtClean="0">
+                          <a:ln>
+                            <a:noFill/>
+                          </a:ln>
+                          <a:solidFill>
+                            <a:schemeClr val="tx1"/>
+                          </a:solidFill>
+                          <a:effectLst/>
+                          <a:latin typeface="Arial" charset="0"/>
+                        </a:rPr>
+                        <a:t>einheitliche</a:t>
+                      </a:r>
+                      <a:r>
+                        <a:rPr kumimoji="0" lang="en-US" sz="1000" b="0" i="0" u="none" strike="noStrike" cap="none" normalizeH="0" baseline="0" dirty="0" smtClean="0">
+                          <a:ln>
+                            <a:noFill/>
+                          </a:ln>
+                          <a:solidFill>
+                            <a:schemeClr val="tx1"/>
+                          </a:solidFill>
+                          <a:effectLst/>
+                          <a:latin typeface="Arial" charset="0"/>
+                        </a:rPr>
+                        <a:t> </a:t>
+                      </a:r>
+                      <a:r>
+                        <a:rPr kumimoji="0" lang="en-US" sz="1000" b="0" i="0" u="none" strike="noStrike" cap="none" normalizeH="0" baseline="0" dirty="0" err="1" smtClean="0">
+                          <a:ln>
+                            <a:noFill/>
+                          </a:ln>
+                          <a:solidFill>
+                            <a:schemeClr val="tx1"/>
+                          </a:solidFill>
+                          <a:effectLst/>
+                          <a:latin typeface="Arial" charset="0"/>
+                        </a:rPr>
+                        <a:t>Struktur</a:t>
+                      </a:r>
+                      <a:r>
+                        <a:rPr kumimoji="0" lang="en-US" sz="1000" b="0" i="0" u="none" strike="noStrike" cap="none" normalizeH="0" baseline="0" dirty="0" smtClean="0">
+                          <a:ln>
+                            <a:noFill/>
+                          </a:ln>
+                          <a:solidFill>
+                            <a:schemeClr val="tx1"/>
+                          </a:solidFill>
+                          <a:effectLst/>
+                          <a:latin typeface="Arial" charset="0"/>
+                        </a:rPr>
+                        <a:t> und </a:t>
+                      </a:r>
+                      <a:r>
+                        <a:rPr kumimoji="0" lang="en-US" sz="1000" b="0" i="0" u="none" strike="noStrike" cap="none" normalizeH="0" baseline="0" dirty="0" err="1" smtClean="0">
+                          <a:ln>
+                            <a:noFill/>
+                          </a:ln>
+                          <a:solidFill>
+                            <a:schemeClr val="tx1"/>
+                          </a:solidFill>
+                          <a:effectLst/>
+                          <a:latin typeface="Arial" charset="0"/>
+                        </a:rPr>
+                        <a:t>Bezeichung</a:t>
+                      </a:r>
+                      <a:r>
+                        <a:rPr kumimoji="0" lang="en-US" sz="1000" b="0" i="0" u="none" strike="noStrike" cap="none" normalizeH="0" baseline="0" dirty="0" smtClean="0">
+                          <a:ln>
+                            <a:noFill/>
+                          </a:ln>
+                          <a:solidFill>
+                            <a:schemeClr val="tx1"/>
+                          </a:solidFill>
+                          <a:effectLst/>
+                          <a:latin typeface="Arial" charset="0"/>
+                        </a:rPr>
+                        <a:t> </a:t>
+                      </a:r>
+                      <a:r>
+                        <a:rPr kumimoji="0" lang="en-US" sz="1000" b="0" i="0" u="none" strike="noStrike" cap="none" normalizeH="0" baseline="0" dirty="0" err="1" smtClean="0">
+                          <a:ln>
+                            <a:noFill/>
+                          </a:ln>
+                          <a:solidFill>
+                            <a:schemeClr val="tx1"/>
+                          </a:solidFill>
+                          <a:effectLst/>
+                          <a:latin typeface="Arial" charset="0"/>
+                        </a:rPr>
+                        <a:t>vorhanden</a:t>
+                      </a:r>
+                      <a:r>
+                        <a:rPr kumimoji="0" lang="en-US" sz="1000" b="0" i="0" u="none" strike="noStrike" cap="none" normalizeH="0" baseline="0" dirty="0" smtClean="0">
+                          <a:ln>
+                            <a:noFill/>
+                          </a:ln>
+                          <a:solidFill>
+                            <a:schemeClr val="tx1"/>
+                          </a:solidFill>
+                          <a:effectLst/>
+                          <a:latin typeface="Arial" charset="0"/>
+                        </a:rPr>
+                        <a:t> </a:t>
+                      </a:r>
+                      <a:r>
+                        <a:rPr kumimoji="0" lang="en-US" sz="1000" b="0" i="0" u="none" strike="noStrike" cap="none" normalizeH="0" baseline="0" dirty="0" err="1" smtClean="0">
+                          <a:ln>
+                            <a:noFill/>
+                          </a:ln>
+                          <a:solidFill>
+                            <a:schemeClr val="tx1"/>
+                          </a:solidFill>
+                          <a:effectLst/>
+                          <a:latin typeface="Arial" charset="0"/>
+                        </a:rPr>
+                        <a:t>ist</a:t>
+                      </a:r>
+                      <a:r>
+                        <a:rPr kumimoji="0" lang="en-US" sz="1000" b="0" i="0" u="none" strike="noStrike" cap="none" normalizeH="0" baseline="0" dirty="0" smtClean="0">
+                          <a:ln>
+                            <a:noFill/>
+                          </a:ln>
+                          <a:solidFill>
+                            <a:schemeClr val="tx1"/>
+                          </a:solidFill>
+                          <a:effectLst/>
+                          <a:latin typeface="Arial" charset="0"/>
+                        </a:rPr>
+                        <a:t> </a:t>
+                      </a:r>
+                      <a:r>
+                        <a:rPr kumimoji="0" lang="en-US" sz="1000" b="0" i="0" u="none" strike="noStrike" cap="none" normalizeH="0" baseline="0" dirty="0" err="1" smtClean="0">
+                          <a:ln>
+                            <a:noFill/>
+                          </a:ln>
+                          <a:solidFill>
+                            <a:schemeClr val="tx1"/>
+                          </a:solidFill>
+                          <a:effectLst/>
+                          <a:latin typeface="Arial" charset="0"/>
+                        </a:rPr>
+                        <a:t>arbeitet</a:t>
+                      </a:r>
+                      <a:r>
+                        <a:rPr kumimoji="0" lang="en-US" sz="1000" b="0" i="0" u="none" strike="noStrike" cap="none" normalizeH="0" baseline="0" dirty="0" smtClean="0">
+                          <a:ln>
+                            <a:noFill/>
+                          </a:ln>
+                          <a:solidFill>
+                            <a:schemeClr val="tx1"/>
+                          </a:solidFill>
+                          <a:effectLst/>
+                          <a:latin typeface="Arial" charset="0"/>
+                        </a:rPr>
+                        <a:t> </a:t>
+                      </a:r>
+                      <a:r>
+                        <a:rPr kumimoji="0" lang="en-US" sz="1000" b="0" i="0" u="none" strike="noStrike" cap="none" normalizeH="0" baseline="0" dirty="0" err="1" smtClean="0">
+                          <a:ln>
+                            <a:noFill/>
+                          </a:ln>
+                          <a:solidFill>
+                            <a:schemeClr val="tx1"/>
+                          </a:solidFill>
+                          <a:effectLst/>
+                          <a:latin typeface="Arial" charset="0"/>
+                        </a:rPr>
+                        <a:t>sie</a:t>
+                      </a:r>
+                      <a:r>
+                        <a:rPr kumimoji="0" lang="en-US" sz="1000" b="0" i="0" u="none" strike="noStrike" cap="none" normalizeH="0" baseline="0" dirty="0" smtClean="0">
+                          <a:ln>
+                            <a:noFill/>
+                          </a:ln>
+                          <a:solidFill>
+                            <a:schemeClr val="tx1"/>
+                          </a:solidFill>
+                          <a:effectLst/>
+                          <a:latin typeface="Arial" charset="0"/>
+                        </a:rPr>
+                        <a:t> </a:t>
+                      </a:r>
+                      <a:r>
+                        <a:rPr kumimoji="0" lang="en-US" sz="1000" b="0" i="0" u="none" strike="noStrike" cap="none" normalizeH="0" baseline="0" dirty="0" err="1" smtClean="0">
+                          <a:ln>
+                            <a:noFill/>
+                          </a:ln>
+                          <a:solidFill>
+                            <a:schemeClr val="tx1"/>
+                          </a:solidFill>
+                          <a:effectLst/>
+                          <a:latin typeface="Arial" charset="0"/>
+                        </a:rPr>
+                        <a:t>gerne</a:t>
+                      </a:r>
+                      <a:r>
+                        <a:rPr kumimoji="0" lang="en-US" sz="1000" b="0" i="0" u="none" strike="noStrike" cap="none" normalizeH="0" baseline="0" dirty="0" smtClean="0">
+                          <a:ln>
+                            <a:noFill/>
+                          </a:ln>
+                          <a:solidFill>
+                            <a:schemeClr val="tx1"/>
+                          </a:solidFill>
+                          <a:effectLst/>
+                          <a:latin typeface="Arial" charset="0"/>
+                        </a:rPr>
+                        <a:t> </a:t>
+                      </a:r>
+                      <a:r>
+                        <a:rPr kumimoji="0" lang="en-US" sz="1000" b="0" i="0" u="none" strike="noStrike" cap="none" normalizeH="0" baseline="0" dirty="0" err="1" smtClean="0">
+                          <a:ln>
+                            <a:noFill/>
+                          </a:ln>
+                          <a:solidFill>
+                            <a:schemeClr val="tx1"/>
+                          </a:solidFill>
+                          <a:effectLst/>
+                          <a:latin typeface="Arial" charset="0"/>
+                        </a:rPr>
+                        <a:t>mit</a:t>
+                      </a:r>
+                      <a:r>
+                        <a:rPr kumimoji="0" lang="en-US" sz="1000" b="0" i="0" u="none" strike="noStrike" cap="none" normalizeH="0" baseline="0" dirty="0" smtClean="0">
+                          <a:ln>
+                            <a:noFill/>
+                          </a:ln>
+                          <a:solidFill>
+                            <a:schemeClr val="tx1"/>
+                          </a:solidFill>
+                          <a:effectLst/>
+                          <a:latin typeface="Arial" charset="0"/>
+                        </a:rPr>
+                        <a:t> </a:t>
+                      </a:r>
+                      <a:r>
+                        <a:rPr kumimoji="0" lang="en-US" sz="1000" b="0" i="0" u="none" strike="noStrike" cap="none" normalizeH="0" baseline="0" dirty="0" err="1" smtClean="0">
+                          <a:ln>
+                            <a:noFill/>
+                          </a:ln>
+                          <a:solidFill>
+                            <a:schemeClr val="tx1"/>
+                          </a:solidFill>
+                          <a:effectLst/>
+                          <a:latin typeface="Arial" charset="0"/>
+                        </a:rPr>
+                        <a:t>neuen</a:t>
+                      </a:r>
+                      <a:r>
+                        <a:rPr kumimoji="0" lang="en-US" sz="1000" b="0" i="0" u="none" strike="noStrike" cap="none" normalizeH="0" baseline="0" dirty="0" smtClean="0">
+                          <a:ln>
+                            <a:noFill/>
+                          </a:ln>
+                          <a:solidFill>
+                            <a:schemeClr val="tx1"/>
+                          </a:solidFill>
+                          <a:effectLst/>
+                          <a:latin typeface="Arial" charset="0"/>
+                        </a:rPr>
+                        <a:t> </a:t>
+                      </a:r>
+                      <a:r>
+                        <a:rPr kumimoji="0" lang="en-US" sz="1000" b="0" i="0" u="none" strike="noStrike" cap="none" normalizeH="0" baseline="0" dirty="0" err="1" smtClean="0">
+                          <a:ln>
+                            <a:noFill/>
+                          </a:ln>
+                          <a:solidFill>
+                            <a:schemeClr val="tx1"/>
+                          </a:solidFill>
+                          <a:effectLst/>
+                          <a:latin typeface="Arial" charset="0"/>
+                        </a:rPr>
+                        <a:t>Sachen</a:t>
+                      </a:r>
+                      <a:endParaRPr kumimoji="0" lang="en-US" sz="1000" b="0" i="0" u="none" strike="noStrike" cap="none" normalizeH="0" baseline="0" dirty="0" smtClean="0">
+                        <a:ln>
+                          <a:noFill/>
+                        </a:ln>
+                        <a:solidFill>
+                          <a:schemeClr val="tx1"/>
+                        </a:solidFill>
+                        <a:effectLst/>
+                        <a:latin typeface="Arial" charset="0"/>
+                      </a:endParaRPr>
+                    </a:p>
+                    <a:p>
+                      <a:pPr marL="0" marR="0" lvl="0" indent="0" algn="l" defTabSz="914400" rtl="0" eaLnBrk="1" fontAlgn="base" latinLnBrk="0" hangingPunct="1">
+                        <a:lnSpc>
+                          <a:spcPct val="100000"/>
+                        </a:lnSpc>
+                        <a:spcBef>
+                          <a:spcPct val="20000"/>
+                        </a:spcBef>
+                        <a:spcAft>
+                          <a:spcPct val="0"/>
+                        </a:spcAft>
+                        <a:buClr>
+                          <a:schemeClr val="accent2"/>
+                        </a:buClr>
+                        <a:buSzPct val="100000"/>
+                        <a:buFont typeface="Wingdings" pitchFamily="2" charset="2"/>
+                        <a:buChar char="§"/>
+                        <a:tabLst/>
+                      </a:pPr>
+                      <a:endParaRPr kumimoji="0" lang="en-US" sz="1000" b="0" i="0" u="none" strike="noStrike" cap="none" normalizeH="0" baseline="0" dirty="0" smtClean="0">
+                        <a:ln>
+                          <a:noFill/>
+                        </a:ln>
+                        <a:solidFill>
+                          <a:schemeClr val="tx1"/>
+                        </a:solidFill>
+                        <a:effectLst/>
+                        <a:latin typeface="Arial" charset="0"/>
+                      </a:endParaRPr>
                     </a:p>
                   </a:txBody>
                   <a:tcPr marL="90488" marR="90488" marT="44450" marB="44450" horzOverflow="overflow">
@@ -6937,8 +9398,239 @@
                           <a:effectLst/>
                           <a:latin typeface="Arial" charset="0"/>
                         </a:rPr>
-                        <a:t> …</a:t>
-                      </a:r>
+                        <a:t> </a:t>
+                      </a:r>
+                      <a:r>
+                        <a:rPr kumimoji="0" lang="en-US" sz="1000" b="0" i="0" u="none" strike="noStrike" cap="none" normalizeH="0" baseline="0" dirty="0" err="1" smtClean="0">
+                          <a:ln>
+                            <a:noFill/>
+                          </a:ln>
+                          <a:solidFill>
+                            <a:schemeClr val="tx1"/>
+                          </a:solidFill>
+                          <a:effectLst/>
+                          <a:latin typeface="Arial" charset="0"/>
+                        </a:rPr>
+                        <a:t>Ist</a:t>
+                      </a:r>
+                      <a:r>
+                        <a:rPr kumimoji="0" lang="en-US" sz="1000" b="0" i="0" u="none" strike="noStrike" cap="none" normalizeH="0" baseline="0" dirty="0" smtClean="0">
+                          <a:ln>
+                            <a:noFill/>
+                          </a:ln>
+                          <a:solidFill>
+                            <a:schemeClr val="tx1"/>
+                          </a:solidFill>
+                          <a:effectLst/>
+                          <a:latin typeface="Arial" charset="0"/>
+                        </a:rPr>
+                        <a:t> </a:t>
+                      </a:r>
+                      <a:r>
+                        <a:rPr kumimoji="0" lang="en-US" sz="1000" b="0" i="0" u="none" strike="noStrike" cap="none" normalizeH="0" baseline="0" dirty="0" err="1" smtClean="0">
+                          <a:ln>
+                            <a:noFill/>
+                          </a:ln>
+                          <a:solidFill>
+                            <a:schemeClr val="tx1"/>
+                          </a:solidFill>
+                          <a:effectLst/>
+                          <a:latin typeface="Arial" charset="0"/>
+                        </a:rPr>
+                        <a:t>neu</a:t>
+                      </a:r>
+                      <a:r>
+                        <a:rPr kumimoji="0" lang="en-US" sz="1000" b="0" i="0" u="none" strike="noStrike" cap="none" normalizeH="0" baseline="0" dirty="0" smtClean="0">
+                          <a:ln>
+                            <a:noFill/>
+                          </a:ln>
+                          <a:solidFill>
+                            <a:schemeClr val="tx1"/>
+                          </a:solidFill>
+                          <a:effectLst/>
+                          <a:latin typeface="Arial" charset="0"/>
+                        </a:rPr>
+                        <a:t> an der </a:t>
+                      </a:r>
+                      <a:r>
+                        <a:rPr kumimoji="0" lang="en-US" sz="1000" b="0" i="0" u="none" strike="noStrike" cap="none" normalizeH="0" baseline="0" dirty="0" err="1" smtClean="0">
+                          <a:ln>
+                            <a:noFill/>
+                          </a:ln>
+                          <a:solidFill>
+                            <a:schemeClr val="tx1"/>
+                          </a:solidFill>
+                          <a:effectLst/>
+                          <a:latin typeface="Arial" charset="0"/>
+                        </a:rPr>
+                        <a:t>Uni</a:t>
+                      </a:r>
+                      <a:r>
+                        <a:rPr kumimoji="0" lang="en-US" sz="1000" b="0" i="0" u="none" strike="noStrike" cap="none" normalizeH="0" baseline="0" dirty="0" smtClean="0">
+                          <a:ln>
+                            <a:noFill/>
+                          </a:ln>
+                          <a:solidFill>
+                            <a:schemeClr val="tx1"/>
+                          </a:solidFill>
+                          <a:effectLst/>
+                          <a:latin typeface="Arial" charset="0"/>
+                        </a:rPr>
+                        <a:t> und </a:t>
+                      </a:r>
+                      <a:r>
+                        <a:rPr kumimoji="0" lang="en-US" sz="1000" b="0" i="0" u="none" strike="noStrike" cap="none" normalizeH="0" baseline="0" dirty="0" err="1" smtClean="0">
+                          <a:ln>
+                            <a:noFill/>
+                          </a:ln>
+                          <a:solidFill>
+                            <a:schemeClr val="tx1"/>
+                          </a:solidFill>
+                          <a:effectLst/>
+                          <a:latin typeface="Arial" charset="0"/>
+                        </a:rPr>
+                        <a:t>möchte</a:t>
+                      </a:r>
+                      <a:r>
+                        <a:rPr kumimoji="0" lang="en-US" sz="1000" b="0" i="0" u="none" strike="noStrike" cap="none" normalizeH="0" baseline="0" dirty="0" smtClean="0">
+                          <a:ln>
+                            <a:noFill/>
+                          </a:ln>
+                          <a:solidFill>
+                            <a:schemeClr val="tx1"/>
+                          </a:solidFill>
+                          <a:effectLst/>
+                          <a:latin typeface="Arial" charset="0"/>
+                        </a:rPr>
+                        <a:t> </a:t>
+                      </a:r>
+                      <a:r>
+                        <a:rPr kumimoji="0" lang="en-US" sz="1000" b="0" i="0" u="none" strike="noStrike" cap="none" normalizeH="0" baseline="0" dirty="0" err="1" smtClean="0">
+                          <a:ln>
+                            <a:noFill/>
+                          </a:ln>
+                          <a:solidFill>
+                            <a:schemeClr val="tx1"/>
+                          </a:solidFill>
+                          <a:effectLst/>
+                          <a:latin typeface="Arial" charset="0"/>
+                        </a:rPr>
+                        <a:t>wissen</a:t>
+                      </a:r>
+                      <a:r>
+                        <a:rPr kumimoji="0" lang="en-US" sz="1000" b="0" i="0" u="none" strike="noStrike" cap="none" normalizeH="0" baseline="0" dirty="0" smtClean="0">
+                          <a:ln>
+                            <a:noFill/>
+                          </a:ln>
+                          <a:solidFill>
+                            <a:schemeClr val="tx1"/>
+                          </a:solidFill>
+                          <a:effectLst/>
+                          <a:latin typeface="Arial" charset="0"/>
+                        </a:rPr>
+                        <a:t> </a:t>
+                      </a:r>
+                      <a:r>
+                        <a:rPr kumimoji="0" lang="en-US" sz="1000" b="0" i="0" u="none" strike="noStrike" cap="none" normalizeH="0" baseline="0" dirty="0" err="1" smtClean="0">
+                          <a:ln>
+                            <a:noFill/>
+                          </a:ln>
+                          <a:solidFill>
+                            <a:schemeClr val="tx1"/>
+                          </a:solidFill>
+                          <a:effectLst/>
+                          <a:latin typeface="Arial" charset="0"/>
+                        </a:rPr>
+                        <a:t>wie</a:t>
+                      </a:r>
+                      <a:r>
+                        <a:rPr kumimoji="0" lang="en-US" sz="1000" b="0" i="0" u="none" strike="noStrike" cap="none" normalizeH="0" baseline="0" dirty="0" smtClean="0">
+                          <a:ln>
+                            <a:noFill/>
+                          </a:ln>
+                          <a:solidFill>
+                            <a:schemeClr val="tx1"/>
+                          </a:solidFill>
+                          <a:effectLst/>
+                          <a:latin typeface="Arial" charset="0"/>
+                        </a:rPr>
+                        <a:t> </a:t>
+                      </a:r>
+                      <a:r>
+                        <a:rPr kumimoji="0" lang="en-US" sz="1000" b="0" i="0" u="none" strike="noStrike" cap="none" normalizeH="0" baseline="0" dirty="0" err="1" smtClean="0">
+                          <a:ln>
+                            <a:noFill/>
+                          </a:ln>
+                          <a:solidFill>
+                            <a:schemeClr val="tx1"/>
+                          </a:solidFill>
+                          <a:effectLst/>
+                          <a:latin typeface="Arial" charset="0"/>
+                        </a:rPr>
+                        <a:t>hier</a:t>
+                      </a:r>
+                      <a:r>
+                        <a:rPr kumimoji="0" lang="en-US" sz="1000" b="0" i="0" u="none" strike="noStrike" cap="none" normalizeH="0" baseline="0" dirty="0" smtClean="0">
+                          <a:ln>
+                            <a:noFill/>
+                          </a:ln>
+                          <a:solidFill>
+                            <a:schemeClr val="tx1"/>
+                          </a:solidFill>
+                          <a:effectLst/>
+                          <a:latin typeface="Arial" charset="0"/>
+                        </a:rPr>
+                        <a:t> die </a:t>
+                      </a:r>
+                      <a:r>
+                        <a:rPr kumimoji="0" lang="en-US" sz="1000" b="0" i="0" u="none" strike="noStrike" cap="none" normalizeH="0" baseline="0" dirty="0" err="1" smtClean="0">
+                          <a:ln>
+                            <a:noFill/>
+                          </a:ln>
+                          <a:solidFill>
+                            <a:schemeClr val="tx1"/>
+                          </a:solidFill>
+                          <a:effectLst/>
+                          <a:latin typeface="Arial" charset="0"/>
+                        </a:rPr>
+                        <a:t>Sachen</a:t>
+                      </a:r>
+                      <a:r>
+                        <a:rPr kumimoji="0" lang="en-US" sz="1000" b="0" i="0" u="none" strike="noStrike" cap="none" normalizeH="0" baseline="0" dirty="0" smtClean="0">
+                          <a:ln>
+                            <a:noFill/>
+                          </a:ln>
+                          <a:solidFill>
+                            <a:schemeClr val="tx1"/>
+                          </a:solidFill>
+                          <a:effectLst/>
+                          <a:latin typeface="Arial" charset="0"/>
+                        </a:rPr>
+                        <a:t> so </a:t>
+                      </a:r>
+                      <a:r>
+                        <a:rPr kumimoji="0" lang="en-US" sz="1000" b="0" i="0" u="none" strike="noStrike" cap="none" normalizeH="0" baseline="0" dirty="0" err="1" smtClean="0">
+                          <a:ln>
+                            <a:noFill/>
+                          </a:ln>
+                          <a:solidFill>
+                            <a:schemeClr val="tx1"/>
+                          </a:solidFill>
+                          <a:effectLst/>
+                          <a:latin typeface="Arial" charset="0"/>
+                        </a:rPr>
+                        <a:t>laufen</a:t>
+                      </a:r>
+                      <a:endParaRPr kumimoji="0" lang="en-US" sz="1000" b="0" i="0" u="none" strike="noStrike" cap="none" normalizeH="0" baseline="0" dirty="0" smtClean="0">
+                        <a:ln>
+                          <a:noFill/>
+                        </a:ln>
+                        <a:solidFill>
+                          <a:schemeClr val="tx1"/>
+                        </a:solidFill>
+                        <a:effectLst/>
+                        <a:latin typeface="Arial" charset="0"/>
+                      </a:endParaRPr>
                     </a:p>
                   </a:txBody>
                   <a:tcPr marL="90488" marR="90488" marT="44450" marB="44450" horzOverflow="overflow">
@@ -7091,26 +9783,468 @@
           <a:lstStyle/>
           <a:p>
             <a:r>
-              <a:rPr lang="en-US" sz="1800" smtClean="0"/>
-              <a:t> Christina </a:t>
-            </a:r>
-            <a:r>
-              <a:rPr lang="de-DE" sz="1800" smtClean="0"/>
-              <a:t>ist 25 Jahre alt und schreibt gerade ihre Doktorarbeit in Physik. Hierfür benötigt sie einige kostenpflichtige Programme, welche sie jedoch über das Rechenzentrum umsonst bekommt.</a:t>
-            </a:r>
-          </a:p>
-          <a:p>
-            <a:r>
-              <a:rPr lang="de-DE" sz="1800" smtClean="0"/>
-              <a:t>Das ändern des Passworts macht Christina immer so spät wie möglich, damit Sie ihr aktuelles Passwort so lange wie möglich behalten kann, weshalb Sie ihr Passwort immer direkt über die RZ Seite ändert und nicht über den direktlink in der E-Mail</a:t>
-            </a:r>
-          </a:p>
-          <a:p>
-            <a:r>
-              <a:rPr lang="de-DE" sz="1800" smtClean="0"/>
-              <a:t>Da Christina ihre Ergebnisse lieber auf Papier ausgedruckt auswertet, muss sie regelmäßig ihr Guthaben aufladen</a:t>
-            </a:r>
-            <a:endParaRPr lang="en-US" sz="1400"/>
+              <a:rPr lang="en-US" sz="1800" dirty="0" err="1" smtClean="0"/>
+              <a:t>Franziska</a:t>
+            </a:r>
+            <a:r>
+              <a:rPr lang="en-US" sz="1800" dirty="0" smtClean="0"/>
+              <a:t> </a:t>
+            </a:r>
+            <a:r>
+              <a:rPr lang="en-US" sz="1800" dirty="0" err="1" smtClean="0"/>
+              <a:t>ist</a:t>
+            </a:r>
+            <a:r>
+              <a:rPr lang="en-US" sz="1800" dirty="0" smtClean="0"/>
+              <a:t> 42 </a:t>
+            </a:r>
+            <a:r>
+              <a:rPr lang="en-US" sz="1800" dirty="0" err="1" smtClean="0"/>
+              <a:t>Jahre</a:t>
+            </a:r>
+            <a:r>
+              <a:rPr lang="en-US" sz="1800" dirty="0" smtClean="0"/>
+              <a:t> alt und </a:t>
+            </a:r>
+            <a:r>
+              <a:rPr lang="en-US" sz="1800" dirty="0" err="1" smtClean="0"/>
+              <a:t>neu</a:t>
+            </a:r>
+            <a:r>
+              <a:rPr lang="en-US" sz="1800" dirty="0" smtClean="0"/>
+              <a:t> an der </a:t>
+            </a:r>
+            <a:r>
+              <a:rPr lang="en-US" sz="1800" dirty="0" err="1" smtClean="0"/>
+              <a:t>Universität</a:t>
+            </a:r>
+            <a:r>
+              <a:rPr lang="en-US" sz="1800" dirty="0" smtClean="0"/>
+              <a:t> Regensburg. </a:t>
+            </a:r>
+            <a:endParaRPr lang="en-US" sz="1800" dirty="0"/>
+          </a:p>
+          <a:p>
+            <a:r>
+              <a:rPr lang="en-US" sz="1800" dirty="0" err="1" smtClean="0"/>
+              <a:t>Familie</a:t>
+            </a:r>
+            <a:r>
+              <a:rPr lang="en-US" sz="1800" dirty="0" smtClean="0"/>
+              <a:t> hat </a:t>
+            </a:r>
+            <a:r>
+              <a:rPr lang="en-US" sz="1800" dirty="0" err="1" smtClean="0"/>
+              <a:t>sie</a:t>
+            </a:r>
+            <a:r>
+              <a:rPr lang="en-US" sz="1800" dirty="0" smtClean="0"/>
+              <a:t> </a:t>
+            </a:r>
+            <a:r>
+              <a:rPr lang="en-US" sz="1800" dirty="0" err="1" smtClean="0"/>
+              <a:t>keine</a:t>
+            </a:r>
+            <a:r>
+              <a:rPr lang="en-US" sz="1800" dirty="0" smtClean="0"/>
+              <a:t> </a:t>
+            </a:r>
+            <a:r>
+              <a:rPr lang="en-US" sz="1800" dirty="0" err="1" smtClean="0"/>
+              <a:t>mehr</a:t>
+            </a:r>
+            <a:r>
+              <a:rPr lang="en-US" sz="1800" dirty="0" smtClean="0"/>
+              <a:t>, da </a:t>
+            </a:r>
+            <a:r>
+              <a:rPr lang="en-US" sz="1800" dirty="0" err="1" smtClean="0"/>
+              <a:t>sie</a:t>
+            </a:r>
+            <a:r>
+              <a:rPr lang="en-US" sz="1800" dirty="0" smtClean="0"/>
+              <a:t> </a:t>
+            </a:r>
+            <a:r>
+              <a:rPr lang="en-US" sz="1800" dirty="0" err="1" smtClean="0"/>
+              <a:t>als</a:t>
+            </a:r>
+            <a:r>
+              <a:rPr lang="en-US" sz="1800" dirty="0" smtClean="0"/>
+              <a:t> </a:t>
+            </a:r>
+            <a:r>
+              <a:rPr lang="en-US" sz="1800" dirty="0" err="1" smtClean="0"/>
+              <a:t>Einzelkind</a:t>
+            </a:r>
+            <a:r>
+              <a:rPr lang="en-US" sz="1800" dirty="0" smtClean="0"/>
+              <a:t> </a:t>
+            </a:r>
+            <a:r>
+              <a:rPr lang="en-US" sz="1800" dirty="0" err="1" smtClean="0"/>
+              <a:t>aufgewachsen</a:t>
+            </a:r>
+            <a:r>
+              <a:rPr lang="en-US" sz="1800" dirty="0" smtClean="0"/>
+              <a:t> </a:t>
+            </a:r>
+            <a:r>
+              <a:rPr lang="de-DE" sz="1800" dirty="0" smtClean="0"/>
+              <a:t>ist und ihre Eltern bereits verstorben sind. Nach Regensburg ist Franziska gegangen, da hier ihr Lebensgefährt arbeitet und wohnt. </a:t>
+            </a:r>
+          </a:p>
+          <a:p>
+            <a:r>
+              <a:rPr lang="en-US" sz="1800" dirty="0" err="1" smtClean="0"/>
+              <a:t>Bei</a:t>
+            </a:r>
+            <a:r>
+              <a:rPr lang="en-US" sz="1800" dirty="0" smtClean="0"/>
+              <a:t> </a:t>
+            </a:r>
+            <a:r>
+              <a:rPr lang="en-US" sz="1800" dirty="0" err="1" smtClean="0"/>
+              <a:t>technischen</a:t>
+            </a:r>
+            <a:r>
+              <a:rPr lang="en-US" sz="1800" dirty="0" smtClean="0"/>
+              <a:t> </a:t>
+            </a:r>
+            <a:r>
+              <a:rPr lang="en-US" sz="1800" dirty="0" err="1" smtClean="0"/>
+              <a:t>Fragen</a:t>
+            </a:r>
+            <a:r>
+              <a:rPr lang="en-US" sz="1800" dirty="0" smtClean="0"/>
+              <a:t> hat </a:t>
+            </a:r>
+            <a:r>
+              <a:rPr lang="en-US" sz="1800" dirty="0" err="1" smtClean="0"/>
+              <a:t>sie</a:t>
+            </a:r>
+            <a:r>
+              <a:rPr lang="en-US" sz="1800" dirty="0" smtClean="0"/>
+              <a:t> in </a:t>
+            </a:r>
+            <a:r>
+              <a:rPr lang="en-US" sz="1800" dirty="0" err="1" smtClean="0"/>
+              <a:t>ihrer</a:t>
+            </a:r>
+            <a:r>
+              <a:rPr lang="en-US" sz="1800" dirty="0" smtClean="0"/>
+              <a:t> </a:t>
+            </a:r>
+            <a:r>
+              <a:rPr lang="en-US" sz="1800" dirty="0" err="1" smtClean="0"/>
+              <a:t>alten</a:t>
+            </a:r>
+            <a:r>
+              <a:rPr lang="en-US" sz="1800" dirty="0" smtClean="0"/>
+              <a:t> </a:t>
+            </a:r>
+            <a:r>
+              <a:rPr lang="en-US" sz="1800" dirty="0" err="1" smtClean="0"/>
+              <a:t>Universität</a:t>
+            </a:r>
+            <a:r>
+              <a:rPr lang="en-US" sz="1800" dirty="0" smtClean="0"/>
+              <a:t> </a:t>
+            </a:r>
+            <a:r>
+              <a:rPr lang="en-US" sz="1800" dirty="0" err="1" smtClean="0"/>
+              <a:t>immer</a:t>
+            </a:r>
+            <a:r>
+              <a:rPr lang="en-US" sz="1800" dirty="0" smtClean="0"/>
+              <a:t> den Support </a:t>
+            </a:r>
+            <a:r>
+              <a:rPr lang="en-US" sz="1800" dirty="0" err="1" smtClean="0"/>
+              <a:t>angerufen</a:t>
+            </a:r>
+            <a:r>
+              <a:rPr lang="en-US" sz="1800" dirty="0" smtClean="0"/>
+              <a:t>, </a:t>
+            </a:r>
+            <a:r>
+              <a:rPr lang="en-US" sz="1800" dirty="0" err="1" smtClean="0"/>
+              <a:t>welcher</a:t>
+            </a:r>
+            <a:r>
+              <a:rPr lang="en-US" sz="1800" dirty="0" smtClean="0"/>
+              <a:t> </a:t>
+            </a:r>
+            <a:r>
+              <a:rPr lang="en-US" sz="1800" dirty="0" err="1" smtClean="0"/>
+              <a:t>dann</a:t>
+            </a:r>
+            <a:r>
+              <a:rPr lang="en-US" sz="1800" dirty="0" smtClean="0"/>
+              <a:t> </a:t>
+            </a:r>
+            <a:r>
+              <a:rPr lang="en-US" sz="1800" dirty="0" err="1" smtClean="0"/>
+              <a:t>gekommen</a:t>
+            </a:r>
+            <a:r>
+              <a:rPr lang="en-US" sz="1800" dirty="0" smtClean="0"/>
+              <a:t> </a:t>
+            </a:r>
+            <a:r>
+              <a:rPr lang="en-US" sz="1800" dirty="0" err="1" smtClean="0"/>
+              <a:t>ist</a:t>
+            </a:r>
+            <a:r>
+              <a:rPr lang="en-US" sz="1800" dirty="0" smtClean="0"/>
+              <a:t> und </a:t>
+            </a:r>
+            <a:r>
+              <a:rPr lang="en-US" sz="1800" dirty="0" err="1" smtClean="0"/>
+              <a:t>ihr</a:t>
+            </a:r>
+            <a:r>
+              <a:rPr lang="en-US" sz="1800" dirty="0" smtClean="0"/>
+              <a:t> </a:t>
+            </a:r>
+            <a:r>
+              <a:rPr lang="en-US" sz="1800" dirty="0" err="1" smtClean="0"/>
+              <a:t>geholfen</a:t>
+            </a:r>
+            <a:r>
+              <a:rPr lang="en-US" sz="1800" dirty="0" smtClean="0"/>
+              <a:t> hat.</a:t>
+            </a:r>
+          </a:p>
+          <a:p>
+            <a:r>
+              <a:rPr lang="en-US" sz="1800" dirty="0" err="1" smtClean="0"/>
+              <a:t>Franziska</a:t>
+            </a:r>
+            <a:r>
+              <a:rPr lang="en-US" sz="1800" dirty="0" smtClean="0"/>
+              <a:t> </a:t>
+            </a:r>
+            <a:r>
+              <a:rPr lang="en-US" sz="1800" dirty="0" err="1" smtClean="0"/>
+              <a:t>ist</a:t>
+            </a:r>
+            <a:r>
+              <a:rPr lang="en-US" sz="1800" dirty="0" smtClean="0"/>
+              <a:t> </a:t>
+            </a:r>
+            <a:r>
+              <a:rPr lang="en-US" sz="1800" dirty="0" err="1" smtClean="0"/>
+              <a:t>ein</a:t>
+            </a:r>
+            <a:r>
+              <a:rPr lang="en-US" sz="1800" dirty="0" smtClean="0"/>
+              <a:t> </a:t>
+            </a:r>
+            <a:r>
+              <a:rPr lang="en-US" sz="1800" dirty="0" err="1" smtClean="0"/>
+              <a:t>typischer</a:t>
+            </a:r>
+            <a:r>
+              <a:rPr lang="en-US" sz="1800" dirty="0" smtClean="0"/>
+              <a:t> </a:t>
+            </a:r>
+            <a:r>
+              <a:rPr lang="en-US" sz="1800" dirty="0" err="1" smtClean="0"/>
+              <a:t>Verbraucher</a:t>
+            </a:r>
+            <a:r>
+              <a:rPr lang="en-US" sz="1800" dirty="0" smtClean="0"/>
+              <a:t>, </a:t>
+            </a:r>
+            <a:r>
+              <a:rPr lang="en-US" sz="1800" dirty="0" err="1" smtClean="0"/>
+              <a:t>wenn</a:t>
+            </a:r>
+            <a:r>
+              <a:rPr lang="en-US" sz="1800" dirty="0" smtClean="0"/>
+              <a:t> </a:t>
+            </a:r>
+            <a:r>
+              <a:rPr lang="en-US" sz="1800" dirty="0" err="1" smtClean="0"/>
+              <a:t>etwas</a:t>
+            </a:r>
+            <a:r>
+              <a:rPr lang="en-US" sz="1800" dirty="0" smtClean="0"/>
+              <a:t> </a:t>
+            </a:r>
+            <a:r>
+              <a:rPr lang="en-US" sz="1800" dirty="0" err="1" smtClean="0"/>
+              <a:t>nicht</a:t>
+            </a:r>
+            <a:r>
+              <a:rPr lang="en-US" sz="1800" dirty="0" smtClean="0"/>
+              <a:t> </a:t>
+            </a:r>
+            <a:r>
+              <a:rPr lang="en-US" sz="1800" dirty="0" err="1" smtClean="0"/>
+              <a:t>funkioniert</a:t>
+            </a:r>
+            <a:r>
+              <a:rPr lang="en-US" sz="1800" dirty="0" smtClean="0"/>
+              <a:t> </a:t>
+            </a:r>
+            <a:r>
+              <a:rPr lang="en-US" sz="1800" dirty="0" err="1" smtClean="0"/>
+              <a:t>erkundigt</a:t>
+            </a:r>
+            <a:r>
+              <a:rPr lang="en-US" sz="1800" dirty="0" smtClean="0"/>
+              <a:t> </a:t>
+            </a:r>
+            <a:r>
+              <a:rPr lang="en-US" sz="1800" dirty="0" err="1" smtClean="0"/>
+              <a:t>sie</a:t>
+            </a:r>
+            <a:r>
+              <a:rPr lang="en-US" sz="1800" dirty="0" smtClean="0"/>
+              <a:t> </a:t>
+            </a:r>
+            <a:r>
+              <a:rPr lang="en-US" sz="1800" dirty="0" err="1" smtClean="0"/>
+              <a:t>sich</a:t>
+            </a:r>
+            <a:r>
+              <a:rPr lang="en-US" sz="1800" dirty="0" smtClean="0"/>
+              <a:t> </a:t>
+            </a:r>
+            <a:r>
+              <a:rPr lang="en-US" sz="1800" dirty="0" err="1" smtClean="0"/>
+              <a:t>kurz</a:t>
+            </a:r>
+            <a:r>
+              <a:rPr lang="en-US" sz="1800" dirty="0" smtClean="0"/>
+              <a:t>, such </a:t>
+            </a:r>
+            <a:r>
+              <a:rPr lang="en-US" sz="1800" dirty="0" err="1" smtClean="0"/>
+              <a:t>jedoch</a:t>
+            </a:r>
+            <a:r>
+              <a:rPr lang="en-US" sz="1800" dirty="0" smtClean="0"/>
+              <a:t> </a:t>
+            </a:r>
+            <a:r>
+              <a:rPr lang="en-US" sz="1800" dirty="0" err="1" smtClean="0"/>
+              <a:t>schnell</a:t>
+            </a:r>
+            <a:r>
+              <a:rPr lang="en-US" sz="1800" dirty="0" smtClean="0"/>
+              <a:t> </a:t>
+            </a:r>
+            <a:r>
+              <a:rPr lang="en-US" sz="1800" dirty="0" err="1" smtClean="0"/>
+              <a:t>nach</a:t>
+            </a:r>
+            <a:r>
+              <a:rPr lang="en-US" sz="1800" dirty="0" smtClean="0"/>
+              <a:t> </a:t>
+            </a:r>
+            <a:r>
+              <a:rPr lang="en-US" sz="1800" dirty="0" err="1" smtClean="0"/>
+              <a:t>Hilfe</a:t>
+            </a:r>
+            <a:r>
+              <a:rPr lang="en-US" sz="1800" dirty="0" smtClean="0"/>
+              <a:t>, </a:t>
+            </a:r>
+            <a:r>
+              <a:rPr lang="en-US" sz="1800" dirty="0" err="1" smtClean="0"/>
+              <a:t>oder</a:t>
+            </a:r>
+            <a:r>
+              <a:rPr lang="en-US" sz="1800" dirty="0" smtClean="0"/>
+              <a:t> </a:t>
+            </a:r>
+            <a:r>
+              <a:rPr lang="en-US" sz="1800" dirty="0" err="1" smtClean="0"/>
+              <a:t>lässt</a:t>
+            </a:r>
+            <a:r>
+              <a:rPr lang="en-US" sz="1800" dirty="0" smtClean="0"/>
+              <a:t> </a:t>
+            </a:r>
+            <a:r>
+              <a:rPr lang="en-US" sz="1800" dirty="0" err="1" smtClean="0"/>
+              <a:t>es</a:t>
+            </a:r>
+            <a:r>
+              <a:rPr lang="en-US" sz="1800" dirty="0" smtClean="0"/>
+              <a:t> </a:t>
+            </a:r>
+            <a:r>
+              <a:rPr lang="en-US" sz="1800" dirty="0" err="1" smtClean="0"/>
+              <a:t>einfach</a:t>
+            </a:r>
+            <a:r>
+              <a:rPr lang="en-US" sz="1800" dirty="0" smtClean="0"/>
+              <a:t> </a:t>
+            </a:r>
+            <a:r>
+              <a:rPr lang="en-US" sz="1800" dirty="0" err="1" smtClean="0"/>
+              <a:t>bleiben</a:t>
+            </a:r>
+            <a:r>
+              <a:rPr lang="en-US" sz="1800" dirty="0" smtClean="0"/>
+              <a:t> </a:t>
+            </a:r>
+            <a:r>
+              <a:rPr lang="en-US" sz="1800" dirty="0" err="1" smtClean="0"/>
+              <a:t>sofern</a:t>
+            </a:r>
+            <a:r>
+              <a:rPr lang="en-US" sz="1800" dirty="0" smtClean="0"/>
+              <a:t> </a:t>
+            </a:r>
+            <a:r>
+              <a:rPr lang="en-US" sz="1800" dirty="0" err="1" smtClean="0"/>
+              <a:t>sie</a:t>
+            </a:r>
+            <a:r>
+              <a:rPr lang="en-US" sz="1800" dirty="0" smtClean="0"/>
+              <a:t> </a:t>
+            </a:r>
+            <a:r>
+              <a:rPr lang="en-US" sz="1800" dirty="0" err="1" smtClean="0"/>
+              <a:t>auch</a:t>
+            </a:r>
+            <a:r>
+              <a:rPr lang="en-US" sz="1800" dirty="0" smtClean="0"/>
+              <a:t> so </a:t>
+            </a:r>
+            <a:r>
+              <a:rPr lang="en-US" sz="1800" dirty="0" err="1" smtClean="0"/>
+              <a:t>weiter</a:t>
+            </a:r>
+            <a:r>
+              <a:rPr lang="en-US" sz="1800" dirty="0" smtClean="0"/>
+              <a:t> </a:t>
+            </a:r>
+            <a:r>
+              <a:rPr lang="en-US" sz="1800" dirty="0" err="1" smtClean="0"/>
+              <a:t>arbeiten</a:t>
+            </a:r>
+            <a:r>
+              <a:rPr lang="en-US" sz="1800" dirty="0" smtClean="0"/>
+              <a:t> </a:t>
+            </a:r>
+            <a:r>
+              <a:rPr lang="en-US" sz="1800" dirty="0" err="1" smtClean="0"/>
+              <a:t>kann</a:t>
+            </a:r>
+            <a:r>
+              <a:rPr lang="en-US" sz="1800" dirty="0" smtClean="0"/>
+              <a:t>.</a:t>
+            </a:r>
+            <a:endParaRPr lang="en-US" sz="1800" dirty="0" smtClean="0"/>
+          </a:p>
+          <a:p>
+            <a:endParaRPr lang="de-DE" sz="1800" dirty="0" smtClean="0"/>
           </a:p>
         </p:txBody>
       </p:sp>
@@ -7226,131 +10360,108 @@
           <a:lstStyle/>
           <a:p>
             <a:r>
-              <a:rPr lang="de-DE" sz="1800"/>
+              <a:rPr lang="de-DE" sz="1800" dirty="0"/>
               <a:t>Szenario 1:</a:t>
             </a:r>
           </a:p>
           <a:p>
             <a:pPr lvl="1"/>
             <a:r>
-              <a:rPr lang="de-DE" sz="1500" smtClean="0"/>
-              <a:t>Christina </a:t>
-            </a:r>
-            <a:r>
-              <a:rPr lang="de-DE" sz="1500"/>
+              <a:rPr lang="de-DE" sz="1500" dirty="0" smtClean="0"/>
+              <a:t>Franziska </a:t>
+            </a:r>
+            <a:r>
+              <a:rPr lang="de-DE" sz="1500" dirty="0"/>
               <a:t>soll zunächst </a:t>
             </a:r>
             <a:r>
-              <a:rPr lang="de-DE" sz="1500" smtClean="0"/>
+              <a:rPr lang="de-DE" sz="1500" dirty="0" smtClean="0"/>
               <a:t>ihr </a:t>
             </a:r>
             <a:r>
-              <a:rPr lang="de-DE" sz="1500"/>
+              <a:rPr lang="de-DE" sz="1500" dirty="0"/>
               <a:t>Passwort </a:t>
             </a:r>
             <a:r>
-              <a:rPr lang="de-DE" sz="1500" smtClean="0"/>
-              <a:t>ändern und Druckerguthaben aufladen</a:t>
-            </a:r>
-            <a:endParaRPr lang="de-DE" sz="1800"/>
-          </a:p>
-          <a:p>
-            <a:r>
-              <a:rPr lang="de-DE" sz="1800"/>
+              <a:rPr lang="de-DE" sz="1500" dirty="0" smtClean="0"/>
+              <a:t>ändern und </a:t>
+            </a:r>
+            <a:r>
+              <a:rPr lang="de-DE" sz="1500" dirty="0" smtClean="0"/>
+              <a:t>nachsehen wie viele Geräte sie Registriert hat.</a:t>
+            </a:r>
+            <a:endParaRPr lang="de-DE" sz="1800" dirty="0"/>
+          </a:p>
+          <a:p>
+            <a:r>
+              <a:rPr lang="de-DE" sz="1800" dirty="0"/>
               <a:t>Szenario 2</a:t>
             </a:r>
             <a:r>
-              <a:rPr lang="de-DE" sz="1800" smtClean="0"/>
+              <a:rPr lang="de-DE" sz="1800" dirty="0" smtClean="0"/>
               <a:t>:</a:t>
             </a:r>
           </a:p>
           <a:p>
             <a:pPr lvl="1"/>
             <a:r>
-              <a:rPr lang="de-DE" sz="1500" smtClean="0"/>
-              <a:t>Christina bekommt demnächst einen neuen Laptop, da </a:t>
-            </a:r>
-            <a:r>
-              <a:rPr lang="de-DE" sz="1500" err="1" smtClean="0"/>
-              <a:t>iher</a:t>
-            </a:r>
-            <a:r>
-              <a:rPr lang="de-DE" sz="1500" smtClean="0"/>
-              <a:t> alter bereits 5 Jahre alt ist und nicht mehr zu gebrauchen ist um größere Auswertungen laufen zu lassen. Deshalb informiert Sie sich, wie sie diesen im Uni Netz anmeldet und wie man das W-</a:t>
-            </a:r>
-            <a:r>
-              <a:rPr lang="de-DE" sz="1500" err="1" smtClean="0"/>
-              <a:t>Lan</a:t>
-            </a:r>
-            <a:r>
-              <a:rPr lang="de-DE" sz="1500" smtClean="0"/>
-              <a:t> einrichtet </a:t>
-            </a:r>
-            <a:endParaRPr lang="de-DE" sz="1500"/>
-          </a:p>
-          <a:p>
-            <a:r>
-              <a:rPr lang="de-DE" sz="1800" smtClean="0"/>
-              <a:t>Szenario 3:</a:t>
+              <a:rPr lang="de-DE" sz="1500" dirty="0" smtClean="0"/>
+              <a:t> Franziska benötigt außerdem einen neuen Computer un</a:t>
+            </a:r>
+            <a:r>
+              <a:rPr lang="de-DE" sz="1500" dirty="0" smtClean="0"/>
+              <a:t>d Drucker, weshalb sie sich übers Rechenzentrum informiert wie sie einen bekommt.</a:t>
+            </a:r>
+            <a:endParaRPr lang="de-DE" sz="1500" dirty="0"/>
+          </a:p>
+          <a:p>
+            <a:r>
+              <a:rPr lang="de-DE" sz="1800" dirty="0" smtClean="0"/>
+              <a:t>Szenario </a:t>
+            </a:r>
+            <a:r>
+              <a:rPr lang="de-DE" sz="1800" dirty="0" smtClean="0"/>
+              <a:t>3:</a:t>
             </a:r>
           </a:p>
           <a:p>
             <a:pPr lvl="1"/>
             <a:r>
-              <a:rPr lang="de-DE" sz="1500" smtClean="0"/>
-              <a:t>Um jedoch bereits mit der Arbeit anzufangen sucht Christina nach </a:t>
-            </a:r>
-            <a:r>
-              <a:rPr lang="de-DE" sz="1500" err="1" smtClean="0"/>
-              <a:t>Cip</a:t>
-            </a:r>
-            <a:r>
-              <a:rPr lang="de-DE" sz="1500" smtClean="0"/>
-              <a:t> Pools welche </a:t>
-            </a:r>
-            <a:r>
-              <a:rPr lang="de-DE" sz="1500" err="1" smtClean="0"/>
-              <a:t>MathLab</a:t>
-            </a:r>
-            <a:r>
-              <a:rPr lang="de-DE" sz="1500" smtClean="0"/>
-              <a:t> vorinstalliert und einen Drucker haben.</a:t>
-            </a:r>
-            <a:endParaRPr lang="de-DE" sz="1500"/>
-          </a:p>
-          <a:p>
-            <a:r>
-              <a:rPr lang="de-DE" sz="1800" smtClean="0"/>
-              <a:t>Szenario 4:</a:t>
-            </a:r>
-            <a:endParaRPr lang="de-DE" sz="1800"/>
+              <a:rPr lang="de-DE" sz="1500" dirty="0" smtClean="0"/>
+              <a:t> Nachdem ihr Computer angekommen ist bemerkt sie, dass noch kein Zugang für sie eingerichtet wurde, weshalb sie nach ihrem zuständigen Workgroup Manager sucht.</a:t>
+            </a:r>
+            <a:endParaRPr lang="de-DE" sz="1500" dirty="0"/>
+          </a:p>
+          <a:p>
+            <a:r>
+              <a:rPr lang="de-DE" sz="1800" dirty="0" smtClean="0"/>
+              <a:t>Szenario </a:t>
+            </a:r>
+            <a:r>
+              <a:rPr lang="de-DE" sz="1800" dirty="0" smtClean="0"/>
+              <a:t>4:</a:t>
+            </a:r>
+            <a:endParaRPr lang="de-DE" sz="1800" dirty="0"/>
           </a:p>
           <a:p>
             <a:pPr lvl="1"/>
             <a:r>
-              <a:rPr lang="de-DE" sz="1500" smtClean="0"/>
-              <a:t>Da Christina sobald Sie ihren neuen Laptop hat dort mit der Auswertung weiter machen möchte, sucht Sie nach dem Programm (</a:t>
-            </a:r>
-            <a:r>
-              <a:rPr lang="de-DE" sz="1500" err="1" smtClean="0"/>
-              <a:t>MathLab</a:t>
-            </a:r>
-            <a:r>
-              <a:rPr lang="de-DE" sz="1500" smtClean="0"/>
-              <a:t>) auf der RZ-Seite und ob hierfür Installationshilfen angeboten werden.</a:t>
-            </a:r>
+              <a:rPr lang="de-DE" sz="1500" dirty="0" smtClean="0"/>
+              <a:t>Nachdem ihr Zugang gewährt wurde, sucht sich Franziska zunächst das Office Paket aus dem Softwarekatalog und wie man dieses installiert.</a:t>
+            </a:r>
+            <a:endParaRPr lang="de-DE" sz="1500" dirty="0" smtClean="0"/>
           </a:p>
           <a:p>
             <a:pPr lvl="1"/>
-            <a:endParaRPr lang="de-DE" sz="1500"/>
+            <a:endParaRPr lang="de-DE" sz="1500" dirty="0"/>
           </a:p>
           <a:p>
             <a:pPr lvl="1"/>
-            <a:endParaRPr lang="de-DE" sz="700"/>
+            <a:endParaRPr lang="de-DE" sz="700" dirty="0"/>
           </a:p>
           <a:p>
             <a:pPr lvl="1"/>
-            <a:endParaRPr lang="de-DE" sz="1500"/>
+            <a:endParaRPr lang="de-DE" sz="1500" dirty="0"/>
           </a:p>
         </p:txBody>
       </p:sp>
@@ -7443,17 +10554,17 @@
           <a:lstStyle/>
           <a:p>
             <a:r>
-              <a:rPr lang="de-DE" sz="2800" smtClean="0"/>
+              <a:rPr lang="de-DE" sz="2800" dirty="0" smtClean="0"/>
               <a:t/>
             </a:r>
             <a:br>
-              <a:rPr lang="de-DE" sz="2800" smtClean="0"/>
+              <a:rPr lang="de-DE" sz="2800" dirty="0" smtClean="0"/>
             </a:br>
             <a:r>
-              <a:rPr lang="en-US" sz="2800" b="1" smtClean="0"/>
+              <a:rPr lang="en-US" sz="2800" b="1" dirty="0" smtClean="0"/>
               <a:t>Leopold</a:t>
             </a:r>
-            <a:endParaRPr lang="de-DE" sz="2800"/>
+            <a:endParaRPr lang="de-DE" sz="2800" dirty="0"/>
           </a:p>
         </p:txBody>
       </p:sp>
@@ -7586,16 +10697,6 @@
                         </a:rPr>
                         <a:t>56</a:t>
                       </a:r>
-                      <a:endParaRPr kumimoji="0" lang="en-US" sz="1000" b="0" i="0" u="none" strike="noStrike" cap="none" normalizeH="0" baseline="0" dirty="0" smtClean="0">
-                        <a:ln>
-                          <a:noFill/>
-                        </a:ln>
-                        <a:solidFill>
-                          <a:schemeClr val="tx1"/>
-                        </a:solidFill>
-                        <a:effectLst/>
-                        <a:latin typeface="Arial" charset="0"/>
-                      </a:endParaRPr>
                     </a:p>
                   </a:txBody>
                   <a:tcPr marL="90488" marR="90488" marT="44450" marB="44450" horzOverflow="overflow">
@@ -7652,7 +10753,7 @@
                         <a:tabLst/>
                       </a:pPr>
                       <a:r>
-                        <a:rPr kumimoji="0" lang="en-US" sz="1000" b="1" i="0" u="none" strike="noStrike" cap="none" normalizeH="0" baseline="0" err="1" smtClean="0">
+                        <a:rPr kumimoji="0" lang="en-US" sz="1000" b="1" i="0" u="none" strike="noStrike" cap="none" normalizeH="0" baseline="0" dirty="0" err="1" smtClean="0">
                           <a:ln>
                             <a:noFill/>
                           </a:ln>
@@ -7664,7 +10765,7 @@
                         </a:rPr>
                         <a:t>Bezeichnung</a:t>
                       </a:r>
-                      <a:endParaRPr kumimoji="0" lang="en-US" sz="1000" b="1" i="0" u="none" strike="noStrike" cap="none" normalizeH="0" baseline="0" smtClean="0">
+                      <a:endParaRPr kumimoji="0" lang="en-US" sz="1000" b="1" i="0" u="none" strike="noStrike" cap="none" normalizeH="0" baseline="0" dirty="0" smtClean="0">
                         <a:ln>
                           <a:noFill/>
                         </a:ln>
@@ -8630,16 +11731,6 @@
                         </a:rPr>
                         <a:t> </a:t>
                       </a:r>
-                      <a:endParaRPr kumimoji="0" lang="en-US" sz="1000" b="0" i="0" u="none" strike="noStrike" cap="none" normalizeH="0" baseline="0" dirty="0" smtClean="0">
-                        <a:ln>
-                          <a:noFill/>
-                        </a:ln>
-                        <a:solidFill>
-                          <a:schemeClr val="tx1"/>
-                        </a:solidFill>
-                        <a:effectLst/>
-                        <a:latin typeface="Arial" charset="0"/>
-                      </a:endParaRPr>
                     </a:p>
                   </a:txBody>
                   <a:tcPr marL="90488" marR="90488" marT="44450" marB="44450" horzOverflow="overflow">
@@ -9441,16 +12532,6 @@
                         </a:rPr>
                         <a:t> muss</a:t>
                       </a:r>
-                      <a:endParaRPr kumimoji="0" lang="en-US" sz="1000" b="0" i="0" u="none" strike="noStrike" cap="none" normalizeH="0" baseline="0" dirty="0" smtClean="0">
-                        <a:ln>
-                          <a:noFill/>
-                        </a:ln>
-                        <a:solidFill>
-                          <a:schemeClr val="tx1"/>
-                        </a:solidFill>
-                        <a:effectLst/>
-                        <a:latin typeface="Arial" charset="0"/>
-                      </a:endParaRPr>
                     </a:p>
                   </a:txBody>
                   <a:tcPr marL="90488" marR="90488" marT="44450" marB="44450" horzOverflow="overflow">
@@ -9903,16 +12984,6 @@
                         </a:rPr>
                         <a:t> gut</a:t>
                       </a:r>
-                      <a:endParaRPr kumimoji="0" lang="en-US" sz="1000" b="0" i="0" u="none" strike="noStrike" cap="none" normalizeH="0" baseline="0" dirty="0" smtClean="0">
-                        <a:ln>
-                          <a:noFill/>
-                        </a:ln>
-                        <a:solidFill>
-                          <a:schemeClr val="tx1"/>
-                        </a:solidFill>
-                        <a:effectLst/>
-                        <a:latin typeface="Arial" charset="0"/>
-                      </a:endParaRPr>
                     </a:p>
                   </a:txBody>
                   <a:tcPr marL="90488" marR="90488" marT="44450" marB="44450" horzOverflow="overflow">
@@ -10066,11 +13137,7 @@
           <a:p>
             <a:r>
               <a:rPr lang="en-US" sz="1800" dirty="0" smtClean="0"/>
-              <a:t> </a:t>
-            </a:r>
-            <a:r>
-              <a:rPr lang="en-US" sz="1800" dirty="0" smtClean="0"/>
-              <a:t>Leopold </a:t>
+              <a:t> Leopold </a:t>
             </a:r>
             <a:r>
               <a:rPr lang="en-US" sz="1800" dirty="0" err="1" smtClean="0"/>
@@ -10189,7 +13256,6 @@
               <a:rPr lang="de-DE" sz="1800" dirty="0" smtClean="0"/>
               <a:t>Leopold benutzt Google, wenn er nach kurzer Zeit nicht findet nach was er sucht.</a:t>
             </a:r>
-            <a:endParaRPr lang="de-DE" sz="1800" dirty="0" smtClean="0"/>
           </a:p>
           <a:p>
             <a:endParaRPr lang="de-DE" sz="1400" dirty="0"/>
@@ -10633,11 +13699,7 @@
             <a:pPr lvl="1"/>
             <a:r>
               <a:rPr lang="de-DE" sz="1500" dirty="0" smtClean="0"/>
-              <a:t>Leopold</a:t>
-            </a:r>
-            <a:r>
-              <a:rPr lang="de-DE" sz="1500" dirty="0" smtClean="0"/>
-              <a:t> </a:t>
+              <a:t>Leopold </a:t>
             </a:r>
             <a:r>
               <a:rPr lang="de-DE" sz="1500" dirty="0"/>
@@ -10653,11 +13715,7 @@
             </a:r>
             <a:r>
               <a:rPr lang="de-DE" sz="1500" dirty="0" smtClean="0"/>
-              <a:t>ändern und </a:t>
-            </a:r>
-            <a:r>
-              <a:rPr lang="de-DE" sz="1500" dirty="0" smtClean="0"/>
-              <a:t>seinen SMS Service einrichten </a:t>
+              <a:t>ändern und seinen SMS Service einrichten </a:t>
             </a:r>
             <a:endParaRPr lang="de-DE" sz="1800" dirty="0"/>
           </a:p>
@@ -10682,11 +13740,7 @@
           <a:p>
             <a:r>
               <a:rPr lang="de-DE" sz="1800" dirty="0" smtClean="0"/>
-              <a:t>Szenario 3</a:t>
-            </a:r>
-            <a:r>
-              <a:rPr lang="de-DE" sz="1800" dirty="0" smtClean="0"/>
-              <a:t>:</a:t>
+              <a:t>Szenario 3:</a:t>
             </a:r>
           </a:p>
           <a:p>
@@ -10717,7 +13771,6 @@
               <a:rPr lang="de-DE" sz="1500" dirty="0" smtClean="0"/>
               <a:t> informiert.</a:t>
             </a:r>
-            <a:endParaRPr lang="de-DE" sz="1500" dirty="0" smtClean="0"/>
           </a:p>
           <a:p>
             <a:r>
@@ -10732,7 +13785,6 @@
               <a:rPr lang="de-DE" sz="1500" dirty="0" smtClean="0"/>
               <a:t>Nach zwei Wochen beginnt Leopolds seltsame Geräusche zu machen, weshalb er sich erkundigt, ob das Rechenzentrum ihm hierbei helfen kann.</a:t>
             </a:r>
-            <a:endParaRPr lang="de-DE" sz="1500" dirty="0" smtClean="0"/>
           </a:p>
           <a:p>
             <a:pPr lvl="1"/>
@@ -10980,16 +14032,6 @@
                         </a:rPr>
                         <a:t>35</a:t>
                       </a:r>
-                      <a:endParaRPr kumimoji="0" lang="en-US" sz="1000" b="0" i="0" u="none" strike="noStrike" cap="none" normalizeH="0" baseline="0" dirty="0" smtClean="0">
-                        <a:ln>
-                          <a:noFill/>
-                        </a:ln>
-                        <a:solidFill>
-                          <a:schemeClr val="tx1"/>
-                        </a:solidFill>
-                        <a:effectLst/>
-                        <a:latin typeface="Arial" charset="0"/>
-                      </a:endParaRPr>
                     </a:p>
                   </a:txBody>
                   <a:tcPr marL="90488" marR="90488" marT="44450" marB="44450" horzOverflow="overflow">
@@ -13736,16 +16778,6 @@
                         </a:rPr>
                         <a:t> </a:t>
                       </a:r>
-                      <a:endParaRPr kumimoji="0" lang="en-US" sz="1000" b="0" i="0" u="none" strike="noStrike" cap="none" normalizeH="0" baseline="0" dirty="0" smtClean="0">
-                        <a:ln>
-                          <a:noFill/>
-                        </a:ln>
-                        <a:solidFill>
-                          <a:schemeClr val="tx1"/>
-                        </a:solidFill>
-                        <a:effectLst/>
-                        <a:latin typeface="Arial" charset="0"/>
-                      </a:endParaRPr>
                     </a:p>
                   </a:txBody>
                   <a:tcPr marL="90488" marR="90488" marT="44450" marB="44450" horzOverflow="overflow">
@@ -13899,11 +16931,7 @@
           <a:p>
             <a:r>
               <a:rPr lang="en-US" sz="1800" dirty="0" smtClean="0"/>
-              <a:t> </a:t>
-            </a:r>
-            <a:r>
-              <a:rPr lang="en-US" sz="1800" dirty="0" smtClean="0"/>
-              <a:t>Sofia </a:t>
+              <a:t> Sofia </a:t>
             </a:r>
             <a:r>
               <a:rPr lang="en-US" sz="1800" dirty="0" err="1" smtClean="0"/>
@@ -14079,11 +17107,7 @@
             </a:r>
             <a:r>
               <a:rPr lang="de-DE" sz="1500" dirty="0" smtClean="0"/>
-              <a:t>ändern und </a:t>
-            </a:r>
-            <a:r>
-              <a:rPr lang="de-DE" sz="1500" dirty="0" smtClean="0"/>
-              <a:t>den SMS Service einrichten.</a:t>
+              <a:t>ändern und den SMS Service einrichten.</a:t>
             </a:r>
             <a:endParaRPr lang="de-DE" sz="1800" dirty="0"/>
           </a:p>
@@ -14125,7 +17149,6 @@
               <a:rPr lang="de-DE" sz="1500" dirty="0" smtClean="0"/>
               <a:t>-Pools BIB 3 um den Professor des Lehrstuhl zu erreichen.</a:t>
             </a:r>
-            <a:endParaRPr lang="de-DE" sz="1500" dirty="0" smtClean="0"/>
           </a:p>
           <a:p>
             <a:r>

--- a/Personas und Szenarien/Personas_Redsign_RZ.pptx
+++ b/Personas und Szenarien/Personas_Redsign_RZ.pptx
@@ -437,7 +437,7 @@
             <a:fld id="{9423E4B3-2C73-4EB6-894D-4ED28E44A2E3}" type="datetimeFigureOut">
               <a:rPr lang="de-DE" smtClean="0"/>
               <a:pPr/>
-              <a:t>03.09.2015</a:t>
+              <a:t>09.09.2015</a:t>
             </a:fld>
             <a:endParaRPr lang="de-DE"/>
           </a:p>
@@ -630,7 +630,7 @@
             <a:fld id="{9423E4B3-2C73-4EB6-894D-4ED28E44A2E3}" type="datetimeFigureOut">
               <a:rPr lang="de-DE" smtClean="0"/>
               <a:pPr/>
-              <a:t>03.09.2015</a:t>
+              <a:t>09.09.2015</a:t>
             </a:fld>
             <a:endParaRPr lang="de-DE"/>
           </a:p>
@@ -817,7 +817,7 @@
             <a:fld id="{9423E4B3-2C73-4EB6-894D-4ED28E44A2E3}" type="datetimeFigureOut">
               <a:rPr lang="de-DE" smtClean="0"/>
               <a:pPr/>
-              <a:t>03.09.2015</a:t>
+              <a:t>09.09.2015</a:t>
             </a:fld>
             <a:endParaRPr lang="de-DE"/>
           </a:p>
@@ -1082,7 +1082,7 @@
             <a:fld id="{9423E4B3-2C73-4EB6-894D-4ED28E44A2E3}" type="datetimeFigureOut">
               <a:rPr lang="de-DE" smtClean="0"/>
               <a:pPr/>
-              <a:t>03.09.2015</a:t>
+              <a:t>09.09.2015</a:t>
             </a:fld>
             <a:endParaRPr lang="de-DE"/>
           </a:p>
@@ -1500,7 +1500,7 @@
             <a:fld id="{9423E4B3-2C73-4EB6-894D-4ED28E44A2E3}" type="datetimeFigureOut">
               <a:rPr lang="de-DE" smtClean="0"/>
               <a:pPr/>
-              <a:t>03.09.2015</a:t>
+              <a:t>09.09.2015</a:t>
             </a:fld>
             <a:endParaRPr lang="de-DE"/>
           </a:p>
@@ -1744,7 +1744,7 @@
             <a:fld id="{9423E4B3-2C73-4EB6-894D-4ED28E44A2E3}" type="datetimeFigureOut">
               <a:rPr lang="de-DE" smtClean="0"/>
               <a:pPr/>
-              <a:t>03.09.2015</a:t>
+              <a:t>09.09.2015</a:t>
             </a:fld>
             <a:endParaRPr lang="de-DE"/>
           </a:p>
@@ -1982,7 +1982,7 @@
             <a:fld id="{9423E4B3-2C73-4EB6-894D-4ED28E44A2E3}" type="datetimeFigureOut">
               <a:rPr lang="de-DE" smtClean="0"/>
               <a:pPr/>
-              <a:t>03.09.2015</a:t>
+              <a:t>09.09.2015</a:t>
             </a:fld>
             <a:endParaRPr lang="de-DE"/>
           </a:p>
@@ -2179,7 +2179,7 @@
             <a:fld id="{9423E4B3-2C73-4EB6-894D-4ED28E44A2E3}" type="datetimeFigureOut">
               <a:rPr lang="de-DE" smtClean="0"/>
               <a:pPr/>
-              <a:t>03.09.2015</a:t>
+              <a:t>09.09.2015</a:t>
             </a:fld>
             <a:endParaRPr lang="de-DE"/>
           </a:p>
@@ -2279,7 +2279,7 @@
             <a:fld id="{9423E4B3-2C73-4EB6-894D-4ED28E44A2E3}" type="datetimeFigureOut">
               <a:rPr lang="de-DE" smtClean="0"/>
               <a:pPr/>
-              <a:t>03.09.2015</a:t>
+              <a:t>09.09.2015</a:t>
             </a:fld>
             <a:endParaRPr lang="de-DE"/>
           </a:p>
@@ -2417,7 +2417,7 @@
             <a:fld id="{9423E4B3-2C73-4EB6-894D-4ED28E44A2E3}" type="datetimeFigureOut">
               <a:rPr lang="de-DE" smtClean="0"/>
               <a:pPr/>
-              <a:t>03.09.2015</a:t>
+              <a:t>09.09.2015</a:t>
             </a:fld>
             <a:endParaRPr lang="de-DE"/>
           </a:p>
@@ -2937,7 +2937,7 @@
             <a:fld id="{9423E4B3-2C73-4EB6-894D-4ED28E44A2E3}" type="datetimeFigureOut">
               <a:rPr lang="de-DE" smtClean="0"/>
               <a:pPr/>
-              <a:t>03.09.2015</a:t>
+              <a:t>09.09.2015</a:t>
             </a:fld>
             <a:endParaRPr lang="de-DE"/>
           </a:p>
@@ -3200,7 +3200,7 @@
             <a:fld id="{9423E4B3-2C73-4EB6-894D-4ED28E44A2E3}" type="datetimeFigureOut">
               <a:rPr lang="de-DE" smtClean="0"/>
               <a:pPr/>
-              <a:t>03.09.2015</a:t>
+              <a:t>09.09.2015</a:t>
             </a:fld>
             <a:endParaRPr lang="de-DE"/>
           </a:p>
@@ -7231,11 +7231,7 @@
             </a:r>
             <a:r>
               <a:rPr lang="de-DE" sz="1800" dirty="0" smtClean="0"/>
-              <a:t>Hubert ist 48 Jahre alt und Professor der Literaturwissenschaft an der Universität Regensburg. Seine Frau arbeitet ebenfalls an der Universität als Chemie Professorin. </a:t>
-            </a:r>
-            <a:r>
-              <a:rPr lang="de-DE" sz="1800" dirty="0" smtClean="0"/>
-              <a:t>Ein Kind von ihm studiert noch an der Universität Chemie. Seine restlichen drei Kinder haben bereits fertig studiert und arbeiten in der Wirtschaft. Bei technischen Fragen zu Hause wird bei fragen immer eines der Kinder herangezogen. Auch bei Problemen in der Uni mit Software oder Hardware bezieht Hubert erst seine Kinder mit ein bevor er den Support kontaktiert.</a:t>
+              <a:t>Hubert ist 48 Jahre alt und Professor der Literaturwissenschaft an der Universität Regensburg. Seine Frau arbeitet ebenfalls an der Universität als Chemie Professorin. Ein Kind von ihm studiert noch an der Universität Chemie. Seine restlichen drei Kinder haben bereits fertig studiert und arbeiten in der Wirtschaft. Bei technischen Fragen zu Hause wird bei fragen immer eines der Kinder herangezogen. Auch bei Problemen in der Uni mit Software oder Hardware bezieht Hubert erst seine Kinder mit ein bevor er den Support kontaktiert.</a:t>
             </a:r>
           </a:p>
           <a:p>
@@ -7253,11 +7249,7 @@
           <a:p>
             <a:r>
               <a:rPr lang="de-DE" sz="1800" dirty="0" smtClean="0"/>
-              <a:t>Interessiert ist Hubert vor allem am Softwareangebot.</a:t>
-            </a:r>
-            <a:r>
-              <a:rPr lang="de-DE" sz="1800" dirty="0" smtClean="0"/>
-              <a:t> </a:t>
+              <a:t>Interessiert ist Hubert vor allem am Softwareangebot. </a:t>
             </a:r>
             <a:endParaRPr lang="en-US" sz="1400" dirty="0"/>
           </a:p>
@@ -7383,11 +7375,7 @@
             <a:pPr lvl="1"/>
             <a:r>
               <a:rPr lang="de-DE" sz="1500" dirty="0" smtClean="0"/>
-              <a:t>Hubert ist heute zu Hause und möchte sich ein Programm herunterladen. </a:t>
-            </a:r>
-            <a:r>
-              <a:rPr lang="de-DE" sz="1500" dirty="0" smtClean="0"/>
-              <a:t>Jedoch geht dies nicht ohne VPN. Deswegen informiert sich Hubert wie dies funktioniert und richtet sich seinen VPN Zugang ein.</a:t>
+              <a:t>Hubert ist heute zu Hause und möchte sich ein Programm herunterladen. Jedoch geht dies nicht ohne VPN. Deswegen informiert sich Hubert wie dies funktioniert und richtet sich seinen VPN Zugang ein.</a:t>
             </a:r>
             <a:endParaRPr lang="de-DE" sz="1800" dirty="0" smtClean="0"/>
           </a:p>
@@ -8664,16 +8652,6 @@
                         </a:rPr>
                         <a:t> </a:t>
                       </a:r>
-                      <a:endParaRPr kumimoji="0" lang="en-US" sz="1000" b="0" i="0" u="none" strike="noStrike" cap="none" normalizeH="0" baseline="0" dirty="0" smtClean="0">
-                        <a:ln>
-                          <a:noFill/>
-                        </a:ln>
-                        <a:solidFill>
-                          <a:schemeClr val="tx1"/>
-                        </a:solidFill>
-                        <a:effectLst/>
-                        <a:latin typeface="Arial" charset="0"/>
-                      </a:endParaRPr>
                     </a:p>
                   </a:txBody>
                   <a:tcPr marL="90488" marR="90488" marT="44450" marB="44450" horzOverflow="overflow">
@@ -8906,20 +8884,7 @@
                           <a:effectLst/>
                           <a:latin typeface="Arial" charset="0"/>
                         </a:rPr>
-                        <a:t> </a:t>
-                      </a:r>
-                      <a:r>
-                        <a:rPr kumimoji="0" lang="en-US" sz="1000" b="0" i="0" u="none" strike="noStrike" cap="none" normalizeH="0" baseline="0" dirty="0" smtClean="0">
-                          <a:ln>
-                            <a:noFill/>
-                          </a:ln>
-                          <a:solidFill>
-                            <a:schemeClr val="tx1"/>
-                          </a:solidFill>
-                          <a:effectLst/>
-                          <a:latin typeface="Arial" charset="0"/>
-                        </a:rPr>
-                        <a:t>Solange </a:t>
+                        <a:t> Solange </a:t>
                       </a:r>
                       <a:r>
                         <a:rPr kumimoji="0" lang="en-US" sz="1000" b="0" i="0" u="none" strike="noStrike" cap="none" normalizeH="0" baseline="0" dirty="0" err="1" smtClean="0">
@@ -10241,7 +10206,6 @@
               <a:rPr lang="en-US" sz="1800" dirty="0" smtClean="0"/>
               <a:t>.</a:t>
             </a:r>
-            <a:endParaRPr lang="en-US" sz="1800" dirty="0" smtClean="0"/>
           </a:p>
           <a:p>
             <a:endParaRPr lang="de-DE" sz="1800" dirty="0" smtClean="0"/>
@@ -10384,11 +10348,7 @@
             </a:r>
             <a:r>
               <a:rPr lang="de-DE" sz="1500" dirty="0" smtClean="0"/>
-              <a:t>ändern und </a:t>
-            </a:r>
-            <a:r>
-              <a:rPr lang="de-DE" sz="1500" dirty="0" smtClean="0"/>
-              <a:t>nachsehen wie viele Geräte sie Registriert hat.</a:t>
+              <a:t>ändern und nachsehen wie viele Geräte sie Registriert hat.</a:t>
             </a:r>
             <a:endParaRPr lang="de-DE" sz="1800" dirty="0"/>
           </a:p>
@@ -10406,22 +10366,14 @@
             <a:pPr lvl="1"/>
             <a:r>
               <a:rPr lang="de-DE" sz="1500" dirty="0" smtClean="0"/>
-              <a:t> Franziska benötigt außerdem einen neuen Computer un</a:t>
-            </a:r>
-            <a:r>
-              <a:rPr lang="de-DE" sz="1500" dirty="0" smtClean="0"/>
-              <a:t>d Drucker, weshalb sie sich übers Rechenzentrum informiert wie sie einen bekommt.</a:t>
+              <a:t> Franziska benötigt außerdem einen neuen Computer und Drucker, weshalb sie sich übers Rechenzentrum informiert wie sie einen bekommt.</a:t>
             </a:r>
             <a:endParaRPr lang="de-DE" sz="1500" dirty="0"/>
           </a:p>
           <a:p>
             <a:r>
               <a:rPr lang="de-DE" sz="1800" dirty="0" smtClean="0"/>
-              <a:t>Szenario </a:t>
-            </a:r>
-            <a:r>
-              <a:rPr lang="de-DE" sz="1800" dirty="0" smtClean="0"/>
-              <a:t>3:</a:t>
+              <a:t>Szenario 3:</a:t>
             </a:r>
           </a:p>
           <a:p>
@@ -10435,11 +10387,7 @@
           <a:p>
             <a:r>
               <a:rPr lang="de-DE" sz="1800" dirty="0" smtClean="0"/>
-              <a:t>Szenario </a:t>
-            </a:r>
-            <a:r>
-              <a:rPr lang="de-DE" sz="1800" dirty="0" smtClean="0"/>
-              <a:t>4:</a:t>
+              <a:t>Szenario 4:</a:t>
             </a:r>
             <a:endParaRPr lang="de-DE" sz="1800" dirty="0"/>
           </a:p>
@@ -10449,7 +10397,6 @@
               <a:rPr lang="de-DE" sz="1500" dirty="0" smtClean="0"/>
               <a:t>Nachdem ihr Zugang gewährt wurde, sucht sich Franziska zunächst das Office Paket aus dem Softwarekatalog und wie man dieses installiert.</a:t>
             </a:r>
-            <a:endParaRPr lang="de-DE" sz="1500" dirty="0" smtClean="0"/>
           </a:p>
           <a:p>
             <a:pPr lvl="1"/>
@@ -13374,62 +13321,86 @@
           <a:lstStyle/>
           <a:p>
             <a:r>
-              <a:rPr lang="de-DE" sz="1800" smtClean="0"/>
+              <a:rPr lang="de-DE" sz="1800" dirty="0" smtClean="0"/>
               <a:t>Ziel dieses Dokuments ist die Beschreibung der typischen Nutzer der Rechenzentrumsseite der Universität Regensburg</a:t>
             </a:r>
           </a:p>
           <a:p>
             <a:pPr lvl="1"/>
             <a:r>
-              <a:rPr lang="de-DE" sz="1600" smtClean="0"/>
+              <a:rPr lang="de-DE" sz="1600" dirty="0" smtClean="0"/>
               <a:t>Die beschriebenen Persona dienen der verbesserten Kommunikation innerhalb des Entwicklungsteams und ermöglicht Rückbezug, wenn fragen zu Informationsarchitektur zu treffen sind („Braucht dieser Nutzer wirklich diese Information?“)</a:t>
             </a:r>
           </a:p>
           <a:p>
             <a:pPr lvl="1"/>
             <a:r>
-              <a:rPr lang="de-DE" sz="1600" smtClean="0"/>
+              <a:rPr lang="de-DE" sz="1600" dirty="0" smtClean="0"/>
               <a:t>Die hier dargestellten Persona wurden aus den folgenden Dokumenten abgeleitet:</a:t>
             </a:r>
           </a:p>
           <a:p>
             <a:pPr lvl="2"/>
             <a:r>
+              <a:rPr lang="de-DE" sz="1300" dirty="0" smtClean="0"/>
+              <a:t>Fragebögen</a:t>
+            </a:r>
+          </a:p>
+          <a:p>
+            <a:pPr lvl="2"/>
+            <a:r>
+              <a:rPr lang="de-DE" sz="1300" dirty="0" smtClean="0"/>
+              <a:t>Nutzerinterviews</a:t>
+            </a:r>
+          </a:p>
+          <a:p>
+            <a:pPr lvl="2"/>
+            <a:r>
+              <a:rPr lang="de-DE" sz="1300" dirty="0" smtClean="0"/>
+              <a:t>Fokusgruppen</a:t>
+            </a:r>
+          </a:p>
+          <a:p>
+            <a:pPr lvl="2"/>
+            <a:r>
+              <a:rPr lang="de-DE" sz="1300" dirty="0" smtClean="0"/>
+              <a:t>User &amp; Task </a:t>
+            </a:r>
+            <a:r>
+              <a:rPr lang="de-DE" sz="1300" dirty="0" smtClean="0"/>
+              <a:t>Analyse</a:t>
+            </a:r>
+          </a:p>
+          <a:p>
+            <a:pPr lvl="2"/>
+            <a:r>
+              <a:rPr lang="de-DE" sz="1300" dirty="0" err="1" smtClean="0"/>
+              <a:t>Piwik</a:t>
+            </a:r>
+            <a:r>
               <a:rPr lang="de-DE" sz="1300" smtClean="0"/>
-              <a:t>Fragebögen</a:t>
-            </a:r>
-          </a:p>
-          <a:p>
-            <a:pPr lvl="2"/>
-            <a:r>
-              <a:rPr lang="de-DE" sz="1300" smtClean="0"/>
-              <a:t>Nutzerinterviews</a:t>
-            </a:r>
-          </a:p>
-          <a:p>
-            <a:pPr lvl="2"/>
-            <a:r>
-              <a:rPr lang="de-DE" sz="1300" smtClean="0"/>
-              <a:t>Fokusgruppen</a:t>
-            </a:r>
-          </a:p>
-          <a:p>
-            <a:pPr lvl="2"/>
-            <a:r>
-              <a:rPr lang="de-DE" sz="1300" smtClean="0"/>
-              <a:t>User &amp; Task Analyse</a:t>
-            </a:r>
+              <a:t> Analyse</a:t>
+            </a:r>
+            <a:endParaRPr lang="de-DE" sz="1300" smtClean="0"/>
           </a:p>
           <a:p>
             <a:pPr lvl="2">
               <a:buNone/>
             </a:pPr>
-            <a:endParaRPr lang="de-DE" sz="1300" smtClean="0"/>
-          </a:p>
-          <a:p>
-            <a:r>
-              <a:rPr lang="de-DE" sz="1900" smtClean="0"/>
-              <a:t>Was sind Personas?</a:t>
+            <a:endParaRPr lang="de-DE" sz="1300" dirty="0" smtClean="0"/>
+          </a:p>
+          <a:p>
+            <a:r>
+              <a:rPr lang="de-DE" sz="1900" dirty="0" smtClean="0"/>
+              <a:t>Was sind </a:t>
+            </a:r>
+            <a:r>
+              <a:rPr lang="de-DE" sz="1900" dirty="0" err="1" smtClean="0"/>
+              <a:t>Personas</a:t>
+            </a:r>
+            <a:r>
+              <a:rPr lang="de-DE" sz="1900" dirty="0" smtClean="0"/>
+              <a:t>?</a:t>
             </a:r>
           </a:p>
           <a:p>
@@ -13439,83 +13410,75 @@
               </a:lnSpc>
             </a:pPr>
             <a:r>
-              <a:rPr lang="en-US" sz="1200" err="1" smtClean="0"/>
+              <a:rPr lang="en-US" sz="1200" dirty="0" err="1" smtClean="0"/>
               <a:t>Typische</a:t>
             </a:r>
             <a:r>
-              <a:rPr lang="en-US" sz="1200" smtClean="0"/>
+              <a:rPr lang="en-US" sz="1200" dirty="0" smtClean="0"/>
               <a:t> User </a:t>
             </a:r>
             <a:r>
-              <a:rPr lang="en-US" sz="1200" err="1" smtClean="0"/>
+              <a:rPr lang="en-US" sz="1200" dirty="0" err="1" smtClean="0"/>
               <a:t>basierend</a:t>
             </a:r>
             <a:r>
-              <a:rPr lang="en-US" sz="1200" smtClean="0"/>
+              <a:rPr lang="en-US" sz="1200" dirty="0" smtClean="0"/>
               <a:t> auf </a:t>
             </a:r>
             <a:r>
-              <a:rPr lang="en-US" sz="1200" err="1" smtClean="0"/>
+              <a:rPr lang="en-US" sz="1200" dirty="0" err="1" smtClean="0"/>
               <a:t>tatsächlichen</a:t>
             </a:r>
             <a:r>
-              <a:rPr lang="en-US" sz="1200" smtClean="0"/>
+              <a:rPr lang="en-US" sz="1200" dirty="0" smtClean="0"/>
               <a:t> </a:t>
             </a:r>
             <a:r>
-              <a:rPr lang="en-US" sz="1200" err="1" smtClean="0"/>
+              <a:rPr lang="en-US" sz="1200" dirty="0" err="1" smtClean="0"/>
               <a:t>Nutzerdaten</a:t>
             </a:r>
             <a:r>
-              <a:rPr lang="en-US" sz="1200" smtClean="0"/>
+              <a:rPr lang="en-US" sz="1200" dirty="0" smtClean="0"/>
               <a:t> – </a:t>
             </a:r>
             <a:r>
-              <a:rPr lang="en-US" sz="1200" err="1" smtClean="0"/>
+              <a:rPr lang="en-US" sz="1200" dirty="0" err="1" smtClean="0"/>
               <a:t>Wer</a:t>
             </a:r>
             <a:r>
-              <a:rPr lang="en-US" sz="1200" smtClean="0"/>
+              <a:rPr lang="en-US" sz="1200" dirty="0" smtClean="0"/>
               <a:t> </a:t>
             </a:r>
             <a:r>
-              <a:rPr lang="en-US" sz="1200" err="1" smtClean="0"/>
+              <a:rPr lang="en-US" sz="1200" dirty="0" err="1" smtClean="0"/>
               <a:t>ist</a:t>
             </a:r>
             <a:r>
-              <a:rPr lang="en-US" sz="1200" smtClean="0"/>
+              <a:rPr lang="en-US" sz="1200" dirty="0" smtClean="0"/>
+              <a:t> der User, was </a:t>
+            </a:r>
+            <a:r>
+              <a:rPr lang="en-US" sz="1200" dirty="0" err="1" smtClean="0"/>
+              <a:t>sind</a:t>
+            </a:r>
+            <a:r>
+              <a:rPr lang="en-US" sz="1200" dirty="0" smtClean="0"/>
+              <a:t> seine/</a:t>
+            </a:r>
+            <a:r>
+              <a:rPr lang="en-US" sz="1200" dirty="0" err="1" smtClean="0"/>
+              <a:t>ihre</a:t>
+            </a:r>
+            <a:r>
+              <a:rPr lang="en-US" sz="1200" dirty="0" smtClean="0"/>
               <a:t> </a:t>
             </a:r>
             <a:r>
-              <a:rPr lang="en-US" sz="1200" err="1" smtClean="0"/>
-              <a:t>der</a:t>
-            </a:r>
-            <a:r>
-              <a:rPr lang="en-US" sz="1200" smtClean="0"/>
-              <a:t> User, was </a:t>
-            </a:r>
-            <a:r>
-              <a:rPr lang="en-US" sz="1200" err="1" smtClean="0"/>
-              <a:t>sind</a:t>
-            </a:r>
-            <a:r>
-              <a:rPr lang="en-US" sz="1200" smtClean="0"/>
-              <a:t> seine/</a:t>
-            </a:r>
-            <a:r>
-              <a:rPr lang="en-US" sz="1200" err="1" smtClean="0"/>
-              <a:t>ihre</a:t>
-            </a:r>
-            <a:r>
-              <a:rPr lang="en-US" sz="1200" smtClean="0"/>
-              <a:t> </a:t>
-            </a:r>
-            <a:r>
-              <a:rPr lang="en-US" sz="1200" err="1" smtClean="0"/>
+              <a:rPr lang="en-US" sz="1200" dirty="0" err="1" smtClean="0"/>
               <a:t>Ziele</a:t>
             </a:r>
             <a:r>
-              <a:rPr lang="en-US" sz="1200" smtClean="0"/>
+              <a:rPr lang="en-US" sz="1200" dirty="0" smtClean="0"/>
               <a:t>?</a:t>
             </a:r>
           </a:p>
@@ -13526,34 +13489,34 @@
               </a:lnSpc>
             </a:pPr>
             <a:r>
-              <a:rPr lang="en-US" sz="1200" err="1" smtClean="0"/>
+              <a:rPr lang="en-US" sz="1200" dirty="0" err="1" smtClean="0"/>
               <a:t>Stellen</a:t>
             </a:r>
             <a:r>
-              <a:rPr lang="en-US" sz="1200" smtClean="0"/>
+              <a:rPr lang="en-US" sz="1200" dirty="0" smtClean="0"/>
               <a:t> </a:t>
             </a:r>
             <a:r>
-              <a:rPr lang="en-US" sz="1200" err="1" smtClean="0"/>
+              <a:rPr lang="en-US" sz="1200" dirty="0" err="1" smtClean="0"/>
               <a:t>gemeinsames</a:t>
             </a:r>
             <a:r>
-              <a:rPr lang="en-US" sz="1200" smtClean="0"/>
+              <a:rPr lang="en-US" sz="1200" dirty="0" smtClean="0"/>
               <a:t> </a:t>
             </a:r>
             <a:r>
-              <a:rPr lang="en-US" sz="1200" err="1" smtClean="0"/>
+              <a:rPr lang="en-US" sz="1200" dirty="0" err="1" smtClean="0"/>
               <a:t>Verständnis</a:t>
             </a:r>
             <a:r>
-              <a:rPr lang="en-US" sz="1200" smtClean="0"/>
+              <a:rPr lang="en-US" sz="1200" dirty="0" smtClean="0"/>
               <a:t> </a:t>
             </a:r>
             <a:r>
-              <a:rPr lang="en-US" sz="1200" err="1" smtClean="0"/>
+              <a:rPr lang="en-US" sz="1200" dirty="0" err="1" smtClean="0"/>
               <a:t>sicher</a:t>
             </a:r>
-            <a:endParaRPr lang="en-US" sz="1200" smtClean="0"/>
+            <a:endParaRPr lang="en-US" sz="1200" dirty="0" smtClean="0"/>
           </a:p>
           <a:p>
             <a:pPr lvl="2">
@@ -13562,66 +13525,66 @@
               </a:lnSpc>
             </a:pPr>
             <a:r>
-              <a:rPr lang="en-US" sz="1200" err="1" smtClean="0"/>
+              <a:rPr lang="en-US" sz="1200" dirty="0" err="1" smtClean="0"/>
               <a:t>Eine</a:t>
             </a:r>
             <a:r>
-              <a:rPr lang="en-US" sz="1200" smtClean="0"/>
+              <a:rPr lang="en-US" sz="1200" dirty="0" smtClean="0"/>
               <a:t> Persona </a:t>
             </a:r>
             <a:r>
-              <a:rPr lang="en-US" sz="1200" err="1" smtClean="0"/>
+              <a:rPr lang="en-US" sz="1200" dirty="0" err="1" smtClean="0"/>
               <a:t>steht</a:t>
             </a:r>
             <a:r>
-              <a:rPr lang="en-US" sz="1200" smtClean="0"/>
+              <a:rPr lang="en-US" sz="1200" dirty="0" smtClean="0"/>
               <a:t> </a:t>
             </a:r>
             <a:r>
-              <a:rPr lang="en-US" sz="1200" err="1" smtClean="0"/>
+              <a:rPr lang="en-US" sz="1200" dirty="0" err="1" smtClean="0"/>
               <a:t>stellvertrend</a:t>
             </a:r>
             <a:r>
-              <a:rPr lang="en-US" sz="1200" smtClean="0"/>
+              <a:rPr lang="en-US" sz="1200" dirty="0" smtClean="0"/>
               <a:t> </a:t>
             </a:r>
             <a:r>
-              <a:rPr lang="en-US" sz="1200" err="1" smtClean="0"/>
+              <a:rPr lang="en-US" sz="1200" dirty="0" err="1" smtClean="0"/>
               <a:t>für</a:t>
             </a:r>
             <a:r>
-              <a:rPr lang="en-US" sz="1200" smtClean="0"/>
+              <a:rPr lang="en-US" sz="1200" dirty="0" smtClean="0"/>
               <a:t> </a:t>
             </a:r>
             <a:r>
-              <a:rPr lang="en-US" sz="1200" err="1" smtClean="0"/>
+              <a:rPr lang="en-US" sz="1200" dirty="0" err="1" smtClean="0"/>
               <a:t>eine</a:t>
             </a:r>
             <a:r>
-              <a:rPr lang="en-US" sz="1200" smtClean="0"/>
+              <a:rPr lang="en-US" sz="1200" dirty="0" smtClean="0"/>
               <a:t> </a:t>
             </a:r>
             <a:r>
-              <a:rPr lang="en-US" sz="1200" err="1" smtClean="0"/>
+              <a:rPr lang="en-US" sz="1200" dirty="0" err="1" smtClean="0"/>
               <a:t>größere</a:t>
             </a:r>
             <a:r>
-              <a:rPr lang="en-US" sz="1200" smtClean="0"/>
+              <a:rPr lang="en-US" sz="1200" dirty="0" smtClean="0"/>
               <a:t> </a:t>
             </a:r>
             <a:r>
-              <a:rPr lang="en-US" sz="1200" err="1" smtClean="0"/>
+              <a:rPr lang="en-US" sz="1200" dirty="0" err="1" smtClean="0"/>
               <a:t>Klasse</a:t>
             </a:r>
             <a:r>
-              <a:rPr lang="en-US" sz="1200" smtClean="0"/>
+              <a:rPr lang="en-US" sz="1200" dirty="0" smtClean="0"/>
               <a:t> von </a:t>
             </a:r>
             <a:r>
-              <a:rPr lang="en-US" sz="1200" err="1" smtClean="0"/>
+              <a:rPr lang="en-US" sz="1200" dirty="0" err="1" smtClean="0"/>
               <a:t>Nutzern</a:t>
             </a:r>
-            <a:endParaRPr lang="en-US" sz="1200" smtClean="0"/>
+            <a:endParaRPr lang="en-US" sz="1200" dirty="0" smtClean="0"/>
           </a:p>
         </p:txBody>
       </p:sp>
